--- a/Final Presentation.pptx
+++ b/Final Presentation.pptx
@@ -5,7 +5,7 @@
     <p:sldMasterId id="2147483650" r:id="rId1"/>
   </p:sldMasterIdLst>
   <p:notesMasterIdLst>
-    <p:notesMasterId r:id="rId17"/>
+    <p:notesMasterId r:id="rId31"/>
   </p:notesMasterIdLst>
   <p:sldIdLst>
     <p:sldId id="300" r:id="rId2"/>
@@ -23,16 +23,30 @@
     <p:sldId id="319" r:id="rId14"/>
     <p:sldId id="316" r:id="rId15"/>
     <p:sldId id="320" r:id="rId16"/>
+    <p:sldId id="322" r:id="rId17"/>
+    <p:sldId id="323" r:id="rId18"/>
+    <p:sldId id="324" r:id="rId19"/>
+    <p:sldId id="325" r:id="rId20"/>
+    <p:sldId id="326" r:id="rId21"/>
+    <p:sldId id="328" r:id="rId22"/>
+    <p:sldId id="329" r:id="rId23"/>
+    <p:sldId id="330" r:id="rId24"/>
+    <p:sldId id="331" r:id="rId25"/>
+    <p:sldId id="332" r:id="rId26"/>
+    <p:sldId id="333" r:id="rId27"/>
+    <p:sldId id="334" r:id="rId28"/>
+    <p:sldId id="335" r:id="rId29"/>
+    <p:sldId id="336" r:id="rId30"/>
   </p:sldIdLst>
   <p:sldSz cx="24377650" cy="13716000"/>
   <p:notesSz cx="6858000" cy="9144000"/>
   <p:embeddedFontLst>
     <p:embeddedFont>
-      <p:font typeface="Nunito" panose="020B0604020202020204" charset="0"/>
-      <p:regular r:id="rId18"/>
-      <p:bold r:id="rId19"/>
-      <p:italic r:id="rId20"/>
-      <p:boldItalic r:id="rId21"/>
+      <p:font typeface="Nunito" pitchFamily="2" charset="77"/>
+      <p:regular r:id="rId32"/>
+      <p:bold r:id="rId33"/>
+      <p:italic r:id="rId34"/>
+      <p:boldItalic r:id="rId35"/>
     </p:embeddedFont>
   </p:embeddedFontLst>
   <p:defaultTextStyle>
@@ -2330,6 +2344,746 @@
 </p:notes>
 </file>
 
+<file path=ppt/notesSlides/notesSlide15.xml><?xml version="1.0" encoding="utf-8"?>
+<p:notes xmlns:a="http://schemas.openxmlformats.org/drawingml/2006/main" xmlns:r="http://schemas.openxmlformats.org/officeDocument/2006/relationships" xmlns:p="http://schemas.openxmlformats.org/presentationml/2006/main" showMasterSp="0" showMasterPhAnim="0">
+  <p:cSld>
+    <p:spTree>
+      <p:nvGrpSpPr>
+        <p:cNvPr id="1" name="Shape 174"/>
+        <p:cNvGrpSpPr/>
+        <p:nvPr/>
+      </p:nvGrpSpPr>
+      <p:grpSpPr>
+        <a:xfrm>
+          <a:off x="0" y="0"/>
+          <a:ext cx="0" cy="0"/>
+          <a:chOff x="0" y="0"/>
+          <a:chExt cx="0" cy="0"/>
+        </a:xfrm>
+      </p:grpSpPr>
+      <p:sp>
+        <p:nvSpPr>
+          <p:cNvPr id="175" name="Google Shape;175;p16:notes"/>
+          <p:cNvSpPr>
+            <a:spLocks noGrp="1" noRot="1" noChangeAspect="1"/>
+          </p:cNvSpPr>
+          <p:nvPr>
+            <p:ph type="sldImg" idx="2"/>
+          </p:nvPr>
+        </p:nvSpPr>
+        <p:spPr>
+          <a:xfrm>
+            <a:off x="-16989425" y="-11796713"/>
+            <a:ext cx="22153563" cy="12465051"/>
+          </a:xfrm>
+          <a:custGeom>
+            <a:avLst/>
+            <a:gdLst/>
+            <a:ahLst/>
+            <a:cxnLst/>
+            <a:rect l="l" t="t" r="r" b="b"/>
+            <a:pathLst>
+              <a:path w="120000" h="120000" extrusionOk="0">
+                <a:moveTo>
+                  <a:pt x="0" y="0"/>
+                </a:moveTo>
+                <a:lnTo>
+                  <a:pt x="120000" y="0"/>
+                </a:lnTo>
+                <a:lnTo>
+                  <a:pt x="120000" y="120000"/>
+                </a:lnTo>
+                <a:lnTo>
+                  <a:pt x="0" y="120000"/>
+                </a:lnTo>
+                <a:close/>
+              </a:path>
+            </a:pathLst>
+          </a:custGeom>
+          <a:solidFill>
+            <a:srgbClr val="FFFFFF"/>
+          </a:solidFill>
+          <a:ln w="9525" cap="flat" cmpd="sng">
+            <a:solidFill>
+              <a:srgbClr val="000000"/>
+            </a:solidFill>
+            <a:prstDash val="solid"/>
+            <a:miter lim="8000"/>
+            <a:headEnd type="none" w="sm" len="sm"/>
+            <a:tailEnd type="none" w="sm" len="sm"/>
+          </a:ln>
+        </p:spPr>
+      </p:sp>
+      <p:sp>
+        <p:nvSpPr>
+          <p:cNvPr id="176" name="Google Shape;176;p16:notes"/>
+          <p:cNvSpPr txBox="1">
+            <a:spLocks noGrp="1"/>
+          </p:cNvSpPr>
+          <p:nvPr>
+            <p:ph type="body" idx="1"/>
+          </p:nvPr>
+        </p:nvSpPr>
+        <p:spPr>
+          <a:xfrm>
+            <a:off x="685800" y="4343400"/>
+            <a:ext cx="5457825" cy="4086225"/>
+          </a:xfrm>
+          <a:prstGeom prst="rect">
+            <a:avLst/>
+          </a:prstGeom>
+          <a:noFill/>
+          <a:ln>
+            <a:noFill/>
+          </a:ln>
+        </p:spPr>
+        <p:txBody>
+          <a:bodyPr spcFirstLastPara="1" wrap="square" lIns="91425" tIns="45700" rIns="91425" bIns="45700" anchor="ctr" anchorCtr="0">
+            <a:noAutofit/>
+          </a:bodyPr>
+          <a:lstStyle/>
+          <a:p>
+            <a:pPr marL="0" marR="0" lvl="0" indent="0" algn="l" rtl="0">
+              <a:spcBef>
+                <a:spcPts val="0"/>
+              </a:spcBef>
+              <a:spcAft>
+                <a:spcPts val="0"/>
+              </a:spcAft>
+              <a:buNone/>
+            </a:pPr>
+            <a:r>
+              <a:rPr lang="en-US" sz="2400" b="0" i="0" u="none" strike="noStrike" cap="none" dirty="0">
+                <a:solidFill>
+                  <a:schemeClr val="dk1"/>
+                </a:solidFill>
+                <a:latin typeface="Nunito"/>
+                <a:ea typeface="Nunito"/>
+                <a:cs typeface="Nunito"/>
+                <a:sym typeface="Nunito"/>
+              </a:rPr>
+              <a:t>Yousef</a:t>
+            </a:r>
+          </a:p>
+        </p:txBody>
+      </p:sp>
+    </p:spTree>
+    <p:extLst>
+      <p:ext uri="{BB962C8B-B14F-4D97-AF65-F5344CB8AC3E}">
+        <p14:creationId xmlns:p14="http://schemas.microsoft.com/office/powerpoint/2010/main" val="612916043"/>
+      </p:ext>
+    </p:extLst>
+  </p:cSld>
+  <p:clrMapOvr>
+    <a:masterClrMapping/>
+  </p:clrMapOvr>
+</p:notes>
+</file>
+
+<file path=ppt/notesSlides/notesSlide16.xml><?xml version="1.0" encoding="utf-8"?>
+<p:notes xmlns:a="http://schemas.openxmlformats.org/drawingml/2006/main" xmlns:r="http://schemas.openxmlformats.org/officeDocument/2006/relationships" xmlns:p="http://schemas.openxmlformats.org/presentationml/2006/main" showMasterSp="0" showMasterPhAnim="0">
+  <p:cSld>
+    <p:spTree>
+      <p:nvGrpSpPr>
+        <p:cNvPr id="1" name="Shape 174"/>
+        <p:cNvGrpSpPr/>
+        <p:nvPr/>
+      </p:nvGrpSpPr>
+      <p:grpSpPr>
+        <a:xfrm>
+          <a:off x="0" y="0"/>
+          <a:ext cx="0" cy="0"/>
+          <a:chOff x="0" y="0"/>
+          <a:chExt cx="0" cy="0"/>
+        </a:xfrm>
+      </p:grpSpPr>
+      <p:sp>
+        <p:nvSpPr>
+          <p:cNvPr id="175" name="Google Shape;175;p16:notes"/>
+          <p:cNvSpPr>
+            <a:spLocks noGrp="1" noRot="1" noChangeAspect="1"/>
+          </p:cNvSpPr>
+          <p:nvPr>
+            <p:ph type="sldImg" idx="2"/>
+          </p:nvPr>
+        </p:nvSpPr>
+        <p:spPr>
+          <a:xfrm>
+            <a:off x="-16989425" y="-11796713"/>
+            <a:ext cx="22153563" cy="12465051"/>
+          </a:xfrm>
+          <a:custGeom>
+            <a:avLst/>
+            <a:gdLst/>
+            <a:ahLst/>
+            <a:cxnLst/>
+            <a:rect l="l" t="t" r="r" b="b"/>
+            <a:pathLst>
+              <a:path w="120000" h="120000" extrusionOk="0">
+                <a:moveTo>
+                  <a:pt x="0" y="0"/>
+                </a:moveTo>
+                <a:lnTo>
+                  <a:pt x="120000" y="0"/>
+                </a:lnTo>
+                <a:lnTo>
+                  <a:pt x="120000" y="120000"/>
+                </a:lnTo>
+                <a:lnTo>
+                  <a:pt x="0" y="120000"/>
+                </a:lnTo>
+                <a:close/>
+              </a:path>
+            </a:pathLst>
+          </a:custGeom>
+          <a:solidFill>
+            <a:srgbClr val="FFFFFF"/>
+          </a:solidFill>
+          <a:ln w="9525" cap="flat" cmpd="sng">
+            <a:solidFill>
+              <a:srgbClr val="000000"/>
+            </a:solidFill>
+            <a:prstDash val="solid"/>
+            <a:miter lim="8000"/>
+            <a:headEnd type="none" w="sm" len="sm"/>
+            <a:tailEnd type="none" w="sm" len="sm"/>
+          </a:ln>
+        </p:spPr>
+      </p:sp>
+      <p:sp>
+        <p:nvSpPr>
+          <p:cNvPr id="176" name="Google Shape;176;p16:notes"/>
+          <p:cNvSpPr txBox="1">
+            <a:spLocks noGrp="1"/>
+          </p:cNvSpPr>
+          <p:nvPr>
+            <p:ph type="body" idx="1"/>
+          </p:nvPr>
+        </p:nvSpPr>
+        <p:spPr>
+          <a:xfrm>
+            <a:off x="685800" y="4343400"/>
+            <a:ext cx="5457825" cy="4086225"/>
+          </a:xfrm>
+          <a:prstGeom prst="rect">
+            <a:avLst/>
+          </a:prstGeom>
+          <a:noFill/>
+          <a:ln>
+            <a:noFill/>
+          </a:ln>
+        </p:spPr>
+        <p:txBody>
+          <a:bodyPr spcFirstLastPara="1" wrap="square" lIns="91425" tIns="45700" rIns="91425" bIns="45700" anchor="ctr" anchorCtr="0">
+            <a:noAutofit/>
+          </a:bodyPr>
+          <a:lstStyle/>
+          <a:p>
+            <a:pPr marL="0" marR="0" lvl="0" indent="0" algn="l" rtl="0">
+              <a:spcBef>
+                <a:spcPts val="0"/>
+              </a:spcBef>
+              <a:spcAft>
+                <a:spcPts val="0"/>
+              </a:spcAft>
+              <a:buNone/>
+            </a:pPr>
+            <a:r>
+              <a:rPr lang="en-US" sz="2400" b="0" i="0" u="none" strike="noStrike" cap="none" dirty="0">
+                <a:solidFill>
+                  <a:schemeClr val="dk1"/>
+                </a:solidFill>
+                <a:latin typeface="Nunito"/>
+                <a:ea typeface="Nunito"/>
+                <a:cs typeface="Nunito"/>
+                <a:sym typeface="Nunito"/>
+              </a:rPr>
+              <a:t>Yousef</a:t>
+            </a:r>
+          </a:p>
+        </p:txBody>
+      </p:sp>
+    </p:spTree>
+    <p:extLst>
+      <p:ext uri="{BB962C8B-B14F-4D97-AF65-F5344CB8AC3E}">
+        <p14:creationId xmlns:p14="http://schemas.microsoft.com/office/powerpoint/2010/main" val="1539044100"/>
+      </p:ext>
+    </p:extLst>
+  </p:cSld>
+  <p:clrMapOvr>
+    <a:masterClrMapping/>
+  </p:clrMapOvr>
+</p:notes>
+</file>
+
+<file path=ppt/notesSlides/notesSlide17.xml><?xml version="1.0" encoding="utf-8"?>
+<p:notes xmlns:a="http://schemas.openxmlformats.org/drawingml/2006/main" xmlns:r="http://schemas.openxmlformats.org/officeDocument/2006/relationships" xmlns:p="http://schemas.openxmlformats.org/presentationml/2006/main" showMasterSp="0" showMasterPhAnim="0">
+  <p:cSld>
+    <p:spTree>
+      <p:nvGrpSpPr>
+        <p:cNvPr id="1" name="Shape 174"/>
+        <p:cNvGrpSpPr/>
+        <p:nvPr/>
+      </p:nvGrpSpPr>
+      <p:grpSpPr>
+        <a:xfrm>
+          <a:off x="0" y="0"/>
+          <a:ext cx="0" cy="0"/>
+          <a:chOff x="0" y="0"/>
+          <a:chExt cx="0" cy="0"/>
+        </a:xfrm>
+      </p:grpSpPr>
+      <p:sp>
+        <p:nvSpPr>
+          <p:cNvPr id="175" name="Google Shape;175;p16:notes"/>
+          <p:cNvSpPr>
+            <a:spLocks noGrp="1" noRot="1" noChangeAspect="1"/>
+          </p:cNvSpPr>
+          <p:nvPr>
+            <p:ph type="sldImg" idx="2"/>
+          </p:nvPr>
+        </p:nvSpPr>
+        <p:spPr>
+          <a:xfrm>
+            <a:off x="-16989425" y="-11796713"/>
+            <a:ext cx="22153563" cy="12465051"/>
+          </a:xfrm>
+          <a:custGeom>
+            <a:avLst/>
+            <a:gdLst/>
+            <a:ahLst/>
+            <a:cxnLst/>
+            <a:rect l="l" t="t" r="r" b="b"/>
+            <a:pathLst>
+              <a:path w="120000" h="120000" extrusionOk="0">
+                <a:moveTo>
+                  <a:pt x="0" y="0"/>
+                </a:moveTo>
+                <a:lnTo>
+                  <a:pt x="120000" y="0"/>
+                </a:lnTo>
+                <a:lnTo>
+                  <a:pt x="120000" y="120000"/>
+                </a:lnTo>
+                <a:lnTo>
+                  <a:pt x="0" y="120000"/>
+                </a:lnTo>
+                <a:close/>
+              </a:path>
+            </a:pathLst>
+          </a:custGeom>
+          <a:solidFill>
+            <a:srgbClr val="FFFFFF"/>
+          </a:solidFill>
+          <a:ln w="9525" cap="flat" cmpd="sng">
+            <a:solidFill>
+              <a:srgbClr val="000000"/>
+            </a:solidFill>
+            <a:prstDash val="solid"/>
+            <a:miter lim="8000"/>
+            <a:headEnd type="none" w="sm" len="sm"/>
+            <a:tailEnd type="none" w="sm" len="sm"/>
+          </a:ln>
+        </p:spPr>
+      </p:sp>
+      <p:sp>
+        <p:nvSpPr>
+          <p:cNvPr id="176" name="Google Shape;176;p16:notes"/>
+          <p:cNvSpPr txBox="1">
+            <a:spLocks noGrp="1"/>
+          </p:cNvSpPr>
+          <p:nvPr>
+            <p:ph type="body" idx="1"/>
+          </p:nvPr>
+        </p:nvSpPr>
+        <p:spPr>
+          <a:xfrm>
+            <a:off x="685800" y="4343400"/>
+            <a:ext cx="5457825" cy="4086225"/>
+          </a:xfrm>
+          <a:prstGeom prst="rect">
+            <a:avLst/>
+          </a:prstGeom>
+          <a:noFill/>
+          <a:ln>
+            <a:noFill/>
+          </a:ln>
+        </p:spPr>
+        <p:txBody>
+          <a:bodyPr spcFirstLastPara="1" wrap="square" lIns="91425" tIns="45700" rIns="91425" bIns="45700" anchor="ctr" anchorCtr="0">
+            <a:noAutofit/>
+          </a:bodyPr>
+          <a:lstStyle/>
+          <a:p>
+            <a:pPr marL="0" marR="0" lvl="0" indent="0" algn="l" defTabSz="914400" rtl="0" eaLnBrk="1" fontAlgn="auto" latinLnBrk="0" hangingPunct="1">
+              <a:lnSpc>
+                <a:spcPct val="100000"/>
+              </a:lnSpc>
+              <a:spcBef>
+                <a:spcPts val="0"/>
+              </a:spcBef>
+              <a:spcAft>
+                <a:spcPts val="0"/>
+              </a:spcAft>
+              <a:buClr>
+                <a:srgbClr val="000000"/>
+              </a:buClr>
+              <a:buSzPts val="1400"/>
+              <a:buFont typeface="Arial"/>
+              <a:buNone/>
+              <a:tabLst/>
+              <a:defRPr/>
+            </a:pPr>
+            <a:r>
+              <a:rPr lang="en-US" sz="2400" b="0" i="0" u="none" strike="noStrike" cap="none" dirty="0">
+                <a:solidFill>
+                  <a:schemeClr val="dk1"/>
+                </a:solidFill>
+                <a:latin typeface="Nunito"/>
+                <a:ea typeface="Nunito"/>
+                <a:cs typeface="Nunito"/>
+                <a:sym typeface="Nunito"/>
+              </a:rPr>
+              <a:t>Yousef</a:t>
+            </a:r>
+          </a:p>
+          <a:p>
+            <a:pPr marL="0" marR="0" lvl="0" indent="0" algn="l" rtl="0">
+              <a:spcBef>
+                <a:spcPts val="0"/>
+              </a:spcBef>
+              <a:spcAft>
+                <a:spcPts val="0"/>
+              </a:spcAft>
+              <a:buNone/>
+            </a:pPr>
+            <a:endParaRPr lang="en-US" sz="2400" b="0" i="0" u="none" strike="noStrike" cap="none" dirty="0">
+              <a:solidFill>
+                <a:schemeClr val="dk1"/>
+              </a:solidFill>
+              <a:latin typeface="Nunito"/>
+              <a:ea typeface="Nunito"/>
+              <a:cs typeface="Nunito"/>
+              <a:sym typeface="Nunito"/>
+            </a:endParaRPr>
+          </a:p>
+        </p:txBody>
+      </p:sp>
+    </p:spTree>
+    <p:extLst>
+      <p:ext uri="{BB962C8B-B14F-4D97-AF65-F5344CB8AC3E}">
+        <p14:creationId xmlns:p14="http://schemas.microsoft.com/office/powerpoint/2010/main" val="3801999966"/>
+      </p:ext>
+    </p:extLst>
+  </p:cSld>
+  <p:clrMapOvr>
+    <a:masterClrMapping/>
+  </p:clrMapOvr>
+</p:notes>
+</file>
+
+<file path=ppt/notesSlides/notesSlide18.xml><?xml version="1.0" encoding="utf-8"?>
+<p:notes xmlns:a="http://schemas.openxmlformats.org/drawingml/2006/main" xmlns:r="http://schemas.openxmlformats.org/officeDocument/2006/relationships" xmlns:p="http://schemas.openxmlformats.org/presentationml/2006/main" showMasterSp="0" showMasterPhAnim="0">
+  <p:cSld>
+    <p:spTree>
+      <p:nvGrpSpPr>
+        <p:cNvPr id="1" name="Shape 174"/>
+        <p:cNvGrpSpPr/>
+        <p:nvPr/>
+      </p:nvGrpSpPr>
+      <p:grpSpPr>
+        <a:xfrm>
+          <a:off x="0" y="0"/>
+          <a:ext cx="0" cy="0"/>
+          <a:chOff x="0" y="0"/>
+          <a:chExt cx="0" cy="0"/>
+        </a:xfrm>
+      </p:grpSpPr>
+      <p:sp>
+        <p:nvSpPr>
+          <p:cNvPr id="175" name="Google Shape;175;p16:notes"/>
+          <p:cNvSpPr>
+            <a:spLocks noGrp="1" noRot="1" noChangeAspect="1"/>
+          </p:cNvSpPr>
+          <p:nvPr>
+            <p:ph type="sldImg" idx="2"/>
+          </p:nvPr>
+        </p:nvSpPr>
+        <p:spPr>
+          <a:xfrm>
+            <a:off x="-16989425" y="-11796713"/>
+            <a:ext cx="22153563" cy="12465051"/>
+          </a:xfrm>
+          <a:custGeom>
+            <a:avLst/>
+            <a:gdLst/>
+            <a:ahLst/>
+            <a:cxnLst/>
+            <a:rect l="l" t="t" r="r" b="b"/>
+            <a:pathLst>
+              <a:path w="120000" h="120000" extrusionOk="0">
+                <a:moveTo>
+                  <a:pt x="0" y="0"/>
+                </a:moveTo>
+                <a:lnTo>
+                  <a:pt x="120000" y="0"/>
+                </a:lnTo>
+                <a:lnTo>
+                  <a:pt x="120000" y="120000"/>
+                </a:lnTo>
+                <a:lnTo>
+                  <a:pt x="0" y="120000"/>
+                </a:lnTo>
+                <a:close/>
+              </a:path>
+            </a:pathLst>
+          </a:custGeom>
+          <a:solidFill>
+            <a:srgbClr val="FFFFFF"/>
+          </a:solidFill>
+          <a:ln w="9525" cap="flat" cmpd="sng">
+            <a:solidFill>
+              <a:srgbClr val="000000"/>
+            </a:solidFill>
+            <a:prstDash val="solid"/>
+            <a:miter lim="8000"/>
+            <a:headEnd type="none" w="sm" len="sm"/>
+            <a:tailEnd type="none" w="sm" len="sm"/>
+          </a:ln>
+        </p:spPr>
+      </p:sp>
+      <p:sp>
+        <p:nvSpPr>
+          <p:cNvPr id="176" name="Google Shape;176;p16:notes"/>
+          <p:cNvSpPr txBox="1">
+            <a:spLocks noGrp="1"/>
+          </p:cNvSpPr>
+          <p:nvPr>
+            <p:ph type="body" idx="1"/>
+          </p:nvPr>
+        </p:nvSpPr>
+        <p:spPr>
+          <a:xfrm>
+            <a:off x="685800" y="4343400"/>
+            <a:ext cx="5457825" cy="4086225"/>
+          </a:xfrm>
+          <a:prstGeom prst="rect">
+            <a:avLst/>
+          </a:prstGeom>
+          <a:noFill/>
+          <a:ln>
+            <a:noFill/>
+          </a:ln>
+        </p:spPr>
+        <p:txBody>
+          <a:bodyPr spcFirstLastPara="1" wrap="square" lIns="91425" tIns="45700" rIns="91425" bIns="45700" anchor="ctr" anchorCtr="0">
+            <a:noAutofit/>
+          </a:bodyPr>
+          <a:lstStyle/>
+          <a:p>
+            <a:pPr marL="0" marR="0" lvl="0" indent="0" algn="l" defTabSz="914400" rtl="0" eaLnBrk="1" fontAlgn="auto" latinLnBrk="0" hangingPunct="1">
+              <a:lnSpc>
+                <a:spcPct val="100000"/>
+              </a:lnSpc>
+              <a:spcBef>
+                <a:spcPts val="0"/>
+              </a:spcBef>
+              <a:spcAft>
+                <a:spcPts val="0"/>
+              </a:spcAft>
+              <a:buClr>
+                <a:srgbClr val="000000"/>
+              </a:buClr>
+              <a:buSzPts val="1400"/>
+              <a:buFont typeface="Arial"/>
+              <a:buNone/>
+              <a:tabLst/>
+              <a:defRPr/>
+            </a:pPr>
+            <a:r>
+              <a:rPr lang="en-US" sz="2400" b="0" i="0" u="none" strike="noStrike" cap="none" dirty="0">
+                <a:solidFill>
+                  <a:schemeClr val="dk1"/>
+                </a:solidFill>
+                <a:latin typeface="Nunito"/>
+                <a:ea typeface="Nunito"/>
+                <a:cs typeface="Nunito"/>
+                <a:sym typeface="Nunito"/>
+              </a:rPr>
+              <a:t>Yousef</a:t>
+            </a:r>
+          </a:p>
+          <a:p>
+            <a:pPr marL="0" marR="0" lvl="0" indent="0" algn="l" rtl="0">
+              <a:spcBef>
+                <a:spcPts val="0"/>
+              </a:spcBef>
+              <a:spcAft>
+                <a:spcPts val="0"/>
+              </a:spcAft>
+              <a:buNone/>
+            </a:pPr>
+            <a:endParaRPr lang="en-US" sz="2400" b="0" i="0" u="none" strike="noStrike" cap="none" dirty="0">
+              <a:solidFill>
+                <a:schemeClr val="dk1"/>
+              </a:solidFill>
+              <a:latin typeface="Nunito"/>
+              <a:ea typeface="Nunito"/>
+              <a:cs typeface="Nunito"/>
+              <a:sym typeface="Nunito"/>
+            </a:endParaRPr>
+          </a:p>
+        </p:txBody>
+      </p:sp>
+    </p:spTree>
+    <p:extLst>
+      <p:ext uri="{BB962C8B-B14F-4D97-AF65-F5344CB8AC3E}">
+        <p14:creationId xmlns:p14="http://schemas.microsoft.com/office/powerpoint/2010/main" val="125186525"/>
+      </p:ext>
+    </p:extLst>
+  </p:cSld>
+  <p:clrMapOvr>
+    <a:masterClrMapping/>
+  </p:clrMapOvr>
+</p:notes>
+</file>
+
+<file path=ppt/notesSlides/notesSlide19.xml><?xml version="1.0" encoding="utf-8"?>
+<p:notes xmlns:a="http://schemas.openxmlformats.org/drawingml/2006/main" xmlns:r="http://schemas.openxmlformats.org/officeDocument/2006/relationships" xmlns:p="http://schemas.openxmlformats.org/presentationml/2006/main" showMasterSp="0" showMasterPhAnim="0">
+  <p:cSld>
+    <p:spTree>
+      <p:nvGrpSpPr>
+        <p:cNvPr id="1" name="Shape 174"/>
+        <p:cNvGrpSpPr/>
+        <p:nvPr/>
+      </p:nvGrpSpPr>
+      <p:grpSpPr>
+        <a:xfrm>
+          <a:off x="0" y="0"/>
+          <a:ext cx="0" cy="0"/>
+          <a:chOff x="0" y="0"/>
+          <a:chExt cx="0" cy="0"/>
+        </a:xfrm>
+      </p:grpSpPr>
+      <p:sp>
+        <p:nvSpPr>
+          <p:cNvPr id="175" name="Google Shape;175;p16:notes"/>
+          <p:cNvSpPr>
+            <a:spLocks noGrp="1" noRot="1" noChangeAspect="1"/>
+          </p:cNvSpPr>
+          <p:nvPr>
+            <p:ph type="sldImg" idx="2"/>
+          </p:nvPr>
+        </p:nvSpPr>
+        <p:spPr>
+          <a:xfrm>
+            <a:off x="-16989425" y="-11796713"/>
+            <a:ext cx="22153563" cy="12465051"/>
+          </a:xfrm>
+          <a:custGeom>
+            <a:avLst/>
+            <a:gdLst/>
+            <a:ahLst/>
+            <a:cxnLst/>
+            <a:rect l="l" t="t" r="r" b="b"/>
+            <a:pathLst>
+              <a:path w="120000" h="120000" extrusionOk="0">
+                <a:moveTo>
+                  <a:pt x="0" y="0"/>
+                </a:moveTo>
+                <a:lnTo>
+                  <a:pt x="120000" y="0"/>
+                </a:lnTo>
+                <a:lnTo>
+                  <a:pt x="120000" y="120000"/>
+                </a:lnTo>
+                <a:lnTo>
+                  <a:pt x="0" y="120000"/>
+                </a:lnTo>
+                <a:close/>
+              </a:path>
+            </a:pathLst>
+          </a:custGeom>
+          <a:solidFill>
+            <a:srgbClr val="FFFFFF"/>
+          </a:solidFill>
+          <a:ln w="9525" cap="flat" cmpd="sng">
+            <a:solidFill>
+              <a:srgbClr val="000000"/>
+            </a:solidFill>
+            <a:prstDash val="solid"/>
+            <a:miter lim="8000"/>
+            <a:headEnd type="none" w="sm" len="sm"/>
+            <a:tailEnd type="none" w="sm" len="sm"/>
+          </a:ln>
+        </p:spPr>
+      </p:sp>
+      <p:sp>
+        <p:nvSpPr>
+          <p:cNvPr id="176" name="Google Shape;176;p16:notes"/>
+          <p:cNvSpPr txBox="1">
+            <a:spLocks noGrp="1"/>
+          </p:cNvSpPr>
+          <p:nvPr>
+            <p:ph type="body" idx="1"/>
+          </p:nvPr>
+        </p:nvSpPr>
+        <p:spPr>
+          <a:xfrm>
+            <a:off x="685800" y="4343400"/>
+            <a:ext cx="5457825" cy="4086225"/>
+          </a:xfrm>
+          <a:prstGeom prst="rect">
+            <a:avLst/>
+          </a:prstGeom>
+          <a:noFill/>
+          <a:ln>
+            <a:noFill/>
+          </a:ln>
+        </p:spPr>
+        <p:txBody>
+          <a:bodyPr spcFirstLastPara="1" wrap="square" lIns="91425" tIns="45700" rIns="91425" bIns="45700" anchor="ctr" anchorCtr="0">
+            <a:noAutofit/>
+          </a:bodyPr>
+          <a:lstStyle/>
+          <a:p>
+            <a:pPr marL="0" marR="0" lvl="0" indent="0" algn="l" rtl="0">
+              <a:spcBef>
+                <a:spcPts val="0"/>
+              </a:spcBef>
+              <a:spcAft>
+                <a:spcPts val="0"/>
+              </a:spcAft>
+              <a:buNone/>
+            </a:pPr>
+            <a:r>
+              <a:rPr lang="en-US" sz="2400" b="0" i="0" u="none" strike="noStrike" cap="none" dirty="0">
+                <a:solidFill>
+                  <a:schemeClr val="dk1"/>
+                </a:solidFill>
+                <a:latin typeface="Nunito"/>
+                <a:ea typeface="Nunito"/>
+                <a:cs typeface="Nunito"/>
+                <a:sym typeface="Nunito"/>
+              </a:rPr>
+              <a:t>Yousef</a:t>
+            </a:r>
+          </a:p>
+        </p:txBody>
+      </p:sp>
+    </p:spTree>
+    <p:extLst>
+      <p:ext uri="{BB962C8B-B14F-4D97-AF65-F5344CB8AC3E}">
+        <p14:creationId xmlns:p14="http://schemas.microsoft.com/office/powerpoint/2010/main" val="261011397"/>
+      </p:ext>
+    </p:extLst>
+  </p:cSld>
+  <p:clrMapOvr>
+    <a:masterClrMapping/>
+  </p:clrMapOvr>
+</p:notes>
+</file>
+
 <file path=ppt/notesSlides/notesSlide2.xml><?xml version="1.0" encoding="utf-8"?>
 <p:notes xmlns:a="http://schemas.openxmlformats.org/drawingml/2006/main" xmlns:r="http://schemas.openxmlformats.org/officeDocument/2006/relationships" xmlns:p="http://schemas.openxmlformats.org/presentationml/2006/main" showMasterSp="0" showMasterPhAnim="0">
   <p:cSld>
@@ -2454,6 +3208,1410 @@
     <p:extLst>
       <p:ext uri="{BB962C8B-B14F-4D97-AF65-F5344CB8AC3E}">
         <p14:creationId xmlns:p14="http://schemas.microsoft.com/office/powerpoint/2010/main" val="3520842411"/>
+      </p:ext>
+    </p:extLst>
+  </p:cSld>
+  <p:clrMapOvr>
+    <a:masterClrMapping/>
+  </p:clrMapOvr>
+</p:notes>
+</file>
+
+<file path=ppt/notesSlides/notesSlide20.xml><?xml version="1.0" encoding="utf-8"?>
+<p:notes xmlns:a="http://schemas.openxmlformats.org/drawingml/2006/main" xmlns:r="http://schemas.openxmlformats.org/officeDocument/2006/relationships" xmlns:p="http://schemas.openxmlformats.org/presentationml/2006/main" showMasterSp="0" showMasterPhAnim="0">
+  <p:cSld>
+    <p:spTree>
+      <p:nvGrpSpPr>
+        <p:cNvPr id="1" name="Shape 174"/>
+        <p:cNvGrpSpPr/>
+        <p:nvPr/>
+      </p:nvGrpSpPr>
+      <p:grpSpPr>
+        <a:xfrm>
+          <a:off x="0" y="0"/>
+          <a:ext cx="0" cy="0"/>
+          <a:chOff x="0" y="0"/>
+          <a:chExt cx="0" cy="0"/>
+        </a:xfrm>
+      </p:grpSpPr>
+      <p:sp>
+        <p:nvSpPr>
+          <p:cNvPr id="175" name="Google Shape;175;p16:notes"/>
+          <p:cNvSpPr>
+            <a:spLocks noGrp="1" noRot="1" noChangeAspect="1"/>
+          </p:cNvSpPr>
+          <p:nvPr>
+            <p:ph type="sldImg" idx="2"/>
+          </p:nvPr>
+        </p:nvSpPr>
+        <p:spPr>
+          <a:xfrm>
+            <a:off x="-16989425" y="-11796713"/>
+            <a:ext cx="22153563" cy="12465051"/>
+          </a:xfrm>
+          <a:custGeom>
+            <a:avLst/>
+            <a:gdLst/>
+            <a:ahLst/>
+            <a:cxnLst/>
+            <a:rect l="l" t="t" r="r" b="b"/>
+            <a:pathLst>
+              <a:path w="120000" h="120000" extrusionOk="0">
+                <a:moveTo>
+                  <a:pt x="0" y="0"/>
+                </a:moveTo>
+                <a:lnTo>
+                  <a:pt x="120000" y="0"/>
+                </a:lnTo>
+                <a:lnTo>
+                  <a:pt x="120000" y="120000"/>
+                </a:lnTo>
+                <a:lnTo>
+                  <a:pt x="0" y="120000"/>
+                </a:lnTo>
+                <a:close/>
+              </a:path>
+            </a:pathLst>
+          </a:custGeom>
+          <a:solidFill>
+            <a:srgbClr val="FFFFFF"/>
+          </a:solidFill>
+          <a:ln w="9525" cap="flat" cmpd="sng">
+            <a:solidFill>
+              <a:srgbClr val="000000"/>
+            </a:solidFill>
+            <a:prstDash val="solid"/>
+            <a:miter lim="8000"/>
+            <a:headEnd type="none" w="sm" len="sm"/>
+            <a:tailEnd type="none" w="sm" len="sm"/>
+          </a:ln>
+        </p:spPr>
+      </p:sp>
+      <p:sp>
+        <p:nvSpPr>
+          <p:cNvPr id="176" name="Google Shape;176;p16:notes"/>
+          <p:cNvSpPr txBox="1">
+            <a:spLocks noGrp="1"/>
+          </p:cNvSpPr>
+          <p:nvPr>
+            <p:ph type="body" idx="1"/>
+          </p:nvPr>
+        </p:nvSpPr>
+        <p:spPr>
+          <a:xfrm>
+            <a:off x="685800" y="4343400"/>
+            <a:ext cx="5457825" cy="4086225"/>
+          </a:xfrm>
+          <a:prstGeom prst="rect">
+            <a:avLst/>
+          </a:prstGeom>
+          <a:noFill/>
+          <a:ln>
+            <a:noFill/>
+          </a:ln>
+        </p:spPr>
+        <p:txBody>
+          <a:bodyPr spcFirstLastPara="1" wrap="square" lIns="91425" tIns="45700" rIns="91425" bIns="45700" anchor="ctr" anchorCtr="0">
+            <a:noAutofit/>
+          </a:bodyPr>
+          <a:lstStyle/>
+          <a:p>
+            <a:pPr marL="0" marR="0" lvl="0" indent="0" algn="l" rtl="0">
+              <a:spcBef>
+                <a:spcPts val="0"/>
+              </a:spcBef>
+              <a:spcAft>
+                <a:spcPts val="0"/>
+              </a:spcAft>
+              <a:buNone/>
+            </a:pPr>
+            <a:r>
+              <a:rPr lang="en-US" sz="2400" b="0" i="0" u="none" strike="noStrike" cap="none" dirty="0">
+                <a:solidFill>
+                  <a:schemeClr val="dk1"/>
+                </a:solidFill>
+                <a:latin typeface="Nunito"/>
+                <a:ea typeface="Nunito"/>
+                <a:cs typeface="Nunito"/>
+                <a:sym typeface="Nunito"/>
+              </a:rPr>
+              <a:t>Yousef</a:t>
+            </a:r>
+          </a:p>
+        </p:txBody>
+      </p:sp>
+    </p:spTree>
+    <p:extLst>
+      <p:ext uri="{BB962C8B-B14F-4D97-AF65-F5344CB8AC3E}">
+        <p14:creationId xmlns:p14="http://schemas.microsoft.com/office/powerpoint/2010/main" val="4024004584"/>
+      </p:ext>
+    </p:extLst>
+  </p:cSld>
+  <p:clrMapOvr>
+    <a:masterClrMapping/>
+  </p:clrMapOvr>
+</p:notes>
+</file>
+
+<file path=ppt/notesSlides/notesSlide21.xml><?xml version="1.0" encoding="utf-8"?>
+<p:notes xmlns:a="http://schemas.openxmlformats.org/drawingml/2006/main" xmlns:r="http://schemas.openxmlformats.org/officeDocument/2006/relationships" xmlns:p="http://schemas.openxmlformats.org/presentationml/2006/main" showMasterSp="0" showMasterPhAnim="0">
+  <p:cSld>
+    <p:spTree>
+      <p:nvGrpSpPr>
+        <p:cNvPr id="1" name="Shape 174"/>
+        <p:cNvGrpSpPr/>
+        <p:nvPr/>
+      </p:nvGrpSpPr>
+      <p:grpSpPr>
+        <a:xfrm>
+          <a:off x="0" y="0"/>
+          <a:ext cx="0" cy="0"/>
+          <a:chOff x="0" y="0"/>
+          <a:chExt cx="0" cy="0"/>
+        </a:xfrm>
+      </p:grpSpPr>
+      <p:sp>
+        <p:nvSpPr>
+          <p:cNvPr id="175" name="Google Shape;175;p16:notes"/>
+          <p:cNvSpPr>
+            <a:spLocks noGrp="1" noRot="1" noChangeAspect="1"/>
+          </p:cNvSpPr>
+          <p:nvPr>
+            <p:ph type="sldImg" idx="2"/>
+          </p:nvPr>
+        </p:nvSpPr>
+        <p:spPr>
+          <a:xfrm>
+            <a:off x="-16989425" y="-11796713"/>
+            <a:ext cx="22153563" cy="12465051"/>
+          </a:xfrm>
+          <a:custGeom>
+            <a:avLst/>
+            <a:gdLst/>
+            <a:ahLst/>
+            <a:cxnLst/>
+            <a:rect l="l" t="t" r="r" b="b"/>
+            <a:pathLst>
+              <a:path w="120000" h="120000" extrusionOk="0">
+                <a:moveTo>
+                  <a:pt x="0" y="0"/>
+                </a:moveTo>
+                <a:lnTo>
+                  <a:pt x="120000" y="0"/>
+                </a:lnTo>
+                <a:lnTo>
+                  <a:pt x="120000" y="120000"/>
+                </a:lnTo>
+                <a:lnTo>
+                  <a:pt x="0" y="120000"/>
+                </a:lnTo>
+                <a:close/>
+              </a:path>
+            </a:pathLst>
+          </a:custGeom>
+          <a:solidFill>
+            <a:srgbClr val="FFFFFF"/>
+          </a:solidFill>
+          <a:ln w="9525" cap="flat" cmpd="sng">
+            <a:solidFill>
+              <a:srgbClr val="000000"/>
+            </a:solidFill>
+            <a:prstDash val="solid"/>
+            <a:miter lim="8000"/>
+            <a:headEnd type="none" w="sm" len="sm"/>
+            <a:tailEnd type="none" w="sm" len="sm"/>
+          </a:ln>
+        </p:spPr>
+      </p:sp>
+      <p:sp>
+        <p:nvSpPr>
+          <p:cNvPr id="176" name="Google Shape;176;p16:notes"/>
+          <p:cNvSpPr txBox="1">
+            <a:spLocks noGrp="1"/>
+          </p:cNvSpPr>
+          <p:nvPr>
+            <p:ph type="body" idx="1"/>
+          </p:nvPr>
+        </p:nvSpPr>
+        <p:spPr>
+          <a:xfrm>
+            <a:off x="685800" y="4343400"/>
+            <a:ext cx="5457825" cy="4086225"/>
+          </a:xfrm>
+          <a:prstGeom prst="rect">
+            <a:avLst/>
+          </a:prstGeom>
+          <a:noFill/>
+          <a:ln>
+            <a:noFill/>
+          </a:ln>
+        </p:spPr>
+        <p:txBody>
+          <a:bodyPr spcFirstLastPara="1" wrap="square" lIns="91425" tIns="45700" rIns="91425" bIns="45700" anchor="ctr" anchorCtr="0">
+            <a:noAutofit/>
+          </a:bodyPr>
+          <a:lstStyle/>
+          <a:p>
+            <a:pPr marL="0" marR="0" lvl="0" indent="0" algn="l" defTabSz="914400" rtl="0" eaLnBrk="1" fontAlgn="auto" latinLnBrk="0" hangingPunct="1">
+              <a:lnSpc>
+                <a:spcPct val="100000"/>
+              </a:lnSpc>
+              <a:spcBef>
+                <a:spcPts val="0"/>
+              </a:spcBef>
+              <a:spcAft>
+                <a:spcPts val="0"/>
+              </a:spcAft>
+              <a:buClr>
+                <a:srgbClr val="000000"/>
+              </a:buClr>
+              <a:buSzPts val="1400"/>
+              <a:buFont typeface="Arial"/>
+              <a:buNone/>
+              <a:tabLst/>
+              <a:defRPr/>
+            </a:pPr>
+            <a:r>
+              <a:rPr lang="en-US" sz="2400" b="0" i="0" u="none" strike="noStrike" cap="none" dirty="0">
+                <a:solidFill>
+                  <a:schemeClr val="dk1"/>
+                </a:solidFill>
+                <a:latin typeface="Nunito"/>
+                <a:ea typeface="Nunito"/>
+                <a:cs typeface="Nunito"/>
+                <a:sym typeface="Nunito"/>
+              </a:rPr>
+              <a:t>Yousef</a:t>
+            </a:r>
+          </a:p>
+          <a:p>
+            <a:pPr marL="0" marR="0" lvl="0" indent="0" algn="l" rtl="0">
+              <a:spcBef>
+                <a:spcPts val="0"/>
+              </a:spcBef>
+              <a:spcAft>
+                <a:spcPts val="0"/>
+              </a:spcAft>
+              <a:buNone/>
+            </a:pPr>
+            <a:endParaRPr lang="en-US" sz="2400" b="0" i="0" u="none" strike="noStrike" cap="none" dirty="0">
+              <a:solidFill>
+                <a:schemeClr val="dk1"/>
+              </a:solidFill>
+              <a:latin typeface="Nunito"/>
+              <a:ea typeface="Nunito"/>
+              <a:cs typeface="Nunito"/>
+              <a:sym typeface="Nunito"/>
+            </a:endParaRPr>
+          </a:p>
+        </p:txBody>
+      </p:sp>
+    </p:spTree>
+    <p:extLst>
+      <p:ext uri="{BB962C8B-B14F-4D97-AF65-F5344CB8AC3E}">
+        <p14:creationId xmlns:p14="http://schemas.microsoft.com/office/powerpoint/2010/main" val="403726876"/>
+      </p:ext>
+    </p:extLst>
+  </p:cSld>
+  <p:clrMapOvr>
+    <a:masterClrMapping/>
+  </p:clrMapOvr>
+</p:notes>
+</file>
+
+<file path=ppt/notesSlides/notesSlide22.xml><?xml version="1.0" encoding="utf-8"?>
+<p:notes xmlns:a="http://schemas.openxmlformats.org/drawingml/2006/main" xmlns:r="http://schemas.openxmlformats.org/officeDocument/2006/relationships" xmlns:p="http://schemas.openxmlformats.org/presentationml/2006/main" showMasterSp="0" showMasterPhAnim="0">
+  <p:cSld>
+    <p:spTree>
+      <p:nvGrpSpPr>
+        <p:cNvPr id="1" name="Shape 174"/>
+        <p:cNvGrpSpPr/>
+        <p:nvPr/>
+      </p:nvGrpSpPr>
+      <p:grpSpPr>
+        <a:xfrm>
+          <a:off x="0" y="0"/>
+          <a:ext cx="0" cy="0"/>
+          <a:chOff x="0" y="0"/>
+          <a:chExt cx="0" cy="0"/>
+        </a:xfrm>
+      </p:grpSpPr>
+      <p:sp>
+        <p:nvSpPr>
+          <p:cNvPr id="175" name="Google Shape;175;p16:notes"/>
+          <p:cNvSpPr>
+            <a:spLocks noGrp="1" noRot="1" noChangeAspect="1"/>
+          </p:cNvSpPr>
+          <p:nvPr>
+            <p:ph type="sldImg" idx="2"/>
+          </p:nvPr>
+        </p:nvSpPr>
+        <p:spPr>
+          <a:xfrm>
+            <a:off x="-16989425" y="-11796713"/>
+            <a:ext cx="22153563" cy="12465051"/>
+          </a:xfrm>
+          <a:custGeom>
+            <a:avLst/>
+            <a:gdLst/>
+            <a:ahLst/>
+            <a:cxnLst/>
+            <a:rect l="l" t="t" r="r" b="b"/>
+            <a:pathLst>
+              <a:path w="120000" h="120000" extrusionOk="0">
+                <a:moveTo>
+                  <a:pt x="0" y="0"/>
+                </a:moveTo>
+                <a:lnTo>
+                  <a:pt x="120000" y="0"/>
+                </a:lnTo>
+                <a:lnTo>
+                  <a:pt x="120000" y="120000"/>
+                </a:lnTo>
+                <a:lnTo>
+                  <a:pt x="0" y="120000"/>
+                </a:lnTo>
+                <a:close/>
+              </a:path>
+            </a:pathLst>
+          </a:custGeom>
+          <a:solidFill>
+            <a:srgbClr val="FFFFFF"/>
+          </a:solidFill>
+          <a:ln w="9525" cap="flat" cmpd="sng">
+            <a:solidFill>
+              <a:srgbClr val="000000"/>
+            </a:solidFill>
+            <a:prstDash val="solid"/>
+            <a:miter lim="8000"/>
+            <a:headEnd type="none" w="sm" len="sm"/>
+            <a:tailEnd type="none" w="sm" len="sm"/>
+          </a:ln>
+        </p:spPr>
+      </p:sp>
+      <p:sp>
+        <p:nvSpPr>
+          <p:cNvPr id="176" name="Google Shape;176;p16:notes"/>
+          <p:cNvSpPr txBox="1">
+            <a:spLocks noGrp="1"/>
+          </p:cNvSpPr>
+          <p:nvPr>
+            <p:ph type="body" idx="1"/>
+          </p:nvPr>
+        </p:nvSpPr>
+        <p:spPr>
+          <a:xfrm>
+            <a:off x="685800" y="4343400"/>
+            <a:ext cx="5457825" cy="4086225"/>
+          </a:xfrm>
+          <a:prstGeom prst="rect">
+            <a:avLst/>
+          </a:prstGeom>
+          <a:noFill/>
+          <a:ln>
+            <a:noFill/>
+          </a:ln>
+        </p:spPr>
+        <p:txBody>
+          <a:bodyPr spcFirstLastPara="1" wrap="square" lIns="91425" tIns="45700" rIns="91425" bIns="45700" anchor="ctr" anchorCtr="0">
+            <a:noAutofit/>
+          </a:bodyPr>
+          <a:lstStyle/>
+          <a:p>
+            <a:pPr marL="0" marR="0" lvl="0" indent="0" algn="l" defTabSz="914400" rtl="0" eaLnBrk="1" fontAlgn="auto" latinLnBrk="0" hangingPunct="1">
+              <a:lnSpc>
+                <a:spcPct val="100000"/>
+              </a:lnSpc>
+              <a:spcBef>
+                <a:spcPts val="0"/>
+              </a:spcBef>
+              <a:spcAft>
+                <a:spcPts val="0"/>
+              </a:spcAft>
+              <a:buClr>
+                <a:srgbClr val="000000"/>
+              </a:buClr>
+              <a:buSzPts val="1400"/>
+              <a:buFont typeface="Arial"/>
+              <a:buNone/>
+              <a:tabLst/>
+              <a:defRPr/>
+            </a:pPr>
+            <a:r>
+              <a:rPr lang="en-US" sz="2400" b="0" i="0" u="none" strike="noStrike" cap="none" dirty="0">
+                <a:solidFill>
+                  <a:schemeClr val="dk1"/>
+                </a:solidFill>
+                <a:latin typeface="Nunito"/>
+                <a:ea typeface="Nunito"/>
+                <a:cs typeface="Nunito"/>
+                <a:sym typeface="Nunito"/>
+              </a:rPr>
+              <a:t>Yousef</a:t>
+            </a:r>
+          </a:p>
+          <a:p>
+            <a:pPr marL="0" marR="0" lvl="0" indent="0" algn="l" rtl="0">
+              <a:spcBef>
+                <a:spcPts val="0"/>
+              </a:spcBef>
+              <a:spcAft>
+                <a:spcPts val="0"/>
+              </a:spcAft>
+              <a:buNone/>
+            </a:pPr>
+            <a:endParaRPr lang="en-US" sz="2400" b="0" i="0" u="none" strike="noStrike" cap="none" dirty="0">
+              <a:solidFill>
+                <a:schemeClr val="dk1"/>
+              </a:solidFill>
+              <a:latin typeface="Nunito"/>
+              <a:ea typeface="Nunito"/>
+              <a:cs typeface="Nunito"/>
+              <a:sym typeface="Nunito"/>
+            </a:endParaRPr>
+          </a:p>
+        </p:txBody>
+      </p:sp>
+    </p:spTree>
+    <p:extLst>
+      <p:ext uri="{BB962C8B-B14F-4D97-AF65-F5344CB8AC3E}">
+        <p14:creationId xmlns:p14="http://schemas.microsoft.com/office/powerpoint/2010/main" val="1733202131"/>
+      </p:ext>
+    </p:extLst>
+  </p:cSld>
+  <p:clrMapOvr>
+    <a:masterClrMapping/>
+  </p:clrMapOvr>
+</p:notes>
+</file>
+
+<file path=ppt/notesSlides/notesSlide23.xml><?xml version="1.0" encoding="utf-8"?>
+<p:notes xmlns:a="http://schemas.openxmlformats.org/drawingml/2006/main" xmlns:r="http://schemas.openxmlformats.org/officeDocument/2006/relationships" xmlns:p="http://schemas.openxmlformats.org/presentationml/2006/main" showMasterSp="0" showMasterPhAnim="0">
+  <p:cSld>
+    <p:spTree>
+      <p:nvGrpSpPr>
+        <p:cNvPr id="1" name="Shape 174"/>
+        <p:cNvGrpSpPr/>
+        <p:nvPr/>
+      </p:nvGrpSpPr>
+      <p:grpSpPr>
+        <a:xfrm>
+          <a:off x="0" y="0"/>
+          <a:ext cx="0" cy="0"/>
+          <a:chOff x="0" y="0"/>
+          <a:chExt cx="0" cy="0"/>
+        </a:xfrm>
+      </p:grpSpPr>
+      <p:sp>
+        <p:nvSpPr>
+          <p:cNvPr id="175" name="Google Shape;175;p16:notes"/>
+          <p:cNvSpPr>
+            <a:spLocks noGrp="1" noRot="1" noChangeAspect="1"/>
+          </p:cNvSpPr>
+          <p:nvPr>
+            <p:ph type="sldImg" idx="2"/>
+          </p:nvPr>
+        </p:nvSpPr>
+        <p:spPr>
+          <a:xfrm>
+            <a:off x="-16989425" y="-11796713"/>
+            <a:ext cx="22153563" cy="12465051"/>
+          </a:xfrm>
+          <a:custGeom>
+            <a:avLst/>
+            <a:gdLst/>
+            <a:ahLst/>
+            <a:cxnLst/>
+            <a:rect l="l" t="t" r="r" b="b"/>
+            <a:pathLst>
+              <a:path w="120000" h="120000" extrusionOk="0">
+                <a:moveTo>
+                  <a:pt x="0" y="0"/>
+                </a:moveTo>
+                <a:lnTo>
+                  <a:pt x="120000" y="0"/>
+                </a:lnTo>
+                <a:lnTo>
+                  <a:pt x="120000" y="120000"/>
+                </a:lnTo>
+                <a:lnTo>
+                  <a:pt x="0" y="120000"/>
+                </a:lnTo>
+                <a:close/>
+              </a:path>
+            </a:pathLst>
+          </a:custGeom>
+          <a:solidFill>
+            <a:srgbClr val="FFFFFF"/>
+          </a:solidFill>
+          <a:ln w="9525" cap="flat" cmpd="sng">
+            <a:solidFill>
+              <a:srgbClr val="000000"/>
+            </a:solidFill>
+            <a:prstDash val="solid"/>
+            <a:miter lim="8000"/>
+            <a:headEnd type="none" w="sm" len="sm"/>
+            <a:tailEnd type="none" w="sm" len="sm"/>
+          </a:ln>
+        </p:spPr>
+      </p:sp>
+      <p:sp>
+        <p:nvSpPr>
+          <p:cNvPr id="176" name="Google Shape;176;p16:notes"/>
+          <p:cNvSpPr txBox="1">
+            <a:spLocks noGrp="1"/>
+          </p:cNvSpPr>
+          <p:nvPr>
+            <p:ph type="body" idx="1"/>
+          </p:nvPr>
+        </p:nvSpPr>
+        <p:spPr>
+          <a:xfrm>
+            <a:off x="685800" y="4343400"/>
+            <a:ext cx="5457825" cy="4086225"/>
+          </a:xfrm>
+          <a:prstGeom prst="rect">
+            <a:avLst/>
+          </a:prstGeom>
+          <a:noFill/>
+          <a:ln>
+            <a:noFill/>
+          </a:ln>
+        </p:spPr>
+        <p:txBody>
+          <a:bodyPr spcFirstLastPara="1" wrap="square" lIns="91425" tIns="45700" rIns="91425" bIns="45700" anchor="ctr" anchorCtr="0">
+            <a:noAutofit/>
+          </a:bodyPr>
+          <a:lstStyle/>
+          <a:p>
+            <a:pPr marL="0" marR="0" lvl="0" indent="0" algn="l" rtl="0">
+              <a:spcBef>
+                <a:spcPts val="0"/>
+              </a:spcBef>
+              <a:spcAft>
+                <a:spcPts val="0"/>
+              </a:spcAft>
+              <a:buNone/>
+            </a:pPr>
+            <a:r>
+              <a:rPr lang="en-US" sz="2400" b="0" i="0" u="none" strike="noStrike" cap="none" dirty="0">
+                <a:solidFill>
+                  <a:schemeClr val="dk1"/>
+                </a:solidFill>
+                <a:latin typeface="Nunito"/>
+                <a:ea typeface="Nunito"/>
+                <a:cs typeface="Nunito"/>
+                <a:sym typeface="Nunito"/>
+              </a:rPr>
+              <a:t>Yousef</a:t>
+            </a:r>
+          </a:p>
+        </p:txBody>
+      </p:sp>
+    </p:spTree>
+    <p:extLst>
+      <p:ext uri="{BB962C8B-B14F-4D97-AF65-F5344CB8AC3E}">
+        <p14:creationId xmlns:p14="http://schemas.microsoft.com/office/powerpoint/2010/main" val="2884358181"/>
+      </p:ext>
+    </p:extLst>
+  </p:cSld>
+  <p:clrMapOvr>
+    <a:masterClrMapping/>
+  </p:clrMapOvr>
+</p:notes>
+</file>
+
+<file path=ppt/notesSlides/notesSlide24.xml><?xml version="1.0" encoding="utf-8"?>
+<p:notes xmlns:a="http://schemas.openxmlformats.org/drawingml/2006/main" xmlns:r="http://schemas.openxmlformats.org/officeDocument/2006/relationships" xmlns:p="http://schemas.openxmlformats.org/presentationml/2006/main" showMasterSp="0" showMasterPhAnim="0">
+  <p:cSld>
+    <p:spTree>
+      <p:nvGrpSpPr>
+        <p:cNvPr id="1" name="Shape 174"/>
+        <p:cNvGrpSpPr/>
+        <p:nvPr/>
+      </p:nvGrpSpPr>
+      <p:grpSpPr>
+        <a:xfrm>
+          <a:off x="0" y="0"/>
+          <a:ext cx="0" cy="0"/>
+          <a:chOff x="0" y="0"/>
+          <a:chExt cx="0" cy="0"/>
+        </a:xfrm>
+      </p:grpSpPr>
+      <p:sp>
+        <p:nvSpPr>
+          <p:cNvPr id="175" name="Google Shape;175;p16:notes"/>
+          <p:cNvSpPr>
+            <a:spLocks noGrp="1" noRot="1" noChangeAspect="1"/>
+          </p:cNvSpPr>
+          <p:nvPr>
+            <p:ph type="sldImg" idx="2"/>
+          </p:nvPr>
+        </p:nvSpPr>
+        <p:spPr>
+          <a:xfrm>
+            <a:off x="-16989425" y="-11796713"/>
+            <a:ext cx="22153563" cy="12465051"/>
+          </a:xfrm>
+          <a:custGeom>
+            <a:avLst/>
+            <a:gdLst/>
+            <a:ahLst/>
+            <a:cxnLst/>
+            <a:rect l="l" t="t" r="r" b="b"/>
+            <a:pathLst>
+              <a:path w="120000" h="120000" extrusionOk="0">
+                <a:moveTo>
+                  <a:pt x="0" y="0"/>
+                </a:moveTo>
+                <a:lnTo>
+                  <a:pt x="120000" y="0"/>
+                </a:lnTo>
+                <a:lnTo>
+                  <a:pt x="120000" y="120000"/>
+                </a:lnTo>
+                <a:lnTo>
+                  <a:pt x="0" y="120000"/>
+                </a:lnTo>
+                <a:close/>
+              </a:path>
+            </a:pathLst>
+          </a:custGeom>
+          <a:solidFill>
+            <a:srgbClr val="FFFFFF"/>
+          </a:solidFill>
+          <a:ln w="9525" cap="flat" cmpd="sng">
+            <a:solidFill>
+              <a:srgbClr val="000000"/>
+            </a:solidFill>
+            <a:prstDash val="solid"/>
+            <a:miter lim="8000"/>
+            <a:headEnd type="none" w="sm" len="sm"/>
+            <a:tailEnd type="none" w="sm" len="sm"/>
+          </a:ln>
+        </p:spPr>
+      </p:sp>
+      <p:sp>
+        <p:nvSpPr>
+          <p:cNvPr id="176" name="Google Shape;176;p16:notes"/>
+          <p:cNvSpPr txBox="1">
+            <a:spLocks noGrp="1"/>
+          </p:cNvSpPr>
+          <p:nvPr>
+            <p:ph type="body" idx="1"/>
+          </p:nvPr>
+        </p:nvSpPr>
+        <p:spPr>
+          <a:xfrm>
+            <a:off x="685800" y="4343400"/>
+            <a:ext cx="5457825" cy="4086225"/>
+          </a:xfrm>
+          <a:prstGeom prst="rect">
+            <a:avLst/>
+          </a:prstGeom>
+          <a:noFill/>
+          <a:ln>
+            <a:noFill/>
+          </a:ln>
+        </p:spPr>
+        <p:txBody>
+          <a:bodyPr spcFirstLastPara="1" wrap="square" lIns="91425" tIns="45700" rIns="91425" bIns="45700" anchor="ctr" anchorCtr="0">
+            <a:noAutofit/>
+          </a:bodyPr>
+          <a:lstStyle/>
+          <a:p>
+            <a:pPr marL="0" marR="0" lvl="0" indent="0" algn="l" rtl="0">
+              <a:spcBef>
+                <a:spcPts val="0"/>
+              </a:spcBef>
+              <a:spcAft>
+                <a:spcPts val="0"/>
+              </a:spcAft>
+              <a:buNone/>
+            </a:pPr>
+            <a:r>
+              <a:rPr lang="en-US" sz="2400" b="0" i="0" u="none" strike="noStrike" cap="none" dirty="0">
+                <a:solidFill>
+                  <a:schemeClr val="dk1"/>
+                </a:solidFill>
+                <a:latin typeface="Nunito"/>
+                <a:ea typeface="Nunito"/>
+                <a:cs typeface="Nunito"/>
+                <a:sym typeface="Nunito"/>
+              </a:rPr>
+              <a:t>Yousef</a:t>
+            </a:r>
+          </a:p>
+        </p:txBody>
+      </p:sp>
+    </p:spTree>
+    <p:extLst>
+      <p:ext uri="{BB962C8B-B14F-4D97-AF65-F5344CB8AC3E}">
+        <p14:creationId xmlns:p14="http://schemas.microsoft.com/office/powerpoint/2010/main" val="3430642712"/>
+      </p:ext>
+    </p:extLst>
+  </p:cSld>
+  <p:clrMapOvr>
+    <a:masterClrMapping/>
+  </p:clrMapOvr>
+</p:notes>
+</file>
+
+<file path=ppt/notesSlides/notesSlide25.xml><?xml version="1.0" encoding="utf-8"?>
+<p:notes xmlns:a="http://schemas.openxmlformats.org/drawingml/2006/main" xmlns:r="http://schemas.openxmlformats.org/officeDocument/2006/relationships" xmlns:p="http://schemas.openxmlformats.org/presentationml/2006/main" showMasterSp="0" showMasterPhAnim="0">
+  <p:cSld>
+    <p:spTree>
+      <p:nvGrpSpPr>
+        <p:cNvPr id="1" name="Shape 174"/>
+        <p:cNvGrpSpPr/>
+        <p:nvPr/>
+      </p:nvGrpSpPr>
+      <p:grpSpPr>
+        <a:xfrm>
+          <a:off x="0" y="0"/>
+          <a:ext cx="0" cy="0"/>
+          <a:chOff x="0" y="0"/>
+          <a:chExt cx="0" cy="0"/>
+        </a:xfrm>
+      </p:grpSpPr>
+      <p:sp>
+        <p:nvSpPr>
+          <p:cNvPr id="175" name="Google Shape;175;p16:notes"/>
+          <p:cNvSpPr>
+            <a:spLocks noGrp="1" noRot="1" noChangeAspect="1"/>
+          </p:cNvSpPr>
+          <p:nvPr>
+            <p:ph type="sldImg" idx="2"/>
+          </p:nvPr>
+        </p:nvSpPr>
+        <p:spPr>
+          <a:xfrm>
+            <a:off x="-16989425" y="-11796713"/>
+            <a:ext cx="22153563" cy="12465051"/>
+          </a:xfrm>
+          <a:custGeom>
+            <a:avLst/>
+            <a:gdLst/>
+            <a:ahLst/>
+            <a:cxnLst/>
+            <a:rect l="l" t="t" r="r" b="b"/>
+            <a:pathLst>
+              <a:path w="120000" h="120000" extrusionOk="0">
+                <a:moveTo>
+                  <a:pt x="0" y="0"/>
+                </a:moveTo>
+                <a:lnTo>
+                  <a:pt x="120000" y="0"/>
+                </a:lnTo>
+                <a:lnTo>
+                  <a:pt x="120000" y="120000"/>
+                </a:lnTo>
+                <a:lnTo>
+                  <a:pt x="0" y="120000"/>
+                </a:lnTo>
+                <a:close/>
+              </a:path>
+            </a:pathLst>
+          </a:custGeom>
+          <a:solidFill>
+            <a:srgbClr val="FFFFFF"/>
+          </a:solidFill>
+          <a:ln w="9525" cap="flat" cmpd="sng">
+            <a:solidFill>
+              <a:srgbClr val="000000"/>
+            </a:solidFill>
+            <a:prstDash val="solid"/>
+            <a:miter lim="8000"/>
+            <a:headEnd type="none" w="sm" len="sm"/>
+            <a:tailEnd type="none" w="sm" len="sm"/>
+          </a:ln>
+        </p:spPr>
+      </p:sp>
+      <p:sp>
+        <p:nvSpPr>
+          <p:cNvPr id="176" name="Google Shape;176;p16:notes"/>
+          <p:cNvSpPr txBox="1">
+            <a:spLocks noGrp="1"/>
+          </p:cNvSpPr>
+          <p:nvPr>
+            <p:ph type="body" idx="1"/>
+          </p:nvPr>
+        </p:nvSpPr>
+        <p:spPr>
+          <a:xfrm>
+            <a:off x="685800" y="4343400"/>
+            <a:ext cx="5457825" cy="4086225"/>
+          </a:xfrm>
+          <a:prstGeom prst="rect">
+            <a:avLst/>
+          </a:prstGeom>
+          <a:noFill/>
+          <a:ln>
+            <a:noFill/>
+          </a:ln>
+        </p:spPr>
+        <p:txBody>
+          <a:bodyPr spcFirstLastPara="1" wrap="square" lIns="91425" tIns="45700" rIns="91425" bIns="45700" anchor="ctr" anchorCtr="0">
+            <a:noAutofit/>
+          </a:bodyPr>
+          <a:lstStyle/>
+          <a:p>
+            <a:pPr marL="0" marR="0" lvl="0" indent="0" algn="l" defTabSz="914400" rtl="0" eaLnBrk="1" fontAlgn="auto" latinLnBrk="0" hangingPunct="1">
+              <a:lnSpc>
+                <a:spcPct val="100000"/>
+              </a:lnSpc>
+              <a:spcBef>
+                <a:spcPts val="0"/>
+              </a:spcBef>
+              <a:spcAft>
+                <a:spcPts val="0"/>
+              </a:spcAft>
+              <a:buClr>
+                <a:srgbClr val="000000"/>
+              </a:buClr>
+              <a:buSzPts val="1400"/>
+              <a:buFont typeface="Arial"/>
+              <a:buNone/>
+              <a:tabLst/>
+              <a:defRPr/>
+            </a:pPr>
+            <a:r>
+              <a:rPr lang="en-US" sz="2400" b="0" i="0" u="none" strike="noStrike" cap="none" dirty="0">
+                <a:solidFill>
+                  <a:schemeClr val="dk1"/>
+                </a:solidFill>
+                <a:latin typeface="Nunito"/>
+                <a:ea typeface="Nunito"/>
+                <a:cs typeface="Nunito"/>
+                <a:sym typeface="Nunito"/>
+              </a:rPr>
+              <a:t>Yousef</a:t>
+            </a:r>
+          </a:p>
+          <a:p>
+            <a:pPr marL="0" marR="0" lvl="0" indent="0" algn="l" rtl="0">
+              <a:spcBef>
+                <a:spcPts val="0"/>
+              </a:spcBef>
+              <a:spcAft>
+                <a:spcPts val="0"/>
+              </a:spcAft>
+              <a:buNone/>
+            </a:pPr>
+            <a:endParaRPr lang="en-US" sz="2400" b="0" i="0" u="none" strike="noStrike" cap="none" dirty="0">
+              <a:solidFill>
+                <a:schemeClr val="dk1"/>
+              </a:solidFill>
+              <a:latin typeface="Nunito"/>
+              <a:ea typeface="Nunito"/>
+              <a:cs typeface="Nunito"/>
+              <a:sym typeface="Nunito"/>
+            </a:endParaRPr>
+          </a:p>
+        </p:txBody>
+      </p:sp>
+    </p:spTree>
+    <p:extLst>
+      <p:ext uri="{BB962C8B-B14F-4D97-AF65-F5344CB8AC3E}">
+        <p14:creationId xmlns:p14="http://schemas.microsoft.com/office/powerpoint/2010/main" val="949145003"/>
+      </p:ext>
+    </p:extLst>
+  </p:cSld>
+  <p:clrMapOvr>
+    <a:masterClrMapping/>
+  </p:clrMapOvr>
+</p:notes>
+</file>
+
+<file path=ppt/notesSlides/notesSlide26.xml><?xml version="1.0" encoding="utf-8"?>
+<p:notes xmlns:a="http://schemas.openxmlformats.org/drawingml/2006/main" xmlns:r="http://schemas.openxmlformats.org/officeDocument/2006/relationships" xmlns:p="http://schemas.openxmlformats.org/presentationml/2006/main" showMasterSp="0" showMasterPhAnim="0">
+  <p:cSld>
+    <p:spTree>
+      <p:nvGrpSpPr>
+        <p:cNvPr id="1" name="Shape 174"/>
+        <p:cNvGrpSpPr/>
+        <p:nvPr/>
+      </p:nvGrpSpPr>
+      <p:grpSpPr>
+        <a:xfrm>
+          <a:off x="0" y="0"/>
+          <a:ext cx="0" cy="0"/>
+          <a:chOff x="0" y="0"/>
+          <a:chExt cx="0" cy="0"/>
+        </a:xfrm>
+      </p:grpSpPr>
+      <p:sp>
+        <p:nvSpPr>
+          <p:cNvPr id="175" name="Google Shape;175;p16:notes"/>
+          <p:cNvSpPr>
+            <a:spLocks noGrp="1" noRot="1" noChangeAspect="1"/>
+          </p:cNvSpPr>
+          <p:nvPr>
+            <p:ph type="sldImg" idx="2"/>
+          </p:nvPr>
+        </p:nvSpPr>
+        <p:spPr>
+          <a:xfrm>
+            <a:off x="-16989425" y="-11796713"/>
+            <a:ext cx="22153563" cy="12465051"/>
+          </a:xfrm>
+          <a:custGeom>
+            <a:avLst/>
+            <a:gdLst/>
+            <a:ahLst/>
+            <a:cxnLst/>
+            <a:rect l="l" t="t" r="r" b="b"/>
+            <a:pathLst>
+              <a:path w="120000" h="120000" extrusionOk="0">
+                <a:moveTo>
+                  <a:pt x="0" y="0"/>
+                </a:moveTo>
+                <a:lnTo>
+                  <a:pt x="120000" y="0"/>
+                </a:lnTo>
+                <a:lnTo>
+                  <a:pt x="120000" y="120000"/>
+                </a:lnTo>
+                <a:lnTo>
+                  <a:pt x="0" y="120000"/>
+                </a:lnTo>
+                <a:close/>
+              </a:path>
+            </a:pathLst>
+          </a:custGeom>
+          <a:solidFill>
+            <a:srgbClr val="FFFFFF"/>
+          </a:solidFill>
+          <a:ln w="9525" cap="flat" cmpd="sng">
+            <a:solidFill>
+              <a:srgbClr val="000000"/>
+            </a:solidFill>
+            <a:prstDash val="solid"/>
+            <a:miter lim="8000"/>
+            <a:headEnd type="none" w="sm" len="sm"/>
+            <a:tailEnd type="none" w="sm" len="sm"/>
+          </a:ln>
+        </p:spPr>
+      </p:sp>
+      <p:sp>
+        <p:nvSpPr>
+          <p:cNvPr id="176" name="Google Shape;176;p16:notes"/>
+          <p:cNvSpPr txBox="1">
+            <a:spLocks noGrp="1"/>
+          </p:cNvSpPr>
+          <p:nvPr>
+            <p:ph type="body" idx="1"/>
+          </p:nvPr>
+        </p:nvSpPr>
+        <p:spPr>
+          <a:xfrm>
+            <a:off x="685800" y="4343400"/>
+            <a:ext cx="5457825" cy="4086225"/>
+          </a:xfrm>
+          <a:prstGeom prst="rect">
+            <a:avLst/>
+          </a:prstGeom>
+          <a:noFill/>
+          <a:ln>
+            <a:noFill/>
+          </a:ln>
+        </p:spPr>
+        <p:txBody>
+          <a:bodyPr spcFirstLastPara="1" wrap="square" lIns="91425" tIns="45700" rIns="91425" bIns="45700" anchor="ctr" anchorCtr="0">
+            <a:noAutofit/>
+          </a:bodyPr>
+          <a:lstStyle/>
+          <a:p>
+            <a:pPr marL="0" marR="0" lvl="0" indent="0" algn="l" defTabSz="914400" rtl="0" eaLnBrk="1" fontAlgn="auto" latinLnBrk="0" hangingPunct="1">
+              <a:lnSpc>
+                <a:spcPct val="100000"/>
+              </a:lnSpc>
+              <a:spcBef>
+                <a:spcPts val="0"/>
+              </a:spcBef>
+              <a:spcAft>
+                <a:spcPts val="0"/>
+              </a:spcAft>
+              <a:buClr>
+                <a:srgbClr val="000000"/>
+              </a:buClr>
+              <a:buSzPts val="1400"/>
+              <a:buFont typeface="Arial"/>
+              <a:buNone/>
+              <a:tabLst/>
+              <a:defRPr/>
+            </a:pPr>
+            <a:r>
+              <a:rPr lang="en-US" sz="2400" b="0" i="0" u="none" strike="noStrike" cap="none" dirty="0">
+                <a:solidFill>
+                  <a:schemeClr val="dk1"/>
+                </a:solidFill>
+                <a:latin typeface="Nunito"/>
+                <a:ea typeface="Nunito"/>
+                <a:cs typeface="Nunito"/>
+                <a:sym typeface="Nunito"/>
+              </a:rPr>
+              <a:t>Yousef</a:t>
+            </a:r>
+          </a:p>
+          <a:p>
+            <a:pPr marL="0" marR="0" lvl="0" indent="0" algn="l" rtl="0">
+              <a:spcBef>
+                <a:spcPts val="0"/>
+              </a:spcBef>
+              <a:spcAft>
+                <a:spcPts val="0"/>
+              </a:spcAft>
+              <a:buNone/>
+            </a:pPr>
+            <a:endParaRPr lang="en-US" sz="2400" b="0" i="0" u="none" strike="noStrike" cap="none" dirty="0">
+              <a:solidFill>
+                <a:schemeClr val="dk1"/>
+              </a:solidFill>
+              <a:latin typeface="Nunito"/>
+              <a:ea typeface="Nunito"/>
+              <a:cs typeface="Nunito"/>
+              <a:sym typeface="Nunito"/>
+            </a:endParaRPr>
+          </a:p>
+        </p:txBody>
+      </p:sp>
+    </p:spTree>
+    <p:extLst>
+      <p:ext uri="{BB962C8B-B14F-4D97-AF65-F5344CB8AC3E}">
+        <p14:creationId xmlns:p14="http://schemas.microsoft.com/office/powerpoint/2010/main" val="3962771209"/>
+      </p:ext>
+    </p:extLst>
+  </p:cSld>
+  <p:clrMapOvr>
+    <a:masterClrMapping/>
+  </p:clrMapOvr>
+</p:notes>
+</file>
+
+<file path=ppt/notesSlides/notesSlide27.xml><?xml version="1.0" encoding="utf-8"?>
+<p:notes xmlns:a="http://schemas.openxmlformats.org/drawingml/2006/main" xmlns:r="http://schemas.openxmlformats.org/officeDocument/2006/relationships" xmlns:p="http://schemas.openxmlformats.org/presentationml/2006/main" showMasterSp="0" showMasterPhAnim="0">
+  <p:cSld>
+    <p:spTree>
+      <p:nvGrpSpPr>
+        <p:cNvPr id="1" name="Shape 174"/>
+        <p:cNvGrpSpPr/>
+        <p:nvPr/>
+      </p:nvGrpSpPr>
+      <p:grpSpPr>
+        <a:xfrm>
+          <a:off x="0" y="0"/>
+          <a:ext cx="0" cy="0"/>
+          <a:chOff x="0" y="0"/>
+          <a:chExt cx="0" cy="0"/>
+        </a:xfrm>
+      </p:grpSpPr>
+      <p:sp>
+        <p:nvSpPr>
+          <p:cNvPr id="175" name="Google Shape;175;p16:notes"/>
+          <p:cNvSpPr>
+            <a:spLocks noGrp="1" noRot="1" noChangeAspect="1"/>
+          </p:cNvSpPr>
+          <p:nvPr>
+            <p:ph type="sldImg" idx="2"/>
+          </p:nvPr>
+        </p:nvSpPr>
+        <p:spPr>
+          <a:xfrm>
+            <a:off x="-16989425" y="-11796713"/>
+            <a:ext cx="22153563" cy="12465051"/>
+          </a:xfrm>
+          <a:custGeom>
+            <a:avLst/>
+            <a:gdLst/>
+            <a:ahLst/>
+            <a:cxnLst/>
+            <a:rect l="l" t="t" r="r" b="b"/>
+            <a:pathLst>
+              <a:path w="120000" h="120000" extrusionOk="0">
+                <a:moveTo>
+                  <a:pt x="0" y="0"/>
+                </a:moveTo>
+                <a:lnTo>
+                  <a:pt x="120000" y="0"/>
+                </a:lnTo>
+                <a:lnTo>
+                  <a:pt x="120000" y="120000"/>
+                </a:lnTo>
+                <a:lnTo>
+                  <a:pt x="0" y="120000"/>
+                </a:lnTo>
+                <a:close/>
+              </a:path>
+            </a:pathLst>
+          </a:custGeom>
+          <a:solidFill>
+            <a:srgbClr val="FFFFFF"/>
+          </a:solidFill>
+          <a:ln w="9525" cap="flat" cmpd="sng">
+            <a:solidFill>
+              <a:srgbClr val="000000"/>
+            </a:solidFill>
+            <a:prstDash val="solid"/>
+            <a:miter lim="8000"/>
+            <a:headEnd type="none" w="sm" len="sm"/>
+            <a:tailEnd type="none" w="sm" len="sm"/>
+          </a:ln>
+        </p:spPr>
+      </p:sp>
+      <p:sp>
+        <p:nvSpPr>
+          <p:cNvPr id="176" name="Google Shape;176;p16:notes"/>
+          <p:cNvSpPr txBox="1">
+            <a:spLocks noGrp="1"/>
+          </p:cNvSpPr>
+          <p:nvPr>
+            <p:ph type="body" idx="1"/>
+          </p:nvPr>
+        </p:nvSpPr>
+        <p:spPr>
+          <a:xfrm>
+            <a:off x="685800" y="4343400"/>
+            <a:ext cx="5457825" cy="4086225"/>
+          </a:xfrm>
+          <a:prstGeom prst="rect">
+            <a:avLst/>
+          </a:prstGeom>
+          <a:noFill/>
+          <a:ln>
+            <a:noFill/>
+          </a:ln>
+        </p:spPr>
+        <p:txBody>
+          <a:bodyPr spcFirstLastPara="1" wrap="square" lIns="91425" tIns="45700" rIns="91425" bIns="45700" anchor="ctr" anchorCtr="0">
+            <a:noAutofit/>
+          </a:bodyPr>
+          <a:lstStyle/>
+          <a:p>
+            <a:pPr marL="0" marR="0" lvl="0" indent="0" algn="l" defTabSz="914400" rtl="0" eaLnBrk="1" fontAlgn="auto" latinLnBrk="0" hangingPunct="1">
+              <a:lnSpc>
+                <a:spcPct val="100000"/>
+              </a:lnSpc>
+              <a:spcBef>
+                <a:spcPts val="0"/>
+              </a:spcBef>
+              <a:spcAft>
+                <a:spcPts val="0"/>
+              </a:spcAft>
+              <a:buClr>
+                <a:srgbClr val="000000"/>
+              </a:buClr>
+              <a:buSzPts val="1400"/>
+              <a:buFont typeface="Arial"/>
+              <a:buNone/>
+              <a:tabLst/>
+              <a:defRPr/>
+            </a:pPr>
+            <a:r>
+              <a:rPr lang="en-US" sz="2400" b="0" i="0" u="none" strike="noStrike" cap="none" dirty="0">
+                <a:solidFill>
+                  <a:schemeClr val="dk1"/>
+                </a:solidFill>
+                <a:latin typeface="Nunito"/>
+                <a:ea typeface="Nunito"/>
+                <a:cs typeface="Nunito"/>
+                <a:sym typeface="Nunito"/>
+              </a:rPr>
+              <a:t>Yousef</a:t>
+            </a:r>
+          </a:p>
+          <a:p>
+            <a:pPr marL="0" marR="0" lvl="0" indent="0" algn="l" rtl="0">
+              <a:spcBef>
+                <a:spcPts val="0"/>
+              </a:spcBef>
+              <a:spcAft>
+                <a:spcPts val="0"/>
+              </a:spcAft>
+              <a:buNone/>
+            </a:pPr>
+            <a:endParaRPr lang="en-US" sz="2400" b="0" i="0" u="none" strike="noStrike" cap="none" dirty="0">
+              <a:solidFill>
+                <a:schemeClr val="dk1"/>
+              </a:solidFill>
+              <a:latin typeface="Nunito"/>
+              <a:ea typeface="Nunito"/>
+              <a:cs typeface="Nunito"/>
+              <a:sym typeface="Nunito"/>
+            </a:endParaRPr>
+          </a:p>
+        </p:txBody>
+      </p:sp>
+    </p:spTree>
+    <p:extLst>
+      <p:ext uri="{BB962C8B-B14F-4D97-AF65-F5344CB8AC3E}">
+        <p14:creationId xmlns:p14="http://schemas.microsoft.com/office/powerpoint/2010/main" val="2853139541"/>
+      </p:ext>
+    </p:extLst>
+  </p:cSld>
+  <p:clrMapOvr>
+    <a:masterClrMapping/>
+  </p:clrMapOvr>
+</p:notes>
+</file>
+
+<file path=ppt/notesSlides/notesSlide28.xml><?xml version="1.0" encoding="utf-8"?>
+<p:notes xmlns:a="http://schemas.openxmlformats.org/drawingml/2006/main" xmlns:r="http://schemas.openxmlformats.org/officeDocument/2006/relationships" xmlns:p="http://schemas.openxmlformats.org/presentationml/2006/main" showMasterSp="0" showMasterPhAnim="0">
+  <p:cSld>
+    <p:spTree>
+      <p:nvGrpSpPr>
+        <p:cNvPr id="1" name="Shape 174"/>
+        <p:cNvGrpSpPr/>
+        <p:nvPr/>
+      </p:nvGrpSpPr>
+      <p:grpSpPr>
+        <a:xfrm>
+          <a:off x="0" y="0"/>
+          <a:ext cx="0" cy="0"/>
+          <a:chOff x="0" y="0"/>
+          <a:chExt cx="0" cy="0"/>
+        </a:xfrm>
+      </p:grpSpPr>
+      <p:sp>
+        <p:nvSpPr>
+          <p:cNvPr id="175" name="Google Shape;175;p16:notes"/>
+          <p:cNvSpPr>
+            <a:spLocks noGrp="1" noRot="1" noChangeAspect="1"/>
+          </p:cNvSpPr>
+          <p:nvPr>
+            <p:ph type="sldImg" idx="2"/>
+          </p:nvPr>
+        </p:nvSpPr>
+        <p:spPr>
+          <a:xfrm>
+            <a:off x="-16989425" y="-11796713"/>
+            <a:ext cx="22153563" cy="12465051"/>
+          </a:xfrm>
+          <a:custGeom>
+            <a:avLst/>
+            <a:gdLst/>
+            <a:ahLst/>
+            <a:cxnLst/>
+            <a:rect l="l" t="t" r="r" b="b"/>
+            <a:pathLst>
+              <a:path w="120000" h="120000" extrusionOk="0">
+                <a:moveTo>
+                  <a:pt x="0" y="0"/>
+                </a:moveTo>
+                <a:lnTo>
+                  <a:pt x="120000" y="0"/>
+                </a:lnTo>
+                <a:lnTo>
+                  <a:pt x="120000" y="120000"/>
+                </a:lnTo>
+                <a:lnTo>
+                  <a:pt x="0" y="120000"/>
+                </a:lnTo>
+                <a:close/>
+              </a:path>
+            </a:pathLst>
+          </a:custGeom>
+          <a:solidFill>
+            <a:srgbClr val="FFFFFF"/>
+          </a:solidFill>
+          <a:ln w="9525" cap="flat" cmpd="sng">
+            <a:solidFill>
+              <a:srgbClr val="000000"/>
+            </a:solidFill>
+            <a:prstDash val="solid"/>
+            <a:miter lim="8000"/>
+            <a:headEnd type="none" w="sm" len="sm"/>
+            <a:tailEnd type="none" w="sm" len="sm"/>
+          </a:ln>
+        </p:spPr>
+      </p:sp>
+      <p:sp>
+        <p:nvSpPr>
+          <p:cNvPr id="176" name="Google Shape;176;p16:notes"/>
+          <p:cNvSpPr txBox="1">
+            <a:spLocks noGrp="1"/>
+          </p:cNvSpPr>
+          <p:nvPr>
+            <p:ph type="body" idx="1"/>
+          </p:nvPr>
+        </p:nvSpPr>
+        <p:spPr>
+          <a:xfrm>
+            <a:off x="685800" y="4343400"/>
+            <a:ext cx="5457825" cy="4086225"/>
+          </a:xfrm>
+          <a:prstGeom prst="rect">
+            <a:avLst/>
+          </a:prstGeom>
+          <a:noFill/>
+          <a:ln>
+            <a:noFill/>
+          </a:ln>
+        </p:spPr>
+        <p:txBody>
+          <a:bodyPr spcFirstLastPara="1" wrap="square" lIns="91425" tIns="45700" rIns="91425" bIns="45700" anchor="ctr" anchorCtr="0">
+            <a:noAutofit/>
+          </a:bodyPr>
+          <a:lstStyle/>
+          <a:p>
+            <a:pPr marL="0" marR="0" lvl="0" indent="0" algn="l" defTabSz="914400" rtl="0" eaLnBrk="1" fontAlgn="auto" latinLnBrk="0" hangingPunct="1">
+              <a:lnSpc>
+                <a:spcPct val="100000"/>
+              </a:lnSpc>
+              <a:spcBef>
+                <a:spcPts val="0"/>
+              </a:spcBef>
+              <a:spcAft>
+                <a:spcPts val="0"/>
+              </a:spcAft>
+              <a:buClr>
+                <a:srgbClr val="000000"/>
+              </a:buClr>
+              <a:buSzPts val="1400"/>
+              <a:buFont typeface="Arial"/>
+              <a:buNone/>
+              <a:tabLst/>
+              <a:defRPr/>
+            </a:pPr>
+            <a:r>
+              <a:rPr lang="en-US" sz="2400" b="0" i="0" u="none" strike="noStrike" cap="none" dirty="0">
+                <a:solidFill>
+                  <a:schemeClr val="dk1"/>
+                </a:solidFill>
+                <a:latin typeface="Nunito"/>
+                <a:ea typeface="Nunito"/>
+                <a:cs typeface="Nunito"/>
+                <a:sym typeface="Nunito"/>
+              </a:rPr>
+              <a:t>Yousef</a:t>
+            </a:r>
+          </a:p>
+          <a:p>
+            <a:pPr marL="0" marR="0" lvl="0" indent="0" algn="l" rtl="0">
+              <a:spcBef>
+                <a:spcPts val="0"/>
+              </a:spcBef>
+              <a:spcAft>
+                <a:spcPts val="0"/>
+              </a:spcAft>
+              <a:buNone/>
+            </a:pPr>
+            <a:endParaRPr lang="en-US" sz="2400" b="0" i="0" u="none" strike="noStrike" cap="none" dirty="0">
+              <a:solidFill>
+                <a:schemeClr val="dk1"/>
+              </a:solidFill>
+              <a:latin typeface="Nunito"/>
+              <a:ea typeface="Nunito"/>
+              <a:cs typeface="Nunito"/>
+              <a:sym typeface="Nunito"/>
+            </a:endParaRPr>
+          </a:p>
+        </p:txBody>
+      </p:sp>
+    </p:spTree>
+    <p:extLst>
+      <p:ext uri="{BB962C8B-B14F-4D97-AF65-F5344CB8AC3E}">
+        <p14:creationId xmlns:p14="http://schemas.microsoft.com/office/powerpoint/2010/main" val="3937962295"/>
       </p:ext>
     </p:extLst>
   </p:cSld>
@@ -10745,6 +12903,701 @@
 </p:sld>
 </file>
 
+<file path=ppt/slides/slide16.xml><?xml version="1.0" encoding="utf-8"?>
+<p:sld xmlns:a="http://schemas.openxmlformats.org/drawingml/2006/main" xmlns:r="http://schemas.openxmlformats.org/officeDocument/2006/relationships" xmlns:p="http://schemas.openxmlformats.org/presentationml/2006/main">
+  <p:cSld>
+    <p:spTree>
+      <p:nvGrpSpPr>
+        <p:cNvPr id="1" name="Shape 177"/>
+        <p:cNvGrpSpPr/>
+        <p:nvPr/>
+      </p:nvGrpSpPr>
+      <p:grpSpPr>
+        <a:xfrm>
+          <a:off x="0" y="0"/>
+          <a:ext cx="0" cy="0"/>
+          <a:chOff x="0" y="0"/>
+          <a:chExt cx="0" cy="0"/>
+        </a:xfrm>
+      </p:grpSpPr>
+      <p:sp>
+        <p:nvSpPr>
+          <p:cNvPr id="11" name="Google Shape;182;p10">
+            <a:extLst>
+              <a:ext uri="{FF2B5EF4-FFF2-40B4-BE49-F238E27FC236}">
+                <a16:creationId xmlns:a16="http://schemas.microsoft.com/office/drawing/2014/main" id="{88392DE9-3CFC-A244-9978-E474088DE60F}"/>
+              </a:ext>
+            </a:extLst>
+          </p:cNvPr>
+          <p:cNvSpPr txBox="1"/>
+          <p:nvPr/>
+        </p:nvSpPr>
+        <p:spPr>
+          <a:xfrm>
+            <a:off x="1467853" y="1116731"/>
+            <a:ext cx="12488779" cy="1323439"/>
+          </a:xfrm>
+          <a:prstGeom prst="rect">
+            <a:avLst/>
+          </a:prstGeom>
+          <a:noFill/>
+          <a:ln>
+            <a:noFill/>
+          </a:ln>
+        </p:spPr>
+        <p:txBody>
+          <a:bodyPr spcFirstLastPara="1" wrap="square" lIns="91426" tIns="45700" rIns="91426" bIns="45700" anchor="t" anchorCtr="0">
+            <a:noAutofit/>
+          </a:bodyPr>
+          <a:lstStyle/>
+          <a:p>
+            <a:r>
+              <a:rPr lang="en-US" sz="8001" b="1" dirty="0">
+                <a:solidFill>
+                  <a:schemeClr val="dk1"/>
+                </a:solidFill>
+                <a:latin typeface="Nunito"/>
+                <a:ea typeface="Nunito"/>
+                <a:cs typeface="Nunito"/>
+                <a:sym typeface="Nunito"/>
+              </a:rPr>
+              <a:t>Network 3 Description</a:t>
+            </a:r>
+            <a:endParaRPr sz="8001" b="1" dirty="0">
+              <a:solidFill>
+                <a:schemeClr val="dk1"/>
+              </a:solidFill>
+              <a:latin typeface="Nunito"/>
+              <a:ea typeface="Nunito"/>
+              <a:cs typeface="Nunito"/>
+              <a:sym typeface="Nunito"/>
+            </a:endParaRPr>
+          </a:p>
+        </p:txBody>
+      </p:sp>
+      <p:sp>
+        <p:nvSpPr>
+          <p:cNvPr id="6" name="TextBox 5">
+            <a:extLst>
+              <a:ext uri="{FF2B5EF4-FFF2-40B4-BE49-F238E27FC236}">
+                <a16:creationId xmlns:a16="http://schemas.microsoft.com/office/drawing/2014/main" id="{A51771E4-89B0-4F19-9518-20DE24667770}"/>
+              </a:ext>
+            </a:extLst>
+          </p:cNvPr>
+          <p:cNvSpPr txBox="1"/>
+          <p:nvPr/>
+        </p:nvSpPr>
+        <p:spPr>
+          <a:xfrm>
+            <a:off x="11480007" y="8343531"/>
+            <a:ext cx="12553406" cy="707886"/>
+          </a:xfrm>
+          <a:prstGeom prst="rect">
+            <a:avLst/>
+          </a:prstGeom>
+          <a:noFill/>
+        </p:spPr>
+        <p:txBody>
+          <a:bodyPr wrap="square" rtlCol="0">
+            <a:spAutoFit/>
+          </a:bodyPr>
+          <a:lstStyle/>
+          <a:p>
+            <a:pPr algn="ctr"/>
+            <a:r>
+              <a:rPr lang="en-US" sz="4000" dirty="0"/>
+              <a:t>New 26 column input vector</a:t>
+            </a:r>
+          </a:p>
+        </p:txBody>
+      </p:sp>
+      <p:sp>
+        <p:nvSpPr>
+          <p:cNvPr id="7" name="Google Shape;181;p10">
+            <a:extLst>
+              <a:ext uri="{FF2B5EF4-FFF2-40B4-BE49-F238E27FC236}">
+                <a16:creationId xmlns:a16="http://schemas.microsoft.com/office/drawing/2014/main" id="{5284F886-3E9D-B943-B34B-B1EA85F61A21}"/>
+              </a:ext>
+            </a:extLst>
+          </p:cNvPr>
+          <p:cNvSpPr txBox="1"/>
+          <p:nvPr/>
+        </p:nvSpPr>
+        <p:spPr>
+          <a:xfrm>
+            <a:off x="1467853" y="3125123"/>
+            <a:ext cx="10432515" cy="6237870"/>
+          </a:xfrm>
+          <a:prstGeom prst="rect">
+            <a:avLst/>
+          </a:prstGeom>
+          <a:noFill/>
+          <a:ln>
+            <a:noFill/>
+          </a:ln>
+        </p:spPr>
+        <p:txBody>
+          <a:bodyPr spcFirstLastPara="1" wrap="square" lIns="91426" tIns="45700" rIns="91426" bIns="45700" anchor="t" anchorCtr="0">
+            <a:noAutofit/>
+          </a:bodyPr>
+          <a:lstStyle/>
+          <a:p>
+            <a:r>
+              <a:rPr lang="en-GB" sz="4800" b="1" dirty="0">
+                <a:solidFill>
+                  <a:srgbClr val="1B243B"/>
+                </a:solidFill>
+                <a:latin typeface="Nunito"/>
+                <a:sym typeface="Nunito"/>
+              </a:rPr>
+              <a:t>Input</a:t>
+            </a:r>
+          </a:p>
+          <a:p>
+            <a:pPr marL="685800" lvl="0" indent="-685800">
+              <a:buFont typeface="Arial" panose="020B0604020202020204" pitchFamily="34" charset="0"/>
+              <a:buChar char="•"/>
+            </a:pPr>
+            <a:r>
+              <a:rPr lang="en-US" sz="4000" dirty="0"/>
+              <a:t>Year</a:t>
+            </a:r>
+          </a:p>
+          <a:p>
+            <a:pPr marL="685800" lvl="0" indent="-685800">
+              <a:buFont typeface="Arial" panose="020B0604020202020204" pitchFamily="34" charset="0"/>
+              <a:buChar char="•"/>
+            </a:pPr>
+            <a:r>
+              <a:rPr lang="en-US" sz="4000" dirty="0">
+                <a:sym typeface="Nunito"/>
+              </a:rPr>
+              <a:t>Month</a:t>
+            </a:r>
+          </a:p>
+          <a:p>
+            <a:pPr marL="685800" lvl="0" indent="-685800">
+              <a:buFont typeface="Arial" panose="020B0604020202020204" pitchFamily="34" charset="0"/>
+              <a:buChar char="•"/>
+            </a:pPr>
+            <a:r>
+              <a:rPr lang="en-US" sz="4000" dirty="0">
+                <a:sym typeface="Nunito"/>
+              </a:rPr>
+              <a:t>Day</a:t>
+            </a:r>
+          </a:p>
+          <a:p>
+            <a:pPr marL="685800" lvl="0" indent="-685800">
+              <a:buFont typeface="Arial" panose="020B0604020202020204" pitchFamily="34" charset="0"/>
+              <a:buChar char="•"/>
+            </a:pPr>
+            <a:r>
+              <a:rPr lang="en-US" sz="4000" dirty="0">
+                <a:sym typeface="Nunito"/>
+              </a:rPr>
+              <a:t>Hour</a:t>
+            </a:r>
+          </a:p>
+          <a:p>
+            <a:pPr marL="685800" lvl="0" indent="-685800">
+              <a:buFont typeface="Arial" panose="020B0604020202020204" pitchFamily="34" charset="0"/>
+              <a:buChar char="•"/>
+            </a:pPr>
+            <a:r>
+              <a:rPr lang="en-US" sz="4000" dirty="0">
+                <a:sym typeface="Nunito"/>
+              </a:rPr>
+              <a:t>One hot encoded Neighborhood</a:t>
+            </a:r>
+          </a:p>
+          <a:p>
+            <a:pPr lvl="0"/>
+            <a:endParaRPr lang="en-GB" sz="4800" dirty="0">
+              <a:sym typeface="Nunito"/>
+            </a:endParaRPr>
+          </a:p>
+          <a:p>
+            <a:pPr lvl="0"/>
+            <a:r>
+              <a:rPr lang="en-GB" sz="4800" b="1" dirty="0">
+                <a:solidFill>
+                  <a:srgbClr val="1B243B"/>
+                </a:solidFill>
+                <a:latin typeface="Nunito"/>
+                <a:sym typeface="Nunito"/>
+              </a:rPr>
+              <a:t>Output</a:t>
+            </a:r>
+          </a:p>
+          <a:p>
+            <a:pPr marL="685800" lvl="0" indent="-685800">
+              <a:buFont typeface="Arial" panose="020B0604020202020204" pitchFamily="34" charset="0"/>
+              <a:buChar char="•"/>
+            </a:pPr>
+            <a:r>
+              <a:rPr lang="en-US" sz="4000" dirty="0"/>
+              <a:t>Probability of crime occurring</a:t>
+            </a:r>
+            <a:endParaRPr lang="en-GB" sz="4000" dirty="0">
+              <a:sym typeface="Nunito"/>
+            </a:endParaRPr>
+          </a:p>
+        </p:txBody>
+      </p:sp>
+      <p:pic>
+        <p:nvPicPr>
+          <p:cNvPr id="2" name="Picture 1">
+            <a:extLst>
+              <a:ext uri="{FF2B5EF4-FFF2-40B4-BE49-F238E27FC236}">
+                <a16:creationId xmlns:a16="http://schemas.microsoft.com/office/drawing/2014/main" id="{6E3F47D3-97B5-8640-AABA-87CEEADBC9A2}"/>
+              </a:ext>
+            </a:extLst>
+          </p:cNvPr>
+          <p:cNvPicPr>
+            <a:picLocks noChangeAspect="1"/>
+          </p:cNvPicPr>
+          <p:nvPr/>
+        </p:nvPicPr>
+        <p:blipFill>
+          <a:blip r:embed="rId3"/>
+          <a:stretch>
+            <a:fillRect/>
+          </a:stretch>
+        </p:blipFill>
+        <p:spPr>
+          <a:xfrm>
+            <a:off x="11116691" y="5806363"/>
+            <a:ext cx="12569512" cy="2267228"/>
+          </a:xfrm>
+          <a:prstGeom prst="rect">
+            <a:avLst/>
+          </a:prstGeom>
+        </p:spPr>
+      </p:pic>
+    </p:spTree>
+    <p:extLst>
+      <p:ext uri="{BB962C8B-B14F-4D97-AF65-F5344CB8AC3E}">
+        <p14:creationId xmlns:p14="http://schemas.microsoft.com/office/powerpoint/2010/main" val="4244971881"/>
+      </p:ext>
+    </p:extLst>
+  </p:cSld>
+  <p:clrMapOvr>
+    <a:masterClrMapping/>
+  </p:clrMapOvr>
+</p:sld>
+</file>
+
+<file path=ppt/slides/slide17.xml><?xml version="1.0" encoding="utf-8"?>
+<p:sld xmlns:a="http://schemas.openxmlformats.org/drawingml/2006/main" xmlns:r="http://schemas.openxmlformats.org/officeDocument/2006/relationships" xmlns:p="http://schemas.openxmlformats.org/presentationml/2006/main">
+  <p:cSld>
+    <p:spTree>
+      <p:nvGrpSpPr>
+        <p:cNvPr id="1" name="Shape 177"/>
+        <p:cNvGrpSpPr/>
+        <p:nvPr/>
+      </p:nvGrpSpPr>
+      <p:grpSpPr>
+        <a:xfrm>
+          <a:off x="0" y="0"/>
+          <a:ext cx="0" cy="0"/>
+          <a:chOff x="0" y="0"/>
+          <a:chExt cx="0" cy="0"/>
+        </a:xfrm>
+      </p:grpSpPr>
+      <p:sp>
+        <p:nvSpPr>
+          <p:cNvPr id="7" name="Google Shape;182;p10">
+            <a:extLst>
+              <a:ext uri="{FF2B5EF4-FFF2-40B4-BE49-F238E27FC236}">
+                <a16:creationId xmlns:a16="http://schemas.microsoft.com/office/drawing/2014/main" id="{5AF6879A-FC91-4CE4-A8CB-03329928EED2}"/>
+              </a:ext>
+            </a:extLst>
+          </p:cNvPr>
+          <p:cNvSpPr txBox="1"/>
+          <p:nvPr/>
+        </p:nvSpPr>
+        <p:spPr>
+          <a:xfrm>
+            <a:off x="1467853" y="1116731"/>
+            <a:ext cx="12488779" cy="1323439"/>
+          </a:xfrm>
+          <a:prstGeom prst="rect">
+            <a:avLst/>
+          </a:prstGeom>
+          <a:noFill/>
+          <a:ln>
+            <a:noFill/>
+          </a:ln>
+        </p:spPr>
+        <p:txBody>
+          <a:bodyPr spcFirstLastPara="1" wrap="square" lIns="91426" tIns="45700" rIns="91426" bIns="45700" anchor="t" anchorCtr="0">
+            <a:noAutofit/>
+          </a:bodyPr>
+          <a:lstStyle/>
+          <a:p>
+            <a:r>
+              <a:rPr lang="en-US" sz="8001" b="1" dirty="0">
+                <a:solidFill>
+                  <a:schemeClr val="dk1"/>
+                </a:solidFill>
+                <a:latin typeface="Nunito"/>
+                <a:ea typeface="Nunito"/>
+                <a:cs typeface="Nunito"/>
+                <a:sym typeface="Nunito"/>
+              </a:rPr>
+              <a:t>Network 3 Architecture</a:t>
+            </a:r>
+            <a:endParaRPr sz="8001" b="1" dirty="0">
+              <a:solidFill>
+                <a:schemeClr val="dk1"/>
+              </a:solidFill>
+              <a:latin typeface="Nunito"/>
+              <a:ea typeface="Nunito"/>
+              <a:cs typeface="Nunito"/>
+              <a:sym typeface="Nunito"/>
+            </a:endParaRPr>
+          </a:p>
+        </p:txBody>
+      </p:sp>
+      <p:pic>
+        <p:nvPicPr>
+          <p:cNvPr id="4" name="Picture 3">
+            <a:extLst>
+              <a:ext uri="{FF2B5EF4-FFF2-40B4-BE49-F238E27FC236}">
+                <a16:creationId xmlns:a16="http://schemas.microsoft.com/office/drawing/2014/main" id="{3ABEBA0E-F2BF-1B43-8387-0A473C17219C}"/>
+              </a:ext>
+            </a:extLst>
+          </p:cNvPr>
+          <p:cNvPicPr>
+            <a:picLocks noChangeAspect="1"/>
+          </p:cNvPicPr>
+          <p:nvPr/>
+        </p:nvPicPr>
+        <p:blipFill>
+          <a:blip r:embed="rId3"/>
+          <a:stretch>
+            <a:fillRect/>
+          </a:stretch>
+        </p:blipFill>
+        <p:spPr>
+          <a:xfrm>
+            <a:off x="4637150" y="2842506"/>
+            <a:ext cx="14709809" cy="8386326"/>
+          </a:xfrm>
+          <a:prstGeom prst="rect">
+            <a:avLst/>
+          </a:prstGeom>
+        </p:spPr>
+      </p:pic>
+    </p:spTree>
+    <p:extLst>
+      <p:ext uri="{BB962C8B-B14F-4D97-AF65-F5344CB8AC3E}">
+        <p14:creationId xmlns:p14="http://schemas.microsoft.com/office/powerpoint/2010/main" val="4116612615"/>
+      </p:ext>
+    </p:extLst>
+  </p:cSld>
+  <p:clrMapOvr>
+    <a:masterClrMapping/>
+  </p:clrMapOvr>
+</p:sld>
+</file>
+
+<file path=ppt/slides/slide18.xml><?xml version="1.0" encoding="utf-8"?>
+<p:sld xmlns:a="http://schemas.openxmlformats.org/drawingml/2006/main" xmlns:r="http://schemas.openxmlformats.org/officeDocument/2006/relationships" xmlns:p="http://schemas.openxmlformats.org/presentationml/2006/main">
+  <p:cSld>
+    <p:spTree>
+      <p:nvGrpSpPr>
+        <p:cNvPr id="1" name="Shape 177"/>
+        <p:cNvGrpSpPr/>
+        <p:nvPr/>
+      </p:nvGrpSpPr>
+      <p:grpSpPr>
+        <a:xfrm>
+          <a:off x="0" y="0"/>
+          <a:ext cx="0" cy="0"/>
+          <a:chOff x="0" y="0"/>
+          <a:chExt cx="0" cy="0"/>
+        </a:xfrm>
+      </p:grpSpPr>
+      <p:sp>
+        <p:nvSpPr>
+          <p:cNvPr id="11" name="Google Shape;182;p10">
+            <a:extLst>
+              <a:ext uri="{FF2B5EF4-FFF2-40B4-BE49-F238E27FC236}">
+                <a16:creationId xmlns:a16="http://schemas.microsoft.com/office/drawing/2014/main" id="{88392DE9-3CFC-A244-9978-E474088DE60F}"/>
+              </a:ext>
+            </a:extLst>
+          </p:cNvPr>
+          <p:cNvSpPr txBox="1"/>
+          <p:nvPr/>
+        </p:nvSpPr>
+        <p:spPr>
+          <a:xfrm>
+            <a:off x="1467853" y="1116731"/>
+            <a:ext cx="12488779" cy="1323439"/>
+          </a:xfrm>
+          <a:prstGeom prst="rect">
+            <a:avLst/>
+          </a:prstGeom>
+          <a:noFill/>
+          <a:ln>
+            <a:noFill/>
+          </a:ln>
+        </p:spPr>
+        <p:txBody>
+          <a:bodyPr spcFirstLastPara="1" wrap="square" lIns="91426" tIns="45700" rIns="91426" bIns="45700" anchor="t" anchorCtr="0">
+            <a:noAutofit/>
+          </a:bodyPr>
+          <a:lstStyle/>
+          <a:p>
+            <a:r>
+              <a:rPr lang="en-US" sz="8001" b="1" dirty="0">
+                <a:solidFill>
+                  <a:schemeClr val="dk1"/>
+                </a:solidFill>
+                <a:latin typeface="Nunito"/>
+                <a:ea typeface="Nunito"/>
+                <a:cs typeface="Nunito"/>
+                <a:sym typeface="Nunito"/>
+              </a:rPr>
+              <a:t>Network 3 Performance</a:t>
+            </a:r>
+            <a:endParaRPr sz="8001" b="1" dirty="0">
+              <a:solidFill>
+                <a:schemeClr val="dk1"/>
+              </a:solidFill>
+              <a:latin typeface="Nunito"/>
+              <a:ea typeface="Nunito"/>
+              <a:cs typeface="Nunito"/>
+              <a:sym typeface="Nunito"/>
+            </a:endParaRPr>
+          </a:p>
+        </p:txBody>
+      </p:sp>
+      <p:sp>
+        <p:nvSpPr>
+          <p:cNvPr id="12" name="TextBox 11">
+            <a:extLst>
+              <a:ext uri="{FF2B5EF4-FFF2-40B4-BE49-F238E27FC236}">
+                <a16:creationId xmlns:a16="http://schemas.microsoft.com/office/drawing/2014/main" id="{D8A2D8AA-337B-4F8F-AF35-F9D9F9849511}"/>
+              </a:ext>
+            </a:extLst>
+          </p:cNvPr>
+          <p:cNvSpPr txBox="1"/>
+          <p:nvPr/>
+        </p:nvSpPr>
+        <p:spPr>
+          <a:xfrm>
+            <a:off x="9790399" y="10921887"/>
+            <a:ext cx="4796852" cy="707886"/>
+          </a:xfrm>
+          <a:prstGeom prst="rect">
+            <a:avLst/>
+          </a:prstGeom>
+          <a:noFill/>
+        </p:spPr>
+        <p:txBody>
+          <a:bodyPr wrap="square" rtlCol="0">
+            <a:spAutoFit/>
+          </a:bodyPr>
+          <a:lstStyle/>
+          <a:p>
+            <a:r>
+              <a:rPr lang="en-US" sz="4000" dirty="0"/>
+              <a:t>Test Accuracy: 86%</a:t>
+            </a:r>
+          </a:p>
+        </p:txBody>
+      </p:sp>
+      <p:pic>
+        <p:nvPicPr>
+          <p:cNvPr id="4" name="Picture 3">
+            <a:extLst>
+              <a:ext uri="{FF2B5EF4-FFF2-40B4-BE49-F238E27FC236}">
+                <a16:creationId xmlns:a16="http://schemas.microsoft.com/office/drawing/2014/main" id="{466DC368-958A-1C4D-9569-0B480E723671}"/>
+              </a:ext>
+            </a:extLst>
+          </p:cNvPr>
+          <p:cNvPicPr>
+            <a:picLocks noChangeAspect="1"/>
+          </p:cNvPicPr>
+          <p:nvPr/>
+        </p:nvPicPr>
+        <p:blipFill>
+          <a:blip r:embed="rId3"/>
+          <a:stretch>
+            <a:fillRect/>
+          </a:stretch>
+        </p:blipFill>
+        <p:spPr>
+          <a:xfrm>
+            <a:off x="1211821" y="3268384"/>
+            <a:ext cx="10477463" cy="7117842"/>
+          </a:xfrm>
+          <a:prstGeom prst="rect">
+            <a:avLst/>
+          </a:prstGeom>
+        </p:spPr>
+      </p:pic>
+      <p:pic>
+        <p:nvPicPr>
+          <p:cNvPr id="5" name="Picture 4">
+            <a:extLst>
+              <a:ext uri="{FF2B5EF4-FFF2-40B4-BE49-F238E27FC236}">
+                <a16:creationId xmlns:a16="http://schemas.microsoft.com/office/drawing/2014/main" id="{04D8D627-8B5A-2741-9001-182A74A030B1}"/>
+              </a:ext>
+            </a:extLst>
+          </p:cNvPr>
+          <p:cNvPicPr>
+            <a:picLocks noChangeAspect="1"/>
+          </p:cNvPicPr>
+          <p:nvPr/>
+        </p:nvPicPr>
+        <p:blipFill>
+          <a:blip r:embed="rId4"/>
+          <a:stretch>
+            <a:fillRect/>
+          </a:stretch>
+        </p:blipFill>
+        <p:spPr>
+          <a:xfrm>
+            <a:off x="12188825" y="3268384"/>
+            <a:ext cx="10613059" cy="7188278"/>
+          </a:xfrm>
+          <a:prstGeom prst="rect">
+            <a:avLst/>
+          </a:prstGeom>
+        </p:spPr>
+      </p:pic>
+    </p:spTree>
+    <p:extLst>
+      <p:ext uri="{BB962C8B-B14F-4D97-AF65-F5344CB8AC3E}">
+        <p14:creationId xmlns:p14="http://schemas.microsoft.com/office/powerpoint/2010/main" val="2979773575"/>
+      </p:ext>
+    </p:extLst>
+  </p:cSld>
+  <p:clrMapOvr>
+    <a:masterClrMapping/>
+  </p:clrMapOvr>
+</p:sld>
+</file>
+
+<file path=ppt/slides/slide19.xml><?xml version="1.0" encoding="utf-8"?>
+<p:sld xmlns:a="http://schemas.openxmlformats.org/drawingml/2006/main" xmlns:r="http://schemas.openxmlformats.org/officeDocument/2006/relationships" xmlns:p="http://schemas.openxmlformats.org/presentationml/2006/main">
+  <p:cSld>
+    <p:spTree>
+      <p:nvGrpSpPr>
+        <p:cNvPr id="1" name="Shape 177"/>
+        <p:cNvGrpSpPr/>
+        <p:nvPr/>
+      </p:nvGrpSpPr>
+      <p:grpSpPr>
+        <a:xfrm>
+          <a:off x="0" y="0"/>
+          <a:ext cx="0" cy="0"/>
+          <a:chOff x="0" y="0"/>
+          <a:chExt cx="0" cy="0"/>
+        </a:xfrm>
+      </p:grpSpPr>
+      <p:sp>
+        <p:nvSpPr>
+          <p:cNvPr id="7" name="Google Shape;182;p10">
+            <a:extLst>
+              <a:ext uri="{FF2B5EF4-FFF2-40B4-BE49-F238E27FC236}">
+                <a16:creationId xmlns:a16="http://schemas.microsoft.com/office/drawing/2014/main" id="{5AF6879A-FC91-4CE4-A8CB-03329928EED2}"/>
+              </a:ext>
+            </a:extLst>
+          </p:cNvPr>
+          <p:cNvSpPr txBox="1"/>
+          <p:nvPr/>
+        </p:nvSpPr>
+        <p:spPr>
+          <a:xfrm>
+            <a:off x="1467853" y="1116731"/>
+            <a:ext cx="14616593" cy="1323439"/>
+          </a:xfrm>
+          <a:prstGeom prst="rect">
+            <a:avLst/>
+          </a:prstGeom>
+          <a:noFill/>
+          <a:ln>
+            <a:noFill/>
+          </a:ln>
+        </p:spPr>
+        <p:txBody>
+          <a:bodyPr spcFirstLastPara="1" wrap="square" lIns="91426" tIns="45700" rIns="91426" bIns="45700" anchor="t" anchorCtr="0">
+            <a:noAutofit/>
+          </a:bodyPr>
+          <a:lstStyle/>
+          <a:p>
+            <a:r>
+              <a:rPr lang="en-US" sz="8001" b="1" dirty="0">
+                <a:solidFill>
+                  <a:schemeClr val="dk1"/>
+                </a:solidFill>
+                <a:latin typeface="Nunito"/>
+                <a:ea typeface="Nunito"/>
+                <a:cs typeface="Nunito"/>
+                <a:sym typeface="Nunito"/>
+              </a:rPr>
+              <a:t>Network 3 Sample Output</a:t>
+            </a:r>
+            <a:endParaRPr sz="8001" b="1" dirty="0">
+              <a:solidFill>
+                <a:schemeClr val="dk1"/>
+              </a:solidFill>
+              <a:latin typeface="Nunito"/>
+              <a:ea typeface="Nunito"/>
+              <a:cs typeface="Nunito"/>
+              <a:sym typeface="Nunito"/>
+            </a:endParaRPr>
+          </a:p>
+        </p:txBody>
+      </p:sp>
+      <p:pic>
+        <p:nvPicPr>
+          <p:cNvPr id="2" name="Picture 1">
+            <a:extLst>
+              <a:ext uri="{FF2B5EF4-FFF2-40B4-BE49-F238E27FC236}">
+                <a16:creationId xmlns:a16="http://schemas.microsoft.com/office/drawing/2014/main" id="{10EAAF0C-793C-B045-85CF-6A1C0DCDFEB4}"/>
+              </a:ext>
+            </a:extLst>
+          </p:cNvPr>
+          <p:cNvPicPr>
+            <a:picLocks noChangeAspect="1"/>
+          </p:cNvPicPr>
+          <p:nvPr/>
+        </p:nvPicPr>
+        <p:blipFill>
+          <a:blip r:embed="rId3"/>
+          <a:stretch>
+            <a:fillRect/>
+          </a:stretch>
+        </p:blipFill>
+        <p:spPr>
+          <a:xfrm>
+            <a:off x="7075296" y="2549898"/>
+            <a:ext cx="9969119" cy="9024839"/>
+          </a:xfrm>
+          <a:prstGeom prst="rect">
+            <a:avLst/>
+          </a:prstGeom>
+        </p:spPr>
+      </p:pic>
+    </p:spTree>
+    <p:extLst>
+      <p:ext uri="{BB962C8B-B14F-4D97-AF65-F5344CB8AC3E}">
+        <p14:creationId xmlns:p14="http://schemas.microsoft.com/office/powerpoint/2010/main" val="3517888331"/>
+      </p:ext>
+    </p:extLst>
+  </p:cSld>
+  <p:clrMapOvr>
+    <a:masterClrMapping/>
+  </p:clrMapOvr>
+</p:sld>
+</file>
+
 <file path=ppt/slides/slide2.xml><?xml version="1.0" encoding="utf-8"?>
 <p:sld xmlns:a="http://schemas.openxmlformats.org/drawingml/2006/main" xmlns:r="http://schemas.openxmlformats.org/officeDocument/2006/relationships" xmlns:p="http://schemas.openxmlformats.org/presentationml/2006/main">
   <p:cSld>
@@ -10961,6 +13814,2290 @@
 </p:sld>
 </file>
 
+<file path=ppt/slides/slide20.xml><?xml version="1.0" encoding="utf-8"?>
+<p:sld xmlns:a="http://schemas.openxmlformats.org/drawingml/2006/main" xmlns:r="http://schemas.openxmlformats.org/officeDocument/2006/relationships" xmlns:p="http://schemas.openxmlformats.org/presentationml/2006/main">
+  <p:cSld>
+    <p:spTree>
+      <p:nvGrpSpPr>
+        <p:cNvPr id="1" name="Shape 177"/>
+        <p:cNvGrpSpPr/>
+        <p:nvPr/>
+      </p:nvGrpSpPr>
+      <p:grpSpPr>
+        <a:xfrm>
+          <a:off x="0" y="0"/>
+          <a:ext cx="0" cy="0"/>
+          <a:chOff x="0" y="0"/>
+          <a:chExt cx="0" cy="0"/>
+        </a:xfrm>
+      </p:grpSpPr>
+      <p:sp>
+        <p:nvSpPr>
+          <p:cNvPr id="11" name="Google Shape;182;p10">
+            <a:extLst>
+              <a:ext uri="{FF2B5EF4-FFF2-40B4-BE49-F238E27FC236}">
+                <a16:creationId xmlns:a16="http://schemas.microsoft.com/office/drawing/2014/main" id="{88392DE9-3CFC-A244-9978-E474088DE60F}"/>
+              </a:ext>
+            </a:extLst>
+          </p:cNvPr>
+          <p:cNvSpPr txBox="1"/>
+          <p:nvPr/>
+        </p:nvSpPr>
+        <p:spPr>
+          <a:xfrm>
+            <a:off x="1467853" y="1116731"/>
+            <a:ext cx="12488779" cy="1323439"/>
+          </a:xfrm>
+          <a:prstGeom prst="rect">
+            <a:avLst/>
+          </a:prstGeom>
+          <a:noFill/>
+          <a:ln>
+            <a:noFill/>
+          </a:ln>
+        </p:spPr>
+        <p:txBody>
+          <a:bodyPr spcFirstLastPara="1" wrap="square" lIns="91426" tIns="45700" rIns="91426" bIns="45700" anchor="t" anchorCtr="0">
+            <a:noAutofit/>
+          </a:bodyPr>
+          <a:lstStyle/>
+          <a:p>
+            <a:r>
+              <a:rPr lang="en-US" sz="8001" b="1" dirty="0">
+                <a:solidFill>
+                  <a:schemeClr val="dk1"/>
+                </a:solidFill>
+                <a:latin typeface="Nunito"/>
+                <a:ea typeface="Nunito"/>
+                <a:cs typeface="Nunito"/>
+                <a:sym typeface="Nunito"/>
+              </a:rPr>
+              <a:t>Network 3.1 and 3.2</a:t>
+            </a:r>
+            <a:endParaRPr sz="8001" b="1" dirty="0">
+              <a:solidFill>
+                <a:schemeClr val="dk1"/>
+              </a:solidFill>
+              <a:latin typeface="Nunito"/>
+              <a:ea typeface="Nunito"/>
+              <a:cs typeface="Nunito"/>
+              <a:sym typeface="Nunito"/>
+            </a:endParaRPr>
+          </a:p>
+        </p:txBody>
+      </p:sp>
+      <p:sp>
+        <p:nvSpPr>
+          <p:cNvPr id="7" name="Google Shape;181;p10">
+            <a:extLst>
+              <a:ext uri="{FF2B5EF4-FFF2-40B4-BE49-F238E27FC236}">
+                <a16:creationId xmlns:a16="http://schemas.microsoft.com/office/drawing/2014/main" id="{5284F886-3E9D-B943-B34B-B1EA85F61A21}"/>
+              </a:ext>
+            </a:extLst>
+          </p:cNvPr>
+          <p:cNvSpPr txBox="1"/>
+          <p:nvPr/>
+        </p:nvSpPr>
+        <p:spPr>
+          <a:xfrm>
+            <a:off x="1467853" y="2724004"/>
+            <a:ext cx="10432515" cy="6237870"/>
+          </a:xfrm>
+          <a:prstGeom prst="rect">
+            <a:avLst/>
+          </a:prstGeom>
+          <a:noFill/>
+          <a:ln>
+            <a:noFill/>
+          </a:ln>
+        </p:spPr>
+        <p:txBody>
+          <a:bodyPr spcFirstLastPara="1" wrap="square" lIns="91426" tIns="45700" rIns="91426" bIns="45700" anchor="t" anchorCtr="0">
+            <a:noAutofit/>
+          </a:bodyPr>
+          <a:lstStyle/>
+          <a:p>
+            <a:r>
+              <a:rPr lang="en-GB" sz="4800" b="1" dirty="0">
+                <a:solidFill>
+                  <a:srgbClr val="1B243B"/>
+                </a:solidFill>
+                <a:latin typeface="Nunito"/>
+                <a:sym typeface="Nunito"/>
+              </a:rPr>
+              <a:t>Input</a:t>
+            </a:r>
+          </a:p>
+          <a:p>
+            <a:pPr marL="685800" lvl="0" indent="-685800">
+              <a:buFont typeface="Arial" panose="020B0604020202020204" pitchFamily="34" charset="0"/>
+              <a:buChar char="•"/>
+            </a:pPr>
+            <a:r>
+              <a:rPr lang="en-US" sz="4000" dirty="0"/>
+              <a:t>Year</a:t>
+            </a:r>
+          </a:p>
+          <a:p>
+            <a:pPr marL="685800" lvl="0" indent="-685800">
+              <a:buFont typeface="Arial" panose="020B0604020202020204" pitchFamily="34" charset="0"/>
+              <a:buChar char="•"/>
+            </a:pPr>
+            <a:r>
+              <a:rPr lang="en-US" sz="4000" dirty="0">
+                <a:sym typeface="Nunito"/>
+              </a:rPr>
+              <a:t>Month</a:t>
+            </a:r>
+          </a:p>
+          <a:p>
+            <a:pPr marL="685800" lvl="0" indent="-685800">
+              <a:buFont typeface="Arial" panose="020B0604020202020204" pitchFamily="34" charset="0"/>
+              <a:buChar char="•"/>
+            </a:pPr>
+            <a:r>
+              <a:rPr lang="en-US" sz="4000" dirty="0">
+                <a:sym typeface="Nunito"/>
+              </a:rPr>
+              <a:t>Day</a:t>
+            </a:r>
+          </a:p>
+          <a:p>
+            <a:pPr marL="685800" lvl="0" indent="-685800">
+              <a:buFont typeface="Arial" panose="020B0604020202020204" pitchFamily="34" charset="0"/>
+              <a:buChar char="•"/>
+            </a:pPr>
+            <a:r>
+              <a:rPr lang="en-US" sz="4000" dirty="0">
+                <a:sym typeface="Nunito"/>
+              </a:rPr>
+              <a:t>Hour</a:t>
+            </a:r>
+          </a:p>
+          <a:p>
+            <a:pPr marL="685800" lvl="0" indent="-685800">
+              <a:buFont typeface="Arial" panose="020B0604020202020204" pitchFamily="34" charset="0"/>
+              <a:buChar char="•"/>
+            </a:pPr>
+            <a:r>
+              <a:rPr lang="en-US" sz="4000" dirty="0">
+                <a:sym typeface="Nunito"/>
+              </a:rPr>
+              <a:t>Minute</a:t>
+            </a:r>
+          </a:p>
+          <a:p>
+            <a:pPr marL="685800" lvl="0" indent="-685800">
+              <a:buFont typeface="Arial" panose="020B0604020202020204" pitchFamily="34" charset="0"/>
+              <a:buChar char="•"/>
+            </a:pPr>
+            <a:r>
+              <a:rPr lang="en-US" sz="4000" dirty="0">
+                <a:sym typeface="Nunito"/>
+              </a:rPr>
+              <a:t>Latitude</a:t>
+            </a:r>
+          </a:p>
+          <a:p>
+            <a:pPr marL="685800" lvl="0" indent="-685800">
+              <a:buFont typeface="Arial" panose="020B0604020202020204" pitchFamily="34" charset="0"/>
+              <a:buChar char="•"/>
+            </a:pPr>
+            <a:r>
+              <a:rPr lang="en-US" sz="4000" dirty="0">
+                <a:sym typeface="Nunito"/>
+              </a:rPr>
+              <a:t>Longitude</a:t>
+            </a:r>
+          </a:p>
+          <a:p>
+            <a:pPr marL="685800" lvl="0" indent="-685800">
+              <a:buFont typeface="Arial" panose="020B0604020202020204" pitchFamily="34" charset="0"/>
+              <a:buChar char="•"/>
+            </a:pPr>
+            <a:r>
+              <a:rPr lang="en-US" sz="4000" dirty="0">
+                <a:sym typeface="Nunito"/>
+              </a:rPr>
+              <a:t>Distance from Graffiti</a:t>
+            </a:r>
+          </a:p>
+          <a:p>
+            <a:pPr marL="685800" lvl="0" indent="-685800">
+              <a:buFont typeface="Arial" panose="020B0604020202020204" pitchFamily="34" charset="0"/>
+              <a:buChar char="•"/>
+            </a:pPr>
+            <a:r>
+              <a:rPr lang="en-US" sz="4000" dirty="0">
+                <a:sym typeface="Nunito"/>
+              </a:rPr>
+              <a:t>Distance from Drinking Fountain</a:t>
+            </a:r>
+          </a:p>
+          <a:p>
+            <a:pPr marL="685800" lvl="0" indent="-685800">
+              <a:buFont typeface="Arial" panose="020B0604020202020204" pitchFamily="34" charset="0"/>
+              <a:buChar char="•"/>
+            </a:pPr>
+            <a:endParaRPr lang="en-GB" sz="4800" dirty="0">
+              <a:sym typeface="Nunito"/>
+            </a:endParaRPr>
+          </a:p>
+          <a:p>
+            <a:pPr lvl="0"/>
+            <a:r>
+              <a:rPr lang="en-GB" sz="4800" b="1" dirty="0">
+                <a:solidFill>
+                  <a:srgbClr val="1B243B"/>
+                </a:solidFill>
+                <a:latin typeface="Nunito"/>
+                <a:sym typeface="Nunito"/>
+              </a:rPr>
+              <a:t>Output</a:t>
+            </a:r>
+          </a:p>
+          <a:p>
+            <a:pPr marL="685800" lvl="0" indent="-685800">
+              <a:buFont typeface="Arial" panose="020B0604020202020204" pitchFamily="34" charset="0"/>
+              <a:buChar char="•"/>
+            </a:pPr>
+            <a:r>
+              <a:rPr lang="en-US" sz="4000" dirty="0"/>
+              <a:t>Probability of crime occurring</a:t>
+            </a:r>
+            <a:endParaRPr lang="en-GB" sz="4000" dirty="0">
+              <a:sym typeface="Nunito"/>
+            </a:endParaRPr>
+          </a:p>
+        </p:txBody>
+      </p:sp>
+      <p:sp>
+        <p:nvSpPr>
+          <p:cNvPr id="8" name="Google Shape;181;p10">
+            <a:extLst>
+              <a:ext uri="{FF2B5EF4-FFF2-40B4-BE49-F238E27FC236}">
+                <a16:creationId xmlns:a16="http://schemas.microsoft.com/office/drawing/2014/main" id="{6A66CDCF-C489-F244-A89B-3A5B6D0DCCC6}"/>
+              </a:ext>
+            </a:extLst>
+          </p:cNvPr>
+          <p:cNvSpPr txBox="1"/>
+          <p:nvPr/>
+        </p:nvSpPr>
+        <p:spPr>
+          <a:xfrm>
+            <a:off x="12702781" y="2724004"/>
+            <a:ext cx="10432515" cy="6237870"/>
+          </a:xfrm>
+          <a:prstGeom prst="rect">
+            <a:avLst/>
+          </a:prstGeom>
+          <a:noFill/>
+          <a:ln>
+            <a:noFill/>
+          </a:ln>
+        </p:spPr>
+        <p:txBody>
+          <a:bodyPr spcFirstLastPara="1" wrap="square" lIns="91426" tIns="45700" rIns="91426" bIns="45700" anchor="t" anchorCtr="0">
+            <a:noAutofit/>
+          </a:bodyPr>
+          <a:lstStyle/>
+          <a:p>
+            <a:r>
+              <a:rPr lang="en-GB" sz="4800" b="1" dirty="0">
+                <a:solidFill>
+                  <a:srgbClr val="1B243B"/>
+                </a:solidFill>
+                <a:latin typeface="Nunito"/>
+                <a:sym typeface="Nunito"/>
+              </a:rPr>
+              <a:t>Input</a:t>
+            </a:r>
+          </a:p>
+          <a:p>
+            <a:pPr marL="685800" lvl="0" indent="-685800">
+              <a:buFont typeface="Arial" panose="020B0604020202020204" pitchFamily="34" charset="0"/>
+              <a:buChar char="•"/>
+            </a:pPr>
+            <a:r>
+              <a:rPr lang="en-US" sz="4000" dirty="0"/>
+              <a:t>Year</a:t>
+            </a:r>
+          </a:p>
+          <a:p>
+            <a:pPr marL="685800" lvl="0" indent="-685800">
+              <a:buFont typeface="Arial" panose="020B0604020202020204" pitchFamily="34" charset="0"/>
+              <a:buChar char="•"/>
+            </a:pPr>
+            <a:r>
+              <a:rPr lang="en-US" sz="4000" dirty="0">
+                <a:sym typeface="Nunito"/>
+              </a:rPr>
+              <a:t>Month</a:t>
+            </a:r>
+          </a:p>
+          <a:p>
+            <a:pPr marL="685800" lvl="0" indent="-685800">
+              <a:buFont typeface="Arial" panose="020B0604020202020204" pitchFamily="34" charset="0"/>
+              <a:buChar char="•"/>
+            </a:pPr>
+            <a:r>
+              <a:rPr lang="en-US" sz="4000" dirty="0">
+                <a:sym typeface="Nunito"/>
+              </a:rPr>
+              <a:t>Day</a:t>
+            </a:r>
+          </a:p>
+          <a:p>
+            <a:pPr marL="685800" lvl="0" indent="-685800">
+              <a:buFont typeface="Arial" panose="020B0604020202020204" pitchFamily="34" charset="0"/>
+              <a:buChar char="•"/>
+            </a:pPr>
+            <a:r>
+              <a:rPr lang="en-US" sz="4000" dirty="0">
+                <a:sym typeface="Nunito"/>
+              </a:rPr>
+              <a:t>Hour</a:t>
+            </a:r>
+          </a:p>
+          <a:p>
+            <a:pPr marL="685800" lvl="0" indent="-685800">
+              <a:buFont typeface="Arial" panose="020B0604020202020204" pitchFamily="34" charset="0"/>
+              <a:buChar char="•"/>
+            </a:pPr>
+            <a:r>
+              <a:rPr lang="en-US" sz="4000" dirty="0">
+                <a:sym typeface="Nunito"/>
+              </a:rPr>
+              <a:t>Minute</a:t>
+            </a:r>
+          </a:p>
+          <a:p>
+            <a:pPr marL="685800" lvl="0" indent="-685800">
+              <a:buFont typeface="Arial" panose="020B0604020202020204" pitchFamily="34" charset="0"/>
+              <a:buChar char="•"/>
+            </a:pPr>
+            <a:r>
+              <a:rPr lang="en-US" sz="4000" dirty="0">
+                <a:sym typeface="Nunito"/>
+              </a:rPr>
+              <a:t>Latitude</a:t>
+            </a:r>
+          </a:p>
+          <a:p>
+            <a:pPr marL="685800" lvl="0" indent="-685800">
+              <a:buFont typeface="Arial" panose="020B0604020202020204" pitchFamily="34" charset="0"/>
+              <a:buChar char="•"/>
+            </a:pPr>
+            <a:r>
+              <a:rPr lang="en-US" sz="4000" dirty="0">
+                <a:sym typeface="Nunito"/>
+              </a:rPr>
+              <a:t>Longitude</a:t>
+            </a:r>
+          </a:p>
+          <a:p>
+            <a:pPr marL="685800" lvl="0" indent="-685800">
+              <a:buFont typeface="Arial" panose="020B0604020202020204" pitchFamily="34" charset="0"/>
+              <a:buChar char="•"/>
+            </a:pPr>
+            <a:r>
+              <a:rPr lang="en-US" sz="4000" dirty="0">
+                <a:sym typeface="Nunito"/>
+              </a:rPr>
+              <a:t>Distance from Graffiti</a:t>
+            </a:r>
+          </a:p>
+          <a:p>
+            <a:pPr marL="685800" lvl="0" indent="-685800">
+              <a:buFont typeface="Arial" panose="020B0604020202020204" pitchFamily="34" charset="0"/>
+              <a:buChar char="•"/>
+            </a:pPr>
+            <a:r>
+              <a:rPr lang="en-US" sz="4000" dirty="0">
+                <a:sym typeface="Nunito"/>
+              </a:rPr>
+              <a:t>Distance from Drinking Fountain</a:t>
+            </a:r>
+          </a:p>
+          <a:p>
+            <a:pPr marL="685800" lvl="0" indent="-685800">
+              <a:buFont typeface="Arial" panose="020B0604020202020204" pitchFamily="34" charset="0"/>
+              <a:buChar char="•"/>
+            </a:pPr>
+            <a:r>
+              <a:rPr lang="en-US" sz="4000" dirty="0">
+                <a:sym typeface="Nunito"/>
+              </a:rPr>
+              <a:t>Google Trend Data</a:t>
+            </a:r>
+          </a:p>
+          <a:p>
+            <a:pPr marL="685800" lvl="0" indent="-685800">
+              <a:buFont typeface="Arial" panose="020B0604020202020204" pitchFamily="34" charset="0"/>
+              <a:buChar char="•"/>
+            </a:pPr>
+            <a:endParaRPr lang="en-GB" sz="4800" dirty="0">
+              <a:sym typeface="Nunito"/>
+            </a:endParaRPr>
+          </a:p>
+          <a:p>
+            <a:pPr lvl="0"/>
+            <a:r>
+              <a:rPr lang="en-GB" sz="4800" b="1" dirty="0">
+                <a:solidFill>
+                  <a:srgbClr val="1B243B"/>
+                </a:solidFill>
+                <a:latin typeface="Nunito"/>
+                <a:sym typeface="Nunito"/>
+              </a:rPr>
+              <a:t>Output</a:t>
+            </a:r>
+          </a:p>
+          <a:p>
+            <a:pPr marL="685800" lvl="0" indent="-685800">
+              <a:buFont typeface="Arial" panose="020B0604020202020204" pitchFamily="34" charset="0"/>
+              <a:buChar char="•"/>
+            </a:pPr>
+            <a:r>
+              <a:rPr lang="en-US" sz="4000" dirty="0"/>
+              <a:t>Probability of crime occurring</a:t>
+            </a:r>
+            <a:endParaRPr lang="en-GB" sz="4000" dirty="0">
+              <a:sym typeface="Nunito"/>
+            </a:endParaRPr>
+          </a:p>
+        </p:txBody>
+      </p:sp>
+      <p:cxnSp>
+        <p:nvCxnSpPr>
+          <p:cNvPr id="4" name="Straight Connector 3">
+            <a:extLst>
+              <a:ext uri="{FF2B5EF4-FFF2-40B4-BE49-F238E27FC236}">
+                <a16:creationId xmlns:a16="http://schemas.microsoft.com/office/drawing/2014/main" id="{E7BCC888-8A66-4F4F-9125-1D9A869A3152}"/>
+              </a:ext>
+            </a:extLst>
+          </p:cNvPr>
+          <p:cNvCxnSpPr/>
+          <p:nvPr/>
+        </p:nvCxnSpPr>
+        <p:spPr>
+          <a:xfrm>
+            <a:off x="11900368" y="2724004"/>
+            <a:ext cx="0" cy="8651132"/>
+          </a:xfrm>
+          <a:prstGeom prst="line">
+            <a:avLst/>
+          </a:prstGeom>
+        </p:spPr>
+        <p:style>
+          <a:lnRef idx="1">
+            <a:schemeClr val="dk1"/>
+          </a:lnRef>
+          <a:fillRef idx="0">
+            <a:schemeClr val="dk1"/>
+          </a:fillRef>
+          <a:effectRef idx="0">
+            <a:schemeClr val="dk1"/>
+          </a:effectRef>
+          <a:fontRef idx="minor">
+            <a:schemeClr val="tx1"/>
+          </a:fontRef>
+        </p:style>
+      </p:cxnSp>
+      <p:sp>
+        <p:nvSpPr>
+          <p:cNvPr id="5" name="TextBox 4">
+            <a:extLst>
+              <a:ext uri="{FF2B5EF4-FFF2-40B4-BE49-F238E27FC236}">
+                <a16:creationId xmlns:a16="http://schemas.microsoft.com/office/drawing/2014/main" id="{9FD1A630-82CC-C344-8F58-049E8482FEB7}"/>
+              </a:ext>
+            </a:extLst>
+          </p:cNvPr>
+          <p:cNvSpPr txBox="1"/>
+          <p:nvPr/>
+        </p:nvSpPr>
+        <p:spPr>
+          <a:xfrm>
+            <a:off x="6684110" y="4645151"/>
+            <a:ext cx="3877056" cy="830997"/>
+          </a:xfrm>
+          <a:prstGeom prst="rect">
+            <a:avLst/>
+          </a:prstGeom>
+          <a:noFill/>
+        </p:spPr>
+        <p:txBody>
+          <a:bodyPr wrap="square" rtlCol="0">
+            <a:spAutoFit/>
+          </a:bodyPr>
+          <a:lstStyle/>
+          <a:p>
+            <a:r>
+              <a:rPr lang="en-US" sz="4800" b="1" dirty="0">
+                <a:solidFill>
+                  <a:schemeClr val="accent5"/>
+                </a:solidFill>
+                <a:latin typeface="Nunito"/>
+              </a:rPr>
+              <a:t>Network 3.1</a:t>
+            </a:r>
+          </a:p>
+        </p:txBody>
+      </p:sp>
+      <p:sp>
+        <p:nvSpPr>
+          <p:cNvPr id="10" name="TextBox 9">
+            <a:extLst>
+              <a:ext uri="{FF2B5EF4-FFF2-40B4-BE49-F238E27FC236}">
+                <a16:creationId xmlns:a16="http://schemas.microsoft.com/office/drawing/2014/main" id="{2C2195BF-6041-3547-979D-8F8EEC3217DB}"/>
+              </a:ext>
+            </a:extLst>
+          </p:cNvPr>
+          <p:cNvSpPr txBox="1"/>
+          <p:nvPr/>
+        </p:nvSpPr>
+        <p:spPr>
+          <a:xfrm>
+            <a:off x="19258240" y="4645152"/>
+            <a:ext cx="3877056" cy="830997"/>
+          </a:xfrm>
+          <a:prstGeom prst="rect">
+            <a:avLst/>
+          </a:prstGeom>
+          <a:noFill/>
+        </p:spPr>
+        <p:txBody>
+          <a:bodyPr wrap="square" rtlCol="0">
+            <a:spAutoFit/>
+          </a:bodyPr>
+          <a:lstStyle/>
+          <a:p>
+            <a:r>
+              <a:rPr lang="en-US" sz="4800" b="1" dirty="0">
+                <a:solidFill>
+                  <a:schemeClr val="accent5"/>
+                </a:solidFill>
+                <a:latin typeface="Nunito"/>
+              </a:rPr>
+              <a:t>Network 3.2</a:t>
+            </a:r>
+          </a:p>
+        </p:txBody>
+      </p:sp>
+    </p:spTree>
+    <p:extLst>
+      <p:ext uri="{BB962C8B-B14F-4D97-AF65-F5344CB8AC3E}">
+        <p14:creationId xmlns:p14="http://schemas.microsoft.com/office/powerpoint/2010/main" val="4261855535"/>
+      </p:ext>
+    </p:extLst>
+  </p:cSld>
+  <p:clrMapOvr>
+    <a:masterClrMapping/>
+  </p:clrMapOvr>
+</p:sld>
+</file>
+
+<file path=ppt/slides/slide21.xml><?xml version="1.0" encoding="utf-8"?>
+<p:sld xmlns:a="http://schemas.openxmlformats.org/drawingml/2006/main" xmlns:r="http://schemas.openxmlformats.org/officeDocument/2006/relationships" xmlns:p="http://schemas.openxmlformats.org/presentationml/2006/main">
+  <p:cSld>
+    <p:spTree>
+      <p:nvGrpSpPr>
+        <p:cNvPr id="1" name="Shape 177"/>
+        <p:cNvGrpSpPr/>
+        <p:nvPr/>
+      </p:nvGrpSpPr>
+      <p:grpSpPr>
+        <a:xfrm>
+          <a:off x="0" y="0"/>
+          <a:ext cx="0" cy="0"/>
+          <a:chOff x="0" y="0"/>
+          <a:chExt cx="0" cy="0"/>
+        </a:xfrm>
+      </p:grpSpPr>
+      <p:sp>
+        <p:nvSpPr>
+          <p:cNvPr id="7" name="Google Shape;182;p10">
+            <a:extLst>
+              <a:ext uri="{FF2B5EF4-FFF2-40B4-BE49-F238E27FC236}">
+                <a16:creationId xmlns:a16="http://schemas.microsoft.com/office/drawing/2014/main" id="{5AF6879A-FC91-4CE4-A8CB-03329928EED2}"/>
+              </a:ext>
+            </a:extLst>
+          </p:cNvPr>
+          <p:cNvSpPr txBox="1"/>
+          <p:nvPr/>
+        </p:nvSpPr>
+        <p:spPr>
+          <a:xfrm>
+            <a:off x="1467853" y="1116731"/>
+            <a:ext cx="20624051" cy="1323439"/>
+          </a:xfrm>
+          <a:prstGeom prst="rect">
+            <a:avLst/>
+          </a:prstGeom>
+          <a:noFill/>
+          <a:ln>
+            <a:noFill/>
+          </a:ln>
+        </p:spPr>
+        <p:txBody>
+          <a:bodyPr spcFirstLastPara="1" wrap="square" lIns="91426" tIns="45700" rIns="91426" bIns="45700" anchor="t" anchorCtr="0">
+            <a:noAutofit/>
+          </a:bodyPr>
+          <a:lstStyle/>
+          <a:p>
+            <a:r>
+              <a:rPr lang="en-US" sz="8001" b="1" dirty="0">
+                <a:solidFill>
+                  <a:schemeClr val="dk1"/>
+                </a:solidFill>
+                <a:latin typeface="Nunito"/>
+                <a:ea typeface="Nunito"/>
+                <a:cs typeface="Nunito"/>
+                <a:sym typeface="Nunito"/>
+              </a:rPr>
+              <a:t>Network 3.1 and 3.2 Architecture</a:t>
+            </a:r>
+            <a:endParaRPr sz="8001" b="1" dirty="0">
+              <a:solidFill>
+                <a:schemeClr val="dk1"/>
+              </a:solidFill>
+              <a:latin typeface="Nunito"/>
+              <a:ea typeface="Nunito"/>
+              <a:cs typeface="Nunito"/>
+              <a:sym typeface="Nunito"/>
+            </a:endParaRPr>
+          </a:p>
+        </p:txBody>
+      </p:sp>
+      <p:pic>
+        <p:nvPicPr>
+          <p:cNvPr id="4" name="Picture 3">
+            <a:extLst>
+              <a:ext uri="{FF2B5EF4-FFF2-40B4-BE49-F238E27FC236}">
+                <a16:creationId xmlns:a16="http://schemas.microsoft.com/office/drawing/2014/main" id="{3ABEBA0E-F2BF-1B43-8387-0A473C17219C}"/>
+              </a:ext>
+            </a:extLst>
+          </p:cNvPr>
+          <p:cNvPicPr>
+            <a:picLocks noChangeAspect="1"/>
+          </p:cNvPicPr>
+          <p:nvPr/>
+        </p:nvPicPr>
+        <p:blipFill>
+          <a:blip r:embed="rId3"/>
+          <a:stretch>
+            <a:fillRect/>
+          </a:stretch>
+        </p:blipFill>
+        <p:spPr>
+          <a:xfrm>
+            <a:off x="4637150" y="2842506"/>
+            <a:ext cx="14709809" cy="8386326"/>
+          </a:xfrm>
+          <a:prstGeom prst="rect">
+            <a:avLst/>
+          </a:prstGeom>
+        </p:spPr>
+      </p:pic>
+    </p:spTree>
+    <p:extLst>
+      <p:ext uri="{BB962C8B-B14F-4D97-AF65-F5344CB8AC3E}">
+        <p14:creationId xmlns:p14="http://schemas.microsoft.com/office/powerpoint/2010/main" val="4094344448"/>
+      </p:ext>
+    </p:extLst>
+  </p:cSld>
+  <p:clrMapOvr>
+    <a:masterClrMapping/>
+  </p:clrMapOvr>
+</p:sld>
+</file>
+
+<file path=ppt/slides/slide22.xml><?xml version="1.0" encoding="utf-8"?>
+<p:sld xmlns:a="http://schemas.openxmlformats.org/drawingml/2006/main" xmlns:r="http://schemas.openxmlformats.org/officeDocument/2006/relationships" xmlns:p="http://schemas.openxmlformats.org/presentationml/2006/main">
+  <p:cSld>
+    <p:spTree>
+      <p:nvGrpSpPr>
+        <p:cNvPr id="1" name="Shape 177"/>
+        <p:cNvGrpSpPr/>
+        <p:nvPr/>
+      </p:nvGrpSpPr>
+      <p:grpSpPr>
+        <a:xfrm>
+          <a:off x="0" y="0"/>
+          <a:ext cx="0" cy="0"/>
+          <a:chOff x="0" y="0"/>
+          <a:chExt cx="0" cy="0"/>
+        </a:xfrm>
+      </p:grpSpPr>
+      <p:sp>
+        <p:nvSpPr>
+          <p:cNvPr id="11" name="Google Shape;182;p10">
+            <a:extLst>
+              <a:ext uri="{FF2B5EF4-FFF2-40B4-BE49-F238E27FC236}">
+                <a16:creationId xmlns:a16="http://schemas.microsoft.com/office/drawing/2014/main" id="{88392DE9-3CFC-A244-9978-E474088DE60F}"/>
+              </a:ext>
+            </a:extLst>
+          </p:cNvPr>
+          <p:cNvSpPr txBox="1"/>
+          <p:nvPr/>
+        </p:nvSpPr>
+        <p:spPr>
+          <a:xfrm>
+            <a:off x="1467853" y="1116731"/>
+            <a:ext cx="17697971" cy="1323439"/>
+          </a:xfrm>
+          <a:prstGeom prst="rect">
+            <a:avLst/>
+          </a:prstGeom>
+          <a:noFill/>
+          <a:ln>
+            <a:noFill/>
+          </a:ln>
+        </p:spPr>
+        <p:txBody>
+          <a:bodyPr spcFirstLastPara="1" wrap="square" lIns="91426" tIns="45700" rIns="91426" bIns="45700" anchor="t" anchorCtr="0">
+            <a:noAutofit/>
+          </a:bodyPr>
+          <a:lstStyle/>
+          <a:p>
+            <a:r>
+              <a:rPr lang="en-US" sz="8001" b="1" dirty="0">
+                <a:solidFill>
+                  <a:schemeClr val="dk1"/>
+                </a:solidFill>
+                <a:latin typeface="Nunito"/>
+                <a:ea typeface="Nunito"/>
+                <a:cs typeface="Nunito"/>
+                <a:sym typeface="Nunito"/>
+              </a:rPr>
+              <a:t>Network 3.1 Performance</a:t>
+            </a:r>
+            <a:endParaRPr sz="8001" b="1" dirty="0">
+              <a:solidFill>
+                <a:schemeClr val="dk1"/>
+              </a:solidFill>
+              <a:latin typeface="Nunito"/>
+              <a:ea typeface="Nunito"/>
+              <a:cs typeface="Nunito"/>
+              <a:sym typeface="Nunito"/>
+            </a:endParaRPr>
+          </a:p>
+        </p:txBody>
+      </p:sp>
+      <p:sp>
+        <p:nvSpPr>
+          <p:cNvPr id="12" name="TextBox 11">
+            <a:extLst>
+              <a:ext uri="{FF2B5EF4-FFF2-40B4-BE49-F238E27FC236}">
+                <a16:creationId xmlns:a16="http://schemas.microsoft.com/office/drawing/2014/main" id="{D8A2D8AA-337B-4F8F-AF35-F9D9F9849511}"/>
+              </a:ext>
+            </a:extLst>
+          </p:cNvPr>
+          <p:cNvSpPr txBox="1"/>
+          <p:nvPr/>
+        </p:nvSpPr>
+        <p:spPr>
+          <a:xfrm>
+            <a:off x="9424638" y="10932541"/>
+            <a:ext cx="6303041" cy="707886"/>
+          </a:xfrm>
+          <a:prstGeom prst="rect">
+            <a:avLst/>
+          </a:prstGeom>
+          <a:noFill/>
+        </p:spPr>
+        <p:txBody>
+          <a:bodyPr wrap="square" rtlCol="0">
+            <a:spAutoFit/>
+          </a:bodyPr>
+          <a:lstStyle/>
+          <a:p>
+            <a:r>
+              <a:rPr lang="en-US" sz="4000" dirty="0"/>
+              <a:t>Test Accuracy: 87.23 %</a:t>
+            </a:r>
+          </a:p>
+        </p:txBody>
+      </p:sp>
+      <p:pic>
+        <p:nvPicPr>
+          <p:cNvPr id="6" name="Picture 5">
+            <a:extLst>
+              <a:ext uri="{FF2B5EF4-FFF2-40B4-BE49-F238E27FC236}">
+                <a16:creationId xmlns:a16="http://schemas.microsoft.com/office/drawing/2014/main" id="{73811E60-F38F-5847-8D4C-5046875AF0D2}"/>
+              </a:ext>
+            </a:extLst>
+          </p:cNvPr>
+          <p:cNvPicPr>
+            <a:picLocks noChangeAspect="1"/>
+          </p:cNvPicPr>
+          <p:nvPr/>
+        </p:nvPicPr>
+        <p:blipFill>
+          <a:blip r:embed="rId3"/>
+          <a:stretch>
+            <a:fillRect/>
+          </a:stretch>
+        </p:blipFill>
+        <p:spPr>
+          <a:xfrm>
+            <a:off x="1120127" y="2831309"/>
+            <a:ext cx="11004563" cy="7329608"/>
+          </a:xfrm>
+          <a:prstGeom prst="rect">
+            <a:avLst/>
+          </a:prstGeom>
+        </p:spPr>
+      </p:pic>
+      <p:pic>
+        <p:nvPicPr>
+          <p:cNvPr id="7" name="Picture 6">
+            <a:extLst>
+              <a:ext uri="{FF2B5EF4-FFF2-40B4-BE49-F238E27FC236}">
+                <a16:creationId xmlns:a16="http://schemas.microsoft.com/office/drawing/2014/main" id="{7B88A12B-295D-1344-BBD5-E9C012FD8F74}"/>
+              </a:ext>
+            </a:extLst>
+          </p:cNvPr>
+          <p:cNvPicPr>
+            <a:picLocks noChangeAspect="1"/>
+          </p:cNvPicPr>
+          <p:nvPr/>
+        </p:nvPicPr>
+        <p:blipFill>
+          <a:blip r:embed="rId4"/>
+          <a:stretch>
+            <a:fillRect/>
+          </a:stretch>
+        </p:blipFill>
+        <p:spPr>
+          <a:xfrm>
+            <a:off x="12124690" y="2707687"/>
+            <a:ext cx="11045952" cy="7833715"/>
+          </a:xfrm>
+          <a:prstGeom prst="rect">
+            <a:avLst/>
+          </a:prstGeom>
+        </p:spPr>
+      </p:pic>
+    </p:spTree>
+    <p:extLst>
+      <p:ext uri="{BB962C8B-B14F-4D97-AF65-F5344CB8AC3E}">
+        <p14:creationId xmlns:p14="http://schemas.microsoft.com/office/powerpoint/2010/main" val="2445646829"/>
+      </p:ext>
+    </p:extLst>
+  </p:cSld>
+  <p:clrMapOvr>
+    <a:masterClrMapping/>
+  </p:clrMapOvr>
+</p:sld>
+</file>
+
+<file path=ppt/slides/slide23.xml><?xml version="1.0" encoding="utf-8"?>
+<p:sld xmlns:a="http://schemas.openxmlformats.org/drawingml/2006/main" xmlns:r="http://schemas.openxmlformats.org/officeDocument/2006/relationships" xmlns:p="http://schemas.openxmlformats.org/presentationml/2006/main">
+  <p:cSld>
+    <p:spTree>
+      <p:nvGrpSpPr>
+        <p:cNvPr id="1" name="Shape 177"/>
+        <p:cNvGrpSpPr/>
+        <p:nvPr/>
+      </p:nvGrpSpPr>
+      <p:grpSpPr>
+        <a:xfrm>
+          <a:off x="0" y="0"/>
+          <a:ext cx="0" cy="0"/>
+          <a:chOff x="0" y="0"/>
+          <a:chExt cx="0" cy="0"/>
+        </a:xfrm>
+      </p:grpSpPr>
+      <p:sp>
+        <p:nvSpPr>
+          <p:cNvPr id="11" name="Google Shape;182;p10">
+            <a:extLst>
+              <a:ext uri="{FF2B5EF4-FFF2-40B4-BE49-F238E27FC236}">
+                <a16:creationId xmlns:a16="http://schemas.microsoft.com/office/drawing/2014/main" id="{88392DE9-3CFC-A244-9978-E474088DE60F}"/>
+              </a:ext>
+            </a:extLst>
+          </p:cNvPr>
+          <p:cNvSpPr txBox="1"/>
+          <p:nvPr/>
+        </p:nvSpPr>
+        <p:spPr>
+          <a:xfrm>
+            <a:off x="1467853" y="1116731"/>
+            <a:ext cx="17697971" cy="1323439"/>
+          </a:xfrm>
+          <a:prstGeom prst="rect">
+            <a:avLst/>
+          </a:prstGeom>
+          <a:noFill/>
+          <a:ln>
+            <a:noFill/>
+          </a:ln>
+        </p:spPr>
+        <p:txBody>
+          <a:bodyPr spcFirstLastPara="1" wrap="square" lIns="91426" tIns="45700" rIns="91426" bIns="45700" anchor="t" anchorCtr="0">
+            <a:noAutofit/>
+          </a:bodyPr>
+          <a:lstStyle/>
+          <a:p>
+            <a:r>
+              <a:rPr lang="en-US" sz="8001" b="1" dirty="0">
+                <a:solidFill>
+                  <a:schemeClr val="dk1"/>
+                </a:solidFill>
+                <a:latin typeface="Nunito"/>
+                <a:ea typeface="Nunito"/>
+                <a:cs typeface="Nunito"/>
+                <a:sym typeface="Nunito"/>
+              </a:rPr>
+              <a:t>Network 3.2 Performance</a:t>
+            </a:r>
+            <a:endParaRPr sz="8001" b="1" dirty="0">
+              <a:solidFill>
+                <a:schemeClr val="dk1"/>
+              </a:solidFill>
+              <a:latin typeface="Nunito"/>
+              <a:ea typeface="Nunito"/>
+              <a:cs typeface="Nunito"/>
+              <a:sym typeface="Nunito"/>
+            </a:endParaRPr>
+          </a:p>
+        </p:txBody>
+      </p:sp>
+      <p:sp>
+        <p:nvSpPr>
+          <p:cNvPr id="12" name="TextBox 11">
+            <a:extLst>
+              <a:ext uri="{FF2B5EF4-FFF2-40B4-BE49-F238E27FC236}">
+                <a16:creationId xmlns:a16="http://schemas.microsoft.com/office/drawing/2014/main" id="{D8A2D8AA-337B-4F8F-AF35-F9D9F9849511}"/>
+              </a:ext>
+            </a:extLst>
+          </p:cNvPr>
+          <p:cNvSpPr txBox="1"/>
+          <p:nvPr/>
+        </p:nvSpPr>
+        <p:spPr>
+          <a:xfrm>
+            <a:off x="9424638" y="10932541"/>
+            <a:ext cx="6303041" cy="707886"/>
+          </a:xfrm>
+          <a:prstGeom prst="rect">
+            <a:avLst/>
+          </a:prstGeom>
+          <a:noFill/>
+        </p:spPr>
+        <p:txBody>
+          <a:bodyPr wrap="square" rtlCol="0">
+            <a:spAutoFit/>
+          </a:bodyPr>
+          <a:lstStyle/>
+          <a:p>
+            <a:r>
+              <a:rPr lang="en-US" sz="4000" dirty="0"/>
+              <a:t>Test Accuracy: 84.69 %</a:t>
+            </a:r>
+          </a:p>
+        </p:txBody>
+      </p:sp>
+      <p:pic>
+        <p:nvPicPr>
+          <p:cNvPr id="2" name="Picture 1">
+            <a:extLst>
+              <a:ext uri="{FF2B5EF4-FFF2-40B4-BE49-F238E27FC236}">
+                <a16:creationId xmlns:a16="http://schemas.microsoft.com/office/drawing/2014/main" id="{CB8400E2-3A37-3C4D-8CC8-570B44A12D4C}"/>
+              </a:ext>
+            </a:extLst>
+          </p:cNvPr>
+          <p:cNvPicPr>
+            <a:picLocks noChangeAspect="1"/>
+          </p:cNvPicPr>
+          <p:nvPr/>
+        </p:nvPicPr>
+        <p:blipFill>
+          <a:blip r:embed="rId3"/>
+          <a:stretch>
+            <a:fillRect/>
+          </a:stretch>
+        </p:blipFill>
+        <p:spPr>
+          <a:xfrm>
+            <a:off x="1028940" y="2950106"/>
+            <a:ext cx="10663403" cy="7348876"/>
+          </a:xfrm>
+          <a:prstGeom prst="rect">
+            <a:avLst/>
+          </a:prstGeom>
+        </p:spPr>
+      </p:pic>
+      <p:pic>
+        <p:nvPicPr>
+          <p:cNvPr id="3" name="Picture 2">
+            <a:extLst>
+              <a:ext uri="{FF2B5EF4-FFF2-40B4-BE49-F238E27FC236}">
+                <a16:creationId xmlns:a16="http://schemas.microsoft.com/office/drawing/2014/main" id="{B7937AFE-1977-B040-AA0E-2810C05EE2DC}"/>
+              </a:ext>
+            </a:extLst>
+          </p:cNvPr>
+          <p:cNvPicPr>
+            <a:picLocks noChangeAspect="1"/>
+          </p:cNvPicPr>
+          <p:nvPr/>
+        </p:nvPicPr>
+        <p:blipFill>
+          <a:blip r:embed="rId4"/>
+          <a:stretch>
+            <a:fillRect/>
+          </a:stretch>
+        </p:blipFill>
+        <p:spPr>
+          <a:xfrm>
+            <a:off x="12141834" y="2767226"/>
+            <a:ext cx="10718165" cy="7658221"/>
+          </a:xfrm>
+          <a:prstGeom prst="rect">
+            <a:avLst/>
+          </a:prstGeom>
+        </p:spPr>
+      </p:pic>
+    </p:spTree>
+    <p:extLst>
+      <p:ext uri="{BB962C8B-B14F-4D97-AF65-F5344CB8AC3E}">
+        <p14:creationId xmlns:p14="http://schemas.microsoft.com/office/powerpoint/2010/main" val="1016814466"/>
+      </p:ext>
+    </p:extLst>
+  </p:cSld>
+  <p:clrMapOvr>
+    <a:masterClrMapping/>
+  </p:clrMapOvr>
+</p:sld>
+</file>
+
+<file path=ppt/slides/slide24.xml><?xml version="1.0" encoding="utf-8"?>
+<p:sld xmlns:a="http://schemas.openxmlformats.org/drawingml/2006/main" xmlns:r="http://schemas.openxmlformats.org/officeDocument/2006/relationships" xmlns:p="http://schemas.openxmlformats.org/presentationml/2006/main">
+  <p:cSld>
+    <p:spTree>
+      <p:nvGrpSpPr>
+        <p:cNvPr id="1" name="Shape 177"/>
+        <p:cNvGrpSpPr/>
+        <p:nvPr/>
+      </p:nvGrpSpPr>
+      <p:grpSpPr>
+        <a:xfrm>
+          <a:off x="0" y="0"/>
+          <a:ext cx="0" cy="0"/>
+          <a:chOff x="0" y="0"/>
+          <a:chExt cx="0" cy="0"/>
+        </a:xfrm>
+      </p:grpSpPr>
+      <p:sp>
+        <p:nvSpPr>
+          <p:cNvPr id="11" name="Google Shape;182;p10">
+            <a:extLst>
+              <a:ext uri="{FF2B5EF4-FFF2-40B4-BE49-F238E27FC236}">
+                <a16:creationId xmlns:a16="http://schemas.microsoft.com/office/drawing/2014/main" id="{88392DE9-3CFC-A244-9978-E474088DE60F}"/>
+              </a:ext>
+            </a:extLst>
+          </p:cNvPr>
+          <p:cNvSpPr txBox="1"/>
+          <p:nvPr/>
+        </p:nvSpPr>
+        <p:spPr>
+          <a:xfrm>
+            <a:off x="1467853" y="1116731"/>
+            <a:ext cx="12488779" cy="1323439"/>
+          </a:xfrm>
+          <a:prstGeom prst="rect">
+            <a:avLst/>
+          </a:prstGeom>
+          <a:noFill/>
+          <a:ln>
+            <a:noFill/>
+          </a:ln>
+        </p:spPr>
+        <p:txBody>
+          <a:bodyPr spcFirstLastPara="1" wrap="square" lIns="91426" tIns="45700" rIns="91426" bIns="45700" anchor="t" anchorCtr="0">
+            <a:noAutofit/>
+          </a:bodyPr>
+          <a:lstStyle/>
+          <a:p>
+            <a:r>
+              <a:rPr lang="en-US" sz="8001" b="1" dirty="0">
+                <a:solidFill>
+                  <a:schemeClr val="dk1"/>
+                </a:solidFill>
+                <a:latin typeface="Nunito"/>
+                <a:ea typeface="Nunito"/>
+                <a:cs typeface="Nunito"/>
+                <a:sym typeface="Nunito"/>
+              </a:rPr>
+              <a:t>Network 4 Description</a:t>
+            </a:r>
+            <a:endParaRPr sz="8001" b="1" dirty="0">
+              <a:solidFill>
+                <a:schemeClr val="dk1"/>
+              </a:solidFill>
+              <a:latin typeface="Nunito"/>
+              <a:ea typeface="Nunito"/>
+              <a:cs typeface="Nunito"/>
+              <a:sym typeface="Nunito"/>
+            </a:endParaRPr>
+          </a:p>
+        </p:txBody>
+      </p:sp>
+      <p:sp>
+        <p:nvSpPr>
+          <p:cNvPr id="6" name="TextBox 5">
+            <a:extLst>
+              <a:ext uri="{FF2B5EF4-FFF2-40B4-BE49-F238E27FC236}">
+                <a16:creationId xmlns:a16="http://schemas.microsoft.com/office/drawing/2014/main" id="{A51771E4-89B0-4F19-9518-20DE24667770}"/>
+              </a:ext>
+            </a:extLst>
+          </p:cNvPr>
+          <p:cNvSpPr txBox="1"/>
+          <p:nvPr/>
+        </p:nvSpPr>
+        <p:spPr>
+          <a:xfrm>
+            <a:off x="11178110" y="7154446"/>
+            <a:ext cx="12553406" cy="707886"/>
+          </a:xfrm>
+          <a:prstGeom prst="rect">
+            <a:avLst/>
+          </a:prstGeom>
+          <a:noFill/>
+        </p:spPr>
+        <p:txBody>
+          <a:bodyPr wrap="square" rtlCol="0">
+            <a:spAutoFit/>
+          </a:bodyPr>
+          <a:lstStyle/>
+          <a:p>
+            <a:pPr algn="ctr"/>
+            <a:r>
+              <a:rPr lang="en-US" sz="4000" dirty="0"/>
+              <a:t>Sample labels vector</a:t>
+            </a:r>
+          </a:p>
+        </p:txBody>
+      </p:sp>
+      <p:sp>
+        <p:nvSpPr>
+          <p:cNvPr id="7" name="Google Shape;181;p10">
+            <a:extLst>
+              <a:ext uri="{FF2B5EF4-FFF2-40B4-BE49-F238E27FC236}">
+                <a16:creationId xmlns:a16="http://schemas.microsoft.com/office/drawing/2014/main" id="{5284F886-3E9D-B943-B34B-B1EA85F61A21}"/>
+              </a:ext>
+            </a:extLst>
+          </p:cNvPr>
+          <p:cNvSpPr txBox="1"/>
+          <p:nvPr/>
+        </p:nvSpPr>
+        <p:spPr>
+          <a:xfrm>
+            <a:off x="1467853" y="3125123"/>
+            <a:ext cx="10432515" cy="6237870"/>
+          </a:xfrm>
+          <a:prstGeom prst="rect">
+            <a:avLst/>
+          </a:prstGeom>
+          <a:noFill/>
+          <a:ln>
+            <a:noFill/>
+          </a:ln>
+        </p:spPr>
+        <p:txBody>
+          <a:bodyPr spcFirstLastPara="1" wrap="square" lIns="91426" tIns="45700" rIns="91426" bIns="45700" anchor="t" anchorCtr="0">
+            <a:noAutofit/>
+          </a:bodyPr>
+          <a:lstStyle/>
+          <a:p>
+            <a:r>
+              <a:rPr lang="en-GB" sz="4800" b="1" dirty="0">
+                <a:solidFill>
+                  <a:srgbClr val="1B243B"/>
+                </a:solidFill>
+                <a:latin typeface="Nunito"/>
+                <a:sym typeface="Nunito"/>
+              </a:rPr>
+              <a:t>Input</a:t>
+            </a:r>
+          </a:p>
+          <a:p>
+            <a:pPr marL="685800" lvl="0" indent="-685800">
+              <a:buFont typeface="Arial" panose="020B0604020202020204" pitchFamily="34" charset="0"/>
+              <a:buChar char="•"/>
+            </a:pPr>
+            <a:r>
+              <a:rPr lang="en-US" sz="4000" dirty="0"/>
+              <a:t>Year</a:t>
+            </a:r>
+          </a:p>
+          <a:p>
+            <a:pPr marL="685800" lvl="0" indent="-685800">
+              <a:buFont typeface="Arial" panose="020B0604020202020204" pitchFamily="34" charset="0"/>
+              <a:buChar char="•"/>
+            </a:pPr>
+            <a:r>
+              <a:rPr lang="en-US" sz="4000" dirty="0">
+                <a:sym typeface="Nunito"/>
+              </a:rPr>
+              <a:t>Month</a:t>
+            </a:r>
+          </a:p>
+          <a:p>
+            <a:pPr marL="685800" lvl="0" indent="-685800">
+              <a:buFont typeface="Arial" panose="020B0604020202020204" pitchFamily="34" charset="0"/>
+              <a:buChar char="•"/>
+            </a:pPr>
+            <a:r>
+              <a:rPr lang="en-US" sz="4000" dirty="0">
+                <a:sym typeface="Nunito"/>
+              </a:rPr>
+              <a:t>Day</a:t>
+            </a:r>
+          </a:p>
+          <a:p>
+            <a:pPr marL="685800" lvl="0" indent="-685800">
+              <a:buFont typeface="Arial" panose="020B0604020202020204" pitchFamily="34" charset="0"/>
+              <a:buChar char="•"/>
+            </a:pPr>
+            <a:r>
+              <a:rPr lang="en-US" sz="4000" dirty="0">
+                <a:sym typeface="Nunito"/>
+              </a:rPr>
+              <a:t>Hour</a:t>
+            </a:r>
+          </a:p>
+          <a:p>
+            <a:pPr lvl="0"/>
+            <a:endParaRPr lang="en-GB" sz="4800" dirty="0">
+              <a:sym typeface="Nunito"/>
+            </a:endParaRPr>
+          </a:p>
+          <a:p>
+            <a:pPr lvl="0"/>
+            <a:r>
+              <a:rPr lang="en-GB" sz="4800" b="1" dirty="0">
+                <a:solidFill>
+                  <a:srgbClr val="1B243B"/>
+                </a:solidFill>
+                <a:latin typeface="Nunito"/>
+                <a:sym typeface="Nunito"/>
+              </a:rPr>
+              <a:t>Output</a:t>
+            </a:r>
+          </a:p>
+          <a:p>
+            <a:pPr marL="685800" lvl="0" indent="-685800">
+              <a:buFont typeface="Arial" panose="020B0604020202020204" pitchFamily="34" charset="0"/>
+              <a:buChar char="•"/>
+            </a:pPr>
+            <a:r>
+              <a:rPr lang="en-US" sz="4000" dirty="0"/>
+              <a:t>Neighborhoods that will have crime</a:t>
+            </a:r>
+            <a:endParaRPr lang="en-GB" sz="4000" dirty="0">
+              <a:sym typeface="Nunito"/>
+            </a:endParaRPr>
+          </a:p>
+        </p:txBody>
+      </p:sp>
+      <p:pic>
+        <p:nvPicPr>
+          <p:cNvPr id="3" name="Picture 2">
+            <a:extLst>
+              <a:ext uri="{FF2B5EF4-FFF2-40B4-BE49-F238E27FC236}">
+                <a16:creationId xmlns:a16="http://schemas.microsoft.com/office/drawing/2014/main" id="{45677691-04CE-EC43-9405-21863616D24B}"/>
+              </a:ext>
+            </a:extLst>
+          </p:cNvPr>
+          <p:cNvPicPr>
+            <a:picLocks noChangeAspect="1"/>
+          </p:cNvPicPr>
+          <p:nvPr/>
+        </p:nvPicPr>
+        <p:blipFill>
+          <a:blip r:embed="rId3"/>
+          <a:stretch>
+            <a:fillRect/>
+          </a:stretch>
+        </p:blipFill>
+        <p:spPr>
+          <a:xfrm>
+            <a:off x="10876213" y="6244058"/>
+            <a:ext cx="13157200" cy="825500"/>
+          </a:xfrm>
+          <a:prstGeom prst="rect">
+            <a:avLst/>
+          </a:prstGeom>
+        </p:spPr>
+      </p:pic>
+    </p:spTree>
+    <p:extLst>
+      <p:ext uri="{BB962C8B-B14F-4D97-AF65-F5344CB8AC3E}">
+        <p14:creationId xmlns:p14="http://schemas.microsoft.com/office/powerpoint/2010/main" val="2995720459"/>
+      </p:ext>
+    </p:extLst>
+  </p:cSld>
+  <p:clrMapOvr>
+    <a:masterClrMapping/>
+  </p:clrMapOvr>
+</p:sld>
+</file>
+
+<file path=ppt/slides/slide25.xml><?xml version="1.0" encoding="utf-8"?>
+<p:sld xmlns:a="http://schemas.openxmlformats.org/drawingml/2006/main" xmlns:r="http://schemas.openxmlformats.org/officeDocument/2006/relationships" xmlns:p="http://schemas.openxmlformats.org/presentationml/2006/main">
+  <p:cSld>
+    <p:spTree>
+      <p:nvGrpSpPr>
+        <p:cNvPr id="1" name="Shape 177"/>
+        <p:cNvGrpSpPr/>
+        <p:nvPr/>
+      </p:nvGrpSpPr>
+      <p:grpSpPr>
+        <a:xfrm>
+          <a:off x="0" y="0"/>
+          <a:ext cx="0" cy="0"/>
+          <a:chOff x="0" y="0"/>
+          <a:chExt cx="0" cy="0"/>
+        </a:xfrm>
+      </p:grpSpPr>
+      <p:sp>
+        <p:nvSpPr>
+          <p:cNvPr id="7" name="Google Shape;182;p10">
+            <a:extLst>
+              <a:ext uri="{FF2B5EF4-FFF2-40B4-BE49-F238E27FC236}">
+                <a16:creationId xmlns:a16="http://schemas.microsoft.com/office/drawing/2014/main" id="{5AF6879A-FC91-4CE4-A8CB-03329928EED2}"/>
+              </a:ext>
+            </a:extLst>
+          </p:cNvPr>
+          <p:cNvSpPr txBox="1"/>
+          <p:nvPr/>
+        </p:nvSpPr>
+        <p:spPr>
+          <a:xfrm>
+            <a:off x="1467853" y="1116731"/>
+            <a:ext cx="20624051" cy="1323439"/>
+          </a:xfrm>
+          <a:prstGeom prst="rect">
+            <a:avLst/>
+          </a:prstGeom>
+          <a:noFill/>
+          <a:ln>
+            <a:noFill/>
+          </a:ln>
+        </p:spPr>
+        <p:txBody>
+          <a:bodyPr spcFirstLastPara="1" wrap="square" lIns="91426" tIns="45700" rIns="91426" bIns="45700" anchor="t" anchorCtr="0">
+            <a:noAutofit/>
+          </a:bodyPr>
+          <a:lstStyle/>
+          <a:p>
+            <a:r>
+              <a:rPr lang="en-US" sz="8001" b="1" dirty="0">
+                <a:solidFill>
+                  <a:schemeClr val="dk1"/>
+                </a:solidFill>
+                <a:latin typeface="Nunito"/>
+                <a:ea typeface="Nunito"/>
+                <a:cs typeface="Nunito"/>
+                <a:sym typeface="Nunito"/>
+              </a:rPr>
+              <a:t>Network 4 Architecture</a:t>
+            </a:r>
+            <a:endParaRPr sz="8001" b="1" dirty="0">
+              <a:solidFill>
+                <a:schemeClr val="dk1"/>
+              </a:solidFill>
+              <a:latin typeface="Nunito"/>
+              <a:ea typeface="Nunito"/>
+              <a:cs typeface="Nunito"/>
+              <a:sym typeface="Nunito"/>
+            </a:endParaRPr>
+          </a:p>
+        </p:txBody>
+      </p:sp>
+      <p:pic>
+        <p:nvPicPr>
+          <p:cNvPr id="2" name="Picture 1">
+            <a:extLst>
+              <a:ext uri="{FF2B5EF4-FFF2-40B4-BE49-F238E27FC236}">
+                <a16:creationId xmlns:a16="http://schemas.microsoft.com/office/drawing/2014/main" id="{14EF7062-D282-6C4D-8635-05B541863771}"/>
+              </a:ext>
+            </a:extLst>
+          </p:cNvPr>
+          <p:cNvPicPr>
+            <a:picLocks noChangeAspect="1"/>
+          </p:cNvPicPr>
+          <p:nvPr/>
+        </p:nvPicPr>
+        <p:blipFill>
+          <a:blip r:embed="rId3"/>
+          <a:stretch>
+            <a:fillRect/>
+          </a:stretch>
+        </p:blipFill>
+        <p:spPr>
+          <a:xfrm>
+            <a:off x="3576867" y="3117088"/>
+            <a:ext cx="16406022" cy="7343648"/>
+          </a:xfrm>
+          <a:prstGeom prst="rect">
+            <a:avLst/>
+          </a:prstGeom>
+        </p:spPr>
+      </p:pic>
+    </p:spTree>
+    <p:extLst>
+      <p:ext uri="{BB962C8B-B14F-4D97-AF65-F5344CB8AC3E}">
+        <p14:creationId xmlns:p14="http://schemas.microsoft.com/office/powerpoint/2010/main" val="1429812924"/>
+      </p:ext>
+    </p:extLst>
+  </p:cSld>
+  <p:clrMapOvr>
+    <a:masterClrMapping/>
+  </p:clrMapOvr>
+</p:sld>
+</file>
+
+<file path=ppt/slides/slide26.xml><?xml version="1.0" encoding="utf-8"?>
+<p:sld xmlns:a="http://schemas.openxmlformats.org/drawingml/2006/main" xmlns:r="http://schemas.openxmlformats.org/officeDocument/2006/relationships" xmlns:p="http://schemas.openxmlformats.org/presentationml/2006/main">
+  <p:cSld>
+    <p:spTree>
+      <p:nvGrpSpPr>
+        <p:cNvPr id="1" name="Shape 177"/>
+        <p:cNvGrpSpPr/>
+        <p:nvPr/>
+      </p:nvGrpSpPr>
+      <p:grpSpPr>
+        <a:xfrm>
+          <a:off x="0" y="0"/>
+          <a:ext cx="0" cy="0"/>
+          <a:chOff x="0" y="0"/>
+          <a:chExt cx="0" cy="0"/>
+        </a:xfrm>
+      </p:grpSpPr>
+      <p:sp>
+        <p:nvSpPr>
+          <p:cNvPr id="11" name="Google Shape;182;p10">
+            <a:extLst>
+              <a:ext uri="{FF2B5EF4-FFF2-40B4-BE49-F238E27FC236}">
+                <a16:creationId xmlns:a16="http://schemas.microsoft.com/office/drawing/2014/main" id="{88392DE9-3CFC-A244-9978-E474088DE60F}"/>
+              </a:ext>
+            </a:extLst>
+          </p:cNvPr>
+          <p:cNvSpPr txBox="1"/>
+          <p:nvPr/>
+        </p:nvSpPr>
+        <p:spPr>
+          <a:xfrm>
+            <a:off x="1467853" y="1116731"/>
+            <a:ext cx="17697971" cy="1323439"/>
+          </a:xfrm>
+          <a:prstGeom prst="rect">
+            <a:avLst/>
+          </a:prstGeom>
+          <a:noFill/>
+          <a:ln>
+            <a:noFill/>
+          </a:ln>
+        </p:spPr>
+        <p:txBody>
+          <a:bodyPr spcFirstLastPara="1" wrap="square" lIns="91426" tIns="45700" rIns="91426" bIns="45700" anchor="t" anchorCtr="0">
+            <a:noAutofit/>
+          </a:bodyPr>
+          <a:lstStyle/>
+          <a:p>
+            <a:r>
+              <a:rPr lang="en-US" sz="8001" b="1" dirty="0">
+                <a:solidFill>
+                  <a:schemeClr val="dk1"/>
+                </a:solidFill>
+                <a:latin typeface="Nunito"/>
+                <a:ea typeface="Nunito"/>
+                <a:cs typeface="Nunito"/>
+                <a:sym typeface="Nunito"/>
+              </a:rPr>
+              <a:t>Network 4 Performance</a:t>
+            </a:r>
+            <a:endParaRPr sz="8001" b="1" dirty="0">
+              <a:solidFill>
+                <a:schemeClr val="dk1"/>
+              </a:solidFill>
+              <a:latin typeface="Nunito"/>
+              <a:ea typeface="Nunito"/>
+              <a:cs typeface="Nunito"/>
+              <a:sym typeface="Nunito"/>
+            </a:endParaRPr>
+          </a:p>
+        </p:txBody>
+      </p:sp>
+      <p:sp>
+        <p:nvSpPr>
+          <p:cNvPr id="12" name="TextBox 11">
+            <a:extLst>
+              <a:ext uri="{FF2B5EF4-FFF2-40B4-BE49-F238E27FC236}">
+                <a16:creationId xmlns:a16="http://schemas.microsoft.com/office/drawing/2014/main" id="{D8A2D8AA-337B-4F8F-AF35-F9D9F9849511}"/>
+              </a:ext>
+            </a:extLst>
+          </p:cNvPr>
+          <p:cNvSpPr txBox="1"/>
+          <p:nvPr/>
+        </p:nvSpPr>
+        <p:spPr>
+          <a:xfrm>
+            <a:off x="9314910" y="10752500"/>
+            <a:ext cx="6303041" cy="707886"/>
+          </a:xfrm>
+          <a:prstGeom prst="rect">
+            <a:avLst/>
+          </a:prstGeom>
+          <a:noFill/>
+        </p:spPr>
+        <p:txBody>
+          <a:bodyPr wrap="square" rtlCol="0">
+            <a:spAutoFit/>
+          </a:bodyPr>
+          <a:lstStyle/>
+          <a:p>
+            <a:r>
+              <a:rPr lang="en-US" sz="4000" dirty="0"/>
+              <a:t>Test Accuracy: 86.15 %</a:t>
+            </a:r>
+          </a:p>
+        </p:txBody>
+      </p:sp>
+      <p:pic>
+        <p:nvPicPr>
+          <p:cNvPr id="6" name="Picture 5">
+            <a:extLst>
+              <a:ext uri="{FF2B5EF4-FFF2-40B4-BE49-F238E27FC236}">
+                <a16:creationId xmlns:a16="http://schemas.microsoft.com/office/drawing/2014/main" id="{14DCAE2E-558A-E343-8BB3-E303ACE59E28}"/>
+              </a:ext>
+            </a:extLst>
+          </p:cNvPr>
+          <p:cNvPicPr>
+            <a:picLocks noChangeAspect="1"/>
+          </p:cNvPicPr>
+          <p:nvPr/>
+        </p:nvPicPr>
+        <p:blipFill>
+          <a:blip r:embed="rId3"/>
+          <a:stretch>
+            <a:fillRect/>
+          </a:stretch>
+        </p:blipFill>
+        <p:spPr>
+          <a:xfrm>
+            <a:off x="954373" y="3069141"/>
+            <a:ext cx="10992611" cy="7054389"/>
+          </a:xfrm>
+          <a:prstGeom prst="rect">
+            <a:avLst/>
+          </a:prstGeom>
+        </p:spPr>
+      </p:pic>
+      <p:pic>
+        <p:nvPicPr>
+          <p:cNvPr id="4" name="Picture 3">
+            <a:extLst>
+              <a:ext uri="{FF2B5EF4-FFF2-40B4-BE49-F238E27FC236}">
+                <a16:creationId xmlns:a16="http://schemas.microsoft.com/office/drawing/2014/main" id="{395D802A-FF35-044C-86C4-BC23E04FA887}"/>
+              </a:ext>
+            </a:extLst>
+          </p:cNvPr>
+          <p:cNvPicPr>
+            <a:picLocks noChangeAspect="1"/>
+          </p:cNvPicPr>
+          <p:nvPr/>
+        </p:nvPicPr>
+        <p:blipFill>
+          <a:blip r:embed="rId4"/>
+          <a:stretch>
+            <a:fillRect/>
+          </a:stretch>
+        </p:blipFill>
+        <p:spPr>
+          <a:xfrm>
+            <a:off x="11946984" y="2930715"/>
+            <a:ext cx="10613026" cy="7331240"/>
+          </a:xfrm>
+          <a:prstGeom prst="rect">
+            <a:avLst/>
+          </a:prstGeom>
+        </p:spPr>
+      </p:pic>
+      <p:pic>
+        <p:nvPicPr>
+          <p:cNvPr id="5" name="Picture 4">
+            <a:extLst>
+              <a:ext uri="{FF2B5EF4-FFF2-40B4-BE49-F238E27FC236}">
+                <a16:creationId xmlns:a16="http://schemas.microsoft.com/office/drawing/2014/main" id="{F7D3DFCA-1A2D-264D-8A88-252EC7F1C463}"/>
+              </a:ext>
+            </a:extLst>
+          </p:cNvPr>
+          <p:cNvPicPr>
+            <a:picLocks noChangeAspect="1"/>
+          </p:cNvPicPr>
+          <p:nvPr/>
+        </p:nvPicPr>
+        <p:blipFill>
+          <a:blip r:embed="rId5"/>
+          <a:stretch>
+            <a:fillRect/>
+          </a:stretch>
+        </p:blipFill>
+        <p:spPr>
+          <a:xfrm>
+            <a:off x="7045325" y="6070600"/>
+            <a:ext cx="10287000" cy="1574800"/>
+          </a:xfrm>
+          <a:prstGeom prst="rect">
+            <a:avLst/>
+          </a:prstGeom>
+        </p:spPr>
+      </p:pic>
+    </p:spTree>
+    <p:extLst>
+      <p:ext uri="{BB962C8B-B14F-4D97-AF65-F5344CB8AC3E}">
+        <p14:creationId xmlns:p14="http://schemas.microsoft.com/office/powerpoint/2010/main" val="2676203033"/>
+      </p:ext>
+    </p:extLst>
+  </p:cSld>
+  <p:clrMapOvr>
+    <a:masterClrMapping/>
+  </p:clrMapOvr>
+</p:sld>
+</file>
+
+<file path=ppt/slides/slide27.xml><?xml version="1.0" encoding="utf-8"?>
+<p:sld xmlns:a="http://schemas.openxmlformats.org/drawingml/2006/main" xmlns:r="http://schemas.openxmlformats.org/officeDocument/2006/relationships" xmlns:p="http://schemas.openxmlformats.org/presentationml/2006/main">
+  <p:cSld>
+    <p:spTree>
+      <p:nvGrpSpPr>
+        <p:cNvPr id="1" name="Shape 177"/>
+        <p:cNvGrpSpPr/>
+        <p:nvPr/>
+      </p:nvGrpSpPr>
+      <p:grpSpPr>
+        <a:xfrm>
+          <a:off x="0" y="0"/>
+          <a:ext cx="0" cy="0"/>
+          <a:chOff x="0" y="0"/>
+          <a:chExt cx="0" cy="0"/>
+        </a:xfrm>
+      </p:grpSpPr>
+      <p:sp>
+        <p:nvSpPr>
+          <p:cNvPr id="11" name="Google Shape;182;p10">
+            <a:extLst>
+              <a:ext uri="{FF2B5EF4-FFF2-40B4-BE49-F238E27FC236}">
+                <a16:creationId xmlns:a16="http://schemas.microsoft.com/office/drawing/2014/main" id="{88392DE9-3CFC-A244-9978-E474088DE60F}"/>
+              </a:ext>
+            </a:extLst>
+          </p:cNvPr>
+          <p:cNvSpPr txBox="1"/>
+          <p:nvPr/>
+        </p:nvSpPr>
+        <p:spPr>
+          <a:xfrm>
+            <a:off x="1467853" y="1116731"/>
+            <a:ext cx="17697971" cy="1323439"/>
+          </a:xfrm>
+          <a:prstGeom prst="rect">
+            <a:avLst/>
+          </a:prstGeom>
+          <a:noFill/>
+          <a:ln>
+            <a:noFill/>
+          </a:ln>
+        </p:spPr>
+        <p:txBody>
+          <a:bodyPr spcFirstLastPara="1" wrap="square" lIns="91426" tIns="45700" rIns="91426" bIns="45700" anchor="t" anchorCtr="0">
+            <a:noAutofit/>
+          </a:bodyPr>
+          <a:lstStyle/>
+          <a:p>
+            <a:r>
+              <a:rPr lang="en-US" sz="8001" b="1" dirty="0">
+                <a:solidFill>
+                  <a:schemeClr val="dk1"/>
+                </a:solidFill>
+                <a:latin typeface="Nunito"/>
+                <a:ea typeface="Nunito"/>
+                <a:cs typeface="Nunito"/>
+                <a:sym typeface="Nunito"/>
+              </a:rPr>
+              <a:t>Network 4 Sample Output</a:t>
+            </a:r>
+            <a:endParaRPr sz="8001" b="1" dirty="0">
+              <a:solidFill>
+                <a:schemeClr val="dk1"/>
+              </a:solidFill>
+              <a:latin typeface="Nunito"/>
+              <a:ea typeface="Nunito"/>
+              <a:cs typeface="Nunito"/>
+              <a:sym typeface="Nunito"/>
+            </a:endParaRPr>
+          </a:p>
+        </p:txBody>
+      </p:sp>
+      <p:pic>
+        <p:nvPicPr>
+          <p:cNvPr id="7" name="Picture 6">
+            <a:extLst>
+              <a:ext uri="{FF2B5EF4-FFF2-40B4-BE49-F238E27FC236}">
+                <a16:creationId xmlns:a16="http://schemas.microsoft.com/office/drawing/2014/main" id="{F3CD512E-62EE-F54B-8E69-63209C529E61}"/>
+              </a:ext>
+            </a:extLst>
+          </p:cNvPr>
+          <p:cNvPicPr>
+            <a:picLocks noChangeAspect="1"/>
+          </p:cNvPicPr>
+          <p:nvPr/>
+        </p:nvPicPr>
+        <p:blipFill>
+          <a:blip r:embed="rId3"/>
+          <a:stretch>
+            <a:fillRect/>
+          </a:stretch>
+        </p:blipFill>
+        <p:spPr>
+          <a:xfrm>
+            <a:off x="1467853" y="5156200"/>
+            <a:ext cx="21031937" cy="3219704"/>
+          </a:xfrm>
+          <a:prstGeom prst="rect">
+            <a:avLst/>
+          </a:prstGeom>
+        </p:spPr>
+      </p:pic>
+    </p:spTree>
+    <p:extLst>
+      <p:ext uri="{BB962C8B-B14F-4D97-AF65-F5344CB8AC3E}">
+        <p14:creationId xmlns:p14="http://schemas.microsoft.com/office/powerpoint/2010/main" val="3176748105"/>
+      </p:ext>
+    </p:extLst>
+  </p:cSld>
+  <p:clrMapOvr>
+    <a:masterClrMapping/>
+  </p:clrMapOvr>
+</p:sld>
+</file>
+
+<file path=ppt/slides/slide28.xml><?xml version="1.0" encoding="utf-8"?>
+<p:sld xmlns:a="http://schemas.openxmlformats.org/drawingml/2006/main" xmlns:r="http://schemas.openxmlformats.org/officeDocument/2006/relationships" xmlns:p="http://schemas.openxmlformats.org/presentationml/2006/main">
+  <p:cSld>
+    <p:spTree>
+      <p:nvGrpSpPr>
+        <p:cNvPr id="1" name="Shape 177"/>
+        <p:cNvGrpSpPr/>
+        <p:nvPr/>
+      </p:nvGrpSpPr>
+      <p:grpSpPr>
+        <a:xfrm>
+          <a:off x="0" y="0"/>
+          <a:ext cx="0" cy="0"/>
+          <a:chOff x="0" y="0"/>
+          <a:chExt cx="0" cy="0"/>
+        </a:xfrm>
+      </p:grpSpPr>
+      <p:sp>
+        <p:nvSpPr>
+          <p:cNvPr id="11" name="Google Shape;182;p10">
+            <a:extLst>
+              <a:ext uri="{FF2B5EF4-FFF2-40B4-BE49-F238E27FC236}">
+                <a16:creationId xmlns:a16="http://schemas.microsoft.com/office/drawing/2014/main" id="{88392DE9-3CFC-A244-9978-E474088DE60F}"/>
+              </a:ext>
+            </a:extLst>
+          </p:cNvPr>
+          <p:cNvSpPr txBox="1"/>
+          <p:nvPr/>
+        </p:nvSpPr>
+        <p:spPr>
+          <a:xfrm>
+            <a:off x="1467853" y="1116731"/>
+            <a:ext cx="17697971" cy="1323439"/>
+          </a:xfrm>
+          <a:prstGeom prst="rect">
+            <a:avLst/>
+          </a:prstGeom>
+          <a:noFill/>
+          <a:ln>
+            <a:noFill/>
+          </a:ln>
+        </p:spPr>
+        <p:txBody>
+          <a:bodyPr spcFirstLastPara="1" wrap="square" lIns="91426" tIns="45700" rIns="91426" bIns="45700" anchor="t" anchorCtr="0">
+            <a:noAutofit/>
+          </a:bodyPr>
+          <a:lstStyle/>
+          <a:p>
+            <a:r>
+              <a:rPr lang="en-US" sz="8001" b="1" dirty="0">
+                <a:solidFill>
+                  <a:schemeClr val="dk1"/>
+                </a:solidFill>
+                <a:latin typeface="Nunito"/>
+                <a:ea typeface="Nunito"/>
+                <a:cs typeface="Nunito"/>
+                <a:sym typeface="Nunito"/>
+              </a:rPr>
+              <a:t>Conclusion</a:t>
+            </a:r>
+            <a:endParaRPr sz="8001" b="1" dirty="0">
+              <a:solidFill>
+                <a:schemeClr val="dk1"/>
+              </a:solidFill>
+              <a:latin typeface="Nunito"/>
+              <a:ea typeface="Nunito"/>
+              <a:cs typeface="Nunito"/>
+              <a:sym typeface="Nunito"/>
+            </a:endParaRPr>
+          </a:p>
+        </p:txBody>
+      </p:sp>
+      <p:sp>
+        <p:nvSpPr>
+          <p:cNvPr id="4" name="Google Shape;181;p10">
+            <a:extLst>
+              <a:ext uri="{FF2B5EF4-FFF2-40B4-BE49-F238E27FC236}">
+                <a16:creationId xmlns:a16="http://schemas.microsoft.com/office/drawing/2014/main" id="{B4FACFD8-6D21-D740-BC8F-C80ED49A948B}"/>
+              </a:ext>
+            </a:extLst>
+          </p:cNvPr>
+          <p:cNvSpPr txBox="1"/>
+          <p:nvPr/>
+        </p:nvSpPr>
+        <p:spPr>
+          <a:xfrm>
+            <a:off x="1467853" y="3417300"/>
+            <a:ext cx="21380424" cy="1909092"/>
+          </a:xfrm>
+          <a:prstGeom prst="rect">
+            <a:avLst/>
+          </a:prstGeom>
+          <a:noFill/>
+          <a:ln>
+            <a:noFill/>
+          </a:ln>
+        </p:spPr>
+        <p:txBody>
+          <a:bodyPr spcFirstLastPara="1" wrap="square" lIns="91426" tIns="45700" rIns="91426" bIns="45700" anchor="t" anchorCtr="0">
+            <a:noAutofit/>
+          </a:bodyPr>
+          <a:lstStyle/>
+          <a:p>
+            <a:pPr marL="685800" indent="-685800">
+              <a:buFontTx/>
+              <a:buChar char="-"/>
+            </a:pPr>
+            <a:r>
+              <a:rPr lang="en-GB" sz="5400" b="1" dirty="0">
+                <a:solidFill>
+                  <a:schemeClr val="dk2"/>
+                </a:solidFill>
+                <a:latin typeface="Nunito"/>
+                <a:ea typeface="Nunito"/>
+                <a:cs typeface="Nunito"/>
+                <a:sym typeface="Nunito"/>
+              </a:rPr>
+              <a:t>Using one network alone is not enough</a:t>
+            </a:r>
+          </a:p>
+          <a:p>
+            <a:pPr marL="685800" indent="-685800">
+              <a:buFontTx/>
+              <a:buChar char="-"/>
+            </a:pPr>
+            <a:endParaRPr lang="en-GB" sz="5400" b="1" dirty="0">
+              <a:solidFill>
+                <a:schemeClr val="dk2"/>
+              </a:solidFill>
+              <a:latin typeface="Nunito"/>
+              <a:ea typeface="Nunito"/>
+              <a:cs typeface="Nunito"/>
+              <a:sym typeface="Nunito"/>
+            </a:endParaRPr>
+          </a:p>
+          <a:p>
+            <a:pPr marL="685800" indent="-685800">
+              <a:buFontTx/>
+              <a:buChar char="-"/>
+            </a:pPr>
+            <a:r>
+              <a:rPr lang="en-GB" sz="5400" b="1" dirty="0">
+                <a:solidFill>
+                  <a:schemeClr val="dk2"/>
+                </a:solidFill>
+                <a:latin typeface="Nunito"/>
+                <a:ea typeface="Nunito"/>
+                <a:cs typeface="Nunito"/>
+                <a:sym typeface="Nunito"/>
+              </a:rPr>
+              <a:t>Using multiple different networks in conjunction to predict different attributes is key.</a:t>
+            </a:r>
+          </a:p>
+          <a:p>
+            <a:pPr marL="685800" indent="-685800">
+              <a:buFontTx/>
+              <a:buChar char="-"/>
+            </a:pPr>
+            <a:endParaRPr lang="en-GB" sz="5400" b="1" dirty="0">
+              <a:solidFill>
+                <a:schemeClr val="dk2"/>
+              </a:solidFill>
+              <a:latin typeface="Nunito"/>
+              <a:ea typeface="Nunito"/>
+              <a:cs typeface="Nunito"/>
+              <a:sym typeface="Nunito"/>
+            </a:endParaRPr>
+          </a:p>
+          <a:p>
+            <a:pPr marL="685800" indent="-685800">
+              <a:buFontTx/>
+              <a:buChar char="-"/>
+            </a:pPr>
+            <a:r>
+              <a:rPr lang="en-GB" sz="5400" b="1" dirty="0">
+                <a:solidFill>
+                  <a:schemeClr val="dk2"/>
+                </a:solidFill>
+                <a:latin typeface="Nunito"/>
+                <a:ea typeface="Nunito"/>
+                <a:cs typeface="Nunito"/>
+                <a:sym typeface="Nunito"/>
+              </a:rPr>
+              <a:t>Network 2 and 4 together can be used to predict where crime will happen and what type of crime it will be </a:t>
+            </a:r>
+          </a:p>
+        </p:txBody>
+      </p:sp>
+    </p:spTree>
+    <p:extLst>
+      <p:ext uri="{BB962C8B-B14F-4D97-AF65-F5344CB8AC3E}">
+        <p14:creationId xmlns:p14="http://schemas.microsoft.com/office/powerpoint/2010/main" val="1339986867"/>
+      </p:ext>
+    </p:extLst>
+  </p:cSld>
+  <p:clrMapOvr>
+    <a:masterClrMapping/>
+  </p:clrMapOvr>
+</p:sld>
+</file>
+
+<file path=ppt/slides/slide29.xml><?xml version="1.0" encoding="utf-8"?>
+<p:sld xmlns:a="http://schemas.openxmlformats.org/drawingml/2006/main" xmlns:r="http://schemas.openxmlformats.org/officeDocument/2006/relationships" xmlns:p="http://schemas.openxmlformats.org/presentationml/2006/main">
+  <p:cSld>
+    <p:spTree>
+      <p:nvGrpSpPr>
+        <p:cNvPr id="1" name="Shape 177"/>
+        <p:cNvGrpSpPr/>
+        <p:nvPr/>
+      </p:nvGrpSpPr>
+      <p:grpSpPr>
+        <a:xfrm>
+          <a:off x="0" y="0"/>
+          <a:ext cx="0" cy="0"/>
+          <a:chOff x="0" y="0"/>
+          <a:chExt cx="0" cy="0"/>
+        </a:xfrm>
+      </p:grpSpPr>
+      <p:sp>
+        <p:nvSpPr>
+          <p:cNvPr id="11" name="Google Shape;182;p10">
+            <a:extLst>
+              <a:ext uri="{FF2B5EF4-FFF2-40B4-BE49-F238E27FC236}">
+                <a16:creationId xmlns:a16="http://schemas.microsoft.com/office/drawing/2014/main" id="{88392DE9-3CFC-A244-9978-E474088DE60F}"/>
+              </a:ext>
+            </a:extLst>
+          </p:cNvPr>
+          <p:cNvSpPr txBox="1"/>
+          <p:nvPr/>
+        </p:nvSpPr>
+        <p:spPr>
+          <a:xfrm>
+            <a:off x="1467853" y="1116731"/>
+            <a:ext cx="17697971" cy="1323439"/>
+          </a:xfrm>
+          <a:prstGeom prst="rect">
+            <a:avLst/>
+          </a:prstGeom>
+          <a:noFill/>
+          <a:ln>
+            <a:noFill/>
+          </a:ln>
+        </p:spPr>
+        <p:txBody>
+          <a:bodyPr spcFirstLastPara="1" wrap="square" lIns="91426" tIns="45700" rIns="91426" bIns="45700" anchor="t" anchorCtr="0">
+            <a:noAutofit/>
+          </a:bodyPr>
+          <a:lstStyle/>
+          <a:p>
+            <a:r>
+              <a:rPr lang="en-US" sz="8001" b="1" dirty="0">
+                <a:solidFill>
+                  <a:schemeClr val="dk1"/>
+                </a:solidFill>
+                <a:latin typeface="Nunito"/>
+                <a:ea typeface="Nunito"/>
+                <a:cs typeface="Nunito"/>
+                <a:sym typeface="Nunito"/>
+              </a:rPr>
+              <a:t>References</a:t>
+            </a:r>
+            <a:endParaRPr sz="8001" b="1" dirty="0">
+              <a:solidFill>
+                <a:schemeClr val="dk1"/>
+              </a:solidFill>
+              <a:latin typeface="Nunito"/>
+              <a:ea typeface="Nunito"/>
+              <a:cs typeface="Nunito"/>
+              <a:sym typeface="Nunito"/>
+            </a:endParaRPr>
+          </a:p>
+        </p:txBody>
+      </p:sp>
+      <p:sp>
+        <p:nvSpPr>
+          <p:cNvPr id="5" name="Google Shape;181;p10">
+            <a:extLst>
+              <a:ext uri="{FF2B5EF4-FFF2-40B4-BE49-F238E27FC236}">
+                <a16:creationId xmlns:a16="http://schemas.microsoft.com/office/drawing/2014/main" id="{DD1EC4B0-E464-CD44-8D9C-C0A7F8A01745}"/>
+              </a:ext>
+            </a:extLst>
+          </p:cNvPr>
+          <p:cNvSpPr txBox="1"/>
+          <p:nvPr/>
+        </p:nvSpPr>
+        <p:spPr>
+          <a:xfrm>
+            <a:off x="1467853" y="3124692"/>
+            <a:ext cx="22635731" cy="1909092"/>
+          </a:xfrm>
+          <a:prstGeom prst="rect">
+            <a:avLst/>
+          </a:prstGeom>
+          <a:noFill/>
+          <a:ln>
+            <a:noFill/>
+          </a:ln>
+        </p:spPr>
+        <p:txBody>
+          <a:bodyPr spcFirstLastPara="1" wrap="square" lIns="91426" tIns="45700" rIns="91426" bIns="45700" anchor="t" anchorCtr="0">
+            <a:noAutofit/>
+          </a:bodyPr>
+          <a:lstStyle/>
+          <a:p>
+            <a:r>
+              <a:rPr lang="en-US" sz="4400" dirty="0">
+                <a:solidFill>
+                  <a:schemeClr val="dk1"/>
+                </a:solidFill>
+                <a:latin typeface="Nunito"/>
+              </a:rPr>
+              <a:t>[1] P. Carlen, Women, Crime and Poverty. Open University Press, </a:t>
+            </a:r>
+            <a:r>
+              <a:rPr lang="en-US" sz="4400" dirty="0" err="1">
+                <a:solidFill>
+                  <a:schemeClr val="dk1"/>
+                </a:solidFill>
+                <a:latin typeface="Nunito"/>
+              </a:rPr>
+              <a:t>dec</a:t>
+            </a:r>
+            <a:r>
+              <a:rPr lang="en-US" sz="4400" dirty="0">
+                <a:solidFill>
+                  <a:schemeClr val="dk1"/>
+                </a:solidFill>
+                <a:latin typeface="Nunito"/>
+              </a:rPr>
+              <a:t> 1988.</a:t>
+            </a:r>
+          </a:p>
+          <a:p>
+            <a:endParaRPr lang="en-US" sz="4400" dirty="0">
+              <a:solidFill>
+                <a:schemeClr val="dk1"/>
+              </a:solidFill>
+              <a:latin typeface="Nunito"/>
+            </a:endParaRPr>
+          </a:p>
+          <a:p>
+            <a:r>
+              <a:rPr lang="en-US" sz="4400" dirty="0">
+                <a:solidFill>
+                  <a:schemeClr val="dk1"/>
+                </a:solidFill>
+                <a:latin typeface="Nunito"/>
+              </a:rPr>
+              <a:t>[2] "Google Trends vs Crimes in Vancouver | Kaggle", </a:t>
+            </a:r>
+            <a:r>
+              <a:rPr lang="en-US" sz="4400" dirty="0" err="1">
+                <a:solidFill>
+                  <a:schemeClr val="dk1"/>
+                </a:solidFill>
+                <a:latin typeface="Nunito"/>
+              </a:rPr>
+              <a:t>Kaggle.com</a:t>
+            </a:r>
+            <a:r>
+              <a:rPr lang="en-US" sz="4400" dirty="0">
+                <a:solidFill>
+                  <a:schemeClr val="dk1"/>
+                </a:solidFill>
+                <a:latin typeface="Nunito"/>
+              </a:rPr>
+              <a:t>, 2019. [Online]. Available: https://</a:t>
+            </a:r>
+            <a:r>
+              <a:rPr lang="en-US" sz="4400" dirty="0" err="1">
+                <a:solidFill>
+                  <a:schemeClr val="dk1"/>
+                </a:solidFill>
+                <a:latin typeface="Nunito"/>
+              </a:rPr>
+              <a:t>www.kaggle.com</a:t>
+            </a:r>
+            <a:r>
+              <a:rPr lang="en-US" sz="4400" dirty="0">
+                <a:solidFill>
+                  <a:schemeClr val="dk1"/>
+                </a:solidFill>
+                <a:latin typeface="Nunito"/>
+              </a:rPr>
+              <a:t>/</a:t>
+            </a:r>
+            <a:r>
+              <a:rPr lang="en-US" sz="4400" dirty="0" err="1">
+                <a:solidFill>
+                  <a:schemeClr val="dk1"/>
+                </a:solidFill>
+                <a:latin typeface="Nunito"/>
+              </a:rPr>
+              <a:t>wosaku</a:t>
+            </a:r>
+            <a:r>
+              <a:rPr lang="en-US" sz="4400" dirty="0">
+                <a:solidFill>
+                  <a:schemeClr val="dk1"/>
+                </a:solidFill>
+                <a:latin typeface="Nunito"/>
+              </a:rPr>
+              <a:t>/google-trends-vs-crimes-in-</a:t>
+            </a:r>
+            <a:r>
+              <a:rPr lang="en-US" sz="4400" dirty="0" err="1">
+                <a:solidFill>
+                  <a:schemeClr val="dk1"/>
+                </a:solidFill>
+                <a:latin typeface="Nunito"/>
+              </a:rPr>
+              <a:t>vancouver</a:t>
+            </a:r>
+            <a:r>
+              <a:rPr lang="en-US" sz="4400" dirty="0">
+                <a:solidFill>
+                  <a:schemeClr val="dk1"/>
+                </a:solidFill>
+                <a:latin typeface="Nunito"/>
+              </a:rPr>
+              <a:t>. </a:t>
+            </a:r>
+          </a:p>
+          <a:p>
+            <a:endParaRPr lang="en-US" sz="4400" dirty="0">
+              <a:solidFill>
+                <a:schemeClr val="dk1"/>
+              </a:solidFill>
+              <a:latin typeface="Nunito"/>
+            </a:endParaRPr>
+          </a:p>
+          <a:p>
+            <a:r>
+              <a:rPr lang="en-US" sz="4400" dirty="0">
+                <a:solidFill>
+                  <a:schemeClr val="dk1"/>
+                </a:solidFill>
+                <a:latin typeface="Nunito"/>
+              </a:rPr>
+              <a:t>[3] N. Khalid and Y. </a:t>
+            </a:r>
+            <a:r>
+              <a:rPr lang="en-US" sz="4400" dirty="0" err="1">
+                <a:solidFill>
+                  <a:schemeClr val="dk1"/>
+                </a:solidFill>
+                <a:latin typeface="Nunito"/>
+              </a:rPr>
+              <a:t>Khaireddin</a:t>
+            </a:r>
+            <a:r>
+              <a:rPr lang="en-US" sz="4400" dirty="0">
+                <a:solidFill>
+                  <a:schemeClr val="dk1"/>
+                </a:solidFill>
+                <a:latin typeface="Nunito"/>
+              </a:rPr>
+              <a:t>, "ELE494-Project", GitHub, 2019. [Online]. Available: https://</a:t>
+            </a:r>
+            <a:r>
+              <a:rPr lang="en-US" sz="4400" dirty="0" err="1">
+                <a:solidFill>
+                  <a:schemeClr val="dk1"/>
+                </a:solidFill>
+                <a:latin typeface="Nunito"/>
+              </a:rPr>
+              <a:t>github.com</a:t>
+            </a:r>
+            <a:r>
+              <a:rPr lang="en-US" sz="4400" dirty="0">
+                <a:solidFill>
+                  <a:schemeClr val="dk1"/>
+                </a:solidFill>
+                <a:latin typeface="Nunito"/>
+              </a:rPr>
+              <a:t>/NasirKhalid24/ELE494-Project.</a:t>
+            </a:r>
+            <a:endParaRPr lang="en-GB" sz="5400" b="1" dirty="0">
+              <a:solidFill>
+                <a:schemeClr val="dk2"/>
+              </a:solidFill>
+              <a:latin typeface="Nunito"/>
+              <a:ea typeface="Nunito"/>
+              <a:cs typeface="Nunito"/>
+              <a:sym typeface="Nunito"/>
+            </a:endParaRPr>
+          </a:p>
+          <a:p>
+            <a:endParaRPr lang="en-GB" sz="5400" b="1" dirty="0">
+              <a:solidFill>
+                <a:schemeClr val="dk2"/>
+              </a:solidFill>
+              <a:latin typeface="Nunito"/>
+              <a:ea typeface="Nunito"/>
+              <a:cs typeface="Nunito"/>
+              <a:sym typeface="Nunito"/>
+            </a:endParaRPr>
+          </a:p>
+        </p:txBody>
+      </p:sp>
+    </p:spTree>
+    <p:extLst>
+      <p:ext uri="{BB962C8B-B14F-4D97-AF65-F5344CB8AC3E}">
+        <p14:creationId xmlns:p14="http://schemas.microsoft.com/office/powerpoint/2010/main" val="2308148973"/>
+      </p:ext>
+    </p:extLst>
+  </p:cSld>
+  <p:clrMapOvr>
+    <a:masterClrMapping/>
+  </p:clrMapOvr>
+</p:sld>
+</file>
+
 <file path=ppt/slides/slide3.xml><?xml version="1.0" encoding="utf-8"?>
 <p:sld xmlns:a="http://schemas.openxmlformats.org/drawingml/2006/main" xmlns:r="http://schemas.openxmlformats.org/officeDocument/2006/relationships" xmlns:p="http://schemas.openxmlformats.org/presentationml/2006/main">
   <p:cSld>
@@ -10986,7 +16123,7 @@
         </p:nvSpPr>
         <p:spPr>
           <a:xfrm>
-            <a:off x="1467853" y="2512280"/>
+            <a:off x="1467853" y="2342880"/>
             <a:ext cx="21380424" cy="1909092"/>
           </a:xfrm>
           <a:prstGeom prst="rect">
@@ -11116,7 +16253,7 @@
           </a:p>
           <a:p>
             <a:r>
-              <a:rPr lang="en-GB" sz="6600" b="1" dirty="0">
+              <a:rPr lang="en-GB" sz="6000" b="1" i="1" dirty="0">
                 <a:solidFill>
                   <a:schemeClr val="dk2"/>
                 </a:solidFill>
@@ -11169,7 +16306,7 @@
         </p:nvSpPr>
         <p:spPr>
           <a:xfrm>
-            <a:off x="1467853" y="1116731"/>
+            <a:off x="1467853" y="1019441"/>
             <a:ext cx="12488779" cy="1323439"/>
           </a:xfrm>
           <a:prstGeom prst="rect">

--- a/Final Presentation.pptx
+++ b/Final Presentation.pptx
@@ -5,7 +5,7 @@
     <p:sldMasterId id="2147483650" r:id="rId1"/>
   </p:sldMasterIdLst>
   <p:notesMasterIdLst>
-    <p:notesMasterId r:id="rId31"/>
+    <p:notesMasterId r:id="rId17"/>
   </p:notesMasterIdLst>
   <p:sldIdLst>
     <p:sldId id="300" r:id="rId2"/>
@@ -23,30 +23,16 @@
     <p:sldId id="319" r:id="rId14"/>
     <p:sldId id="316" r:id="rId15"/>
     <p:sldId id="320" r:id="rId16"/>
-    <p:sldId id="322" r:id="rId17"/>
-    <p:sldId id="323" r:id="rId18"/>
-    <p:sldId id="324" r:id="rId19"/>
-    <p:sldId id="325" r:id="rId20"/>
-    <p:sldId id="326" r:id="rId21"/>
-    <p:sldId id="328" r:id="rId22"/>
-    <p:sldId id="329" r:id="rId23"/>
-    <p:sldId id="330" r:id="rId24"/>
-    <p:sldId id="331" r:id="rId25"/>
-    <p:sldId id="332" r:id="rId26"/>
-    <p:sldId id="333" r:id="rId27"/>
-    <p:sldId id="334" r:id="rId28"/>
-    <p:sldId id="335" r:id="rId29"/>
-    <p:sldId id="336" r:id="rId30"/>
   </p:sldIdLst>
   <p:sldSz cx="24377650" cy="13716000"/>
   <p:notesSz cx="6858000" cy="9144000"/>
   <p:embeddedFontLst>
     <p:embeddedFont>
-      <p:font typeface="Nunito" pitchFamily="2" charset="77"/>
-      <p:regular r:id="rId32"/>
-      <p:bold r:id="rId33"/>
-      <p:italic r:id="rId34"/>
-      <p:boldItalic r:id="rId35"/>
+      <p:font typeface="Nunito" panose="020B0604020202020204" charset="0"/>
+      <p:regular r:id="rId18"/>
+      <p:bold r:id="rId19"/>
+      <p:italic r:id="rId20"/>
+      <p:boldItalic r:id="rId21"/>
     </p:embeddedFont>
   </p:embeddedFontLst>
   <p:defaultTextStyle>
@@ -2344,746 +2330,6 @@
 </p:notes>
 </file>
 
-<file path=ppt/notesSlides/notesSlide15.xml><?xml version="1.0" encoding="utf-8"?>
-<p:notes xmlns:a="http://schemas.openxmlformats.org/drawingml/2006/main" xmlns:r="http://schemas.openxmlformats.org/officeDocument/2006/relationships" xmlns:p="http://schemas.openxmlformats.org/presentationml/2006/main" showMasterSp="0" showMasterPhAnim="0">
-  <p:cSld>
-    <p:spTree>
-      <p:nvGrpSpPr>
-        <p:cNvPr id="1" name="Shape 174"/>
-        <p:cNvGrpSpPr/>
-        <p:nvPr/>
-      </p:nvGrpSpPr>
-      <p:grpSpPr>
-        <a:xfrm>
-          <a:off x="0" y="0"/>
-          <a:ext cx="0" cy="0"/>
-          <a:chOff x="0" y="0"/>
-          <a:chExt cx="0" cy="0"/>
-        </a:xfrm>
-      </p:grpSpPr>
-      <p:sp>
-        <p:nvSpPr>
-          <p:cNvPr id="175" name="Google Shape;175;p16:notes"/>
-          <p:cNvSpPr>
-            <a:spLocks noGrp="1" noRot="1" noChangeAspect="1"/>
-          </p:cNvSpPr>
-          <p:nvPr>
-            <p:ph type="sldImg" idx="2"/>
-          </p:nvPr>
-        </p:nvSpPr>
-        <p:spPr>
-          <a:xfrm>
-            <a:off x="-16989425" y="-11796713"/>
-            <a:ext cx="22153563" cy="12465051"/>
-          </a:xfrm>
-          <a:custGeom>
-            <a:avLst/>
-            <a:gdLst/>
-            <a:ahLst/>
-            <a:cxnLst/>
-            <a:rect l="l" t="t" r="r" b="b"/>
-            <a:pathLst>
-              <a:path w="120000" h="120000" extrusionOk="0">
-                <a:moveTo>
-                  <a:pt x="0" y="0"/>
-                </a:moveTo>
-                <a:lnTo>
-                  <a:pt x="120000" y="0"/>
-                </a:lnTo>
-                <a:lnTo>
-                  <a:pt x="120000" y="120000"/>
-                </a:lnTo>
-                <a:lnTo>
-                  <a:pt x="0" y="120000"/>
-                </a:lnTo>
-                <a:close/>
-              </a:path>
-            </a:pathLst>
-          </a:custGeom>
-          <a:solidFill>
-            <a:srgbClr val="FFFFFF"/>
-          </a:solidFill>
-          <a:ln w="9525" cap="flat" cmpd="sng">
-            <a:solidFill>
-              <a:srgbClr val="000000"/>
-            </a:solidFill>
-            <a:prstDash val="solid"/>
-            <a:miter lim="8000"/>
-            <a:headEnd type="none" w="sm" len="sm"/>
-            <a:tailEnd type="none" w="sm" len="sm"/>
-          </a:ln>
-        </p:spPr>
-      </p:sp>
-      <p:sp>
-        <p:nvSpPr>
-          <p:cNvPr id="176" name="Google Shape;176;p16:notes"/>
-          <p:cNvSpPr txBox="1">
-            <a:spLocks noGrp="1"/>
-          </p:cNvSpPr>
-          <p:nvPr>
-            <p:ph type="body" idx="1"/>
-          </p:nvPr>
-        </p:nvSpPr>
-        <p:spPr>
-          <a:xfrm>
-            <a:off x="685800" y="4343400"/>
-            <a:ext cx="5457825" cy="4086225"/>
-          </a:xfrm>
-          <a:prstGeom prst="rect">
-            <a:avLst/>
-          </a:prstGeom>
-          <a:noFill/>
-          <a:ln>
-            <a:noFill/>
-          </a:ln>
-        </p:spPr>
-        <p:txBody>
-          <a:bodyPr spcFirstLastPara="1" wrap="square" lIns="91425" tIns="45700" rIns="91425" bIns="45700" anchor="ctr" anchorCtr="0">
-            <a:noAutofit/>
-          </a:bodyPr>
-          <a:lstStyle/>
-          <a:p>
-            <a:pPr marL="0" marR="0" lvl="0" indent="0" algn="l" rtl="0">
-              <a:spcBef>
-                <a:spcPts val="0"/>
-              </a:spcBef>
-              <a:spcAft>
-                <a:spcPts val="0"/>
-              </a:spcAft>
-              <a:buNone/>
-            </a:pPr>
-            <a:r>
-              <a:rPr lang="en-US" sz="2400" b="0" i="0" u="none" strike="noStrike" cap="none" dirty="0">
-                <a:solidFill>
-                  <a:schemeClr val="dk1"/>
-                </a:solidFill>
-                <a:latin typeface="Nunito"/>
-                <a:ea typeface="Nunito"/>
-                <a:cs typeface="Nunito"/>
-                <a:sym typeface="Nunito"/>
-              </a:rPr>
-              <a:t>Yousef</a:t>
-            </a:r>
-          </a:p>
-        </p:txBody>
-      </p:sp>
-    </p:spTree>
-    <p:extLst>
-      <p:ext uri="{BB962C8B-B14F-4D97-AF65-F5344CB8AC3E}">
-        <p14:creationId xmlns:p14="http://schemas.microsoft.com/office/powerpoint/2010/main" val="612916043"/>
-      </p:ext>
-    </p:extLst>
-  </p:cSld>
-  <p:clrMapOvr>
-    <a:masterClrMapping/>
-  </p:clrMapOvr>
-</p:notes>
-</file>
-
-<file path=ppt/notesSlides/notesSlide16.xml><?xml version="1.0" encoding="utf-8"?>
-<p:notes xmlns:a="http://schemas.openxmlformats.org/drawingml/2006/main" xmlns:r="http://schemas.openxmlformats.org/officeDocument/2006/relationships" xmlns:p="http://schemas.openxmlformats.org/presentationml/2006/main" showMasterSp="0" showMasterPhAnim="0">
-  <p:cSld>
-    <p:spTree>
-      <p:nvGrpSpPr>
-        <p:cNvPr id="1" name="Shape 174"/>
-        <p:cNvGrpSpPr/>
-        <p:nvPr/>
-      </p:nvGrpSpPr>
-      <p:grpSpPr>
-        <a:xfrm>
-          <a:off x="0" y="0"/>
-          <a:ext cx="0" cy="0"/>
-          <a:chOff x="0" y="0"/>
-          <a:chExt cx="0" cy="0"/>
-        </a:xfrm>
-      </p:grpSpPr>
-      <p:sp>
-        <p:nvSpPr>
-          <p:cNvPr id="175" name="Google Shape;175;p16:notes"/>
-          <p:cNvSpPr>
-            <a:spLocks noGrp="1" noRot="1" noChangeAspect="1"/>
-          </p:cNvSpPr>
-          <p:nvPr>
-            <p:ph type="sldImg" idx="2"/>
-          </p:nvPr>
-        </p:nvSpPr>
-        <p:spPr>
-          <a:xfrm>
-            <a:off x="-16989425" y="-11796713"/>
-            <a:ext cx="22153563" cy="12465051"/>
-          </a:xfrm>
-          <a:custGeom>
-            <a:avLst/>
-            <a:gdLst/>
-            <a:ahLst/>
-            <a:cxnLst/>
-            <a:rect l="l" t="t" r="r" b="b"/>
-            <a:pathLst>
-              <a:path w="120000" h="120000" extrusionOk="0">
-                <a:moveTo>
-                  <a:pt x="0" y="0"/>
-                </a:moveTo>
-                <a:lnTo>
-                  <a:pt x="120000" y="0"/>
-                </a:lnTo>
-                <a:lnTo>
-                  <a:pt x="120000" y="120000"/>
-                </a:lnTo>
-                <a:lnTo>
-                  <a:pt x="0" y="120000"/>
-                </a:lnTo>
-                <a:close/>
-              </a:path>
-            </a:pathLst>
-          </a:custGeom>
-          <a:solidFill>
-            <a:srgbClr val="FFFFFF"/>
-          </a:solidFill>
-          <a:ln w="9525" cap="flat" cmpd="sng">
-            <a:solidFill>
-              <a:srgbClr val="000000"/>
-            </a:solidFill>
-            <a:prstDash val="solid"/>
-            <a:miter lim="8000"/>
-            <a:headEnd type="none" w="sm" len="sm"/>
-            <a:tailEnd type="none" w="sm" len="sm"/>
-          </a:ln>
-        </p:spPr>
-      </p:sp>
-      <p:sp>
-        <p:nvSpPr>
-          <p:cNvPr id="176" name="Google Shape;176;p16:notes"/>
-          <p:cNvSpPr txBox="1">
-            <a:spLocks noGrp="1"/>
-          </p:cNvSpPr>
-          <p:nvPr>
-            <p:ph type="body" idx="1"/>
-          </p:nvPr>
-        </p:nvSpPr>
-        <p:spPr>
-          <a:xfrm>
-            <a:off x="685800" y="4343400"/>
-            <a:ext cx="5457825" cy="4086225"/>
-          </a:xfrm>
-          <a:prstGeom prst="rect">
-            <a:avLst/>
-          </a:prstGeom>
-          <a:noFill/>
-          <a:ln>
-            <a:noFill/>
-          </a:ln>
-        </p:spPr>
-        <p:txBody>
-          <a:bodyPr spcFirstLastPara="1" wrap="square" lIns="91425" tIns="45700" rIns="91425" bIns="45700" anchor="ctr" anchorCtr="0">
-            <a:noAutofit/>
-          </a:bodyPr>
-          <a:lstStyle/>
-          <a:p>
-            <a:pPr marL="0" marR="0" lvl="0" indent="0" algn="l" rtl="0">
-              <a:spcBef>
-                <a:spcPts val="0"/>
-              </a:spcBef>
-              <a:spcAft>
-                <a:spcPts val="0"/>
-              </a:spcAft>
-              <a:buNone/>
-            </a:pPr>
-            <a:r>
-              <a:rPr lang="en-US" sz="2400" b="0" i="0" u="none" strike="noStrike" cap="none" dirty="0">
-                <a:solidFill>
-                  <a:schemeClr val="dk1"/>
-                </a:solidFill>
-                <a:latin typeface="Nunito"/>
-                <a:ea typeface="Nunito"/>
-                <a:cs typeface="Nunito"/>
-                <a:sym typeface="Nunito"/>
-              </a:rPr>
-              <a:t>Yousef</a:t>
-            </a:r>
-          </a:p>
-        </p:txBody>
-      </p:sp>
-    </p:spTree>
-    <p:extLst>
-      <p:ext uri="{BB962C8B-B14F-4D97-AF65-F5344CB8AC3E}">
-        <p14:creationId xmlns:p14="http://schemas.microsoft.com/office/powerpoint/2010/main" val="1539044100"/>
-      </p:ext>
-    </p:extLst>
-  </p:cSld>
-  <p:clrMapOvr>
-    <a:masterClrMapping/>
-  </p:clrMapOvr>
-</p:notes>
-</file>
-
-<file path=ppt/notesSlides/notesSlide17.xml><?xml version="1.0" encoding="utf-8"?>
-<p:notes xmlns:a="http://schemas.openxmlformats.org/drawingml/2006/main" xmlns:r="http://schemas.openxmlformats.org/officeDocument/2006/relationships" xmlns:p="http://schemas.openxmlformats.org/presentationml/2006/main" showMasterSp="0" showMasterPhAnim="0">
-  <p:cSld>
-    <p:spTree>
-      <p:nvGrpSpPr>
-        <p:cNvPr id="1" name="Shape 174"/>
-        <p:cNvGrpSpPr/>
-        <p:nvPr/>
-      </p:nvGrpSpPr>
-      <p:grpSpPr>
-        <a:xfrm>
-          <a:off x="0" y="0"/>
-          <a:ext cx="0" cy="0"/>
-          <a:chOff x="0" y="0"/>
-          <a:chExt cx="0" cy="0"/>
-        </a:xfrm>
-      </p:grpSpPr>
-      <p:sp>
-        <p:nvSpPr>
-          <p:cNvPr id="175" name="Google Shape;175;p16:notes"/>
-          <p:cNvSpPr>
-            <a:spLocks noGrp="1" noRot="1" noChangeAspect="1"/>
-          </p:cNvSpPr>
-          <p:nvPr>
-            <p:ph type="sldImg" idx="2"/>
-          </p:nvPr>
-        </p:nvSpPr>
-        <p:spPr>
-          <a:xfrm>
-            <a:off x="-16989425" y="-11796713"/>
-            <a:ext cx="22153563" cy="12465051"/>
-          </a:xfrm>
-          <a:custGeom>
-            <a:avLst/>
-            <a:gdLst/>
-            <a:ahLst/>
-            <a:cxnLst/>
-            <a:rect l="l" t="t" r="r" b="b"/>
-            <a:pathLst>
-              <a:path w="120000" h="120000" extrusionOk="0">
-                <a:moveTo>
-                  <a:pt x="0" y="0"/>
-                </a:moveTo>
-                <a:lnTo>
-                  <a:pt x="120000" y="0"/>
-                </a:lnTo>
-                <a:lnTo>
-                  <a:pt x="120000" y="120000"/>
-                </a:lnTo>
-                <a:lnTo>
-                  <a:pt x="0" y="120000"/>
-                </a:lnTo>
-                <a:close/>
-              </a:path>
-            </a:pathLst>
-          </a:custGeom>
-          <a:solidFill>
-            <a:srgbClr val="FFFFFF"/>
-          </a:solidFill>
-          <a:ln w="9525" cap="flat" cmpd="sng">
-            <a:solidFill>
-              <a:srgbClr val="000000"/>
-            </a:solidFill>
-            <a:prstDash val="solid"/>
-            <a:miter lim="8000"/>
-            <a:headEnd type="none" w="sm" len="sm"/>
-            <a:tailEnd type="none" w="sm" len="sm"/>
-          </a:ln>
-        </p:spPr>
-      </p:sp>
-      <p:sp>
-        <p:nvSpPr>
-          <p:cNvPr id="176" name="Google Shape;176;p16:notes"/>
-          <p:cNvSpPr txBox="1">
-            <a:spLocks noGrp="1"/>
-          </p:cNvSpPr>
-          <p:nvPr>
-            <p:ph type="body" idx="1"/>
-          </p:nvPr>
-        </p:nvSpPr>
-        <p:spPr>
-          <a:xfrm>
-            <a:off x="685800" y="4343400"/>
-            <a:ext cx="5457825" cy="4086225"/>
-          </a:xfrm>
-          <a:prstGeom prst="rect">
-            <a:avLst/>
-          </a:prstGeom>
-          <a:noFill/>
-          <a:ln>
-            <a:noFill/>
-          </a:ln>
-        </p:spPr>
-        <p:txBody>
-          <a:bodyPr spcFirstLastPara="1" wrap="square" lIns="91425" tIns="45700" rIns="91425" bIns="45700" anchor="ctr" anchorCtr="0">
-            <a:noAutofit/>
-          </a:bodyPr>
-          <a:lstStyle/>
-          <a:p>
-            <a:pPr marL="0" marR="0" lvl="0" indent="0" algn="l" defTabSz="914400" rtl="0" eaLnBrk="1" fontAlgn="auto" latinLnBrk="0" hangingPunct="1">
-              <a:lnSpc>
-                <a:spcPct val="100000"/>
-              </a:lnSpc>
-              <a:spcBef>
-                <a:spcPts val="0"/>
-              </a:spcBef>
-              <a:spcAft>
-                <a:spcPts val="0"/>
-              </a:spcAft>
-              <a:buClr>
-                <a:srgbClr val="000000"/>
-              </a:buClr>
-              <a:buSzPts val="1400"/>
-              <a:buFont typeface="Arial"/>
-              <a:buNone/>
-              <a:tabLst/>
-              <a:defRPr/>
-            </a:pPr>
-            <a:r>
-              <a:rPr lang="en-US" sz="2400" b="0" i="0" u="none" strike="noStrike" cap="none" dirty="0">
-                <a:solidFill>
-                  <a:schemeClr val="dk1"/>
-                </a:solidFill>
-                <a:latin typeface="Nunito"/>
-                <a:ea typeface="Nunito"/>
-                <a:cs typeface="Nunito"/>
-                <a:sym typeface="Nunito"/>
-              </a:rPr>
-              <a:t>Yousef</a:t>
-            </a:r>
-          </a:p>
-          <a:p>
-            <a:pPr marL="0" marR="0" lvl="0" indent="0" algn="l" rtl="0">
-              <a:spcBef>
-                <a:spcPts val="0"/>
-              </a:spcBef>
-              <a:spcAft>
-                <a:spcPts val="0"/>
-              </a:spcAft>
-              <a:buNone/>
-            </a:pPr>
-            <a:endParaRPr lang="en-US" sz="2400" b="0" i="0" u="none" strike="noStrike" cap="none" dirty="0">
-              <a:solidFill>
-                <a:schemeClr val="dk1"/>
-              </a:solidFill>
-              <a:latin typeface="Nunito"/>
-              <a:ea typeface="Nunito"/>
-              <a:cs typeface="Nunito"/>
-              <a:sym typeface="Nunito"/>
-            </a:endParaRPr>
-          </a:p>
-        </p:txBody>
-      </p:sp>
-    </p:spTree>
-    <p:extLst>
-      <p:ext uri="{BB962C8B-B14F-4D97-AF65-F5344CB8AC3E}">
-        <p14:creationId xmlns:p14="http://schemas.microsoft.com/office/powerpoint/2010/main" val="3801999966"/>
-      </p:ext>
-    </p:extLst>
-  </p:cSld>
-  <p:clrMapOvr>
-    <a:masterClrMapping/>
-  </p:clrMapOvr>
-</p:notes>
-</file>
-
-<file path=ppt/notesSlides/notesSlide18.xml><?xml version="1.0" encoding="utf-8"?>
-<p:notes xmlns:a="http://schemas.openxmlformats.org/drawingml/2006/main" xmlns:r="http://schemas.openxmlformats.org/officeDocument/2006/relationships" xmlns:p="http://schemas.openxmlformats.org/presentationml/2006/main" showMasterSp="0" showMasterPhAnim="0">
-  <p:cSld>
-    <p:spTree>
-      <p:nvGrpSpPr>
-        <p:cNvPr id="1" name="Shape 174"/>
-        <p:cNvGrpSpPr/>
-        <p:nvPr/>
-      </p:nvGrpSpPr>
-      <p:grpSpPr>
-        <a:xfrm>
-          <a:off x="0" y="0"/>
-          <a:ext cx="0" cy="0"/>
-          <a:chOff x="0" y="0"/>
-          <a:chExt cx="0" cy="0"/>
-        </a:xfrm>
-      </p:grpSpPr>
-      <p:sp>
-        <p:nvSpPr>
-          <p:cNvPr id="175" name="Google Shape;175;p16:notes"/>
-          <p:cNvSpPr>
-            <a:spLocks noGrp="1" noRot="1" noChangeAspect="1"/>
-          </p:cNvSpPr>
-          <p:nvPr>
-            <p:ph type="sldImg" idx="2"/>
-          </p:nvPr>
-        </p:nvSpPr>
-        <p:spPr>
-          <a:xfrm>
-            <a:off x="-16989425" y="-11796713"/>
-            <a:ext cx="22153563" cy="12465051"/>
-          </a:xfrm>
-          <a:custGeom>
-            <a:avLst/>
-            <a:gdLst/>
-            <a:ahLst/>
-            <a:cxnLst/>
-            <a:rect l="l" t="t" r="r" b="b"/>
-            <a:pathLst>
-              <a:path w="120000" h="120000" extrusionOk="0">
-                <a:moveTo>
-                  <a:pt x="0" y="0"/>
-                </a:moveTo>
-                <a:lnTo>
-                  <a:pt x="120000" y="0"/>
-                </a:lnTo>
-                <a:lnTo>
-                  <a:pt x="120000" y="120000"/>
-                </a:lnTo>
-                <a:lnTo>
-                  <a:pt x="0" y="120000"/>
-                </a:lnTo>
-                <a:close/>
-              </a:path>
-            </a:pathLst>
-          </a:custGeom>
-          <a:solidFill>
-            <a:srgbClr val="FFFFFF"/>
-          </a:solidFill>
-          <a:ln w="9525" cap="flat" cmpd="sng">
-            <a:solidFill>
-              <a:srgbClr val="000000"/>
-            </a:solidFill>
-            <a:prstDash val="solid"/>
-            <a:miter lim="8000"/>
-            <a:headEnd type="none" w="sm" len="sm"/>
-            <a:tailEnd type="none" w="sm" len="sm"/>
-          </a:ln>
-        </p:spPr>
-      </p:sp>
-      <p:sp>
-        <p:nvSpPr>
-          <p:cNvPr id="176" name="Google Shape;176;p16:notes"/>
-          <p:cNvSpPr txBox="1">
-            <a:spLocks noGrp="1"/>
-          </p:cNvSpPr>
-          <p:nvPr>
-            <p:ph type="body" idx="1"/>
-          </p:nvPr>
-        </p:nvSpPr>
-        <p:spPr>
-          <a:xfrm>
-            <a:off x="685800" y="4343400"/>
-            <a:ext cx="5457825" cy="4086225"/>
-          </a:xfrm>
-          <a:prstGeom prst="rect">
-            <a:avLst/>
-          </a:prstGeom>
-          <a:noFill/>
-          <a:ln>
-            <a:noFill/>
-          </a:ln>
-        </p:spPr>
-        <p:txBody>
-          <a:bodyPr spcFirstLastPara="1" wrap="square" lIns="91425" tIns="45700" rIns="91425" bIns="45700" anchor="ctr" anchorCtr="0">
-            <a:noAutofit/>
-          </a:bodyPr>
-          <a:lstStyle/>
-          <a:p>
-            <a:pPr marL="0" marR="0" lvl="0" indent="0" algn="l" defTabSz="914400" rtl="0" eaLnBrk="1" fontAlgn="auto" latinLnBrk="0" hangingPunct="1">
-              <a:lnSpc>
-                <a:spcPct val="100000"/>
-              </a:lnSpc>
-              <a:spcBef>
-                <a:spcPts val="0"/>
-              </a:spcBef>
-              <a:spcAft>
-                <a:spcPts val="0"/>
-              </a:spcAft>
-              <a:buClr>
-                <a:srgbClr val="000000"/>
-              </a:buClr>
-              <a:buSzPts val="1400"/>
-              <a:buFont typeface="Arial"/>
-              <a:buNone/>
-              <a:tabLst/>
-              <a:defRPr/>
-            </a:pPr>
-            <a:r>
-              <a:rPr lang="en-US" sz="2400" b="0" i="0" u="none" strike="noStrike" cap="none" dirty="0">
-                <a:solidFill>
-                  <a:schemeClr val="dk1"/>
-                </a:solidFill>
-                <a:latin typeface="Nunito"/>
-                <a:ea typeface="Nunito"/>
-                <a:cs typeface="Nunito"/>
-                <a:sym typeface="Nunito"/>
-              </a:rPr>
-              <a:t>Yousef</a:t>
-            </a:r>
-          </a:p>
-          <a:p>
-            <a:pPr marL="0" marR="0" lvl="0" indent="0" algn="l" rtl="0">
-              <a:spcBef>
-                <a:spcPts val="0"/>
-              </a:spcBef>
-              <a:spcAft>
-                <a:spcPts val="0"/>
-              </a:spcAft>
-              <a:buNone/>
-            </a:pPr>
-            <a:endParaRPr lang="en-US" sz="2400" b="0" i="0" u="none" strike="noStrike" cap="none" dirty="0">
-              <a:solidFill>
-                <a:schemeClr val="dk1"/>
-              </a:solidFill>
-              <a:latin typeface="Nunito"/>
-              <a:ea typeface="Nunito"/>
-              <a:cs typeface="Nunito"/>
-              <a:sym typeface="Nunito"/>
-            </a:endParaRPr>
-          </a:p>
-        </p:txBody>
-      </p:sp>
-    </p:spTree>
-    <p:extLst>
-      <p:ext uri="{BB962C8B-B14F-4D97-AF65-F5344CB8AC3E}">
-        <p14:creationId xmlns:p14="http://schemas.microsoft.com/office/powerpoint/2010/main" val="125186525"/>
-      </p:ext>
-    </p:extLst>
-  </p:cSld>
-  <p:clrMapOvr>
-    <a:masterClrMapping/>
-  </p:clrMapOvr>
-</p:notes>
-</file>
-
-<file path=ppt/notesSlides/notesSlide19.xml><?xml version="1.0" encoding="utf-8"?>
-<p:notes xmlns:a="http://schemas.openxmlformats.org/drawingml/2006/main" xmlns:r="http://schemas.openxmlformats.org/officeDocument/2006/relationships" xmlns:p="http://schemas.openxmlformats.org/presentationml/2006/main" showMasterSp="0" showMasterPhAnim="0">
-  <p:cSld>
-    <p:spTree>
-      <p:nvGrpSpPr>
-        <p:cNvPr id="1" name="Shape 174"/>
-        <p:cNvGrpSpPr/>
-        <p:nvPr/>
-      </p:nvGrpSpPr>
-      <p:grpSpPr>
-        <a:xfrm>
-          <a:off x="0" y="0"/>
-          <a:ext cx="0" cy="0"/>
-          <a:chOff x="0" y="0"/>
-          <a:chExt cx="0" cy="0"/>
-        </a:xfrm>
-      </p:grpSpPr>
-      <p:sp>
-        <p:nvSpPr>
-          <p:cNvPr id="175" name="Google Shape;175;p16:notes"/>
-          <p:cNvSpPr>
-            <a:spLocks noGrp="1" noRot="1" noChangeAspect="1"/>
-          </p:cNvSpPr>
-          <p:nvPr>
-            <p:ph type="sldImg" idx="2"/>
-          </p:nvPr>
-        </p:nvSpPr>
-        <p:spPr>
-          <a:xfrm>
-            <a:off x="-16989425" y="-11796713"/>
-            <a:ext cx="22153563" cy="12465051"/>
-          </a:xfrm>
-          <a:custGeom>
-            <a:avLst/>
-            <a:gdLst/>
-            <a:ahLst/>
-            <a:cxnLst/>
-            <a:rect l="l" t="t" r="r" b="b"/>
-            <a:pathLst>
-              <a:path w="120000" h="120000" extrusionOk="0">
-                <a:moveTo>
-                  <a:pt x="0" y="0"/>
-                </a:moveTo>
-                <a:lnTo>
-                  <a:pt x="120000" y="0"/>
-                </a:lnTo>
-                <a:lnTo>
-                  <a:pt x="120000" y="120000"/>
-                </a:lnTo>
-                <a:lnTo>
-                  <a:pt x="0" y="120000"/>
-                </a:lnTo>
-                <a:close/>
-              </a:path>
-            </a:pathLst>
-          </a:custGeom>
-          <a:solidFill>
-            <a:srgbClr val="FFFFFF"/>
-          </a:solidFill>
-          <a:ln w="9525" cap="flat" cmpd="sng">
-            <a:solidFill>
-              <a:srgbClr val="000000"/>
-            </a:solidFill>
-            <a:prstDash val="solid"/>
-            <a:miter lim="8000"/>
-            <a:headEnd type="none" w="sm" len="sm"/>
-            <a:tailEnd type="none" w="sm" len="sm"/>
-          </a:ln>
-        </p:spPr>
-      </p:sp>
-      <p:sp>
-        <p:nvSpPr>
-          <p:cNvPr id="176" name="Google Shape;176;p16:notes"/>
-          <p:cNvSpPr txBox="1">
-            <a:spLocks noGrp="1"/>
-          </p:cNvSpPr>
-          <p:nvPr>
-            <p:ph type="body" idx="1"/>
-          </p:nvPr>
-        </p:nvSpPr>
-        <p:spPr>
-          <a:xfrm>
-            <a:off x="685800" y="4343400"/>
-            <a:ext cx="5457825" cy="4086225"/>
-          </a:xfrm>
-          <a:prstGeom prst="rect">
-            <a:avLst/>
-          </a:prstGeom>
-          <a:noFill/>
-          <a:ln>
-            <a:noFill/>
-          </a:ln>
-        </p:spPr>
-        <p:txBody>
-          <a:bodyPr spcFirstLastPara="1" wrap="square" lIns="91425" tIns="45700" rIns="91425" bIns="45700" anchor="ctr" anchorCtr="0">
-            <a:noAutofit/>
-          </a:bodyPr>
-          <a:lstStyle/>
-          <a:p>
-            <a:pPr marL="0" marR="0" lvl="0" indent="0" algn="l" rtl="0">
-              <a:spcBef>
-                <a:spcPts val="0"/>
-              </a:spcBef>
-              <a:spcAft>
-                <a:spcPts val="0"/>
-              </a:spcAft>
-              <a:buNone/>
-            </a:pPr>
-            <a:r>
-              <a:rPr lang="en-US" sz="2400" b="0" i="0" u="none" strike="noStrike" cap="none" dirty="0">
-                <a:solidFill>
-                  <a:schemeClr val="dk1"/>
-                </a:solidFill>
-                <a:latin typeface="Nunito"/>
-                <a:ea typeface="Nunito"/>
-                <a:cs typeface="Nunito"/>
-                <a:sym typeface="Nunito"/>
-              </a:rPr>
-              <a:t>Yousef</a:t>
-            </a:r>
-          </a:p>
-        </p:txBody>
-      </p:sp>
-    </p:spTree>
-    <p:extLst>
-      <p:ext uri="{BB962C8B-B14F-4D97-AF65-F5344CB8AC3E}">
-        <p14:creationId xmlns:p14="http://schemas.microsoft.com/office/powerpoint/2010/main" val="261011397"/>
-      </p:ext>
-    </p:extLst>
-  </p:cSld>
-  <p:clrMapOvr>
-    <a:masterClrMapping/>
-  </p:clrMapOvr>
-</p:notes>
-</file>
-
 <file path=ppt/notesSlides/notesSlide2.xml><?xml version="1.0" encoding="utf-8"?>
 <p:notes xmlns:a="http://schemas.openxmlformats.org/drawingml/2006/main" xmlns:r="http://schemas.openxmlformats.org/officeDocument/2006/relationships" xmlns:p="http://schemas.openxmlformats.org/presentationml/2006/main" showMasterSp="0" showMasterPhAnim="0">
   <p:cSld>
@@ -3208,1410 +2454,6 @@
     <p:extLst>
       <p:ext uri="{BB962C8B-B14F-4D97-AF65-F5344CB8AC3E}">
         <p14:creationId xmlns:p14="http://schemas.microsoft.com/office/powerpoint/2010/main" val="3520842411"/>
-      </p:ext>
-    </p:extLst>
-  </p:cSld>
-  <p:clrMapOvr>
-    <a:masterClrMapping/>
-  </p:clrMapOvr>
-</p:notes>
-</file>
-
-<file path=ppt/notesSlides/notesSlide20.xml><?xml version="1.0" encoding="utf-8"?>
-<p:notes xmlns:a="http://schemas.openxmlformats.org/drawingml/2006/main" xmlns:r="http://schemas.openxmlformats.org/officeDocument/2006/relationships" xmlns:p="http://schemas.openxmlformats.org/presentationml/2006/main" showMasterSp="0" showMasterPhAnim="0">
-  <p:cSld>
-    <p:spTree>
-      <p:nvGrpSpPr>
-        <p:cNvPr id="1" name="Shape 174"/>
-        <p:cNvGrpSpPr/>
-        <p:nvPr/>
-      </p:nvGrpSpPr>
-      <p:grpSpPr>
-        <a:xfrm>
-          <a:off x="0" y="0"/>
-          <a:ext cx="0" cy="0"/>
-          <a:chOff x="0" y="0"/>
-          <a:chExt cx="0" cy="0"/>
-        </a:xfrm>
-      </p:grpSpPr>
-      <p:sp>
-        <p:nvSpPr>
-          <p:cNvPr id="175" name="Google Shape;175;p16:notes"/>
-          <p:cNvSpPr>
-            <a:spLocks noGrp="1" noRot="1" noChangeAspect="1"/>
-          </p:cNvSpPr>
-          <p:nvPr>
-            <p:ph type="sldImg" idx="2"/>
-          </p:nvPr>
-        </p:nvSpPr>
-        <p:spPr>
-          <a:xfrm>
-            <a:off x="-16989425" y="-11796713"/>
-            <a:ext cx="22153563" cy="12465051"/>
-          </a:xfrm>
-          <a:custGeom>
-            <a:avLst/>
-            <a:gdLst/>
-            <a:ahLst/>
-            <a:cxnLst/>
-            <a:rect l="l" t="t" r="r" b="b"/>
-            <a:pathLst>
-              <a:path w="120000" h="120000" extrusionOk="0">
-                <a:moveTo>
-                  <a:pt x="0" y="0"/>
-                </a:moveTo>
-                <a:lnTo>
-                  <a:pt x="120000" y="0"/>
-                </a:lnTo>
-                <a:lnTo>
-                  <a:pt x="120000" y="120000"/>
-                </a:lnTo>
-                <a:lnTo>
-                  <a:pt x="0" y="120000"/>
-                </a:lnTo>
-                <a:close/>
-              </a:path>
-            </a:pathLst>
-          </a:custGeom>
-          <a:solidFill>
-            <a:srgbClr val="FFFFFF"/>
-          </a:solidFill>
-          <a:ln w="9525" cap="flat" cmpd="sng">
-            <a:solidFill>
-              <a:srgbClr val="000000"/>
-            </a:solidFill>
-            <a:prstDash val="solid"/>
-            <a:miter lim="8000"/>
-            <a:headEnd type="none" w="sm" len="sm"/>
-            <a:tailEnd type="none" w="sm" len="sm"/>
-          </a:ln>
-        </p:spPr>
-      </p:sp>
-      <p:sp>
-        <p:nvSpPr>
-          <p:cNvPr id="176" name="Google Shape;176;p16:notes"/>
-          <p:cNvSpPr txBox="1">
-            <a:spLocks noGrp="1"/>
-          </p:cNvSpPr>
-          <p:nvPr>
-            <p:ph type="body" idx="1"/>
-          </p:nvPr>
-        </p:nvSpPr>
-        <p:spPr>
-          <a:xfrm>
-            <a:off x="685800" y="4343400"/>
-            <a:ext cx="5457825" cy="4086225"/>
-          </a:xfrm>
-          <a:prstGeom prst="rect">
-            <a:avLst/>
-          </a:prstGeom>
-          <a:noFill/>
-          <a:ln>
-            <a:noFill/>
-          </a:ln>
-        </p:spPr>
-        <p:txBody>
-          <a:bodyPr spcFirstLastPara="1" wrap="square" lIns="91425" tIns="45700" rIns="91425" bIns="45700" anchor="ctr" anchorCtr="0">
-            <a:noAutofit/>
-          </a:bodyPr>
-          <a:lstStyle/>
-          <a:p>
-            <a:pPr marL="0" marR="0" lvl="0" indent="0" algn="l" rtl="0">
-              <a:spcBef>
-                <a:spcPts val="0"/>
-              </a:spcBef>
-              <a:spcAft>
-                <a:spcPts val="0"/>
-              </a:spcAft>
-              <a:buNone/>
-            </a:pPr>
-            <a:r>
-              <a:rPr lang="en-US" sz="2400" b="0" i="0" u="none" strike="noStrike" cap="none" dirty="0">
-                <a:solidFill>
-                  <a:schemeClr val="dk1"/>
-                </a:solidFill>
-                <a:latin typeface="Nunito"/>
-                <a:ea typeface="Nunito"/>
-                <a:cs typeface="Nunito"/>
-                <a:sym typeface="Nunito"/>
-              </a:rPr>
-              <a:t>Yousef</a:t>
-            </a:r>
-          </a:p>
-        </p:txBody>
-      </p:sp>
-    </p:spTree>
-    <p:extLst>
-      <p:ext uri="{BB962C8B-B14F-4D97-AF65-F5344CB8AC3E}">
-        <p14:creationId xmlns:p14="http://schemas.microsoft.com/office/powerpoint/2010/main" val="4024004584"/>
-      </p:ext>
-    </p:extLst>
-  </p:cSld>
-  <p:clrMapOvr>
-    <a:masterClrMapping/>
-  </p:clrMapOvr>
-</p:notes>
-</file>
-
-<file path=ppt/notesSlides/notesSlide21.xml><?xml version="1.0" encoding="utf-8"?>
-<p:notes xmlns:a="http://schemas.openxmlformats.org/drawingml/2006/main" xmlns:r="http://schemas.openxmlformats.org/officeDocument/2006/relationships" xmlns:p="http://schemas.openxmlformats.org/presentationml/2006/main" showMasterSp="0" showMasterPhAnim="0">
-  <p:cSld>
-    <p:spTree>
-      <p:nvGrpSpPr>
-        <p:cNvPr id="1" name="Shape 174"/>
-        <p:cNvGrpSpPr/>
-        <p:nvPr/>
-      </p:nvGrpSpPr>
-      <p:grpSpPr>
-        <a:xfrm>
-          <a:off x="0" y="0"/>
-          <a:ext cx="0" cy="0"/>
-          <a:chOff x="0" y="0"/>
-          <a:chExt cx="0" cy="0"/>
-        </a:xfrm>
-      </p:grpSpPr>
-      <p:sp>
-        <p:nvSpPr>
-          <p:cNvPr id="175" name="Google Shape;175;p16:notes"/>
-          <p:cNvSpPr>
-            <a:spLocks noGrp="1" noRot="1" noChangeAspect="1"/>
-          </p:cNvSpPr>
-          <p:nvPr>
-            <p:ph type="sldImg" idx="2"/>
-          </p:nvPr>
-        </p:nvSpPr>
-        <p:spPr>
-          <a:xfrm>
-            <a:off x="-16989425" y="-11796713"/>
-            <a:ext cx="22153563" cy="12465051"/>
-          </a:xfrm>
-          <a:custGeom>
-            <a:avLst/>
-            <a:gdLst/>
-            <a:ahLst/>
-            <a:cxnLst/>
-            <a:rect l="l" t="t" r="r" b="b"/>
-            <a:pathLst>
-              <a:path w="120000" h="120000" extrusionOk="0">
-                <a:moveTo>
-                  <a:pt x="0" y="0"/>
-                </a:moveTo>
-                <a:lnTo>
-                  <a:pt x="120000" y="0"/>
-                </a:lnTo>
-                <a:lnTo>
-                  <a:pt x="120000" y="120000"/>
-                </a:lnTo>
-                <a:lnTo>
-                  <a:pt x="0" y="120000"/>
-                </a:lnTo>
-                <a:close/>
-              </a:path>
-            </a:pathLst>
-          </a:custGeom>
-          <a:solidFill>
-            <a:srgbClr val="FFFFFF"/>
-          </a:solidFill>
-          <a:ln w="9525" cap="flat" cmpd="sng">
-            <a:solidFill>
-              <a:srgbClr val="000000"/>
-            </a:solidFill>
-            <a:prstDash val="solid"/>
-            <a:miter lim="8000"/>
-            <a:headEnd type="none" w="sm" len="sm"/>
-            <a:tailEnd type="none" w="sm" len="sm"/>
-          </a:ln>
-        </p:spPr>
-      </p:sp>
-      <p:sp>
-        <p:nvSpPr>
-          <p:cNvPr id="176" name="Google Shape;176;p16:notes"/>
-          <p:cNvSpPr txBox="1">
-            <a:spLocks noGrp="1"/>
-          </p:cNvSpPr>
-          <p:nvPr>
-            <p:ph type="body" idx="1"/>
-          </p:nvPr>
-        </p:nvSpPr>
-        <p:spPr>
-          <a:xfrm>
-            <a:off x="685800" y="4343400"/>
-            <a:ext cx="5457825" cy="4086225"/>
-          </a:xfrm>
-          <a:prstGeom prst="rect">
-            <a:avLst/>
-          </a:prstGeom>
-          <a:noFill/>
-          <a:ln>
-            <a:noFill/>
-          </a:ln>
-        </p:spPr>
-        <p:txBody>
-          <a:bodyPr spcFirstLastPara="1" wrap="square" lIns="91425" tIns="45700" rIns="91425" bIns="45700" anchor="ctr" anchorCtr="0">
-            <a:noAutofit/>
-          </a:bodyPr>
-          <a:lstStyle/>
-          <a:p>
-            <a:pPr marL="0" marR="0" lvl="0" indent="0" algn="l" defTabSz="914400" rtl="0" eaLnBrk="1" fontAlgn="auto" latinLnBrk="0" hangingPunct="1">
-              <a:lnSpc>
-                <a:spcPct val="100000"/>
-              </a:lnSpc>
-              <a:spcBef>
-                <a:spcPts val="0"/>
-              </a:spcBef>
-              <a:spcAft>
-                <a:spcPts val="0"/>
-              </a:spcAft>
-              <a:buClr>
-                <a:srgbClr val="000000"/>
-              </a:buClr>
-              <a:buSzPts val="1400"/>
-              <a:buFont typeface="Arial"/>
-              <a:buNone/>
-              <a:tabLst/>
-              <a:defRPr/>
-            </a:pPr>
-            <a:r>
-              <a:rPr lang="en-US" sz="2400" b="0" i="0" u="none" strike="noStrike" cap="none" dirty="0">
-                <a:solidFill>
-                  <a:schemeClr val="dk1"/>
-                </a:solidFill>
-                <a:latin typeface="Nunito"/>
-                <a:ea typeface="Nunito"/>
-                <a:cs typeface="Nunito"/>
-                <a:sym typeface="Nunito"/>
-              </a:rPr>
-              <a:t>Yousef</a:t>
-            </a:r>
-          </a:p>
-          <a:p>
-            <a:pPr marL="0" marR="0" lvl="0" indent="0" algn="l" rtl="0">
-              <a:spcBef>
-                <a:spcPts val="0"/>
-              </a:spcBef>
-              <a:spcAft>
-                <a:spcPts val="0"/>
-              </a:spcAft>
-              <a:buNone/>
-            </a:pPr>
-            <a:endParaRPr lang="en-US" sz="2400" b="0" i="0" u="none" strike="noStrike" cap="none" dirty="0">
-              <a:solidFill>
-                <a:schemeClr val="dk1"/>
-              </a:solidFill>
-              <a:latin typeface="Nunito"/>
-              <a:ea typeface="Nunito"/>
-              <a:cs typeface="Nunito"/>
-              <a:sym typeface="Nunito"/>
-            </a:endParaRPr>
-          </a:p>
-        </p:txBody>
-      </p:sp>
-    </p:spTree>
-    <p:extLst>
-      <p:ext uri="{BB962C8B-B14F-4D97-AF65-F5344CB8AC3E}">
-        <p14:creationId xmlns:p14="http://schemas.microsoft.com/office/powerpoint/2010/main" val="403726876"/>
-      </p:ext>
-    </p:extLst>
-  </p:cSld>
-  <p:clrMapOvr>
-    <a:masterClrMapping/>
-  </p:clrMapOvr>
-</p:notes>
-</file>
-
-<file path=ppt/notesSlides/notesSlide22.xml><?xml version="1.0" encoding="utf-8"?>
-<p:notes xmlns:a="http://schemas.openxmlformats.org/drawingml/2006/main" xmlns:r="http://schemas.openxmlformats.org/officeDocument/2006/relationships" xmlns:p="http://schemas.openxmlformats.org/presentationml/2006/main" showMasterSp="0" showMasterPhAnim="0">
-  <p:cSld>
-    <p:spTree>
-      <p:nvGrpSpPr>
-        <p:cNvPr id="1" name="Shape 174"/>
-        <p:cNvGrpSpPr/>
-        <p:nvPr/>
-      </p:nvGrpSpPr>
-      <p:grpSpPr>
-        <a:xfrm>
-          <a:off x="0" y="0"/>
-          <a:ext cx="0" cy="0"/>
-          <a:chOff x="0" y="0"/>
-          <a:chExt cx="0" cy="0"/>
-        </a:xfrm>
-      </p:grpSpPr>
-      <p:sp>
-        <p:nvSpPr>
-          <p:cNvPr id="175" name="Google Shape;175;p16:notes"/>
-          <p:cNvSpPr>
-            <a:spLocks noGrp="1" noRot="1" noChangeAspect="1"/>
-          </p:cNvSpPr>
-          <p:nvPr>
-            <p:ph type="sldImg" idx="2"/>
-          </p:nvPr>
-        </p:nvSpPr>
-        <p:spPr>
-          <a:xfrm>
-            <a:off x="-16989425" y="-11796713"/>
-            <a:ext cx="22153563" cy="12465051"/>
-          </a:xfrm>
-          <a:custGeom>
-            <a:avLst/>
-            <a:gdLst/>
-            <a:ahLst/>
-            <a:cxnLst/>
-            <a:rect l="l" t="t" r="r" b="b"/>
-            <a:pathLst>
-              <a:path w="120000" h="120000" extrusionOk="0">
-                <a:moveTo>
-                  <a:pt x="0" y="0"/>
-                </a:moveTo>
-                <a:lnTo>
-                  <a:pt x="120000" y="0"/>
-                </a:lnTo>
-                <a:lnTo>
-                  <a:pt x="120000" y="120000"/>
-                </a:lnTo>
-                <a:lnTo>
-                  <a:pt x="0" y="120000"/>
-                </a:lnTo>
-                <a:close/>
-              </a:path>
-            </a:pathLst>
-          </a:custGeom>
-          <a:solidFill>
-            <a:srgbClr val="FFFFFF"/>
-          </a:solidFill>
-          <a:ln w="9525" cap="flat" cmpd="sng">
-            <a:solidFill>
-              <a:srgbClr val="000000"/>
-            </a:solidFill>
-            <a:prstDash val="solid"/>
-            <a:miter lim="8000"/>
-            <a:headEnd type="none" w="sm" len="sm"/>
-            <a:tailEnd type="none" w="sm" len="sm"/>
-          </a:ln>
-        </p:spPr>
-      </p:sp>
-      <p:sp>
-        <p:nvSpPr>
-          <p:cNvPr id="176" name="Google Shape;176;p16:notes"/>
-          <p:cNvSpPr txBox="1">
-            <a:spLocks noGrp="1"/>
-          </p:cNvSpPr>
-          <p:nvPr>
-            <p:ph type="body" idx="1"/>
-          </p:nvPr>
-        </p:nvSpPr>
-        <p:spPr>
-          <a:xfrm>
-            <a:off x="685800" y="4343400"/>
-            <a:ext cx="5457825" cy="4086225"/>
-          </a:xfrm>
-          <a:prstGeom prst="rect">
-            <a:avLst/>
-          </a:prstGeom>
-          <a:noFill/>
-          <a:ln>
-            <a:noFill/>
-          </a:ln>
-        </p:spPr>
-        <p:txBody>
-          <a:bodyPr spcFirstLastPara="1" wrap="square" lIns="91425" tIns="45700" rIns="91425" bIns="45700" anchor="ctr" anchorCtr="0">
-            <a:noAutofit/>
-          </a:bodyPr>
-          <a:lstStyle/>
-          <a:p>
-            <a:pPr marL="0" marR="0" lvl="0" indent="0" algn="l" defTabSz="914400" rtl="0" eaLnBrk="1" fontAlgn="auto" latinLnBrk="0" hangingPunct="1">
-              <a:lnSpc>
-                <a:spcPct val="100000"/>
-              </a:lnSpc>
-              <a:spcBef>
-                <a:spcPts val="0"/>
-              </a:spcBef>
-              <a:spcAft>
-                <a:spcPts val="0"/>
-              </a:spcAft>
-              <a:buClr>
-                <a:srgbClr val="000000"/>
-              </a:buClr>
-              <a:buSzPts val="1400"/>
-              <a:buFont typeface="Arial"/>
-              <a:buNone/>
-              <a:tabLst/>
-              <a:defRPr/>
-            </a:pPr>
-            <a:r>
-              <a:rPr lang="en-US" sz="2400" b="0" i="0" u="none" strike="noStrike" cap="none" dirty="0">
-                <a:solidFill>
-                  <a:schemeClr val="dk1"/>
-                </a:solidFill>
-                <a:latin typeface="Nunito"/>
-                <a:ea typeface="Nunito"/>
-                <a:cs typeface="Nunito"/>
-                <a:sym typeface="Nunito"/>
-              </a:rPr>
-              <a:t>Yousef</a:t>
-            </a:r>
-          </a:p>
-          <a:p>
-            <a:pPr marL="0" marR="0" lvl="0" indent="0" algn="l" rtl="0">
-              <a:spcBef>
-                <a:spcPts val="0"/>
-              </a:spcBef>
-              <a:spcAft>
-                <a:spcPts val="0"/>
-              </a:spcAft>
-              <a:buNone/>
-            </a:pPr>
-            <a:endParaRPr lang="en-US" sz="2400" b="0" i="0" u="none" strike="noStrike" cap="none" dirty="0">
-              <a:solidFill>
-                <a:schemeClr val="dk1"/>
-              </a:solidFill>
-              <a:latin typeface="Nunito"/>
-              <a:ea typeface="Nunito"/>
-              <a:cs typeface="Nunito"/>
-              <a:sym typeface="Nunito"/>
-            </a:endParaRPr>
-          </a:p>
-        </p:txBody>
-      </p:sp>
-    </p:spTree>
-    <p:extLst>
-      <p:ext uri="{BB962C8B-B14F-4D97-AF65-F5344CB8AC3E}">
-        <p14:creationId xmlns:p14="http://schemas.microsoft.com/office/powerpoint/2010/main" val="1733202131"/>
-      </p:ext>
-    </p:extLst>
-  </p:cSld>
-  <p:clrMapOvr>
-    <a:masterClrMapping/>
-  </p:clrMapOvr>
-</p:notes>
-</file>
-
-<file path=ppt/notesSlides/notesSlide23.xml><?xml version="1.0" encoding="utf-8"?>
-<p:notes xmlns:a="http://schemas.openxmlformats.org/drawingml/2006/main" xmlns:r="http://schemas.openxmlformats.org/officeDocument/2006/relationships" xmlns:p="http://schemas.openxmlformats.org/presentationml/2006/main" showMasterSp="0" showMasterPhAnim="0">
-  <p:cSld>
-    <p:spTree>
-      <p:nvGrpSpPr>
-        <p:cNvPr id="1" name="Shape 174"/>
-        <p:cNvGrpSpPr/>
-        <p:nvPr/>
-      </p:nvGrpSpPr>
-      <p:grpSpPr>
-        <a:xfrm>
-          <a:off x="0" y="0"/>
-          <a:ext cx="0" cy="0"/>
-          <a:chOff x="0" y="0"/>
-          <a:chExt cx="0" cy="0"/>
-        </a:xfrm>
-      </p:grpSpPr>
-      <p:sp>
-        <p:nvSpPr>
-          <p:cNvPr id="175" name="Google Shape;175;p16:notes"/>
-          <p:cNvSpPr>
-            <a:spLocks noGrp="1" noRot="1" noChangeAspect="1"/>
-          </p:cNvSpPr>
-          <p:nvPr>
-            <p:ph type="sldImg" idx="2"/>
-          </p:nvPr>
-        </p:nvSpPr>
-        <p:spPr>
-          <a:xfrm>
-            <a:off x="-16989425" y="-11796713"/>
-            <a:ext cx="22153563" cy="12465051"/>
-          </a:xfrm>
-          <a:custGeom>
-            <a:avLst/>
-            <a:gdLst/>
-            <a:ahLst/>
-            <a:cxnLst/>
-            <a:rect l="l" t="t" r="r" b="b"/>
-            <a:pathLst>
-              <a:path w="120000" h="120000" extrusionOk="0">
-                <a:moveTo>
-                  <a:pt x="0" y="0"/>
-                </a:moveTo>
-                <a:lnTo>
-                  <a:pt x="120000" y="0"/>
-                </a:lnTo>
-                <a:lnTo>
-                  <a:pt x="120000" y="120000"/>
-                </a:lnTo>
-                <a:lnTo>
-                  <a:pt x="0" y="120000"/>
-                </a:lnTo>
-                <a:close/>
-              </a:path>
-            </a:pathLst>
-          </a:custGeom>
-          <a:solidFill>
-            <a:srgbClr val="FFFFFF"/>
-          </a:solidFill>
-          <a:ln w="9525" cap="flat" cmpd="sng">
-            <a:solidFill>
-              <a:srgbClr val="000000"/>
-            </a:solidFill>
-            <a:prstDash val="solid"/>
-            <a:miter lim="8000"/>
-            <a:headEnd type="none" w="sm" len="sm"/>
-            <a:tailEnd type="none" w="sm" len="sm"/>
-          </a:ln>
-        </p:spPr>
-      </p:sp>
-      <p:sp>
-        <p:nvSpPr>
-          <p:cNvPr id="176" name="Google Shape;176;p16:notes"/>
-          <p:cNvSpPr txBox="1">
-            <a:spLocks noGrp="1"/>
-          </p:cNvSpPr>
-          <p:nvPr>
-            <p:ph type="body" idx="1"/>
-          </p:nvPr>
-        </p:nvSpPr>
-        <p:spPr>
-          <a:xfrm>
-            <a:off x="685800" y="4343400"/>
-            <a:ext cx="5457825" cy="4086225"/>
-          </a:xfrm>
-          <a:prstGeom prst="rect">
-            <a:avLst/>
-          </a:prstGeom>
-          <a:noFill/>
-          <a:ln>
-            <a:noFill/>
-          </a:ln>
-        </p:spPr>
-        <p:txBody>
-          <a:bodyPr spcFirstLastPara="1" wrap="square" lIns="91425" tIns="45700" rIns="91425" bIns="45700" anchor="ctr" anchorCtr="0">
-            <a:noAutofit/>
-          </a:bodyPr>
-          <a:lstStyle/>
-          <a:p>
-            <a:pPr marL="0" marR="0" lvl="0" indent="0" algn="l" rtl="0">
-              <a:spcBef>
-                <a:spcPts val="0"/>
-              </a:spcBef>
-              <a:spcAft>
-                <a:spcPts val="0"/>
-              </a:spcAft>
-              <a:buNone/>
-            </a:pPr>
-            <a:r>
-              <a:rPr lang="en-US" sz="2400" b="0" i="0" u="none" strike="noStrike" cap="none" dirty="0">
-                <a:solidFill>
-                  <a:schemeClr val="dk1"/>
-                </a:solidFill>
-                <a:latin typeface="Nunito"/>
-                <a:ea typeface="Nunito"/>
-                <a:cs typeface="Nunito"/>
-                <a:sym typeface="Nunito"/>
-              </a:rPr>
-              <a:t>Yousef</a:t>
-            </a:r>
-          </a:p>
-        </p:txBody>
-      </p:sp>
-    </p:spTree>
-    <p:extLst>
-      <p:ext uri="{BB962C8B-B14F-4D97-AF65-F5344CB8AC3E}">
-        <p14:creationId xmlns:p14="http://schemas.microsoft.com/office/powerpoint/2010/main" val="2884358181"/>
-      </p:ext>
-    </p:extLst>
-  </p:cSld>
-  <p:clrMapOvr>
-    <a:masterClrMapping/>
-  </p:clrMapOvr>
-</p:notes>
-</file>
-
-<file path=ppt/notesSlides/notesSlide24.xml><?xml version="1.0" encoding="utf-8"?>
-<p:notes xmlns:a="http://schemas.openxmlformats.org/drawingml/2006/main" xmlns:r="http://schemas.openxmlformats.org/officeDocument/2006/relationships" xmlns:p="http://schemas.openxmlformats.org/presentationml/2006/main" showMasterSp="0" showMasterPhAnim="0">
-  <p:cSld>
-    <p:spTree>
-      <p:nvGrpSpPr>
-        <p:cNvPr id="1" name="Shape 174"/>
-        <p:cNvGrpSpPr/>
-        <p:nvPr/>
-      </p:nvGrpSpPr>
-      <p:grpSpPr>
-        <a:xfrm>
-          <a:off x="0" y="0"/>
-          <a:ext cx="0" cy="0"/>
-          <a:chOff x="0" y="0"/>
-          <a:chExt cx="0" cy="0"/>
-        </a:xfrm>
-      </p:grpSpPr>
-      <p:sp>
-        <p:nvSpPr>
-          <p:cNvPr id="175" name="Google Shape;175;p16:notes"/>
-          <p:cNvSpPr>
-            <a:spLocks noGrp="1" noRot="1" noChangeAspect="1"/>
-          </p:cNvSpPr>
-          <p:nvPr>
-            <p:ph type="sldImg" idx="2"/>
-          </p:nvPr>
-        </p:nvSpPr>
-        <p:spPr>
-          <a:xfrm>
-            <a:off x="-16989425" y="-11796713"/>
-            <a:ext cx="22153563" cy="12465051"/>
-          </a:xfrm>
-          <a:custGeom>
-            <a:avLst/>
-            <a:gdLst/>
-            <a:ahLst/>
-            <a:cxnLst/>
-            <a:rect l="l" t="t" r="r" b="b"/>
-            <a:pathLst>
-              <a:path w="120000" h="120000" extrusionOk="0">
-                <a:moveTo>
-                  <a:pt x="0" y="0"/>
-                </a:moveTo>
-                <a:lnTo>
-                  <a:pt x="120000" y="0"/>
-                </a:lnTo>
-                <a:lnTo>
-                  <a:pt x="120000" y="120000"/>
-                </a:lnTo>
-                <a:lnTo>
-                  <a:pt x="0" y="120000"/>
-                </a:lnTo>
-                <a:close/>
-              </a:path>
-            </a:pathLst>
-          </a:custGeom>
-          <a:solidFill>
-            <a:srgbClr val="FFFFFF"/>
-          </a:solidFill>
-          <a:ln w="9525" cap="flat" cmpd="sng">
-            <a:solidFill>
-              <a:srgbClr val="000000"/>
-            </a:solidFill>
-            <a:prstDash val="solid"/>
-            <a:miter lim="8000"/>
-            <a:headEnd type="none" w="sm" len="sm"/>
-            <a:tailEnd type="none" w="sm" len="sm"/>
-          </a:ln>
-        </p:spPr>
-      </p:sp>
-      <p:sp>
-        <p:nvSpPr>
-          <p:cNvPr id="176" name="Google Shape;176;p16:notes"/>
-          <p:cNvSpPr txBox="1">
-            <a:spLocks noGrp="1"/>
-          </p:cNvSpPr>
-          <p:nvPr>
-            <p:ph type="body" idx="1"/>
-          </p:nvPr>
-        </p:nvSpPr>
-        <p:spPr>
-          <a:xfrm>
-            <a:off x="685800" y="4343400"/>
-            <a:ext cx="5457825" cy="4086225"/>
-          </a:xfrm>
-          <a:prstGeom prst="rect">
-            <a:avLst/>
-          </a:prstGeom>
-          <a:noFill/>
-          <a:ln>
-            <a:noFill/>
-          </a:ln>
-        </p:spPr>
-        <p:txBody>
-          <a:bodyPr spcFirstLastPara="1" wrap="square" lIns="91425" tIns="45700" rIns="91425" bIns="45700" anchor="ctr" anchorCtr="0">
-            <a:noAutofit/>
-          </a:bodyPr>
-          <a:lstStyle/>
-          <a:p>
-            <a:pPr marL="0" marR="0" lvl="0" indent="0" algn="l" rtl="0">
-              <a:spcBef>
-                <a:spcPts val="0"/>
-              </a:spcBef>
-              <a:spcAft>
-                <a:spcPts val="0"/>
-              </a:spcAft>
-              <a:buNone/>
-            </a:pPr>
-            <a:r>
-              <a:rPr lang="en-US" sz="2400" b="0" i="0" u="none" strike="noStrike" cap="none" dirty="0">
-                <a:solidFill>
-                  <a:schemeClr val="dk1"/>
-                </a:solidFill>
-                <a:latin typeface="Nunito"/>
-                <a:ea typeface="Nunito"/>
-                <a:cs typeface="Nunito"/>
-                <a:sym typeface="Nunito"/>
-              </a:rPr>
-              <a:t>Yousef</a:t>
-            </a:r>
-          </a:p>
-        </p:txBody>
-      </p:sp>
-    </p:spTree>
-    <p:extLst>
-      <p:ext uri="{BB962C8B-B14F-4D97-AF65-F5344CB8AC3E}">
-        <p14:creationId xmlns:p14="http://schemas.microsoft.com/office/powerpoint/2010/main" val="3430642712"/>
-      </p:ext>
-    </p:extLst>
-  </p:cSld>
-  <p:clrMapOvr>
-    <a:masterClrMapping/>
-  </p:clrMapOvr>
-</p:notes>
-</file>
-
-<file path=ppt/notesSlides/notesSlide25.xml><?xml version="1.0" encoding="utf-8"?>
-<p:notes xmlns:a="http://schemas.openxmlformats.org/drawingml/2006/main" xmlns:r="http://schemas.openxmlformats.org/officeDocument/2006/relationships" xmlns:p="http://schemas.openxmlformats.org/presentationml/2006/main" showMasterSp="0" showMasterPhAnim="0">
-  <p:cSld>
-    <p:spTree>
-      <p:nvGrpSpPr>
-        <p:cNvPr id="1" name="Shape 174"/>
-        <p:cNvGrpSpPr/>
-        <p:nvPr/>
-      </p:nvGrpSpPr>
-      <p:grpSpPr>
-        <a:xfrm>
-          <a:off x="0" y="0"/>
-          <a:ext cx="0" cy="0"/>
-          <a:chOff x="0" y="0"/>
-          <a:chExt cx="0" cy="0"/>
-        </a:xfrm>
-      </p:grpSpPr>
-      <p:sp>
-        <p:nvSpPr>
-          <p:cNvPr id="175" name="Google Shape;175;p16:notes"/>
-          <p:cNvSpPr>
-            <a:spLocks noGrp="1" noRot="1" noChangeAspect="1"/>
-          </p:cNvSpPr>
-          <p:nvPr>
-            <p:ph type="sldImg" idx="2"/>
-          </p:nvPr>
-        </p:nvSpPr>
-        <p:spPr>
-          <a:xfrm>
-            <a:off x="-16989425" y="-11796713"/>
-            <a:ext cx="22153563" cy="12465051"/>
-          </a:xfrm>
-          <a:custGeom>
-            <a:avLst/>
-            <a:gdLst/>
-            <a:ahLst/>
-            <a:cxnLst/>
-            <a:rect l="l" t="t" r="r" b="b"/>
-            <a:pathLst>
-              <a:path w="120000" h="120000" extrusionOk="0">
-                <a:moveTo>
-                  <a:pt x="0" y="0"/>
-                </a:moveTo>
-                <a:lnTo>
-                  <a:pt x="120000" y="0"/>
-                </a:lnTo>
-                <a:lnTo>
-                  <a:pt x="120000" y="120000"/>
-                </a:lnTo>
-                <a:lnTo>
-                  <a:pt x="0" y="120000"/>
-                </a:lnTo>
-                <a:close/>
-              </a:path>
-            </a:pathLst>
-          </a:custGeom>
-          <a:solidFill>
-            <a:srgbClr val="FFFFFF"/>
-          </a:solidFill>
-          <a:ln w="9525" cap="flat" cmpd="sng">
-            <a:solidFill>
-              <a:srgbClr val="000000"/>
-            </a:solidFill>
-            <a:prstDash val="solid"/>
-            <a:miter lim="8000"/>
-            <a:headEnd type="none" w="sm" len="sm"/>
-            <a:tailEnd type="none" w="sm" len="sm"/>
-          </a:ln>
-        </p:spPr>
-      </p:sp>
-      <p:sp>
-        <p:nvSpPr>
-          <p:cNvPr id="176" name="Google Shape;176;p16:notes"/>
-          <p:cNvSpPr txBox="1">
-            <a:spLocks noGrp="1"/>
-          </p:cNvSpPr>
-          <p:nvPr>
-            <p:ph type="body" idx="1"/>
-          </p:nvPr>
-        </p:nvSpPr>
-        <p:spPr>
-          <a:xfrm>
-            <a:off x="685800" y="4343400"/>
-            <a:ext cx="5457825" cy="4086225"/>
-          </a:xfrm>
-          <a:prstGeom prst="rect">
-            <a:avLst/>
-          </a:prstGeom>
-          <a:noFill/>
-          <a:ln>
-            <a:noFill/>
-          </a:ln>
-        </p:spPr>
-        <p:txBody>
-          <a:bodyPr spcFirstLastPara="1" wrap="square" lIns="91425" tIns="45700" rIns="91425" bIns="45700" anchor="ctr" anchorCtr="0">
-            <a:noAutofit/>
-          </a:bodyPr>
-          <a:lstStyle/>
-          <a:p>
-            <a:pPr marL="0" marR="0" lvl="0" indent="0" algn="l" defTabSz="914400" rtl="0" eaLnBrk="1" fontAlgn="auto" latinLnBrk="0" hangingPunct="1">
-              <a:lnSpc>
-                <a:spcPct val="100000"/>
-              </a:lnSpc>
-              <a:spcBef>
-                <a:spcPts val="0"/>
-              </a:spcBef>
-              <a:spcAft>
-                <a:spcPts val="0"/>
-              </a:spcAft>
-              <a:buClr>
-                <a:srgbClr val="000000"/>
-              </a:buClr>
-              <a:buSzPts val="1400"/>
-              <a:buFont typeface="Arial"/>
-              <a:buNone/>
-              <a:tabLst/>
-              <a:defRPr/>
-            </a:pPr>
-            <a:r>
-              <a:rPr lang="en-US" sz="2400" b="0" i="0" u="none" strike="noStrike" cap="none" dirty="0">
-                <a:solidFill>
-                  <a:schemeClr val="dk1"/>
-                </a:solidFill>
-                <a:latin typeface="Nunito"/>
-                <a:ea typeface="Nunito"/>
-                <a:cs typeface="Nunito"/>
-                <a:sym typeface="Nunito"/>
-              </a:rPr>
-              <a:t>Yousef</a:t>
-            </a:r>
-          </a:p>
-          <a:p>
-            <a:pPr marL="0" marR="0" lvl="0" indent="0" algn="l" rtl="0">
-              <a:spcBef>
-                <a:spcPts val="0"/>
-              </a:spcBef>
-              <a:spcAft>
-                <a:spcPts val="0"/>
-              </a:spcAft>
-              <a:buNone/>
-            </a:pPr>
-            <a:endParaRPr lang="en-US" sz="2400" b="0" i="0" u="none" strike="noStrike" cap="none" dirty="0">
-              <a:solidFill>
-                <a:schemeClr val="dk1"/>
-              </a:solidFill>
-              <a:latin typeface="Nunito"/>
-              <a:ea typeface="Nunito"/>
-              <a:cs typeface="Nunito"/>
-              <a:sym typeface="Nunito"/>
-            </a:endParaRPr>
-          </a:p>
-        </p:txBody>
-      </p:sp>
-    </p:spTree>
-    <p:extLst>
-      <p:ext uri="{BB962C8B-B14F-4D97-AF65-F5344CB8AC3E}">
-        <p14:creationId xmlns:p14="http://schemas.microsoft.com/office/powerpoint/2010/main" val="949145003"/>
-      </p:ext>
-    </p:extLst>
-  </p:cSld>
-  <p:clrMapOvr>
-    <a:masterClrMapping/>
-  </p:clrMapOvr>
-</p:notes>
-</file>
-
-<file path=ppt/notesSlides/notesSlide26.xml><?xml version="1.0" encoding="utf-8"?>
-<p:notes xmlns:a="http://schemas.openxmlformats.org/drawingml/2006/main" xmlns:r="http://schemas.openxmlformats.org/officeDocument/2006/relationships" xmlns:p="http://schemas.openxmlformats.org/presentationml/2006/main" showMasterSp="0" showMasterPhAnim="0">
-  <p:cSld>
-    <p:spTree>
-      <p:nvGrpSpPr>
-        <p:cNvPr id="1" name="Shape 174"/>
-        <p:cNvGrpSpPr/>
-        <p:nvPr/>
-      </p:nvGrpSpPr>
-      <p:grpSpPr>
-        <a:xfrm>
-          <a:off x="0" y="0"/>
-          <a:ext cx="0" cy="0"/>
-          <a:chOff x="0" y="0"/>
-          <a:chExt cx="0" cy="0"/>
-        </a:xfrm>
-      </p:grpSpPr>
-      <p:sp>
-        <p:nvSpPr>
-          <p:cNvPr id="175" name="Google Shape;175;p16:notes"/>
-          <p:cNvSpPr>
-            <a:spLocks noGrp="1" noRot="1" noChangeAspect="1"/>
-          </p:cNvSpPr>
-          <p:nvPr>
-            <p:ph type="sldImg" idx="2"/>
-          </p:nvPr>
-        </p:nvSpPr>
-        <p:spPr>
-          <a:xfrm>
-            <a:off x="-16989425" y="-11796713"/>
-            <a:ext cx="22153563" cy="12465051"/>
-          </a:xfrm>
-          <a:custGeom>
-            <a:avLst/>
-            <a:gdLst/>
-            <a:ahLst/>
-            <a:cxnLst/>
-            <a:rect l="l" t="t" r="r" b="b"/>
-            <a:pathLst>
-              <a:path w="120000" h="120000" extrusionOk="0">
-                <a:moveTo>
-                  <a:pt x="0" y="0"/>
-                </a:moveTo>
-                <a:lnTo>
-                  <a:pt x="120000" y="0"/>
-                </a:lnTo>
-                <a:lnTo>
-                  <a:pt x="120000" y="120000"/>
-                </a:lnTo>
-                <a:lnTo>
-                  <a:pt x="0" y="120000"/>
-                </a:lnTo>
-                <a:close/>
-              </a:path>
-            </a:pathLst>
-          </a:custGeom>
-          <a:solidFill>
-            <a:srgbClr val="FFFFFF"/>
-          </a:solidFill>
-          <a:ln w="9525" cap="flat" cmpd="sng">
-            <a:solidFill>
-              <a:srgbClr val="000000"/>
-            </a:solidFill>
-            <a:prstDash val="solid"/>
-            <a:miter lim="8000"/>
-            <a:headEnd type="none" w="sm" len="sm"/>
-            <a:tailEnd type="none" w="sm" len="sm"/>
-          </a:ln>
-        </p:spPr>
-      </p:sp>
-      <p:sp>
-        <p:nvSpPr>
-          <p:cNvPr id="176" name="Google Shape;176;p16:notes"/>
-          <p:cNvSpPr txBox="1">
-            <a:spLocks noGrp="1"/>
-          </p:cNvSpPr>
-          <p:nvPr>
-            <p:ph type="body" idx="1"/>
-          </p:nvPr>
-        </p:nvSpPr>
-        <p:spPr>
-          <a:xfrm>
-            <a:off x="685800" y="4343400"/>
-            <a:ext cx="5457825" cy="4086225"/>
-          </a:xfrm>
-          <a:prstGeom prst="rect">
-            <a:avLst/>
-          </a:prstGeom>
-          <a:noFill/>
-          <a:ln>
-            <a:noFill/>
-          </a:ln>
-        </p:spPr>
-        <p:txBody>
-          <a:bodyPr spcFirstLastPara="1" wrap="square" lIns="91425" tIns="45700" rIns="91425" bIns="45700" anchor="ctr" anchorCtr="0">
-            <a:noAutofit/>
-          </a:bodyPr>
-          <a:lstStyle/>
-          <a:p>
-            <a:pPr marL="0" marR="0" lvl="0" indent="0" algn="l" defTabSz="914400" rtl="0" eaLnBrk="1" fontAlgn="auto" latinLnBrk="0" hangingPunct="1">
-              <a:lnSpc>
-                <a:spcPct val="100000"/>
-              </a:lnSpc>
-              <a:spcBef>
-                <a:spcPts val="0"/>
-              </a:spcBef>
-              <a:spcAft>
-                <a:spcPts val="0"/>
-              </a:spcAft>
-              <a:buClr>
-                <a:srgbClr val="000000"/>
-              </a:buClr>
-              <a:buSzPts val="1400"/>
-              <a:buFont typeface="Arial"/>
-              <a:buNone/>
-              <a:tabLst/>
-              <a:defRPr/>
-            </a:pPr>
-            <a:r>
-              <a:rPr lang="en-US" sz="2400" b="0" i="0" u="none" strike="noStrike" cap="none" dirty="0">
-                <a:solidFill>
-                  <a:schemeClr val="dk1"/>
-                </a:solidFill>
-                <a:latin typeface="Nunito"/>
-                <a:ea typeface="Nunito"/>
-                <a:cs typeface="Nunito"/>
-                <a:sym typeface="Nunito"/>
-              </a:rPr>
-              <a:t>Yousef</a:t>
-            </a:r>
-          </a:p>
-          <a:p>
-            <a:pPr marL="0" marR="0" lvl="0" indent="0" algn="l" rtl="0">
-              <a:spcBef>
-                <a:spcPts val="0"/>
-              </a:spcBef>
-              <a:spcAft>
-                <a:spcPts val="0"/>
-              </a:spcAft>
-              <a:buNone/>
-            </a:pPr>
-            <a:endParaRPr lang="en-US" sz="2400" b="0" i="0" u="none" strike="noStrike" cap="none" dirty="0">
-              <a:solidFill>
-                <a:schemeClr val="dk1"/>
-              </a:solidFill>
-              <a:latin typeface="Nunito"/>
-              <a:ea typeface="Nunito"/>
-              <a:cs typeface="Nunito"/>
-              <a:sym typeface="Nunito"/>
-            </a:endParaRPr>
-          </a:p>
-        </p:txBody>
-      </p:sp>
-    </p:spTree>
-    <p:extLst>
-      <p:ext uri="{BB962C8B-B14F-4D97-AF65-F5344CB8AC3E}">
-        <p14:creationId xmlns:p14="http://schemas.microsoft.com/office/powerpoint/2010/main" val="3962771209"/>
-      </p:ext>
-    </p:extLst>
-  </p:cSld>
-  <p:clrMapOvr>
-    <a:masterClrMapping/>
-  </p:clrMapOvr>
-</p:notes>
-</file>
-
-<file path=ppt/notesSlides/notesSlide27.xml><?xml version="1.0" encoding="utf-8"?>
-<p:notes xmlns:a="http://schemas.openxmlformats.org/drawingml/2006/main" xmlns:r="http://schemas.openxmlformats.org/officeDocument/2006/relationships" xmlns:p="http://schemas.openxmlformats.org/presentationml/2006/main" showMasterSp="0" showMasterPhAnim="0">
-  <p:cSld>
-    <p:spTree>
-      <p:nvGrpSpPr>
-        <p:cNvPr id="1" name="Shape 174"/>
-        <p:cNvGrpSpPr/>
-        <p:nvPr/>
-      </p:nvGrpSpPr>
-      <p:grpSpPr>
-        <a:xfrm>
-          <a:off x="0" y="0"/>
-          <a:ext cx="0" cy="0"/>
-          <a:chOff x="0" y="0"/>
-          <a:chExt cx="0" cy="0"/>
-        </a:xfrm>
-      </p:grpSpPr>
-      <p:sp>
-        <p:nvSpPr>
-          <p:cNvPr id="175" name="Google Shape;175;p16:notes"/>
-          <p:cNvSpPr>
-            <a:spLocks noGrp="1" noRot="1" noChangeAspect="1"/>
-          </p:cNvSpPr>
-          <p:nvPr>
-            <p:ph type="sldImg" idx="2"/>
-          </p:nvPr>
-        </p:nvSpPr>
-        <p:spPr>
-          <a:xfrm>
-            <a:off x="-16989425" y="-11796713"/>
-            <a:ext cx="22153563" cy="12465051"/>
-          </a:xfrm>
-          <a:custGeom>
-            <a:avLst/>
-            <a:gdLst/>
-            <a:ahLst/>
-            <a:cxnLst/>
-            <a:rect l="l" t="t" r="r" b="b"/>
-            <a:pathLst>
-              <a:path w="120000" h="120000" extrusionOk="0">
-                <a:moveTo>
-                  <a:pt x="0" y="0"/>
-                </a:moveTo>
-                <a:lnTo>
-                  <a:pt x="120000" y="0"/>
-                </a:lnTo>
-                <a:lnTo>
-                  <a:pt x="120000" y="120000"/>
-                </a:lnTo>
-                <a:lnTo>
-                  <a:pt x="0" y="120000"/>
-                </a:lnTo>
-                <a:close/>
-              </a:path>
-            </a:pathLst>
-          </a:custGeom>
-          <a:solidFill>
-            <a:srgbClr val="FFFFFF"/>
-          </a:solidFill>
-          <a:ln w="9525" cap="flat" cmpd="sng">
-            <a:solidFill>
-              <a:srgbClr val="000000"/>
-            </a:solidFill>
-            <a:prstDash val="solid"/>
-            <a:miter lim="8000"/>
-            <a:headEnd type="none" w="sm" len="sm"/>
-            <a:tailEnd type="none" w="sm" len="sm"/>
-          </a:ln>
-        </p:spPr>
-      </p:sp>
-      <p:sp>
-        <p:nvSpPr>
-          <p:cNvPr id="176" name="Google Shape;176;p16:notes"/>
-          <p:cNvSpPr txBox="1">
-            <a:spLocks noGrp="1"/>
-          </p:cNvSpPr>
-          <p:nvPr>
-            <p:ph type="body" idx="1"/>
-          </p:nvPr>
-        </p:nvSpPr>
-        <p:spPr>
-          <a:xfrm>
-            <a:off x="685800" y="4343400"/>
-            <a:ext cx="5457825" cy="4086225"/>
-          </a:xfrm>
-          <a:prstGeom prst="rect">
-            <a:avLst/>
-          </a:prstGeom>
-          <a:noFill/>
-          <a:ln>
-            <a:noFill/>
-          </a:ln>
-        </p:spPr>
-        <p:txBody>
-          <a:bodyPr spcFirstLastPara="1" wrap="square" lIns="91425" tIns="45700" rIns="91425" bIns="45700" anchor="ctr" anchorCtr="0">
-            <a:noAutofit/>
-          </a:bodyPr>
-          <a:lstStyle/>
-          <a:p>
-            <a:pPr marL="0" marR="0" lvl="0" indent="0" algn="l" defTabSz="914400" rtl="0" eaLnBrk="1" fontAlgn="auto" latinLnBrk="0" hangingPunct="1">
-              <a:lnSpc>
-                <a:spcPct val="100000"/>
-              </a:lnSpc>
-              <a:spcBef>
-                <a:spcPts val="0"/>
-              </a:spcBef>
-              <a:spcAft>
-                <a:spcPts val="0"/>
-              </a:spcAft>
-              <a:buClr>
-                <a:srgbClr val="000000"/>
-              </a:buClr>
-              <a:buSzPts val="1400"/>
-              <a:buFont typeface="Arial"/>
-              <a:buNone/>
-              <a:tabLst/>
-              <a:defRPr/>
-            </a:pPr>
-            <a:r>
-              <a:rPr lang="en-US" sz="2400" b="0" i="0" u="none" strike="noStrike" cap="none" dirty="0">
-                <a:solidFill>
-                  <a:schemeClr val="dk1"/>
-                </a:solidFill>
-                <a:latin typeface="Nunito"/>
-                <a:ea typeface="Nunito"/>
-                <a:cs typeface="Nunito"/>
-                <a:sym typeface="Nunito"/>
-              </a:rPr>
-              <a:t>Yousef</a:t>
-            </a:r>
-          </a:p>
-          <a:p>
-            <a:pPr marL="0" marR="0" lvl="0" indent="0" algn="l" rtl="0">
-              <a:spcBef>
-                <a:spcPts val="0"/>
-              </a:spcBef>
-              <a:spcAft>
-                <a:spcPts val="0"/>
-              </a:spcAft>
-              <a:buNone/>
-            </a:pPr>
-            <a:endParaRPr lang="en-US" sz="2400" b="0" i="0" u="none" strike="noStrike" cap="none" dirty="0">
-              <a:solidFill>
-                <a:schemeClr val="dk1"/>
-              </a:solidFill>
-              <a:latin typeface="Nunito"/>
-              <a:ea typeface="Nunito"/>
-              <a:cs typeface="Nunito"/>
-              <a:sym typeface="Nunito"/>
-            </a:endParaRPr>
-          </a:p>
-        </p:txBody>
-      </p:sp>
-    </p:spTree>
-    <p:extLst>
-      <p:ext uri="{BB962C8B-B14F-4D97-AF65-F5344CB8AC3E}">
-        <p14:creationId xmlns:p14="http://schemas.microsoft.com/office/powerpoint/2010/main" val="2853139541"/>
-      </p:ext>
-    </p:extLst>
-  </p:cSld>
-  <p:clrMapOvr>
-    <a:masterClrMapping/>
-  </p:clrMapOvr>
-</p:notes>
-</file>
-
-<file path=ppt/notesSlides/notesSlide28.xml><?xml version="1.0" encoding="utf-8"?>
-<p:notes xmlns:a="http://schemas.openxmlformats.org/drawingml/2006/main" xmlns:r="http://schemas.openxmlformats.org/officeDocument/2006/relationships" xmlns:p="http://schemas.openxmlformats.org/presentationml/2006/main" showMasterSp="0" showMasterPhAnim="0">
-  <p:cSld>
-    <p:spTree>
-      <p:nvGrpSpPr>
-        <p:cNvPr id="1" name="Shape 174"/>
-        <p:cNvGrpSpPr/>
-        <p:nvPr/>
-      </p:nvGrpSpPr>
-      <p:grpSpPr>
-        <a:xfrm>
-          <a:off x="0" y="0"/>
-          <a:ext cx="0" cy="0"/>
-          <a:chOff x="0" y="0"/>
-          <a:chExt cx="0" cy="0"/>
-        </a:xfrm>
-      </p:grpSpPr>
-      <p:sp>
-        <p:nvSpPr>
-          <p:cNvPr id="175" name="Google Shape;175;p16:notes"/>
-          <p:cNvSpPr>
-            <a:spLocks noGrp="1" noRot="1" noChangeAspect="1"/>
-          </p:cNvSpPr>
-          <p:nvPr>
-            <p:ph type="sldImg" idx="2"/>
-          </p:nvPr>
-        </p:nvSpPr>
-        <p:spPr>
-          <a:xfrm>
-            <a:off x="-16989425" y="-11796713"/>
-            <a:ext cx="22153563" cy="12465051"/>
-          </a:xfrm>
-          <a:custGeom>
-            <a:avLst/>
-            <a:gdLst/>
-            <a:ahLst/>
-            <a:cxnLst/>
-            <a:rect l="l" t="t" r="r" b="b"/>
-            <a:pathLst>
-              <a:path w="120000" h="120000" extrusionOk="0">
-                <a:moveTo>
-                  <a:pt x="0" y="0"/>
-                </a:moveTo>
-                <a:lnTo>
-                  <a:pt x="120000" y="0"/>
-                </a:lnTo>
-                <a:lnTo>
-                  <a:pt x="120000" y="120000"/>
-                </a:lnTo>
-                <a:lnTo>
-                  <a:pt x="0" y="120000"/>
-                </a:lnTo>
-                <a:close/>
-              </a:path>
-            </a:pathLst>
-          </a:custGeom>
-          <a:solidFill>
-            <a:srgbClr val="FFFFFF"/>
-          </a:solidFill>
-          <a:ln w="9525" cap="flat" cmpd="sng">
-            <a:solidFill>
-              <a:srgbClr val="000000"/>
-            </a:solidFill>
-            <a:prstDash val="solid"/>
-            <a:miter lim="8000"/>
-            <a:headEnd type="none" w="sm" len="sm"/>
-            <a:tailEnd type="none" w="sm" len="sm"/>
-          </a:ln>
-        </p:spPr>
-      </p:sp>
-      <p:sp>
-        <p:nvSpPr>
-          <p:cNvPr id="176" name="Google Shape;176;p16:notes"/>
-          <p:cNvSpPr txBox="1">
-            <a:spLocks noGrp="1"/>
-          </p:cNvSpPr>
-          <p:nvPr>
-            <p:ph type="body" idx="1"/>
-          </p:nvPr>
-        </p:nvSpPr>
-        <p:spPr>
-          <a:xfrm>
-            <a:off x="685800" y="4343400"/>
-            <a:ext cx="5457825" cy="4086225"/>
-          </a:xfrm>
-          <a:prstGeom prst="rect">
-            <a:avLst/>
-          </a:prstGeom>
-          <a:noFill/>
-          <a:ln>
-            <a:noFill/>
-          </a:ln>
-        </p:spPr>
-        <p:txBody>
-          <a:bodyPr spcFirstLastPara="1" wrap="square" lIns="91425" tIns="45700" rIns="91425" bIns="45700" anchor="ctr" anchorCtr="0">
-            <a:noAutofit/>
-          </a:bodyPr>
-          <a:lstStyle/>
-          <a:p>
-            <a:pPr marL="0" marR="0" lvl="0" indent="0" algn="l" defTabSz="914400" rtl="0" eaLnBrk="1" fontAlgn="auto" latinLnBrk="0" hangingPunct="1">
-              <a:lnSpc>
-                <a:spcPct val="100000"/>
-              </a:lnSpc>
-              <a:spcBef>
-                <a:spcPts val="0"/>
-              </a:spcBef>
-              <a:spcAft>
-                <a:spcPts val="0"/>
-              </a:spcAft>
-              <a:buClr>
-                <a:srgbClr val="000000"/>
-              </a:buClr>
-              <a:buSzPts val="1400"/>
-              <a:buFont typeface="Arial"/>
-              <a:buNone/>
-              <a:tabLst/>
-              <a:defRPr/>
-            </a:pPr>
-            <a:r>
-              <a:rPr lang="en-US" sz="2400" b="0" i="0" u="none" strike="noStrike" cap="none" dirty="0">
-                <a:solidFill>
-                  <a:schemeClr val="dk1"/>
-                </a:solidFill>
-                <a:latin typeface="Nunito"/>
-                <a:ea typeface="Nunito"/>
-                <a:cs typeface="Nunito"/>
-                <a:sym typeface="Nunito"/>
-              </a:rPr>
-              <a:t>Yousef</a:t>
-            </a:r>
-          </a:p>
-          <a:p>
-            <a:pPr marL="0" marR="0" lvl="0" indent="0" algn="l" rtl="0">
-              <a:spcBef>
-                <a:spcPts val="0"/>
-              </a:spcBef>
-              <a:spcAft>
-                <a:spcPts val="0"/>
-              </a:spcAft>
-              <a:buNone/>
-            </a:pPr>
-            <a:endParaRPr lang="en-US" sz="2400" b="0" i="0" u="none" strike="noStrike" cap="none" dirty="0">
-              <a:solidFill>
-                <a:schemeClr val="dk1"/>
-              </a:solidFill>
-              <a:latin typeface="Nunito"/>
-              <a:ea typeface="Nunito"/>
-              <a:cs typeface="Nunito"/>
-              <a:sym typeface="Nunito"/>
-            </a:endParaRPr>
-          </a:p>
-        </p:txBody>
-      </p:sp>
-    </p:spTree>
-    <p:extLst>
-      <p:ext uri="{BB962C8B-B14F-4D97-AF65-F5344CB8AC3E}">
-        <p14:creationId xmlns:p14="http://schemas.microsoft.com/office/powerpoint/2010/main" val="3937962295"/>
       </p:ext>
     </p:extLst>
   </p:cSld>
@@ -12903,701 +10745,6 @@
 </p:sld>
 </file>
 
-<file path=ppt/slides/slide16.xml><?xml version="1.0" encoding="utf-8"?>
-<p:sld xmlns:a="http://schemas.openxmlformats.org/drawingml/2006/main" xmlns:r="http://schemas.openxmlformats.org/officeDocument/2006/relationships" xmlns:p="http://schemas.openxmlformats.org/presentationml/2006/main">
-  <p:cSld>
-    <p:spTree>
-      <p:nvGrpSpPr>
-        <p:cNvPr id="1" name="Shape 177"/>
-        <p:cNvGrpSpPr/>
-        <p:nvPr/>
-      </p:nvGrpSpPr>
-      <p:grpSpPr>
-        <a:xfrm>
-          <a:off x="0" y="0"/>
-          <a:ext cx="0" cy="0"/>
-          <a:chOff x="0" y="0"/>
-          <a:chExt cx="0" cy="0"/>
-        </a:xfrm>
-      </p:grpSpPr>
-      <p:sp>
-        <p:nvSpPr>
-          <p:cNvPr id="11" name="Google Shape;182;p10">
-            <a:extLst>
-              <a:ext uri="{FF2B5EF4-FFF2-40B4-BE49-F238E27FC236}">
-                <a16:creationId xmlns:a16="http://schemas.microsoft.com/office/drawing/2014/main" id="{88392DE9-3CFC-A244-9978-E474088DE60F}"/>
-              </a:ext>
-            </a:extLst>
-          </p:cNvPr>
-          <p:cNvSpPr txBox="1"/>
-          <p:nvPr/>
-        </p:nvSpPr>
-        <p:spPr>
-          <a:xfrm>
-            <a:off x="1467853" y="1116731"/>
-            <a:ext cx="12488779" cy="1323439"/>
-          </a:xfrm>
-          <a:prstGeom prst="rect">
-            <a:avLst/>
-          </a:prstGeom>
-          <a:noFill/>
-          <a:ln>
-            <a:noFill/>
-          </a:ln>
-        </p:spPr>
-        <p:txBody>
-          <a:bodyPr spcFirstLastPara="1" wrap="square" lIns="91426" tIns="45700" rIns="91426" bIns="45700" anchor="t" anchorCtr="0">
-            <a:noAutofit/>
-          </a:bodyPr>
-          <a:lstStyle/>
-          <a:p>
-            <a:r>
-              <a:rPr lang="en-US" sz="8001" b="1" dirty="0">
-                <a:solidFill>
-                  <a:schemeClr val="dk1"/>
-                </a:solidFill>
-                <a:latin typeface="Nunito"/>
-                <a:ea typeface="Nunito"/>
-                <a:cs typeface="Nunito"/>
-                <a:sym typeface="Nunito"/>
-              </a:rPr>
-              <a:t>Network 3 Description</a:t>
-            </a:r>
-            <a:endParaRPr sz="8001" b="1" dirty="0">
-              <a:solidFill>
-                <a:schemeClr val="dk1"/>
-              </a:solidFill>
-              <a:latin typeface="Nunito"/>
-              <a:ea typeface="Nunito"/>
-              <a:cs typeface="Nunito"/>
-              <a:sym typeface="Nunito"/>
-            </a:endParaRPr>
-          </a:p>
-        </p:txBody>
-      </p:sp>
-      <p:sp>
-        <p:nvSpPr>
-          <p:cNvPr id="6" name="TextBox 5">
-            <a:extLst>
-              <a:ext uri="{FF2B5EF4-FFF2-40B4-BE49-F238E27FC236}">
-                <a16:creationId xmlns:a16="http://schemas.microsoft.com/office/drawing/2014/main" id="{A51771E4-89B0-4F19-9518-20DE24667770}"/>
-              </a:ext>
-            </a:extLst>
-          </p:cNvPr>
-          <p:cNvSpPr txBox="1"/>
-          <p:nvPr/>
-        </p:nvSpPr>
-        <p:spPr>
-          <a:xfrm>
-            <a:off x="11480007" y="8343531"/>
-            <a:ext cx="12553406" cy="707886"/>
-          </a:xfrm>
-          <a:prstGeom prst="rect">
-            <a:avLst/>
-          </a:prstGeom>
-          <a:noFill/>
-        </p:spPr>
-        <p:txBody>
-          <a:bodyPr wrap="square" rtlCol="0">
-            <a:spAutoFit/>
-          </a:bodyPr>
-          <a:lstStyle/>
-          <a:p>
-            <a:pPr algn="ctr"/>
-            <a:r>
-              <a:rPr lang="en-US" sz="4000" dirty="0"/>
-              <a:t>New 26 column input vector</a:t>
-            </a:r>
-          </a:p>
-        </p:txBody>
-      </p:sp>
-      <p:sp>
-        <p:nvSpPr>
-          <p:cNvPr id="7" name="Google Shape;181;p10">
-            <a:extLst>
-              <a:ext uri="{FF2B5EF4-FFF2-40B4-BE49-F238E27FC236}">
-                <a16:creationId xmlns:a16="http://schemas.microsoft.com/office/drawing/2014/main" id="{5284F886-3E9D-B943-B34B-B1EA85F61A21}"/>
-              </a:ext>
-            </a:extLst>
-          </p:cNvPr>
-          <p:cNvSpPr txBox="1"/>
-          <p:nvPr/>
-        </p:nvSpPr>
-        <p:spPr>
-          <a:xfrm>
-            <a:off x="1467853" y="3125123"/>
-            <a:ext cx="10432515" cy="6237870"/>
-          </a:xfrm>
-          <a:prstGeom prst="rect">
-            <a:avLst/>
-          </a:prstGeom>
-          <a:noFill/>
-          <a:ln>
-            <a:noFill/>
-          </a:ln>
-        </p:spPr>
-        <p:txBody>
-          <a:bodyPr spcFirstLastPara="1" wrap="square" lIns="91426" tIns="45700" rIns="91426" bIns="45700" anchor="t" anchorCtr="0">
-            <a:noAutofit/>
-          </a:bodyPr>
-          <a:lstStyle/>
-          <a:p>
-            <a:r>
-              <a:rPr lang="en-GB" sz="4800" b="1" dirty="0">
-                <a:solidFill>
-                  <a:srgbClr val="1B243B"/>
-                </a:solidFill>
-                <a:latin typeface="Nunito"/>
-                <a:sym typeface="Nunito"/>
-              </a:rPr>
-              <a:t>Input</a:t>
-            </a:r>
-          </a:p>
-          <a:p>
-            <a:pPr marL="685800" lvl="0" indent="-685800">
-              <a:buFont typeface="Arial" panose="020B0604020202020204" pitchFamily="34" charset="0"/>
-              <a:buChar char="•"/>
-            </a:pPr>
-            <a:r>
-              <a:rPr lang="en-US" sz="4000" dirty="0"/>
-              <a:t>Year</a:t>
-            </a:r>
-          </a:p>
-          <a:p>
-            <a:pPr marL="685800" lvl="0" indent="-685800">
-              <a:buFont typeface="Arial" panose="020B0604020202020204" pitchFamily="34" charset="0"/>
-              <a:buChar char="•"/>
-            </a:pPr>
-            <a:r>
-              <a:rPr lang="en-US" sz="4000" dirty="0">
-                <a:sym typeface="Nunito"/>
-              </a:rPr>
-              <a:t>Month</a:t>
-            </a:r>
-          </a:p>
-          <a:p>
-            <a:pPr marL="685800" lvl="0" indent="-685800">
-              <a:buFont typeface="Arial" panose="020B0604020202020204" pitchFamily="34" charset="0"/>
-              <a:buChar char="•"/>
-            </a:pPr>
-            <a:r>
-              <a:rPr lang="en-US" sz="4000" dirty="0">
-                <a:sym typeface="Nunito"/>
-              </a:rPr>
-              <a:t>Day</a:t>
-            </a:r>
-          </a:p>
-          <a:p>
-            <a:pPr marL="685800" lvl="0" indent="-685800">
-              <a:buFont typeface="Arial" panose="020B0604020202020204" pitchFamily="34" charset="0"/>
-              <a:buChar char="•"/>
-            </a:pPr>
-            <a:r>
-              <a:rPr lang="en-US" sz="4000" dirty="0">
-                <a:sym typeface="Nunito"/>
-              </a:rPr>
-              <a:t>Hour</a:t>
-            </a:r>
-          </a:p>
-          <a:p>
-            <a:pPr marL="685800" lvl="0" indent="-685800">
-              <a:buFont typeface="Arial" panose="020B0604020202020204" pitchFamily="34" charset="0"/>
-              <a:buChar char="•"/>
-            </a:pPr>
-            <a:r>
-              <a:rPr lang="en-US" sz="4000" dirty="0">
-                <a:sym typeface="Nunito"/>
-              </a:rPr>
-              <a:t>One hot encoded Neighborhood</a:t>
-            </a:r>
-          </a:p>
-          <a:p>
-            <a:pPr lvl="0"/>
-            <a:endParaRPr lang="en-GB" sz="4800" dirty="0">
-              <a:sym typeface="Nunito"/>
-            </a:endParaRPr>
-          </a:p>
-          <a:p>
-            <a:pPr lvl="0"/>
-            <a:r>
-              <a:rPr lang="en-GB" sz="4800" b="1" dirty="0">
-                <a:solidFill>
-                  <a:srgbClr val="1B243B"/>
-                </a:solidFill>
-                <a:latin typeface="Nunito"/>
-                <a:sym typeface="Nunito"/>
-              </a:rPr>
-              <a:t>Output</a:t>
-            </a:r>
-          </a:p>
-          <a:p>
-            <a:pPr marL="685800" lvl="0" indent="-685800">
-              <a:buFont typeface="Arial" panose="020B0604020202020204" pitchFamily="34" charset="0"/>
-              <a:buChar char="•"/>
-            </a:pPr>
-            <a:r>
-              <a:rPr lang="en-US" sz="4000" dirty="0"/>
-              <a:t>Probability of crime occurring</a:t>
-            </a:r>
-            <a:endParaRPr lang="en-GB" sz="4000" dirty="0">
-              <a:sym typeface="Nunito"/>
-            </a:endParaRPr>
-          </a:p>
-        </p:txBody>
-      </p:sp>
-      <p:pic>
-        <p:nvPicPr>
-          <p:cNvPr id="2" name="Picture 1">
-            <a:extLst>
-              <a:ext uri="{FF2B5EF4-FFF2-40B4-BE49-F238E27FC236}">
-                <a16:creationId xmlns:a16="http://schemas.microsoft.com/office/drawing/2014/main" id="{6E3F47D3-97B5-8640-AABA-87CEEADBC9A2}"/>
-              </a:ext>
-            </a:extLst>
-          </p:cNvPr>
-          <p:cNvPicPr>
-            <a:picLocks noChangeAspect="1"/>
-          </p:cNvPicPr>
-          <p:nvPr/>
-        </p:nvPicPr>
-        <p:blipFill>
-          <a:blip r:embed="rId3"/>
-          <a:stretch>
-            <a:fillRect/>
-          </a:stretch>
-        </p:blipFill>
-        <p:spPr>
-          <a:xfrm>
-            <a:off x="11116691" y="5806363"/>
-            <a:ext cx="12569512" cy="2267228"/>
-          </a:xfrm>
-          <a:prstGeom prst="rect">
-            <a:avLst/>
-          </a:prstGeom>
-        </p:spPr>
-      </p:pic>
-    </p:spTree>
-    <p:extLst>
-      <p:ext uri="{BB962C8B-B14F-4D97-AF65-F5344CB8AC3E}">
-        <p14:creationId xmlns:p14="http://schemas.microsoft.com/office/powerpoint/2010/main" val="4244971881"/>
-      </p:ext>
-    </p:extLst>
-  </p:cSld>
-  <p:clrMapOvr>
-    <a:masterClrMapping/>
-  </p:clrMapOvr>
-</p:sld>
-</file>
-
-<file path=ppt/slides/slide17.xml><?xml version="1.0" encoding="utf-8"?>
-<p:sld xmlns:a="http://schemas.openxmlformats.org/drawingml/2006/main" xmlns:r="http://schemas.openxmlformats.org/officeDocument/2006/relationships" xmlns:p="http://schemas.openxmlformats.org/presentationml/2006/main">
-  <p:cSld>
-    <p:spTree>
-      <p:nvGrpSpPr>
-        <p:cNvPr id="1" name="Shape 177"/>
-        <p:cNvGrpSpPr/>
-        <p:nvPr/>
-      </p:nvGrpSpPr>
-      <p:grpSpPr>
-        <a:xfrm>
-          <a:off x="0" y="0"/>
-          <a:ext cx="0" cy="0"/>
-          <a:chOff x="0" y="0"/>
-          <a:chExt cx="0" cy="0"/>
-        </a:xfrm>
-      </p:grpSpPr>
-      <p:sp>
-        <p:nvSpPr>
-          <p:cNvPr id="7" name="Google Shape;182;p10">
-            <a:extLst>
-              <a:ext uri="{FF2B5EF4-FFF2-40B4-BE49-F238E27FC236}">
-                <a16:creationId xmlns:a16="http://schemas.microsoft.com/office/drawing/2014/main" id="{5AF6879A-FC91-4CE4-A8CB-03329928EED2}"/>
-              </a:ext>
-            </a:extLst>
-          </p:cNvPr>
-          <p:cNvSpPr txBox="1"/>
-          <p:nvPr/>
-        </p:nvSpPr>
-        <p:spPr>
-          <a:xfrm>
-            <a:off x="1467853" y="1116731"/>
-            <a:ext cx="12488779" cy="1323439"/>
-          </a:xfrm>
-          <a:prstGeom prst="rect">
-            <a:avLst/>
-          </a:prstGeom>
-          <a:noFill/>
-          <a:ln>
-            <a:noFill/>
-          </a:ln>
-        </p:spPr>
-        <p:txBody>
-          <a:bodyPr spcFirstLastPara="1" wrap="square" lIns="91426" tIns="45700" rIns="91426" bIns="45700" anchor="t" anchorCtr="0">
-            <a:noAutofit/>
-          </a:bodyPr>
-          <a:lstStyle/>
-          <a:p>
-            <a:r>
-              <a:rPr lang="en-US" sz="8001" b="1" dirty="0">
-                <a:solidFill>
-                  <a:schemeClr val="dk1"/>
-                </a:solidFill>
-                <a:latin typeface="Nunito"/>
-                <a:ea typeface="Nunito"/>
-                <a:cs typeface="Nunito"/>
-                <a:sym typeface="Nunito"/>
-              </a:rPr>
-              <a:t>Network 3 Architecture</a:t>
-            </a:r>
-            <a:endParaRPr sz="8001" b="1" dirty="0">
-              <a:solidFill>
-                <a:schemeClr val="dk1"/>
-              </a:solidFill>
-              <a:latin typeface="Nunito"/>
-              <a:ea typeface="Nunito"/>
-              <a:cs typeface="Nunito"/>
-              <a:sym typeface="Nunito"/>
-            </a:endParaRPr>
-          </a:p>
-        </p:txBody>
-      </p:sp>
-      <p:pic>
-        <p:nvPicPr>
-          <p:cNvPr id="4" name="Picture 3">
-            <a:extLst>
-              <a:ext uri="{FF2B5EF4-FFF2-40B4-BE49-F238E27FC236}">
-                <a16:creationId xmlns:a16="http://schemas.microsoft.com/office/drawing/2014/main" id="{3ABEBA0E-F2BF-1B43-8387-0A473C17219C}"/>
-              </a:ext>
-            </a:extLst>
-          </p:cNvPr>
-          <p:cNvPicPr>
-            <a:picLocks noChangeAspect="1"/>
-          </p:cNvPicPr>
-          <p:nvPr/>
-        </p:nvPicPr>
-        <p:blipFill>
-          <a:blip r:embed="rId3"/>
-          <a:stretch>
-            <a:fillRect/>
-          </a:stretch>
-        </p:blipFill>
-        <p:spPr>
-          <a:xfrm>
-            <a:off x="4637150" y="2842506"/>
-            <a:ext cx="14709809" cy="8386326"/>
-          </a:xfrm>
-          <a:prstGeom prst="rect">
-            <a:avLst/>
-          </a:prstGeom>
-        </p:spPr>
-      </p:pic>
-    </p:spTree>
-    <p:extLst>
-      <p:ext uri="{BB962C8B-B14F-4D97-AF65-F5344CB8AC3E}">
-        <p14:creationId xmlns:p14="http://schemas.microsoft.com/office/powerpoint/2010/main" val="4116612615"/>
-      </p:ext>
-    </p:extLst>
-  </p:cSld>
-  <p:clrMapOvr>
-    <a:masterClrMapping/>
-  </p:clrMapOvr>
-</p:sld>
-</file>
-
-<file path=ppt/slides/slide18.xml><?xml version="1.0" encoding="utf-8"?>
-<p:sld xmlns:a="http://schemas.openxmlformats.org/drawingml/2006/main" xmlns:r="http://schemas.openxmlformats.org/officeDocument/2006/relationships" xmlns:p="http://schemas.openxmlformats.org/presentationml/2006/main">
-  <p:cSld>
-    <p:spTree>
-      <p:nvGrpSpPr>
-        <p:cNvPr id="1" name="Shape 177"/>
-        <p:cNvGrpSpPr/>
-        <p:nvPr/>
-      </p:nvGrpSpPr>
-      <p:grpSpPr>
-        <a:xfrm>
-          <a:off x="0" y="0"/>
-          <a:ext cx="0" cy="0"/>
-          <a:chOff x="0" y="0"/>
-          <a:chExt cx="0" cy="0"/>
-        </a:xfrm>
-      </p:grpSpPr>
-      <p:sp>
-        <p:nvSpPr>
-          <p:cNvPr id="11" name="Google Shape;182;p10">
-            <a:extLst>
-              <a:ext uri="{FF2B5EF4-FFF2-40B4-BE49-F238E27FC236}">
-                <a16:creationId xmlns:a16="http://schemas.microsoft.com/office/drawing/2014/main" id="{88392DE9-3CFC-A244-9978-E474088DE60F}"/>
-              </a:ext>
-            </a:extLst>
-          </p:cNvPr>
-          <p:cNvSpPr txBox="1"/>
-          <p:nvPr/>
-        </p:nvSpPr>
-        <p:spPr>
-          <a:xfrm>
-            <a:off x="1467853" y="1116731"/>
-            <a:ext cx="12488779" cy="1323439"/>
-          </a:xfrm>
-          <a:prstGeom prst="rect">
-            <a:avLst/>
-          </a:prstGeom>
-          <a:noFill/>
-          <a:ln>
-            <a:noFill/>
-          </a:ln>
-        </p:spPr>
-        <p:txBody>
-          <a:bodyPr spcFirstLastPara="1" wrap="square" lIns="91426" tIns="45700" rIns="91426" bIns="45700" anchor="t" anchorCtr="0">
-            <a:noAutofit/>
-          </a:bodyPr>
-          <a:lstStyle/>
-          <a:p>
-            <a:r>
-              <a:rPr lang="en-US" sz="8001" b="1" dirty="0">
-                <a:solidFill>
-                  <a:schemeClr val="dk1"/>
-                </a:solidFill>
-                <a:latin typeface="Nunito"/>
-                <a:ea typeface="Nunito"/>
-                <a:cs typeface="Nunito"/>
-                <a:sym typeface="Nunito"/>
-              </a:rPr>
-              <a:t>Network 3 Performance</a:t>
-            </a:r>
-            <a:endParaRPr sz="8001" b="1" dirty="0">
-              <a:solidFill>
-                <a:schemeClr val="dk1"/>
-              </a:solidFill>
-              <a:latin typeface="Nunito"/>
-              <a:ea typeface="Nunito"/>
-              <a:cs typeface="Nunito"/>
-              <a:sym typeface="Nunito"/>
-            </a:endParaRPr>
-          </a:p>
-        </p:txBody>
-      </p:sp>
-      <p:sp>
-        <p:nvSpPr>
-          <p:cNvPr id="12" name="TextBox 11">
-            <a:extLst>
-              <a:ext uri="{FF2B5EF4-FFF2-40B4-BE49-F238E27FC236}">
-                <a16:creationId xmlns:a16="http://schemas.microsoft.com/office/drawing/2014/main" id="{D8A2D8AA-337B-4F8F-AF35-F9D9F9849511}"/>
-              </a:ext>
-            </a:extLst>
-          </p:cNvPr>
-          <p:cNvSpPr txBox="1"/>
-          <p:nvPr/>
-        </p:nvSpPr>
-        <p:spPr>
-          <a:xfrm>
-            <a:off x="9790399" y="10921887"/>
-            <a:ext cx="4796852" cy="707886"/>
-          </a:xfrm>
-          <a:prstGeom prst="rect">
-            <a:avLst/>
-          </a:prstGeom>
-          <a:noFill/>
-        </p:spPr>
-        <p:txBody>
-          <a:bodyPr wrap="square" rtlCol="0">
-            <a:spAutoFit/>
-          </a:bodyPr>
-          <a:lstStyle/>
-          <a:p>
-            <a:r>
-              <a:rPr lang="en-US" sz="4000" dirty="0"/>
-              <a:t>Test Accuracy: 86%</a:t>
-            </a:r>
-          </a:p>
-        </p:txBody>
-      </p:sp>
-      <p:pic>
-        <p:nvPicPr>
-          <p:cNvPr id="4" name="Picture 3">
-            <a:extLst>
-              <a:ext uri="{FF2B5EF4-FFF2-40B4-BE49-F238E27FC236}">
-                <a16:creationId xmlns:a16="http://schemas.microsoft.com/office/drawing/2014/main" id="{466DC368-958A-1C4D-9569-0B480E723671}"/>
-              </a:ext>
-            </a:extLst>
-          </p:cNvPr>
-          <p:cNvPicPr>
-            <a:picLocks noChangeAspect="1"/>
-          </p:cNvPicPr>
-          <p:nvPr/>
-        </p:nvPicPr>
-        <p:blipFill>
-          <a:blip r:embed="rId3"/>
-          <a:stretch>
-            <a:fillRect/>
-          </a:stretch>
-        </p:blipFill>
-        <p:spPr>
-          <a:xfrm>
-            <a:off x="1211821" y="3268384"/>
-            <a:ext cx="10477463" cy="7117842"/>
-          </a:xfrm>
-          <a:prstGeom prst="rect">
-            <a:avLst/>
-          </a:prstGeom>
-        </p:spPr>
-      </p:pic>
-      <p:pic>
-        <p:nvPicPr>
-          <p:cNvPr id="5" name="Picture 4">
-            <a:extLst>
-              <a:ext uri="{FF2B5EF4-FFF2-40B4-BE49-F238E27FC236}">
-                <a16:creationId xmlns:a16="http://schemas.microsoft.com/office/drawing/2014/main" id="{04D8D627-8B5A-2741-9001-182A74A030B1}"/>
-              </a:ext>
-            </a:extLst>
-          </p:cNvPr>
-          <p:cNvPicPr>
-            <a:picLocks noChangeAspect="1"/>
-          </p:cNvPicPr>
-          <p:nvPr/>
-        </p:nvPicPr>
-        <p:blipFill>
-          <a:blip r:embed="rId4"/>
-          <a:stretch>
-            <a:fillRect/>
-          </a:stretch>
-        </p:blipFill>
-        <p:spPr>
-          <a:xfrm>
-            <a:off x="12188825" y="3268384"/>
-            <a:ext cx="10613059" cy="7188278"/>
-          </a:xfrm>
-          <a:prstGeom prst="rect">
-            <a:avLst/>
-          </a:prstGeom>
-        </p:spPr>
-      </p:pic>
-    </p:spTree>
-    <p:extLst>
-      <p:ext uri="{BB962C8B-B14F-4D97-AF65-F5344CB8AC3E}">
-        <p14:creationId xmlns:p14="http://schemas.microsoft.com/office/powerpoint/2010/main" val="2979773575"/>
-      </p:ext>
-    </p:extLst>
-  </p:cSld>
-  <p:clrMapOvr>
-    <a:masterClrMapping/>
-  </p:clrMapOvr>
-</p:sld>
-</file>
-
-<file path=ppt/slides/slide19.xml><?xml version="1.0" encoding="utf-8"?>
-<p:sld xmlns:a="http://schemas.openxmlformats.org/drawingml/2006/main" xmlns:r="http://schemas.openxmlformats.org/officeDocument/2006/relationships" xmlns:p="http://schemas.openxmlformats.org/presentationml/2006/main">
-  <p:cSld>
-    <p:spTree>
-      <p:nvGrpSpPr>
-        <p:cNvPr id="1" name="Shape 177"/>
-        <p:cNvGrpSpPr/>
-        <p:nvPr/>
-      </p:nvGrpSpPr>
-      <p:grpSpPr>
-        <a:xfrm>
-          <a:off x="0" y="0"/>
-          <a:ext cx="0" cy="0"/>
-          <a:chOff x="0" y="0"/>
-          <a:chExt cx="0" cy="0"/>
-        </a:xfrm>
-      </p:grpSpPr>
-      <p:sp>
-        <p:nvSpPr>
-          <p:cNvPr id="7" name="Google Shape;182;p10">
-            <a:extLst>
-              <a:ext uri="{FF2B5EF4-FFF2-40B4-BE49-F238E27FC236}">
-                <a16:creationId xmlns:a16="http://schemas.microsoft.com/office/drawing/2014/main" id="{5AF6879A-FC91-4CE4-A8CB-03329928EED2}"/>
-              </a:ext>
-            </a:extLst>
-          </p:cNvPr>
-          <p:cNvSpPr txBox="1"/>
-          <p:nvPr/>
-        </p:nvSpPr>
-        <p:spPr>
-          <a:xfrm>
-            <a:off x="1467853" y="1116731"/>
-            <a:ext cx="14616593" cy="1323439"/>
-          </a:xfrm>
-          <a:prstGeom prst="rect">
-            <a:avLst/>
-          </a:prstGeom>
-          <a:noFill/>
-          <a:ln>
-            <a:noFill/>
-          </a:ln>
-        </p:spPr>
-        <p:txBody>
-          <a:bodyPr spcFirstLastPara="1" wrap="square" lIns="91426" tIns="45700" rIns="91426" bIns="45700" anchor="t" anchorCtr="0">
-            <a:noAutofit/>
-          </a:bodyPr>
-          <a:lstStyle/>
-          <a:p>
-            <a:r>
-              <a:rPr lang="en-US" sz="8001" b="1" dirty="0">
-                <a:solidFill>
-                  <a:schemeClr val="dk1"/>
-                </a:solidFill>
-                <a:latin typeface="Nunito"/>
-                <a:ea typeface="Nunito"/>
-                <a:cs typeface="Nunito"/>
-                <a:sym typeface="Nunito"/>
-              </a:rPr>
-              <a:t>Network 3 Sample Output</a:t>
-            </a:r>
-            <a:endParaRPr sz="8001" b="1" dirty="0">
-              <a:solidFill>
-                <a:schemeClr val="dk1"/>
-              </a:solidFill>
-              <a:latin typeface="Nunito"/>
-              <a:ea typeface="Nunito"/>
-              <a:cs typeface="Nunito"/>
-              <a:sym typeface="Nunito"/>
-            </a:endParaRPr>
-          </a:p>
-        </p:txBody>
-      </p:sp>
-      <p:pic>
-        <p:nvPicPr>
-          <p:cNvPr id="2" name="Picture 1">
-            <a:extLst>
-              <a:ext uri="{FF2B5EF4-FFF2-40B4-BE49-F238E27FC236}">
-                <a16:creationId xmlns:a16="http://schemas.microsoft.com/office/drawing/2014/main" id="{10EAAF0C-793C-B045-85CF-6A1C0DCDFEB4}"/>
-              </a:ext>
-            </a:extLst>
-          </p:cNvPr>
-          <p:cNvPicPr>
-            <a:picLocks noChangeAspect="1"/>
-          </p:cNvPicPr>
-          <p:nvPr/>
-        </p:nvPicPr>
-        <p:blipFill>
-          <a:blip r:embed="rId3"/>
-          <a:stretch>
-            <a:fillRect/>
-          </a:stretch>
-        </p:blipFill>
-        <p:spPr>
-          <a:xfrm>
-            <a:off x="7075296" y="2549898"/>
-            <a:ext cx="9969119" cy="9024839"/>
-          </a:xfrm>
-          <a:prstGeom prst="rect">
-            <a:avLst/>
-          </a:prstGeom>
-        </p:spPr>
-      </p:pic>
-    </p:spTree>
-    <p:extLst>
-      <p:ext uri="{BB962C8B-B14F-4D97-AF65-F5344CB8AC3E}">
-        <p14:creationId xmlns:p14="http://schemas.microsoft.com/office/powerpoint/2010/main" val="3517888331"/>
-      </p:ext>
-    </p:extLst>
-  </p:cSld>
-  <p:clrMapOvr>
-    <a:masterClrMapping/>
-  </p:clrMapOvr>
-</p:sld>
-</file>
-
 <file path=ppt/slides/slide2.xml><?xml version="1.0" encoding="utf-8"?>
 <p:sld xmlns:a="http://schemas.openxmlformats.org/drawingml/2006/main" xmlns:r="http://schemas.openxmlformats.org/officeDocument/2006/relationships" xmlns:p="http://schemas.openxmlformats.org/presentationml/2006/main">
   <p:cSld>
@@ -13814,2290 +10961,6 @@
 </p:sld>
 </file>
 
-<file path=ppt/slides/slide20.xml><?xml version="1.0" encoding="utf-8"?>
-<p:sld xmlns:a="http://schemas.openxmlformats.org/drawingml/2006/main" xmlns:r="http://schemas.openxmlformats.org/officeDocument/2006/relationships" xmlns:p="http://schemas.openxmlformats.org/presentationml/2006/main">
-  <p:cSld>
-    <p:spTree>
-      <p:nvGrpSpPr>
-        <p:cNvPr id="1" name="Shape 177"/>
-        <p:cNvGrpSpPr/>
-        <p:nvPr/>
-      </p:nvGrpSpPr>
-      <p:grpSpPr>
-        <a:xfrm>
-          <a:off x="0" y="0"/>
-          <a:ext cx="0" cy="0"/>
-          <a:chOff x="0" y="0"/>
-          <a:chExt cx="0" cy="0"/>
-        </a:xfrm>
-      </p:grpSpPr>
-      <p:sp>
-        <p:nvSpPr>
-          <p:cNvPr id="11" name="Google Shape;182;p10">
-            <a:extLst>
-              <a:ext uri="{FF2B5EF4-FFF2-40B4-BE49-F238E27FC236}">
-                <a16:creationId xmlns:a16="http://schemas.microsoft.com/office/drawing/2014/main" id="{88392DE9-3CFC-A244-9978-E474088DE60F}"/>
-              </a:ext>
-            </a:extLst>
-          </p:cNvPr>
-          <p:cNvSpPr txBox="1"/>
-          <p:nvPr/>
-        </p:nvSpPr>
-        <p:spPr>
-          <a:xfrm>
-            <a:off x="1467853" y="1116731"/>
-            <a:ext cx="12488779" cy="1323439"/>
-          </a:xfrm>
-          <a:prstGeom prst="rect">
-            <a:avLst/>
-          </a:prstGeom>
-          <a:noFill/>
-          <a:ln>
-            <a:noFill/>
-          </a:ln>
-        </p:spPr>
-        <p:txBody>
-          <a:bodyPr spcFirstLastPara="1" wrap="square" lIns="91426" tIns="45700" rIns="91426" bIns="45700" anchor="t" anchorCtr="0">
-            <a:noAutofit/>
-          </a:bodyPr>
-          <a:lstStyle/>
-          <a:p>
-            <a:r>
-              <a:rPr lang="en-US" sz="8001" b="1" dirty="0">
-                <a:solidFill>
-                  <a:schemeClr val="dk1"/>
-                </a:solidFill>
-                <a:latin typeface="Nunito"/>
-                <a:ea typeface="Nunito"/>
-                <a:cs typeface="Nunito"/>
-                <a:sym typeface="Nunito"/>
-              </a:rPr>
-              <a:t>Network 3.1 and 3.2</a:t>
-            </a:r>
-            <a:endParaRPr sz="8001" b="1" dirty="0">
-              <a:solidFill>
-                <a:schemeClr val="dk1"/>
-              </a:solidFill>
-              <a:latin typeface="Nunito"/>
-              <a:ea typeface="Nunito"/>
-              <a:cs typeface="Nunito"/>
-              <a:sym typeface="Nunito"/>
-            </a:endParaRPr>
-          </a:p>
-        </p:txBody>
-      </p:sp>
-      <p:sp>
-        <p:nvSpPr>
-          <p:cNvPr id="7" name="Google Shape;181;p10">
-            <a:extLst>
-              <a:ext uri="{FF2B5EF4-FFF2-40B4-BE49-F238E27FC236}">
-                <a16:creationId xmlns:a16="http://schemas.microsoft.com/office/drawing/2014/main" id="{5284F886-3E9D-B943-B34B-B1EA85F61A21}"/>
-              </a:ext>
-            </a:extLst>
-          </p:cNvPr>
-          <p:cNvSpPr txBox="1"/>
-          <p:nvPr/>
-        </p:nvSpPr>
-        <p:spPr>
-          <a:xfrm>
-            <a:off x="1467853" y="2724004"/>
-            <a:ext cx="10432515" cy="6237870"/>
-          </a:xfrm>
-          <a:prstGeom prst="rect">
-            <a:avLst/>
-          </a:prstGeom>
-          <a:noFill/>
-          <a:ln>
-            <a:noFill/>
-          </a:ln>
-        </p:spPr>
-        <p:txBody>
-          <a:bodyPr spcFirstLastPara="1" wrap="square" lIns="91426" tIns="45700" rIns="91426" bIns="45700" anchor="t" anchorCtr="0">
-            <a:noAutofit/>
-          </a:bodyPr>
-          <a:lstStyle/>
-          <a:p>
-            <a:r>
-              <a:rPr lang="en-GB" sz="4800" b="1" dirty="0">
-                <a:solidFill>
-                  <a:srgbClr val="1B243B"/>
-                </a:solidFill>
-                <a:latin typeface="Nunito"/>
-                <a:sym typeface="Nunito"/>
-              </a:rPr>
-              <a:t>Input</a:t>
-            </a:r>
-          </a:p>
-          <a:p>
-            <a:pPr marL="685800" lvl="0" indent="-685800">
-              <a:buFont typeface="Arial" panose="020B0604020202020204" pitchFamily="34" charset="0"/>
-              <a:buChar char="•"/>
-            </a:pPr>
-            <a:r>
-              <a:rPr lang="en-US" sz="4000" dirty="0"/>
-              <a:t>Year</a:t>
-            </a:r>
-          </a:p>
-          <a:p>
-            <a:pPr marL="685800" lvl="0" indent="-685800">
-              <a:buFont typeface="Arial" panose="020B0604020202020204" pitchFamily="34" charset="0"/>
-              <a:buChar char="•"/>
-            </a:pPr>
-            <a:r>
-              <a:rPr lang="en-US" sz="4000" dirty="0">
-                <a:sym typeface="Nunito"/>
-              </a:rPr>
-              <a:t>Month</a:t>
-            </a:r>
-          </a:p>
-          <a:p>
-            <a:pPr marL="685800" lvl="0" indent="-685800">
-              <a:buFont typeface="Arial" panose="020B0604020202020204" pitchFamily="34" charset="0"/>
-              <a:buChar char="•"/>
-            </a:pPr>
-            <a:r>
-              <a:rPr lang="en-US" sz="4000" dirty="0">
-                <a:sym typeface="Nunito"/>
-              </a:rPr>
-              <a:t>Day</a:t>
-            </a:r>
-          </a:p>
-          <a:p>
-            <a:pPr marL="685800" lvl="0" indent="-685800">
-              <a:buFont typeface="Arial" panose="020B0604020202020204" pitchFamily="34" charset="0"/>
-              <a:buChar char="•"/>
-            </a:pPr>
-            <a:r>
-              <a:rPr lang="en-US" sz="4000" dirty="0">
-                <a:sym typeface="Nunito"/>
-              </a:rPr>
-              <a:t>Hour</a:t>
-            </a:r>
-          </a:p>
-          <a:p>
-            <a:pPr marL="685800" lvl="0" indent="-685800">
-              <a:buFont typeface="Arial" panose="020B0604020202020204" pitchFamily="34" charset="0"/>
-              <a:buChar char="•"/>
-            </a:pPr>
-            <a:r>
-              <a:rPr lang="en-US" sz="4000" dirty="0">
-                <a:sym typeface="Nunito"/>
-              </a:rPr>
-              <a:t>Minute</a:t>
-            </a:r>
-          </a:p>
-          <a:p>
-            <a:pPr marL="685800" lvl="0" indent="-685800">
-              <a:buFont typeface="Arial" panose="020B0604020202020204" pitchFamily="34" charset="0"/>
-              <a:buChar char="•"/>
-            </a:pPr>
-            <a:r>
-              <a:rPr lang="en-US" sz="4000" dirty="0">
-                <a:sym typeface="Nunito"/>
-              </a:rPr>
-              <a:t>Latitude</a:t>
-            </a:r>
-          </a:p>
-          <a:p>
-            <a:pPr marL="685800" lvl="0" indent="-685800">
-              <a:buFont typeface="Arial" panose="020B0604020202020204" pitchFamily="34" charset="0"/>
-              <a:buChar char="•"/>
-            </a:pPr>
-            <a:r>
-              <a:rPr lang="en-US" sz="4000" dirty="0">
-                <a:sym typeface="Nunito"/>
-              </a:rPr>
-              <a:t>Longitude</a:t>
-            </a:r>
-          </a:p>
-          <a:p>
-            <a:pPr marL="685800" lvl="0" indent="-685800">
-              <a:buFont typeface="Arial" panose="020B0604020202020204" pitchFamily="34" charset="0"/>
-              <a:buChar char="•"/>
-            </a:pPr>
-            <a:r>
-              <a:rPr lang="en-US" sz="4000" dirty="0">
-                <a:sym typeface="Nunito"/>
-              </a:rPr>
-              <a:t>Distance from Graffiti</a:t>
-            </a:r>
-          </a:p>
-          <a:p>
-            <a:pPr marL="685800" lvl="0" indent="-685800">
-              <a:buFont typeface="Arial" panose="020B0604020202020204" pitchFamily="34" charset="0"/>
-              <a:buChar char="•"/>
-            </a:pPr>
-            <a:r>
-              <a:rPr lang="en-US" sz="4000" dirty="0">
-                <a:sym typeface="Nunito"/>
-              </a:rPr>
-              <a:t>Distance from Drinking Fountain</a:t>
-            </a:r>
-          </a:p>
-          <a:p>
-            <a:pPr marL="685800" lvl="0" indent="-685800">
-              <a:buFont typeface="Arial" panose="020B0604020202020204" pitchFamily="34" charset="0"/>
-              <a:buChar char="•"/>
-            </a:pPr>
-            <a:endParaRPr lang="en-GB" sz="4800" dirty="0">
-              <a:sym typeface="Nunito"/>
-            </a:endParaRPr>
-          </a:p>
-          <a:p>
-            <a:pPr lvl="0"/>
-            <a:r>
-              <a:rPr lang="en-GB" sz="4800" b="1" dirty="0">
-                <a:solidFill>
-                  <a:srgbClr val="1B243B"/>
-                </a:solidFill>
-                <a:latin typeface="Nunito"/>
-                <a:sym typeface="Nunito"/>
-              </a:rPr>
-              <a:t>Output</a:t>
-            </a:r>
-          </a:p>
-          <a:p>
-            <a:pPr marL="685800" lvl="0" indent="-685800">
-              <a:buFont typeface="Arial" panose="020B0604020202020204" pitchFamily="34" charset="0"/>
-              <a:buChar char="•"/>
-            </a:pPr>
-            <a:r>
-              <a:rPr lang="en-US" sz="4000" dirty="0"/>
-              <a:t>Probability of crime occurring</a:t>
-            </a:r>
-            <a:endParaRPr lang="en-GB" sz="4000" dirty="0">
-              <a:sym typeface="Nunito"/>
-            </a:endParaRPr>
-          </a:p>
-        </p:txBody>
-      </p:sp>
-      <p:sp>
-        <p:nvSpPr>
-          <p:cNvPr id="8" name="Google Shape;181;p10">
-            <a:extLst>
-              <a:ext uri="{FF2B5EF4-FFF2-40B4-BE49-F238E27FC236}">
-                <a16:creationId xmlns:a16="http://schemas.microsoft.com/office/drawing/2014/main" id="{6A66CDCF-C489-F244-A89B-3A5B6D0DCCC6}"/>
-              </a:ext>
-            </a:extLst>
-          </p:cNvPr>
-          <p:cNvSpPr txBox="1"/>
-          <p:nvPr/>
-        </p:nvSpPr>
-        <p:spPr>
-          <a:xfrm>
-            <a:off x="12702781" y="2724004"/>
-            <a:ext cx="10432515" cy="6237870"/>
-          </a:xfrm>
-          <a:prstGeom prst="rect">
-            <a:avLst/>
-          </a:prstGeom>
-          <a:noFill/>
-          <a:ln>
-            <a:noFill/>
-          </a:ln>
-        </p:spPr>
-        <p:txBody>
-          <a:bodyPr spcFirstLastPara="1" wrap="square" lIns="91426" tIns="45700" rIns="91426" bIns="45700" anchor="t" anchorCtr="0">
-            <a:noAutofit/>
-          </a:bodyPr>
-          <a:lstStyle/>
-          <a:p>
-            <a:r>
-              <a:rPr lang="en-GB" sz="4800" b="1" dirty="0">
-                <a:solidFill>
-                  <a:srgbClr val="1B243B"/>
-                </a:solidFill>
-                <a:latin typeface="Nunito"/>
-                <a:sym typeface="Nunito"/>
-              </a:rPr>
-              <a:t>Input</a:t>
-            </a:r>
-          </a:p>
-          <a:p>
-            <a:pPr marL="685800" lvl="0" indent="-685800">
-              <a:buFont typeface="Arial" panose="020B0604020202020204" pitchFamily="34" charset="0"/>
-              <a:buChar char="•"/>
-            </a:pPr>
-            <a:r>
-              <a:rPr lang="en-US" sz="4000" dirty="0"/>
-              <a:t>Year</a:t>
-            </a:r>
-          </a:p>
-          <a:p>
-            <a:pPr marL="685800" lvl="0" indent="-685800">
-              <a:buFont typeface="Arial" panose="020B0604020202020204" pitchFamily="34" charset="0"/>
-              <a:buChar char="•"/>
-            </a:pPr>
-            <a:r>
-              <a:rPr lang="en-US" sz="4000" dirty="0">
-                <a:sym typeface="Nunito"/>
-              </a:rPr>
-              <a:t>Month</a:t>
-            </a:r>
-          </a:p>
-          <a:p>
-            <a:pPr marL="685800" lvl="0" indent="-685800">
-              <a:buFont typeface="Arial" panose="020B0604020202020204" pitchFamily="34" charset="0"/>
-              <a:buChar char="•"/>
-            </a:pPr>
-            <a:r>
-              <a:rPr lang="en-US" sz="4000" dirty="0">
-                <a:sym typeface="Nunito"/>
-              </a:rPr>
-              <a:t>Day</a:t>
-            </a:r>
-          </a:p>
-          <a:p>
-            <a:pPr marL="685800" lvl="0" indent="-685800">
-              <a:buFont typeface="Arial" panose="020B0604020202020204" pitchFamily="34" charset="0"/>
-              <a:buChar char="•"/>
-            </a:pPr>
-            <a:r>
-              <a:rPr lang="en-US" sz="4000" dirty="0">
-                <a:sym typeface="Nunito"/>
-              </a:rPr>
-              <a:t>Hour</a:t>
-            </a:r>
-          </a:p>
-          <a:p>
-            <a:pPr marL="685800" lvl="0" indent="-685800">
-              <a:buFont typeface="Arial" panose="020B0604020202020204" pitchFamily="34" charset="0"/>
-              <a:buChar char="•"/>
-            </a:pPr>
-            <a:r>
-              <a:rPr lang="en-US" sz="4000" dirty="0">
-                <a:sym typeface="Nunito"/>
-              </a:rPr>
-              <a:t>Minute</a:t>
-            </a:r>
-          </a:p>
-          <a:p>
-            <a:pPr marL="685800" lvl="0" indent="-685800">
-              <a:buFont typeface="Arial" panose="020B0604020202020204" pitchFamily="34" charset="0"/>
-              <a:buChar char="•"/>
-            </a:pPr>
-            <a:r>
-              <a:rPr lang="en-US" sz="4000" dirty="0">
-                <a:sym typeface="Nunito"/>
-              </a:rPr>
-              <a:t>Latitude</a:t>
-            </a:r>
-          </a:p>
-          <a:p>
-            <a:pPr marL="685800" lvl="0" indent="-685800">
-              <a:buFont typeface="Arial" panose="020B0604020202020204" pitchFamily="34" charset="0"/>
-              <a:buChar char="•"/>
-            </a:pPr>
-            <a:r>
-              <a:rPr lang="en-US" sz="4000" dirty="0">
-                <a:sym typeface="Nunito"/>
-              </a:rPr>
-              <a:t>Longitude</a:t>
-            </a:r>
-          </a:p>
-          <a:p>
-            <a:pPr marL="685800" lvl="0" indent="-685800">
-              <a:buFont typeface="Arial" panose="020B0604020202020204" pitchFamily="34" charset="0"/>
-              <a:buChar char="•"/>
-            </a:pPr>
-            <a:r>
-              <a:rPr lang="en-US" sz="4000" dirty="0">
-                <a:sym typeface="Nunito"/>
-              </a:rPr>
-              <a:t>Distance from Graffiti</a:t>
-            </a:r>
-          </a:p>
-          <a:p>
-            <a:pPr marL="685800" lvl="0" indent="-685800">
-              <a:buFont typeface="Arial" panose="020B0604020202020204" pitchFamily="34" charset="0"/>
-              <a:buChar char="•"/>
-            </a:pPr>
-            <a:r>
-              <a:rPr lang="en-US" sz="4000" dirty="0">
-                <a:sym typeface="Nunito"/>
-              </a:rPr>
-              <a:t>Distance from Drinking Fountain</a:t>
-            </a:r>
-          </a:p>
-          <a:p>
-            <a:pPr marL="685800" lvl="0" indent="-685800">
-              <a:buFont typeface="Arial" panose="020B0604020202020204" pitchFamily="34" charset="0"/>
-              <a:buChar char="•"/>
-            </a:pPr>
-            <a:r>
-              <a:rPr lang="en-US" sz="4000" dirty="0">
-                <a:sym typeface="Nunito"/>
-              </a:rPr>
-              <a:t>Google Trend Data</a:t>
-            </a:r>
-          </a:p>
-          <a:p>
-            <a:pPr marL="685800" lvl="0" indent="-685800">
-              <a:buFont typeface="Arial" panose="020B0604020202020204" pitchFamily="34" charset="0"/>
-              <a:buChar char="•"/>
-            </a:pPr>
-            <a:endParaRPr lang="en-GB" sz="4800" dirty="0">
-              <a:sym typeface="Nunito"/>
-            </a:endParaRPr>
-          </a:p>
-          <a:p>
-            <a:pPr lvl="0"/>
-            <a:r>
-              <a:rPr lang="en-GB" sz="4800" b="1" dirty="0">
-                <a:solidFill>
-                  <a:srgbClr val="1B243B"/>
-                </a:solidFill>
-                <a:latin typeface="Nunito"/>
-                <a:sym typeface="Nunito"/>
-              </a:rPr>
-              <a:t>Output</a:t>
-            </a:r>
-          </a:p>
-          <a:p>
-            <a:pPr marL="685800" lvl="0" indent="-685800">
-              <a:buFont typeface="Arial" panose="020B0604020202020204" pitchFamily="34" charset="0"/>
-              <a:buChar char="•"/>
-            </a:pPr>
-            <a:r>
-              <a:rPr lang="en-US" sz="4000" dirty="0"/>
-              <a:t>Probability of crime occurring</a:t>
-            </a:r>
-            <a:endParaRPr lang="en-GB" sz="4000" dirty="0">
-              <a:sym typeface="Nunito"/>
-            </a:endParaRPr>
-          </a:p>
-        </p:txBody>
-      </p:sp>
-      <p:cxnSp>
-        <p:nvCxnSpPr>
-          <p:cNvPr id="4" name="Straight Connector 3">
-            <a:extLst>
-              <a:ext uri="{FF2B5EF4-FFF2-40B4-BE49-F238E27FC236}">
-                <a16:creationId xmlns:a16="http://schemas.microsoft.com/office/drawing/2014/main" id="{E7BCC888-8A66-4F4F-9125-1D9A869A3152}"/>
-              </a:ext>
-            </a:extLst>
-          </p:cNvPr>
-          <p:cNvCxnSpPr/>
-          <p:nvPr/>
-        </p:nvCxnSpPr>
-        <p:spPr>
-          <a:xfrm>
-            <a:off x="11900368" y="2724004"/>
-            <a:ext cx="0" cy="8651132"/>
-          </a:xfrm>
-          <a:prstGeom prst="line">
-            <a:avLst/>
-          </a:prstGeom>
-        </p:spPr>
-        <p:style>
-          <a:lnRef idx="1">
-            <a:schemeClr val="dk1"/>
-          </a:lnRef>
-          <a:fillRef idx="0">
-            <a:schemeClr val="dk1"/>
-          </a:fillRef>
-          <a:effectRef idx="0">
-            <a:schemeClr val="dk1"/>
-          </a:effectRef>
-          <a:fontRef idx="minor">
-            <a:schemeClr val="tx1"/>
-          </a:fontRef>
-        </p:style>
-      </p:cxnSp>
-      <p:sp>
-        <p:nvSpPr>
-          <p:cNvPr id="5" name="TextBox 4">
-            <a:extLst>
-              <a:ext uri="{FF2B5EF4-FFF2-40B4-BE49-F238E27FC236}">
-                <a16:creationId xmlns:a16="http://schemas.microsoft.com/office/drawing/2014/main" id="{9FD1A630-82CC-C344-8F58-049E8482FEB7}"/>
-              </a:ext>
-            </a:extLst>
-          </p:cNvPr>
-          <p:cNvSpPr txBox="1"/>
-          <p:nvPr/>
-        </p:nvSpPr>
-        <p:spPr>
-          <a:xfrm>
-            <a:off x="6684110" y="4645151"/>
-            <a:ext cx="3877056" cy="830997"/>
-          </a:xfrm>
-          <a:prstGeom prst="rect">
-            <a:avLst/>
-          </a:prstGeom>
-          <a:noFill/>
-        </p:spPr>
-        <p:txBody>
-          <a:bodyPr wrap="square" rtlCol="0">
-            <a:spAutoFit/>
-          </a:bodyPr>
-          <a:lstStyle/>
-          <a:p>
-            <a:r>
-              <a:rPr lang="en-US" sz="4800" b="1" dirty="0">
-                <a:solidFill>
-                  <a:schemeClr val="accent5"/>
-                </a:solidFill>
-                <a:latin typeface="Nunito"/>
-              </a:rPr>
-              <a:t>Network 3.1</a:t>
-            </a:r>
-          </a:p>
-        </p:txBody>
-      </p:sp>
-      <p:sp>
-        <p:nvSpPr>
-          <p:cNvPr id="10" name="TextBox 9">
-            <a:extLst>
-              <a:ext uri="{FF2B5EF4-FFF2-40B4-BE49-F238E27FC236}">
-                <a16:creationId xmlns:a16="http://schemas.microsoft.com/office/drawing/2014/main" id="{2C2195BF-6041-3547-979D-8F8EEC3217DB}"/>
-              </a:ext>
-            </a:extLst>
-          </p:cNvPr>
-          <p:cNvSpPr txBox="1"/>
-          <p:nvPr/>
-        </p:nvSpPr>
-        <p:spPr>
-          <a:xfrm>
-            <a:off x="19258240" y="4645152"/>
-            <a:ext cx="3877056" cy="830997"/>
-          </a:xfrm>
-          <a:prstGeom prst="rect">
-            <a:avLst/>
-          </a:prstGeom>
-          <a:noFill/>
-        </p:spPr>
-        <p:txBody>
-          <a:bodyPr wrap="square" rtlCol="0">
-            <a:spAutoFit/>
-          </a:bodyPr>
-          <a:lstStyle/>
-          <a:p>
-            <a:r>
-              <a:rPr lang="en-US" sz="4800" b="1" dirty="0">
-                <a:solidFill>
-                  <a:schemeClr val="accent5"/>
-                </a:solidFill>
-                <a:latin typeface="Nunito"/>
-              </a:rPr>
-              <a:t>Network 3.2</a:t>
-            </a:r>
-          </a:p>
-        </p:txBody>
-      </p:sp>
-    </p:spTree>
-    <p:extLst>
-      <p:ext uri="{BB962C8B-B14F-4D97-AF65-F5344CB8AC3E}">
-        <p14:creationId xmlns:p14="http://schemas.microsoft.com/office/powerpoint/2010/main" val="4261855535"/>
-      </p:ext>
-    </p:extLst>
-  </p:cSld>
-  <p:clrMapOvr>
-    <a:masterClrMapping/>
-  </p:clrMapOvr>
-</p:sld>
-</file>
-
-<file path=ppt/slides/slide21.xml><?xml version="1.0" encoding="utf-8"?>
-<p:sld xmlns:a="http://schemas.openxmlformats.org/drawingml/2006/main" xmlns:r="http://schemas.openxmlformats.org/officeDocument/2006/relationships" xmlns:p="http://schemas.openxmlformats.org/presentationml/2006/main">
-  <p:cSld>
-    <p:spTree>
-      <p:nvGrpSpPr>
-        <p:cNvPr id="1" name="Shape 177"/>
-        <p:cNvGrpSpPr/>
-        <p:nvPr/>
-      </p:nvGrpSpPr>
-      <p:grpSpPr>
-        <a:xfrm>
-          <a:off x="0" y="0"/>
-          <a:ext cx="0" cy="0"/>
-          <a:chOff x="0" y="0"/>
-          <a:chExt cx="0" cy="0"/>
-        </a:xfrm>
-      </p:grpSpPr>
-      <p:sp>
-        <p:nvSpPr>
-          <p:cNvPr id="7" name="Google Shape;182;p10">
-            <a:extLst>
-              <a:ext uri="{FF2B5EF4-FFF2-40B4-BE49-F238E27FC236}">
-                <a16:creationId xmlns:a16="http://schemas.microsoft.com/office/drawing/2014/main" id="{5AF6879A-FC91-4CE4-A8CB-03329928EED2}"/>
-              </a:ext>
-            </a:extLst>
-          </p:cNvPr>
-          <p:cNvSpPr txBox="1"/>
-          <p:nvPr/>
-        </p:nvSpPr>
-        <p:spPr>
-          <a:xfrm>
-            <a:off x="1467853" y="1116731"/>
-            <a:ext cx="20624051" cy="1323439"/>
-          </a:xfrm>
-          <a:prstGeom prst="rect">
-            <a:avLst/>
-          </a:prstGeom>
-          <a:noFill/>
-          <a:ln>
-            <a:noFill/>
-          </a:ln>
-        </p:spPr>
-        <p:txBody>
-          <a:bodyPr spcFirstLastPara="1" wrap="square" lIns="91426" tIns="45700" rIns="91426" bIns="45700" anchor="t" anchorCtr="0">
-            <a:noAutofit/>
-          </a:bodyPr>
-          <a:lstStyle/>
-          <a:p>
-            <a:r>
-              <a:rPr lang="en-US" sz="8001" b="1" dirty="0">
-                <a:solidFill>
-                  <a:schemeClr val="dk1"/>
-                </a:solidFill>
-                <a:latin typeface="Nunito"/>
-                <a:ea typeface="Nunito"/>
-                <a:cs typeface="Nunito"/>
-                <a:sym typeface="Nunito"/>
-              </a:rPr>
-              <a:t>Network 3.1 and 3.2 Architecture</a:t>
-            </a:r>
-            <a:endParaRPr sz="8001" b="1" dirty="0">
-              <a:solidFill>
-                <a:schemeClr val="dk1"/>
-              </a:solidFill>
-              <a:latin typeface="Nunito"/>
-              <a:ea typeface="Nunito"/>
-              <a:cs typeface="Nunito"/>
-              <a:sym typeface="Nunito"/>
-            </a:endParaRPr>
-          </a:p>
-        </p:txBody>
-      </p:sp>
-      <p:pic>
-        <p:nvPicPr>
-          <p:cNvPr id="4" name="Picture 3">
-            <a:extLst>
-              <a:ext uri="{FF2B5EF4-FFF2-40B4-BE49-F238E27FC236}">
-                <a16:creationId xmlns:a16="http://schemas.microsoft.com/office/drawing/2014/main" id="{3ABEBA0E-F2BF-1B43-8387-0A473C17219C}"/>
-              </a:ext>
-            </a:extLst>
-          </p:cNvPr>
-          <p:cNvPicPr>
-            <a:picLocks noChangeAspect="1"/>
-          </p:cNvPicPr>
-          <p:nvPr/>
-        </p:nvPicPr>
-        <p:blipFill>
-          <a:blip r:embed="rId3"/>
-          <a:stretch>
-            <a:fillRect/>
-          </a:stretch>
-        </p:blipFill>
-        <p:spPr>
-          <a:xfrm>
-            <a:off x="4637150" y="2842506"/>
-            <a:ext cx="14709809" cy="8386326"/>
-          </a:xfrm>
-          <a:prstGeom prst="rect">
-            <a:avLst/>
-          </a:prstGeom>
-        </p:spPr>
-      </p:pic>
-    </p:spTree>
-    <p:extLst>
-      <p:ext uri="{BB962C8B-B14F-4D97-AF65-F5344CB8AC3E}">
-        <p14:creationId xmlns:p14="http://schemas.microsoft.com/office/powerpoint/2010/main" val="4094344448"/>
-      </p:ext>
-    </p:extLst>
-  </p:cSld>
-  <p:clrMapOvr>
-    <a:masterClrMapping/>
-  </p:clrMapOvr>
-</p:sld>
-</file>
-
-<file path=ppt/slides/slide22.xml><?xml version="1.0" encoding="utf-8"?>
-<p:sld xmlns:a="http://schemas.openxmlformats.org/drawingml/2006/main" xmlns:r="http://schemas.openxmlformats.org/officeDocument/2006/relationships" xmlns:p="http://schemas.openxmlformats.org/presentationml/2006/main">
-  <p:cSld>
-    <p:spTree>
-      <p:nvGrpSpPr>
-        <p:cNvPr id="1" name="Shape 177"/>
-        <p:cNvGrpSpPr/>
-        <p:nvPr/>
-      </p:nvGrpSpPr>
-      <p:grpSpPr>
-        <a:xfrm>
-          <a:off x="0" y="0"/>
-          <a:ext cx="0" cy="0"/>
-          <a:chOff x="0" y="0"/>
-          <a:chExt cx="0" cy="0"/>
-        </a:xfrm>
-      </p:grpSpPr>
-      <p:sp>
-        <p:nvSpPr>
-          <p:cNvPr id="11" name="Google Shape;182;p10">
-            <a:extLst>
-              <a:ext uri="{FF2B5EF4-FFF2-40B4-BE49-F238E27FC236}">
-                <a16:creationId xmlns:a16="http://schemas.microsoft.com/office/drawing/2014/main" id="{88392DE9-3CFC-A244-9978-E474088DE60F}"/>
-              </a:ext>
-            </a:extLst>
-          </p:cNvPr>
-          <p:cNvSpPr txBox="1"/>
-          <p:nvPr/>
-        </p:nvSpPr>
-        <p:spPr>
-          <a:xfrm>
-            <a:off x="1467853" y="1116731"/>
-            <a:ext cx="17697971" cy="1323439"/>
-          </a:xfrm>
-          <a:prstGeom prst="rect">
-            <a:avLst/>
-          </a:prstGeom>
-          <a:noFill/>
-          <a:ln>
-            <a:noFill/>
-          </a:ln>
-        </p:spPr>
-        <p:txBody>
-          <a:bodyPr spcFirstLastPara="1" wrap="square" lIns="91426" tIns="45700" rIns="91426" bIns="45700" anchor="t" anchorCtr="0">
-            <a:noAutofit/>
-          </a:bodyPr>
-          <a:lstStyle/>
-          <a:p>
-            <a:r>
-              <a:rPr lang="en-US" sz="8001" b="1" dirty="0">
-                <a:solidFill>
-                  <a:schemeClr val="dk1"/>
-                </a:solidFill>
-                <a:latin typeface="Nunito"/>
-                <a:ea typeface="Nunito"/>
-                <a:cs typeface="Nunito"/>
-                <a:sym typeface="Nunito"/>
-              </a:rPr>
-              <a:t>Network 3.1 Performance</a:t>
-            </a:r>
-            <a:endParaRPr sz="8001" b="1" dirty="0">
-              <a:solidFill>
-                <a:schemeClr val="dk1"/>
-              </a:solidFill>
-              <a:latin typeface="Nunito"/>
-              <a:ea typeface="Nunito"/>
-              <a:cs typeface="Nunito"/>
-              <a:sym typeface="Nunito"/>
-            </a:endParaRPr>
-          </a:p>
-        </p:txBody>
-      </p:sp>
-      <p:sp>
-        <p:nvSpPr>
-          <p:cNvPr id="12" name="TextBox 11">
-            <a:extLst>
-              <a:ext uri="{FF2B5EF4-FFF2-40B4-BE49-F238E27FC236}">
-                <a16:creationId xmlns:a16="http://schemas.microsoft.com/office/drawing/2014/main" id="{D8A2D8AA-337B-4F8F-AF35-F9D9F9849511}"/>
-              </a:ext>
-            </a:extLst>
-          </p:cNvPr>
-          <p:cNvSpPr txBox="1"/>
-          <p:nvPr/>
-        </p:nvSpPr>
-        <p:spPr>
-          <a:xfrm>
-            <a:off x="9424638" y="10932541"/>
-            <a:ext cx="6303041" cy="707886"/>
-          </a:xfrm>
-          <a:prstGeom prst="rect">
-            <a:avLst/>
-          </a:prstGeom>
-          <a:noFill/>
-        </p:spPr>
-        <p:txBody>
-          <a:bodyPr wrap="square" rtlCol="0">
-            <a:spAutoFit/>
-          </a:bodyPr>
-          <a:lstStyle/>
-          <a:p>
-            <a:r>
-              <a:rPr lang="en-US" sz="4000" dirty="0"/>
-              <a:t>Test Accuracy: 87.23 %</a:t>
-            </a:r>
-          </a:p>
-        </p:txBody>
-      </p:sp>
-      <p:pic>
-        <p:nvPicPr>
-          <p:cNvPr id="6" name="Picture 5">
-            <a:extLst>
-              <a:ext uri="{FF2B5EF4-FFF2-40B4-BE49-F238E27FC236}">
-                <a16:creationId xmlns:a16="http://schemas.microsoft.com/office/drawing/2014/main" id="{73811E60-F38F-5847-8D4C-5046875AF0D2}"/>
-              </a:ext>
-            </a:extLst>
-          </p:cNvPr>
-          <p:cNvPicPr>
-            <a:picLocks noChangeAspect="1"/>
-          </p:cNvPicPr>
-          <p:nvPr/>
-        </p:nvPicPr>
-        <p:blipFill>
-          <a:blip r:embed="rId3"/>
-          <a:stretch>
-            <a:fillRect/>
-          </a:stretch>
-        </p:blipFill>
-        <p:spPr>
-          <a:xfrm>
-            <a:off x="1120127" y="2831309"/>
-            <a:ext cx="11004563" cy="7329608"/>
-          </a:xfrm>
-          <a:prstGeom prst="rect">
-            <a:avLst/>
-          </a:prstGeom>
-        </p:spPr>
-      </p:pic>
-      <p:pic>
-        <p:nvPicPr>
-          <p:cNvPr id="7" name="Picture 6">
-            <a:extLst>
-              <a:ext uri="{FF2B5EF4-FFF2-40B4-BE49-F238E27FC236}">
-                <a16:creationId xmlns:a16="http://schemas.microsoft.com/office/drawing/2014/main" id="{7B88A12B-295D-1344-BBD5-E9C012FD8F74}"/>
-              </a:ext>
-            </a:extLst>
-          </p:cNvPr>
-          <p:cNvPicPr>
-            <a:picLocks noChangeAspect="1"/>
-          </p:cNvPicPr>
-          <p:nvPr/>
-        </p:nvPicPr>
-        <p:blipFill>
-          <a:blip r:embed="rId4"/>
-          <a:stretch>
-            <a:fillRect/>
-          </a:stretch>
-        </p:blipFill>
-        <p:spPr>
-          <a:xfrm>
-            <a:off x="12124690" y="2707687"/>
-            <a:ext cx="11045952" cy="7833715"/>
-          </a:xfrm>
-          <a:prstGeom prst="rect">
-            <a:avLst/>
-          </a:prstGeom>
-        </p:spPr>
-      </p:pic>
-    </p:spTree>
-    <p:extLst>
-      <p:ext uri="{BB962C8B-B14F-4D97-AF65-F5344CB8AC3E}">
-        <p14:creationId xmlns:p14="http://schemas.microsoft.com/office/powerpoint/2010/main" val="2445646829"/>
-      </p:ext>
-    </p:extLst>
-  </p:cSld>
-  <p:clrMapOvr>
-    <a:masterClrMapping/>
-  </p:clrMapOvr>
-</p:sld>
-</file>
-
-<file path=ppt/slides/slide23.xml><?xml version="1.0" encoding="utf-8"?>
-<p:sld xmlns:a="http://schemas.openxmlformats.org/drawingml/2006/main" xmlns:r="http://schemas.openxmlformats.org/officeDocument/2006/relationships" xmlns:p="http://schemas.openxmlformats.org/presentationml/2006/main">
-  <p:cSld>
-    <p:spTree>
-      <p:nvGrpSpPr>
-        <p:cNvPr id="1" name="Shape 177"/>
-        <p:cNvGrpSpPr/>
-        <p:nvPr/>
-      </p:nvGrpSpPr>
-      <p:grpSpPr>
-        <a:xfrm>
-          <a:off x="0" y="0"/>
-          <a:ext cx="0" cy="0"/>
-          <a:chOff x="0" y="0"/>
-          <a:chExt cx="0" cy="0"/>
-        </a:xfrm>
-      </p:grpSpPr>
-      <p:sp>
-        <p:nvSpPr>
-          <p:cNvPr id="11" name="Google Shape;182;p10">
-            <a:extLst>
-              <a:ext uri="{FF2B5EF4-FFF2-40B4-BE49-F238E27FC236}">
-                <a16:creationId xmlns:a16="http://schemas.microsoft.com/office/drawing/2014/main" id="{88392DE9-3CFC-A244-9978-E474088DE60F}"/>
-              </a:ext>
-            </a:extLst>
-          </p:cNvPr>
-          <p:cNvSpPr txBox="1"/>
-          <p:nvPr/>
-        </p:nvSpPr>
-        <p:spPr>
-          <a:xfrm>
-            <a:off x="1467853" y="1116731"/>
-            <a:ext cx="17697971" cy="1323439"/>
-          </a:xfrm>
-          <a:prstGeom prst="rect">
-            <a:avLst/>
-          </a:prstGeom>
-          <a:noFill/>
-          <a:ln>
-            <a:noFill/>
-          </a:ln>
-        </p:spPr>
-        <p:txBody>
-          <a:bodyPr spcFirstLastPara="1" wrap="square" lIns="91426" tIns="45700" rIns="91426" bIns="45700" anchor="t" anchorCtr="0">
-            <a:noAutofit/>
-          </a:bodyPr>
-          <a:lstStyle/>
-          <a:p>
-            <a:r>
-              <a:rPr lang="en-US" sz="8001" b="1" dirty="0">
-                <a:solidFill>
-                  <a:schemeClr val="dk1"/>
-                </a:solidFill>
-                <a:latin typeface="Nunito"/>
-                <a:ea typeface="Nunito"/>
-                <a:cs typeface="Nunito"/>
-                <a:sym typeface="Nunito"/>
-              </a:rPr>
-              <a:t>Network 3.2 Performance</a:t>
-            </a:r>
-            <a:endParaRPr sz="8001" b="1" dirty="0">
-              <a:solidFill>
-                <a:schemeClr val="dk1"/>
-              </a:solidFill>
-              <a:latin typeface="Nunito"/>
-              <a:ea typeface="Nunito"/>
-              <a:cs typeface="Nunito"/>
-              <a:sym typeface="Nunito"/>
-            </a:endParaRPr>
-          </a:p>
-        </p:txBody>
-      </p:sp>
-      <p:sp>
-        <p:nvSpPr>
-          <p:cNvPr id="12" name="TextBox 11">
-            <a:extLst>
-              <a:ext uri="{FF2B5EF4-FFF2-40B4-BE49-F238E27FC236}">
-                <a16:creationId xmlns:a16="http://schemas.microsoft.com/office/drawing/2014/main" id="{D8A2D8AA-337B-4F8F-AF35-F9D9F9849511}"/>
-              </a:ext>
-            </a:extLst>
-          </p:cNvPr>
-          <p:cNvSpPr txBox="1"/>
-          <p:nvPr/>
-        </p:nvSpPr>
-        <p:spPr>
-          <a:xfrm>
-            <a:off x="9424638" y="10932541"/>
-            <a:ext cx="6303041" cy="707886"/>
-          </a:xfrm>
-          <a:prstGeom prst="rect">
-            <a:avLst/>
-          </a:prstGeom>
-          <a:noFill/>
-        </p:spPr>
-        <p:txBody>
-          <a:bodyPr wrap="square" rtlCol="0">
-            <a:spAutoFit/>
-          </a:bodyPr>
-          <a:lstStyle/>
-          <a:p>
-            <a:r>
-              <a:rPr lang="en-US" sz="4000" dirty="0"/>
-              <a:t>Test Accuracy: 84.69 %</a:t>
-            </a:r>
-          </a:p>
-        </p:txBody>
-      </p:sp>
-      <p:pic>
-        <p:nvPicPr>
-          <p:cNvPr id="2" name="Picture 1">
-            <a:extLst>
-              <a:ext uri="{FF2B5EF4-FFF2-40B4-BE49-F238E27FC236}">
-                <a16:creationId xmlns:a16="http://schemas.microsoft.com/office/drawing/2014/main" id="{CB8400E2-3A37-3C4D-8CC8-570B44A12D4C}"/>
-              </a:ext>
-            </a:extLst>
-          </p:cNvPr>
-          <p:cNvPicPr>
-            <a:picLocks noChangeAspect="1"/>
-          </p:cNvPicPr>
-          <p:nvPr/>
-        </p:nvPicPr>
-        <p:blipFill>
-          <a:blip r:embed="rId3"/>
-          <a:stretch>
-            <a:fillRect/>
-          </a:stretch>
-        </p:blipFill>
-        <p:spPr>
-          <a:xfrm>
-            <a:off x="1028940" y="2950106"/>
-            <a:ext cx="10663403" cy="7348876"/>
-          </a:xfrm>
-          <a:prstGeom prst="rect">
-            <a:avLst/>
-          </a:prstGeom>
-        </p:spPr>
-      </p:pic>
-      <p:pic>
-        <p:nvPicPr>
-          <p:cNvPr id="3" name="Picture 2">
-            <a:extLst>
-              <a:ext uri="{FF2B5EF4-FFF2-40B4-BE49-F238E27FC236}">
-                <a16:creationId xmlns:a16="http://schemas.microsoft.com/office/drawing/2014/main" id="{B7937AFE-1977-B040-AA0E-2810C05EE2DC}"/>
-              </a:ext>
-            </a:extLst>
-          </p:cNvPr>
-          <p:cNvPicPr>
-            <a:picLocks noChangeAspect="1"/>
-          </p:cNvPicPr>
-          <p:nvPr/>
-        </p:nvPicPr>
-        <p:blipFill>
-          <a:blip r:embed="rId4"/>
-          <a:stretch>
-            <a:fillRect/>
-          </a:stretch>
-        </p:blipFill>
-        <p:spPr>
-          <a:xfrm>
-            <a:off x="12141834" y="2767226"/>
-            <a:ext cx="10718165" cy="7658221"/>
-          </a:xfrm>
-          <a:prstGeom prst="rect">
-            <a:avLst/>
-          </a:prstGeom>
-        </p:spPr>
-      </p:pic>
-    </p:spTree>
-    <p:extLst>
-      <p:ext uri="{BB962C8B-B14F-4D97-AF65-F5344CB8AC3E}">
-        <p14:creationId xmlns:p14="http://schemas.microsoft.com/office/powerpoint/2010/main" val="1016814466"/>
-      </p:ext>
-    </p:extLst>
-  </p:cSld>
-  <p:clrMapOvr>
-    <a:masterClrMapping/>
-  </p:clrMapOvr>
-</p:sld>
-</file>
-
-<file path=ppt/slides/slide24.xml><?xml version="1.0" encoding="utf-8"?>
-<p:sld xmlns:a="http://schemas.openxmlformats.org/drawingml/2006/main" xmlns:r="http://schemas.openxmlformats.org/officeDocument/2006/relationships" xmlns:p="http://schemas.openxmlformats.org/presentationml/2006/main">
-  <p:cSld>
-    <p:spTree>
-      <p:nvGrpSpPr>
-        <p:cNvPr id="1" name="Shape 177"/>
-        <p:cNvGrpSpPr/>
-        <p:nvPr/>
-      </p:nvGrpSpPr>
-      <p:grpSpPr>
-        <a:xfrm>
-          <a:off x="0" y="0"/>
-          <a:ext cx="0" cy="0"/>
-          <a:chOff x="0" y="0"/>
-          <a:chExt cx="0" cy="0"/>
-        </a:xfrm>
-      </p:grpSpPr>
-      <p:sp>
-        <p:nvSpPr>
-          <p:cNvPr id="11" name="Google Shape;182;p10">
-            <a:extLst>
-              <a:ext uri="{FF2B5EF4-FFF2-40B4-BE49-F238E27FC236}">
-                <a16:creationId xmlns:a16="http://schemas.microsoft.com/office/drawing/2014/main" id="{88392DE9-3CFC-A244-9978-E474088DE60F}"/>
-              </a:ext>
-            </a:extLst>
-          </p:cNvPr>
-          <p:cNvSpPr txBox="1"/>
-          <p:nvPr/>
-        </p:nvSpPr>
-        <p:spPr>
-          <a:xfrm>
-            <a:off x="1467853" y="1116731"/>
-            <a:ext cx="12488779" cy="1323439"/>
-          </a:xfrm>
-          <a:prstGeom prst="rect">
-            <a:avLst/>
-          </a:prstGeom>
-          <a:noFill/>
-          <a:ln>
-            <a:noFill/>
-          </a:ln>
-        </p:spPr>
-        <p:txBody>
-          <a:bodyPr spcFirstLastPara="1" wrap="square" lIns="91426" tIns="45700" rIns="91426" bIns="45700" anchor="t" anchorCtr="0">
-            <a:noAutofit/>
-          </a:bodyPr>
-          <a:lstStyle/>
-          <a:p>
-            <a:r>
-              <a:rPr lang="en-US" sz="8001" b="1" dirty="0">
-                <a:solidFill>
-                  <a:schemeClr val="dk1"/>
-                </a:solidFill>
-                <a:latin typeface="Nunito"/>
-                <a:ea typeface="Nunito"/>
-                <a:cs typeface="Nunito"/>
-                <a:sym typeface="Nunito"/>
-              </a:rPr>
-              <a:t>Network 4 Description</a:t>
-            </a:r>
-            <a:endParaRPr sz="8001" b="1" dirty="0">
-              <a:solidFill>
-                <a:schemeClr val="dk1"/>
-              </a:solidFill>
-              <a:latin typeface="Nunito"/>
-              <a:ea typeface="Nunito"/>
-              <a:cs typeface="Nunito"/>
-              <a:sym typeface="Nunito"/>
-            </a:endParaRPr>
-          </a:p>
-        </p:txBody>
-      </p:sp>
-      <p:sp>
-        <p:nvSpPr>
-          <p:cNvPr id="6" name="TextBox 5">
-            <a:extLst>
-              <a:ext uri="{FF2B5EF4-FFF2-40B4-BE49-F238E27FC236}">
-                <a16:creationId xmlns:a16="http://schemas.microsoft.com/office/drawing/2014/main" id="{A51771E4-89B0-4F19-9518-20DE24667770}"/>
-              </a:ext>
-            </a:extLst>
-          </p:cNvPr>
-          <p:cNvSpPr txBox="1"/>
-          <p:nvPr/>
-        </p:nvSpPr>
-        <p:spPr>
-          <a:xfrm>
-            <a:off x="11178110" y="7154446"/>
-            <a:ext cx="12553406" cy="707886"/>
-          </a:xfrm>
-          <a:prstGeom prst="rect">
-            <a:avLst/>
-          </a:prstGeom>
-          <a:noFill/>
-        </p:spPr>
-        <p:txBody>
-          <a:bodyPr wrap="square" rtlCol="0">
-            <a:spAutoFit/>
-          </a:bodyPr>
-          <a:lstStyle/>
-          <a:p>
-            <a:pPr algn="ctr"/>
-            <a:r>
-              <a:rPr lang="en-US" sz="4000" dirty="0"/>
-              <a:t>Sample labels vector</a:t>
-            </a:r>
-          </a:p>
-        </p:txBody>
-      </p:sp>
-      <p:sp>
-        <p:nvSpPr>
-          <p:cNvPr id="7" name="Google Shape;181;p10">
-            <a:extLst>
-              <a:ext uri="{FF2B5EF4-FFF2-40B4-BE49-F238E27FC236}">
-                <a16:creationId xmlns:a16="http://schemas.microsoft.com/office/drawing/2014/main" id="{5284F886-3E9D-B943-B34B-B1EA85F61A21}"/>
-              </a:ext>
-            </a:extLst>
-          </p:cNvPr>
-          <p:cNvSpPr txBox="1"/>
-          <p:nvPr/>
-        </p:nvSpPr>
-        <p:spPr>
-          <a:xfrm>
-            <a:off x="1467853" y="3125123"/>
-            <a:ext cx="10432515" cy="6237870"/>
-          </a:xfrm>
-          <a:prstGeom prst="rect">
-            <a:avLst/>
-          </a:prstGeom>
-          <a:noFill/>
-          <a:ln>
-            <a:noFill/>
-          </a:ln>
-        </p:spPr>
-        <p:txBody>
-          <a:bodyPr spcFirstLastPara="1" wrap="square" lIns="91426" tIns="45700" rIns="91426" bIns="45700" anchor="t" anchorCtr="0">
-            <a:noAutofit/>
-          </a:bodyPr>
-          <a:lstStyle/>
-          <a:p>
-            <a:r>
-              <a:rPr lang="en-GB" sz="4800" b="1" dirty="0">
-                <a:solidFill>
-                  <a:srgbClr val="1B243B"/>
-                </a:solidFill>
-                <a:latin typeface="Nunito"/>
-                <a:sym typeface="Nunito"/>
-              </a:rPr>
-              <a:t>Input</a:t>
-            </a:r>
-          </a:p>
-          <a:p>
-            <a:pPr marL="685800" lvl="0" indent="-685800">
-              <a:buFont typeface="Arial" panose="020B0604020202020204" pitchFamily="34" charset="0"/>
-              <a:buChar char="•"/>
-            </a:pPr>
-            <a:r>
-              <a:rPr lang="en-US" sz="4000" dirty="0"/>
-              <a:t>Year</a:t>
-            </a:r>
-          </a:p>
-          <a:p>
-            <a:pPr marL="685800" lvl="0" indent="-685800">
-              <a:buFont typeface="Arial" panose="020B0604020202020204" pitchFamily="34" charset="0"/>
-              <a:buChar char="•"/>
-            </a:pPr>
-            <a:r>
-              <a:rPr lang="en-US" sz="4000" dirty="0">
-                <a:sym typeface="Nunito"/>
-              </a:rPr>
-              <a:t>Month</a:t>
-            </a:r>
-          </a:p>
-          <a:p>
-            <a:pPr marL="685800" lvl="0" indent="-685800">
-              <a:buFont typeface="Arial" panose="020B0604020202020204" pitchFamily="34" charset="0"/>
-              <a:buChar char="•"/>
-            </a:pPr>
-            <a:r>
-              <a:rPr lang="en-US" sz="4000" dirty="0">
-                <a:sym typeface="Nunito"/>
-              </a:rPr>
-              <a:t>Day</a:t>
-            </a:r>
-          </a:p>
-          <a:p>
-            <a:pPr marL="685800" lvl="0" indent="-685800">
-              <a:buFont typeface="Arial" panose="020B0604020202020204" pitchFamily="34" charset="0"/>
-              <a:buChar char="•"/>
-            </a:pPr>
-            <a:r>
-              <a:rPr lang="en-US" sz="4000" dirty="0">
-                <a:sym typeface="Nunito"/>
-              </a:rPr>
-              <a:t>Hour</a:t>
-            </a:r>
-          </a:p>
-          <a:p>
-            <a:pPr lvl="0"/>
-            <a:endParaRPr lang="en-GB" sz="4800" dirty="0">
-              <a:sym typeface="Nunito"/>
-            </a:endParaRPr>
-          </a:p>
-          <a:p>
-            <a:pPr lvl="0"/>
-            <a:r>
-              <a:rPr lang="en-GB" sz="4800" b="1" dirty="0">
-                <a:solidFill>
-                  <a:srgbClr val="1B243B"/>
-                </a:solidFill>
-                <a:latin typeface="Nunito"/>
-                <a:sym typeface="Nunito"/>
-              </a:rPr>
-              <a:t>Output</a:t>
-            </a:r>
-          </a:p>
-          <a:p>
-            <a:pPr marL="685800" lvl="0" indent="-685800">
-              <a:buFont typeface="Arial" panose="020B0604020202020204" pitchFamily="34" charset="0"/>
-              <a:buChar char="•"/>
-            </a:pPr>
-            <a:r>
-              <a:rPr lang="en-US" sz="4000" dirty="0"/>
-              <a:t>Neighborhoods that will have crime</a:t>
-            </a:r>
-            <a:endParaRPr lang="en-GB" sz="4000" dirty="0">
-              <a:sym typeface="Nunito"/>
-            </a:endParaRPr>
-          </a:p>
-        </p:txBody>
-      </p:sp>
-      <p:pic>
-        <p:nvPicPr>
-          <p:cNvPr id="3" name="Picture 2">
-            <a:extLst>
-              <a:ext uri="{FF2B5EF4-FFF2-40B4-BE49-F238E27FC236}">
-                <a16:creationId xmlns:a16="http://schemas.microsoft.com/office/drawing/2014/main" id="{45677691-04CE-EC43-9405-21863616D24B}"/>
-              </a:ext>
-            </a:extLst>
-          </p:cNvPr>
-          <p:cNvPicPr>
-            <a:picLocks noChangeAspect="1"/>
-          </p:cNvPicPr>
-          <p:nvPr/>
-        </p:nvPicPr>
-        <p:blipFill>
-          <a:blip r:embed="rId3"/>
-          <a:stretch>
-            <a:fillRect/>
-          </a:stretch>
-        </p:blipFill>
-        <p:spPr>
-          <a:xfrm>
-            <a:off x="10876213" y="6244058"/>
-            <a:ext cx="13157200" cy="825500"/>
-          </a:xfrm>
-          <a:prstGeom prst="rect">
-            <a:avLst/>
-          </a:prstGeom>
-        </p:spPr>
-      </p:pic>
-    </p:spTree>
-    <p:extLst>
-      <p:ext uri="{BB962C8B-B14F-4D97-AF65-F5344CB8AC3E}">
-        <p14:creationId xmlns:p14="http://schemas.microsoft.com/office/powerpoint/2010/main" val="2995720459"/>
-      </p:ext>
-    </p:extLst>
-  </p:cSld>
-  <p:clrMapOvr>
-    <a:masterClrMapping/>
-  </p:clrMapOvr>
-</p:sld>
-</file>
-
-<file path=ppt/slides/slide25.xml><?xml version="1.0" encoding="utf-8"?>
-<p:sld xmlns:a="http://schemas.openxmlformats.org/drawingml/2006/main" xmlns:r="http://schemas.openxmlformats.org/officeDocument/2006/relationships" xmlns:p="http://schemas.openxmlformats.org/presentationml/2006/main">
-  <p:cSld>
-    <p:spTree>
-      <p:nvGrpSpPr>
-        <p:cNvPr id="1" name="Shape 177"/>
-        <p:cNvGrpSpPr/>
-        <p:nvPr/>
-      </p:nvGrpSpPr>
-      <p:grpSpPr>
-        <a:xfrm>
-          <a:off x="0" y="0"/>
-          <a:ext cx="0" cy="0"/>
-          <a:chOff x="0" y="0"/>
-          <a:chExt cx="0" cy="0"/>
-        </a:xfrm>
-      </p:grpSpPr>
-      <p:sp>
-        <p:nvSpPr>
-          <p:cNvPr id="7" name="Google Shape;182;p10">
-            <a:extLst>
-              <a:ext uri="{FF2B5EF4-FFF2-40B4-BE49-F238E27FC236}">
-                <a16:creationId xmlns:a16="http://schemas.microsoft.com/office/drawing/2014/main" id="{5AF6879A-FC91-4CE4-A8CB-03329928EED2}"/>
-              </a:ext>
-            </a:extLst>
-          </p:cNvPr>
-          <p:cNvSpPr txBox="1"/>
-          <p:nvPr/>
-        </p:nvSpPr>
-        <p:spPr>
-          <a:xfrm>
-            <a:off x="1467853" y="1116731"/>
-            <a:ext cx="20624051" cy="1323439"/>
-          </a:xfrm>
-          <a:prstGeom prst="rect">
-            <a:avLst/>
-          </a:prstGeom>
-          <a:noFill/>
-          <a:ln>
-            <a:noFill/>
-          </a:ln>
-        </p:spPr>
-        <p:txBody>
-          <a:bodyPr spcFirstLastPara="1" wrap="square" lIns="91426" tIns="45700" rIns="91426" bIns="45700" anchor="t" anchorCtr="0">
-            <a:noAutofit/>
-          </a:bodyPr>
-          <a:lstStyle/>
-          <a:p>
-            <a:r>
-              <a:rPr lang="en-US" sz="8001" b="1" dirty="0">
-                <a:solidFill>
-                  <a:schemeClr val="dk1"/>
-                </a:solidFill>
-                <a:latin typeface="Nunito"/>
-                <a:ea typeface="Nunito"/>
-                <a:cs typeface="Nunito"/>
-                <a:sym typeface="Nunito"/>
-              </a:rPr>
-              <a:t>Network 4 Architecture</a:t>
-            </a:r>
-            <a:endParaRPr sz="8001" b="1" dirty="0">
-              <a:solidFill>
-                <a:schemeClr val="dk1"/>
-              </a:solidFill>
-              <a:latin typeface="Nunito"/>
-              <a:ea typeface="Nunito"/>
-              <a:cs typeface="Nunito"/>
-              <a:sym typeface="Nunito"/>
-            </a:endParaRPr>
-          </a:p>
-        </p:txBody>
-      </p:sp>
-      <p:pic>
-        <p:nvPicPr>
-          <p:cNvPr id="2" name="Picture 1">
-            <a:extLst>
-              <a:ext uri="{FF2B5EF4-FFF2-40B4-BE49-F238E27FC236}">
-                <a16:creationId xmlns:a16="http://schemas.microsoft.com/office/drawing/2014/main" id="{14EF7062-D282-6C4D-8635-05B541863771}"/>
-              </a:ext>
-            </a:extLst>
-          </p:cNvPr>
-          <p:cNvPicPr>
-            <a:picLocks noChangeAspect="1"/>
-          </p:cNvPicPr>
-          <p:nvPr/>
-        </p:nvPicPr>
-        <p:blipFill>
-          <a:blip r:embed="rId3"/>
-          <a:stretch>
-            <a:fillRect/>
-          </a:stretch>
-        </p:blipFill>
-        <p:spPr>
-          <a:xfrm>
-            <a:off x="3576867" y="3117088"/>
-            <a:ext cx="16406022" cy="7343648"/>
-          </a:xfrm>
-          <a:prstGeom prst="rect">
-            <a:avLst/>
-          </a:prstGeom>
-        </p:spPr>
-      </p:pic>
-    </p:spTree>
-    <p:extLst>
-      <p:ext uri="{BB962C8B-B14F-4D97-AF65-F5344CB8AC3E}">
-        <p14:creationId xmlns:p14="http://schemas.microsoft.com/office/powerpoint/2010/main" val="1429812924"/>
-      </p:ext>
-    </p:extLst>
-  </p:cSld>
-  <p:clrMapOvr>
-    <a:masterClrMapping/>
-  </p:clrMapOvr>
-</p:sld>
-</file>
-
-<file path=ppt/slides/slide26.xml><?xml version="1.0" encoding="utf-8"?>
-<p:sld xmlns:a="http://schemas.openxmlformats.org/drawingml/2006/main" xmlns:r="http://schemas.openxmlformats.org/officeDocument/2006/relationships" xmlns:p="http://schemas.openxmlformats.org/presentationml/2006/main">
-  <p:cSld>
-    <p:spTree>
-      <p:nvGrpSpPr>
-        <p:cNvPr id="1" name="Shape 177"/>
-        <p:cNvGrpSpPr/>
-        <p:nvPr/>
-      </p:nvGrpSpPr>
-      <p:grpSpPr>
-        <a:xfrm>
-          <a:off x="0" y="0"/>
-          <a:ext cx="0" cy="0"/>
-          <a:chOff x="0" y="0"/>
-          <a:chExt cx="0" cy="0"/>
-        </a:xfrm>
-      </p:grpSpPr>
-      <p:sp>
-        <p:nvSpPr>
-          <p:cNvPr id="11" name="Google Shape;182;p10">
-            <a:extLst>
-              <a:ext uri="{FF2B5EF4-FFF2-40B4-BE49-F238E27FC236}">
-                <a16:creationId xmlns:a16="http://schemas.microsoft.com/office/drawing/2014/main" id="{88392DE9-3CFC-A244-9978-E474088DE60F}"/>
-              </a:ext>
-            </a:extLst>
-          </p:cNvPr>
-          <p:cNvSpPr txBox="1"/>
-          <p:nvPr/>
-        </p:nvSpPr>
-        <p:spPr>
-          <a:xfrm>
-            <a:off x="1467853" y="1116731"/>
-            <a:ext cx="17697971" cy="1323439"/>
-          </a:xfrm>
-          <a:prstGeom prst="rect">
-            <a:avLst/>
-          </a:prstGeom>
-          <a:noFill/>
-          <a:ln>
-            <a:noFill/>
-          </a:ln>
-        </p:spPr>
-        <p:txBody>
-          <a:bodyPr spcFirstLastPara="1" wrap="square" lIns="91426" tIns="45700" rIns="91426" bIns="45700" anchor="t" anchorCtr="0">
-            <a:noAutofit/>
-          </a:bodyPr>
-          <a:lstStyle/>
-          <a:p>
-            <a:r>
-              <a:rPr lang="en-US" sz="8001" b="1" dirty="0">
-                <a:solidFill>
-                  <a:schemeClr val="dk1"/>
-                </a:solidFill>
-                <a:latin typeface="Nunito"/>
-                <a:ea typeface="Nunito"/>
-                <a:cs typeface="Nunito"/>
-                <a:sym typeface="Nunito"/>
-              </a:rPr>
-              <a:t>Network 4 Performance</a:t>
-            </a:r>
-            <a:endParaRPr sz="8001" b="1" dirty="0">
-              <a:solidFill>
-                <a:schemeClr val="dk1"/>
-              </a:solidFill>
-              <a:latin typeface="Nunito"/>
-              <a:ea typeface="Nunito"/>
-              <a:cs typeface="Nunito"/>
-              <a:sym typeface="Nunito"/>
-            </a:endParaRPr>
-          </a:p>
-        </p:txBody>
-      </p:sp>
-      <p:sp>
-        <p:nvSpPr>
-          <p:cNvPr id="12" name="TextBox 11">
-            <a:extLst>
-              <a:ext uri="{FF2B5EF4-FFF2-40B4-BE49-F238E27FC236}">
-                <a16:creationId xmlns:a16="http://schemas.microsoft.com/office/drawing/2014/main" id="{D8A2D8AA-337B-4F8F-AF35-F9D9F9849511}"/>
-              </a:ext>
-            </a:extLst>
-          </p:cNvPr>
-          <p:cNvSpPr txBox="1"/>
-          <p:nvPr/>
-        </p:nvSpPr>
-        <p:spPr>
-          <a:xfrm>
-            <a:off x="9314910" y="10752500"/>
-            <a:ext cx="6303041" cy="707886"/>
-          </a:xfrm>
-          <a:prstGeom prst="rect">
-            <a:avLst/>
-          </a:prstGeom>
-          <a:noFill/>
-        </p:spPr>
-        <p:txBody>
-          <a:bodyPr wrap="square" rtlCol="0">
-            <a:spAutoFit/>
-          </a:bodyPr>
-          <a:lstStyle/>
-          <a:p>
-            <a:r>
-              <a:rPr lang="en-US" sz="4000" dirty="0"/>
-              <a:t>Test Accuracy: 86.15 %</a:t>
-            </a:r>
-          </a:p>
-        </p:txBody>
-      </p:sp>
-      <p:pic>
-        <p:nvPicPr>
-          <p:cNvPr id="6" name="Picture 5">
-            <a:extLst>
-              <a:ext uri="{FF2B5EF4-FFF2-40B4-BE49-F238E27FC236}">
-                <a16:creationId xmlns:a16="http://schemas.microsoft.com/office/drawing/2014/main" id="{14DCAE2E-558A-E343-8BB3-E303ACE59E28}"/>
-              </a:ext>
-            </a:extLst>
-          </p:cNvPr>
-          <p:cNvPicPr>
-            <a:picLocks noChangeAspect="1"/>
-          </p:cNvPicPr>
-          <p:nvPr/>
-        </p:nvPicPr>
-        <p:blipFill>
-          <a:blip r:embed="rId3"/>
-          <a:stretch>
-            <a:fillRect/>
-          </a:stretch>
-        </p:blipFill>
-        <p:spPr>
-          <a:xfrm>
-            <a:off x="954373" y="3069141"/>
-            <a:ext cx="10992611" cy="7054389"/>
-          </a:xfrm>
-          <a:prstGeom prst="rect">
-            <a:avLst/>
-          </a:prstGeom>
-        </p:spPr>
-      </p:pic>
-      <p:pic>
-        <p:nvPicPr>
-          <p:cNvPr id="4" name="Picture 3">
-            <a:extLst>
-              <a:ext uri="{FF2B5EF4-FFF2-40B4-BE49-F238E27FC236}">
-                <a16:creationId xmlns:a16="http://schemas.microsoft.com/office/drawing/2014/main" id="{395D802A-FF35-044C-86C4-BC23E04FA887}"/>
-              </a:ext>
-            </a:extLst>
-          </p:cNvPr>
-          <p:cNvPicPr>
-            <a:picLocks noChangeAspect="1"/>
-          </p:cNvPicPr>
-          <p:nvPr/>
-        </p:nvPicPr>
-        <p:blipFill>
-          <a:blip r:embed="rId4"/>
-          <a:stretch>
-            <a:fillRect/>
-          </a:stretch>
-        </p:blipFill>
-        <p:spPr>
-          <a:xfrm>
-            <a:off x="11946984" y="2930715"/>
-            <a:ext cx="10613026" cy="7331240"/>
-          </a:xfrm>
-          <a:prstGeom prst="rect">
-            <a:avLst/>
-          </a:prstGeom>
-        </p:spPr>
-      </p:pic>
-      <p:pic>
-        <p:nvPicPr>
-          <p:cNvPr id="5" name="Picture 4">
-            <a:extLst>
-              <a:ext uri="{FF2B5EF4-FFF2-40B4-BE49-F238E27FC236}">
-                <a16:creationId xmlns:a16="http://schemas.microsoft.com/office/drawing/2014/main" id="{F7D3DFCA-1A2D-264D-8A88-252EC7F1C463}"/>
-              </a:ext>
-            </a:extLst>
-          </p:cNvPr>
-          <p:cNvPicPr>
-            <a:picLocks noChangeAspect="1"/>
-          </p:cNvPicPr>
-          <p:nvPr/>
-        </p:nvPicPr>
-        <p:blipFill>
-          <a:blip r:embed="rId5"/>
-          <a:stretch>
-            <a:fillRect/>
-          </a:stretch>
-        </p:blipFill>
-        <p:spPr>
-          <a:xfrm>
-            <a:off x="7045325" y="6070600"/>
-            <a:ext cx="10287000" cy="1574800"/>
-          </a:xfrm>
-          <a:prstGeom prst="rect">
-            <a:avLst/>
-          </a:prstGeom>
-        </p:spPr>
-      </p:pic>
-    </p:spTree>
-    <p:extLst>
-      <p:ext uri="{BB962C8B-B14F-4D97-AF65-F5344CB8AC3E}">
-        <p14:creationId xmlns:p14="http://schemas.microsoft.com/office/powerpoint/2010/main" val="2676203033"/>
-      </p:ext>
-    </p:extLst>
-  </p:cSld>
-  <p:clrMapOvr>
-    <a:masterClrMapping/>
-  </p:clrMapOvr>
-</p:sld>
-</file>
-
-<file path=ppt/slides/slide27.xml><?xml version="1.0" encoding="utf-8"?>
-<p:sld xmlns:a="http://schemas.openxmlformats.org/drawingml/2006/main" xmlns:r="http://schemas.openxmlformats.org/officeDocument/2006/relationships" xmlns:p="http://schemas.openxmlformats.org/presentationml/2006/main">
-  <p:cSld>
-    <p:spTree>
-      <p:nvGrpSpPr>
-        <p:cNvPr id="1" name="Shape 177"/>
-        <p:cNvGrpSpPr/>
-        <p:nvPr/>
-      </p:nvGrpSpPr>
-      <p:grpSpPr>
-        <a:xfrm>
-          <a:off x="0" y="0"/>
-          <a:ext cx="0" cy="0"/>
-          <a:chOff x="0" y="0"/>
-          <a:chExt cx="0" cy="0"/>
-        </a:xfrm>
-      </p:grpSpPr>
-      <p:sp>
-        <p:nvSpPr>
-          <p:cNvPr id="11" name="Google Shape;182;p10">
-            <a:extLst>
-              <a:ext uri="{FF2B5EF4-FFF2-40B4-BE49-F238E27FC236}">
-                <a16:creationId xmlns:a16="http://schemas.microsoft.com/office/drawing/2014/main" id="{88392DE9-3CFC-A244-9978-E474088DE60F}"/>
-              </a:ext>
-            </a:extLst>
-          </p:cNvPr>
-          <p:cNvSpPr txBox="1"/>
-          <p:nvPr/>
-        </p:nvSpPr>
-        <p:spPr>
-          <a:xfrm>
-            <a:off x="1467853" y="1116731"/>
-            <a:ext cx="17697971" cy="1323439"/>
-          </a:xfrm>
-          <a:prstGeom prst="rect">
-            <a:avLst/>
-          </a:prstGeom>
-          <a:noFill/>
-          <a:ln>
-            <a:noFill/>
-          </a:ln>
-        </p:spPr>
-        <p:txBody>
-          <a:bodyPr spcFirstLastPara="1" wrap="square" lIns="91426" tIns="45700" rIns="91426" bIns="45700" anchor="t" anchorCtr="0">
-            <a:noAutofit/>
-          </a:bodyPr>
-          <a:lstStyle/>
-          <a:p>
-            <a:r>
-              <a:rPr lang="en-US" sz="8001" b="1" dirty="0">
-                <a:solidFill>
-                  <a:schemeClr val="dk1"/>
-                </a:solidFill>
-                <a:latin typeface="Nunito"/>
-                <a:ea typeface="Nunito"/>
-                <a:cs typeface="Nunito"/>
-                <a:sym typeface="Nunito"/>
-              </a:rPr>
-              <a:t>Network 4 Sample Output</a:t>
-            </a:r>
-            <a:endParaRPr sz="8001" b="1" dirty="0">
-              <a:solidFill>
-                <a:schemeClr val="dk1"/>
-              </a:solidFill>
-              <a:latin typeface="Nunito"/>
-              <a:ea typeface="Nunito"/>
-              <a:cs typeface="Nunito"/>
-              <a:sym typeface="Nunito"/>
-            </a:endParaRPr>
-          </a:p>
-        </p:txBody>
-      </p:sp>
-      <p:pic>
-        <p:nvPicPr>
-          <p:cNvPr id="7" name="Picture 6">
-            <a:extLst>
-              <a:ext uri="{FF2B5EF4-FFF2-40B4-BE49-F238E27FC236}">
-                <a16:creationId xmlns:a16="http://schemas.microsoft.com/office/drawing/2014/main" id="{F3CD512E-62EE-F54B-8E69-63209C529E61}"/>
-              </a:ext>
-            </a:extLst>
-          </p:cNvPr>
-          <p:cNvPicPr>
-            <a:picLocks noChangeAspect="1"/>
-          </p:cNvPicPr>
-          <p:nvPr/>
-        </p:nvPicPr>
-        <p:blipFill>
-          <a:blip r:embed="rId3"/>
-          <a:stretch>
-            <a:fillRect/>
-          </a:stretch>
-        </p:blipFill>
-        <p:spPr>
-          <a:xfrm>
-            <a:off x="1467853" y="5156200"/>
-            <a:ext cx="21031937" cy="3219704"/>
-          </a:xfrm>
-          <a:prstGeom prst="rect">
-            <a:avLst/>
-          </a:prstGeom>
-        </p:spPr>
-      </p:pic>
-    </p:spTree>
-    <p:extLst>
-      <p:ext uri="{BB962C8B-B14F-4D97-AF65-F5344CB8AC3E}">
-        <p14:creationId xmlns:p14="http://schemas.microsoft.com/office/powerpoint/2010/main" val="3176748105"/>
-      </p:ext>
-    </p:extLst>
-  </p:cSld>
-  <p:clrMapOvr>
-    <a:masterClrMapping/>
-  </p:clrMapOvr>
-</p:sld>
-</file>
-
-<file path=ppt/slides/slide28.xml><?xml version="1.0" encoding="utf-8"?>
-<p:sld xmlns:a="http://schemas.openxmlformats.org/drawingml/2006/main" xmlns:r="http://schemas.openxmlformats.org/officeDocument/2006/relationships" xmlns:p="http://schemas.openxmlformats.org/presentationml/2006/main">
-  <p:cSld>
-    <p:spTree>
-      <p:nvGrpSpPr>
-        <p:cNvPr id="1" name="Shape 177"/>
-        <p:cNvGrpSpPr/>
-        <p:nvPr/>
-      </p:nvGrpSpPr>
-      <p:grpSpPr>
-        <a:xfrm>
-          <a:off x="0" y="0"/>
-          <a:ext cx="0" cy="0"/>
-          <a:chOff x="0" y="0"/>
-          <a:chExt cx="0" cy="0"/>
-        </a:xfrm>
-      </p:grpSpPr>
-      <p:sp>
-        <p:nvSpPr>
-          <p:cNvPr id="11" name="Google Shape;182;p10">
-            <a:extLst>
-              <a:ext uri="{FF2B5EF4-FFF2-40B4-BE49-F238E27FC236}">
-                <a16:creationId xmlns:a16="http://schemas.microsoft.com/office/drawing/2014/main" id="{88392DE9-3CFC-A244-9978-E474088DE60F}"/>
-              </a:ext>
-            </a:extLst>
-          </p:cNvPr>
-          <p:cNvSpPr txBox="1"/>
-          <p:nvPr/>
-        </p:nvSpPr>
-        <p:spPr>
-          <a:xfrm>
-            <a:off x="1467853" y="1116731"/>
-            <a:ext cx="17697971" cy="1323439"/>
-          </a:xfrm>
-          <a:prstGeom prst="rect">
-            <a:avLst/>
-          </a:prstGeom>
-          <a:noFill/>
-          <a:ln>
-            <a:noFill/>
-          </a:ln>
-        </p:spPr>
-        <p:txBody>
-          <a:bodyPr spcFirstLastPara="1" wrap="square" lIns="91426" tIns="45700" rIns="91426" bIns="45700" anchor="t" anchorCtr="0">
-            <a:noAutofit/>
-          </a:bodyPr>
-          <a:lstStyle/>
-          <a:p>
-            <a:r>
-              <a:rPr lang="en-US" sz="8001" b="1" dirty="0">
-                <a:solidFill>
-                  <a:schemeClr val="dk1"/>
-                </a:solidFill>
-                <a:latin typeface="Nunito"/>
-                <a:ea typeface="Nunito"/>
-                <a:cs typeface="Nunito"/>
-                <a:sym typeface="Nunito"/>
-              </a:rPr>
-              <a:t>Conclusion</a:t>
-            </a:r>
-            <a:endParaRPr sz="8001" b="1" dirty="0">
-              <a:solidFill>
-                <a:schemeClr val="dk1"/>
-              </a:solidFill>
-              <a:latin typeface="Nunito"/>
-              <a:ea typeface="Nunito"/>
-              <a:cs typeface="Nunito"/>
-              <a:sym typeface="Nunito"/>
-            </a:endParaRPr>
-          </a:p>
-        </p:txBody>
-      </p:sp>
-      <p:sp>
-        <p:nvSpPr>
-          <p:cNvPr id="4" name="Google Shape;181;p10">
-            <a:extLst>
-              <a:ext uri="{FF2B5EF4-FFF2-40B4-BE49-F238E27FC236}">
-                <a16:creationId xmlns:a16="http://schemas.microsoft.com/office/drawing/2014/main" id="{B4FACFD8-6D21-D740-BC8F-C80ED49A948B}"/>
-              </a:ext>
-            </a:extLst>
-          </p:cNvPr>
-          <p:cNvSpPr txBox="1"/>
-          <p:nvPr/>
-        </p:nvSpPr>
-        <p:spPr>
-          <a:xfrm>
-            <a:off x="1467853" y="3417300"/>
-            <a:ext cx="21380424" cy="1909092"/>
-          </a:xfrm>
-          <a:prstGeom prst="rect">
-            <a:avLst/>
-          </a:prstGeom>
-          <a:noFill/>
-          <a:ln>
-            <a:noFill/>
-          </a:ln>
-        </p:spPr>
-        <p:txBody>
-          <a:bodyPr spcFirstLastPara="1" wrap="square" lIns="91426" tIns="45700" rIns="91426" bIns="45700" anchor="t" anchorCtr="0">
-            <a:noAutofit/>
-          </a:bodyPr>
-          <a:lstStyle/>
-          <a:p>
-            <a:pPr marL="685800" indent="-685800">
-              <a:buFontTx/>
-              <a:buChar char="-"/>
-            </a:pPr>
-            <a:r>
-              <a:rPr lang="en-GB" sz="5400" b="1" dirty="0">
-                <a:solidFill>
-                  <a:schemeClr val="dk2"/>
-                </a:solidFill>
-                <a:latin typeface="Nunito"/>
-                <a:ea typeface="Nunito"/>
-                <a:cs typeface="Nunito"/>
-                <a:sym typeface="Nunito"/>
-              </a:rPr>
-              <a:t>Using one network alone is not enough</a:t>
-            </a:r>
-          </a:p>
-          <a:p>
-            <a:pPr marL="685800" indent="-685800">
-              <a:buFontTx/>
-              <a:buChar char="-"/>
-            </a:pPr>
-            <a:endParaRPr lang="en-GB" sz="5400" b="1" dirty="0">
-              <a:solidFill>
-                <a:schemeClr val="dk2"/>
-              </a:solidFill>
-              <a:latin typeface="Nunito"/>
-              <a:ea typeface="Nunito"/>
-              <a:cs typeface="Nunito"/>
-              <a:sym typeface="Nunito"/>
-            </a:endParaRPr>
-          </a:p>
-          <a:p>
-            <a:pPr marL="685800" indent="-685800">
-              <a:buFontTx/>
-              <a:buChar char="-"/>
-            </a:pPr>
-            <a:r>
-              <a:rPr lang="en-GB" sz="5400" b="1" dirty="0">
-                <a:solidFill>
-                  <a:schemeClr val="dk2"/>
-                </a:solidFill>
-                <a:latin typeface="Nunito"/>
-                <a:ea typeface="Nunito"/>
-                <a:cs typeface="Nunito"/>
-                <a:sym typeface="Nunito"/>
-              </a:rPr>
-              <a:t>Using multiple different networks in conjunction to predict different attributes is key.</a:t>
-            </a:r>
-          </a:p>
-          <a:p>
-            <a:pPr marL="685800" indent="-685800">
-              <a:buFontTx/>
-              <a:buChar char="-"/>
-            </a:pPr>
-            <a:endParaRPr lang="en-GB" sz="5400" b="1" dirty="0">
-              <a:solidFill>
-                <a:schemeClr val="dk2"/>
-              </a:solidFill>
-              <a:latin typeface="Nunito"/>
-              <a:ea typeface="Nunito"/>
-              <a:cs typeface="Nunito"/>
-              <a:sym typeface="Nunito"/>
-            </a:endParaRPr>
-          </a:p>
-          <a:p>
-            <a:pPr marL="685800" indent="-685800">
-              <a:buFontTx/>
-              <a:buChar char="-"/>
-            </a:pPr>
-            <a:r>
-              <a:rPr lang="en-GB" sz="5400" b="1" dirty="0">
-                <a:solidFill>
-                  <a:schemeClr val="dk2"/>
-                </a:solidFill>
-                <a:latin typeface="Nunito"/>
-                <a:ea typeface="Nunito"/>
-                <a:cs typeface="Nunito"/>
-                <a:sym typeface="Nunito"/>
-              </a:rPr>
-              <a:t>Network 2 and 4 together can be used to predict where crime will happen and what type of crime it will be </a:t>
-            </a:r>
-          </a:p>
-        </p:txBody>
-      </p:sp>
-    </p:spTree>
-    <p:extLst>
-      <p:ext uri="{BB962C8B-B14F-4D97-AF65-F5344CB8AC3E}">
-        <p14:creationId xmlns:p14="http://schemas.microsoft.com/office/powerpoint/2010/main" val="1339986867"/>
-      </p:ext>
-    </p:extLst>
-  </p:cSld>
-  <p:clrMapOvr>
-    <a:masterClrMapping/>
-  </p:clrMapOvr>
-</p:sld>
-</file>
-
-<file path=ppt/slides/slide29.xml><?xml version="1.0" encoding="utf-8"?>
-<p:sld xmlns:a="http://schemas.openxmlformats.org/drawingml/2006/main" xmlns:r="http://schemas.openxmlformats.org/officeDocument/2006/relationships" xmlns:p="http://schemas.openxmlformats.org/presentationml/2006/main">
-  <p:cSld>
-    <p:spTree>
-      <p:nvGrpSpPr>
-        <p:cNvPr id="1" name="Shape 177"/>
-        <p:cNvGrpSpPr/>
-        <p:nvPr/>
-      </p:nvGrpSpPr>
-      <p:grpSpPr>
-        <a:xfrm>
-          <a:off x="0" y="0"/>
-          <a:ext cx="0" cy="0"/>
-          <a:chOff x="0" y="0"/>
-          <a:chExt cx="0" cy="0"/>
-        </a:xfrm>
-      </p:grpSpPr>
-      <p:sp>
-        <p:nvSpPr>
-          <p:cNvPr id="11" name="Google Shape;182;p10">
-            <a:extLst>
-              <a:ext uri="{FF2B5EF4-FFF2-40B4-BE49-F238E27FC236}">
-                <a16:creationId xmlns:a16="http://schemas.microsoft.com/office/drawing/2014/main" id="{88392DE9-3CFC-A244-9978-E474088DE60F}"/>
-              </a:ext>
-            </a:extLst>
-          </p:cNvPr>
-          <p:cNvSpPr txBox="1"/>
-          <p:nvPr/>
-        </p:nvSpPr>
-        <p:spPr>
-          <a:xfrm>
-            <a:off x="1467853" y="1116731"/>
-            <a:ext cx="17697971" cy="1323439"/>
-          </a:xfrm>
-          <a:prstGeom prst="rect">
-            <a:avLst/>
-          </a:prstGeom>
-          <a:noFill/>
-          <a:ln>
-            <a:noFill/>
-          </a:ln>
-        </p:spPr>
-        <p:txBody>
-          <a:bodyPr spcFirstLastPara="1" wrap="square" lIns="91426" tIns="45700" rIns="91426" bIns="45700" anchor="t" anchorCtr="0">
-            <a:noAutofit/>
-          </a:bodyPr>
-          <a:lstStyle/>
-          <a:p>
-            <a:r>
-              <a:rPr lang="en-US" sz="8001" b="1" dirty="0">
-                <a:solidFill>
-                  <a:schemeClr val="dk1"/>
-                </a:solidFill>
-                <a:latin typeface="Nunito"/>
-                <a:ea typeface="Nunito"/>
-                <a:cs typeface="Nunito"/>
-                <a:sym typeface="Nunito"/>
-              </a:rPr>
-              <a:t>References</a:t>
-            </a:r>
-            <a:endParaRPr sz="8001" b="1" dirty="0">
-              <a:solidFill>
-                <a:schemeClr val="dk1"/>
-              </a:solidFill>
-              <a:latin typeface="Nunito"/>
-              <a:ea typeface="Nunito"/>
-              <a:cs typeface="Nunito"/>
-              <a:sym typeface="Nunito"/>
-            </a:endParaRPr>
-          </a:p>
-        </p:txBody>
-      </p:sp>
-      <p:sp>
-        <p:nvSpPr>
-          <p:cNvPr id="5" name="Google Shape;181;p10">
-            <a:extLst>
-              <a:ext uri="{FF2B5EF4-FFF2-40B4-BE49-F238E27FC236}">
-                <a16:creationId xmlns:a16="http://schemas.microsoft.com/office/drawing/2014/main" id="{DD1EC4B0-E464-CD44-8D9C-C0A7F8A01745}"/>
-              </a:ext>
-            </a:extLst>
-          </p:cNvPr>
-          <p:cNvSpPr txBox="1"/>
-          <p:nvPr/>
-        </p:nvSpPr>
-        <p:spPr>
-          <a:xfrm>
-            <a:off x="1467853" y="3124692"/>
-            <a:ext cx="22635731" cy="1909092"/>
-          </a:xfrm>
-          <a:prstGeom prst="rect">
-            <a:avLst/>
-          </a:prstGeom>
-          <a:noFill/>
-          <a:ln>
-            <a:noFill/>
-          </a:ln>
-        </p:spPr>
-        <p:txBody>
-          <a:bodyPr spcFirstLastPara="1" wrap="square" lIns="91426" tIns="45700" rIns="91426" bIns="45700" anchor="t" anchorCtr="0">
-            <a:noAutofit/>
-          </a:bodyPr>
-          <a:lstStyle/>
-          <a:p>
-            <a:r>
-              <a:rPr lang="en-US" sz="4400" dirty="0">
-                <a:solidFill>
-                  <a:schemeClr val="dk1"/>
-                </a:solidFill>
-                <a:latin typeface="Nunito"/>
-              </a:rPr>
-              <a:t>[1] P. Carlen, Women, Crime and Poverty. Open University Press, </a:t>
-            </a:r>
-            <a:r>
-              <a:rPr lang="en-US" sz="4400" dirty="0" err="1">
-                <a:solidFill>
-                  <a:schemeClr val="dk1"/>
-                </a:solidFill>
-                <a:latin typeface="Nunito"/>
-              </a:rPr>
-              <a:t>dec</a:t>
-            </a:r>
-            <a:r>
-              <a:rPr lang="en-US" sz="4400" dirty="0">
-                <a:solidFill>
-                  <a:schemeClr val="dk1"/>
-                </a:solidFill>
-                <a:latin typeface="Nunito"/>
-              </a:rPr>
-              <a:t> 1988.</a:t>
-            </a:r>
-          </a:p>
-          <a:p>
-            <a:endParaRPr lang="en-US" sz="4400" dirty="0">
-              <a:solidFill>
-                <a:schemeClr val="dk1"/>
-              </a:solidFill>
-              <a:latin typeface="Nunito"/>
-            </a:endParaRPr>
-          </a:p>
-          <a:p>
-            <a:r>
-              <a:rPr lang="en-US" sz="4400" dirty="0">
-                <a:solidFill>
-                  <a:schemeClr val="dk1"/>
-                </a:solidFill>
-                <a:latin typeface="Nunito"/>
-              </a:rPr>
-              <a:t>[2] "Google Trends vs Crimes in Vancouver | Kaggle", </a:t>
-            </a:r>
-            <a:r>
-              <a:rPr lang="en-US" sz="4400" dirty="0" err="1">
-                <a:solidFill>
-                  <a:schemeClr val="dk1"/>
-                </a:solidFill>
-                <a:latin typeface="Nunito"/>
-              </a:rPr>
-              <a:t>Kaggle.com</a:t>
-            </a:r>
-            <a:r>
-              <a:rPr lang="en-US" sz="4400" dirty="0">
-                <a:solidFill>
-                  <a:schemeClr val="dk1"/>
-                </a:solidFill>
-                <a:latin typeface="Nunito"/>
-              </a:rPr>
-              <a:t>, 2019. [Online]. Available: https://</a:t>
-            </a:r>
-            <a:r>
-              <a:rPr lang="en-US" sz="4400" dirty="0" err="1">
-                <a:solidFill>
-                  <a:schemeClr val="dk1"/>
-                </a:solidFill>
-                <a:latin typeface="Nunito"/>
-              </a:rPr>
-              <a:t>www.kaggle.com</a:t>
-            </a:r>
-            <a:r>
-              <a:rPr lang="en-US" sz="4400" dirty="0">
-                <a:solidFill>
-                  <a:schemeClr val="dk1"/>
-                </a:solidFill>
-                <a:latin typeface="Nunito"/>
-              </a:rPr>
-              <a:t>/</a:t>
-            </a:r>
-            <a:r>
-              <a:rPr lang="en-US" sz="4400" dirty="0" err="1">
-                <a:solidFill>
-                  <a:schemeClr val="dk1"/>
-                </a:solidFill>
-                <a:latin typeface="Nunito"/>
-              </a:rPr>
-              <a:t>wosaku</a:t>
-            </a:r>
-            <a:r>
-              <a:rPr lang="en-US" sz="4400" dirty="0">
-                <a:solidFill>
-                  <a:schemeClr val="dk1"/>
-                </a:solidFill>
-                <a:latin typeface="Nunito"/>
-              </a:rPr>
-              <a:t>/google-trends-vs-crimes-in-</a:t>
-            </a:r>
-            <a:r>
-              <a:rPr lang="en-US" sz="4400" dirty="0" err="1">
-                <a:solidFill>
-                  <a:schemeClr val="dk1"/>
-                </a:solidFill>
-                <a:latin typeface="Nunito"/>
-              </a:rPr>
-              <a:t>vancouver</a:t>
-            </a:r>
-            <a:r>
-              <a:rPr lang="en-US" sz="4400" dirty="0">
-                <a:solidFill>
-                  <a:schemeClr val="dk1"/>
-                </a:solidFill>
-                <a:latin typeface="Nunito"/>
-              </a:rPr>
-              <a:t>. </a:t>
-            </a:r>
-          </a:p>
-          <a:p>
-            <a:endParaRPr lang="en-US" sz="4400" dirty="0">
-              <a:solidFill>
-                <a:schemeClr val="dk1"/>
-              </a:solidFill>
-              <a:latin typeface="Nunito"/>
-            </a:endParaRPr>
-          </a:p>
-          <a:p>
-            <a:r>
-              <a:rPr lang="en-US" sz="4400" dirty="0">
-                <a:solidFill>
-                  <a:schemeClr val="dk1"/>
-                </a:solidFill>
-                <a:latin typeface="Nunito"/>
-              </a:rPr>
-              <a:t>[3] N. Khalid and Y. </a:t>
-            </a:r>
-            <a:r>
-              <a:rPr lang="en-US" sz="4400" dirty="0" err="1">
-                <a:solidFill>
-                  <a:schemeClr val="dk1"/>
-                </a:solidFill>
-                <a:latin typeface="Nunito"/>
-              </a:rPr>
-              <a:t>Khaireddin</a:t>
-            </a:r>
-            <a:r>
-              <a:rPr lang="en-US" sz="4400" dirty="0">
-                <a:solidFill>
-                  <a:schemeClr val="dk1"/>
-                </a:solidFill>
-                <a:latin typeface="Nunito"/>
-              </a:rPr>
-              <a:t>, "ELE494-Project", GitHub, 2019. [Online]. Available: https://</a:t>
-            </a:r>
-            <a:r>
-              <a:rPr lang="en-US" sz="4400" dirty="0" err="1">
-                <a:solidFill>
-                  <a:schemeClr val="dk1"/>
-                </a:solidFill>
-                <a:latin typeface="Nunito"/>
-              </a:rPr>
-              <a:t>github.com</a:t>
-            </a:r>
-            <a:r>
-              <a:rPr lang="en-US" sz="4400" dirty="0">
-                <a:solidFill>
-                  <a:schemeClr val="dk1"/>
-                </a:solidFill>
-                <a:latin typeface="Nunito"/>
-              </a:rPr>
-              <a:t>/NasirKhalid24/ELE494-Project.</a:t>
-            </a:r>
-            <a:endParaRPr lang="en-GB" sz="5400" b="1" dirty="0">
-              <a:solidFill>
-                <a:schemeClr val="dk2"/>
-              </a:solidFill>
-              <a:latin typeface="Nunito"/>
-              <a:ea typeface="Nunito"/>
-              <a:cs typeface="Nunito"/>
-              <a:sym typeface="Nunito"/>
-            </a:endParaRPr>
-          </a:p>
-          <a:p>
-            <a:endParaRPr lang="en-GB" sz="5400" b="1" dirty="0">
-              <a:solidFill>
-                <a:schemeClr val="dk2"/>
-              </a:solidFill>
-              <a:latin typeface="Nunito"/>
-              <a:ea typeface="Nunito"/>
-              <a:cs typeface="Nunito"/>
-              <a:sym typeface="Nunito"/>
-            </a:endParaRPr>
-          </a:p>
-        </p:txBody>
-      </p:sp>
-    </p:spTree>
-    <p:extLst>
-      <p:ext uri="{BB962C8B-B14F-4D97-AF65-F5344CB8AC3E}">
-        <p14:creationId xmlns:p14="http://schemas.microsoft.com/office/powerpoint/2010/main" val="2308148973"/>
-      </p:ext>
-    </p:extLst>
-  </p:cSld>
-  <p:clrMapOvr>
-    <a:masterClrMapping/>
-  </p:clrMapOvr>
-</p:sld>
-</file>
-
 <file path=ppt/slides/slide3.xml><?xml version="1.0" encoding="utf-8"?>
 <p:sld xmlns:a="http://schemas.openxmlformats.org/drawingml/2006/main" xmlns:r="http://schemas.openxmlformats.org/officeDocument/2006/relationships" xmlns:p="http://schemas.openxmlformats.org/presentationml/2006/main">
   <p:cSld>
@@ -16123,7 +10986,7 @@
         </p:nvSpPr>
         <p:spPr>
           <a:xfrm>
-            <a:off x="1467853" y="2342880"/>
+            <a:off x="1467853" y="2512280"/>
             <a:ext cx="21380424" cy="1909092"/>
           </a:xfrm>
           <a:prstGeom prst="rect">
@@ -16253,7 +11116,7 @@
           </a:p>
           <a:p>
             <a:r>
-              <a:rPr lang="en-GB" sz="6000" b="1" i="1" dirty="0">
+              <a:rPr lang="en-GB" sz="6600" b="1" dirty="0">
                 <a:solidFill>
                   <a:schemeClr val="dk2"/>
                 </a:solidFill>
@@ -16306,7 +11169,7 @@
         </p:nvSpPr>
         <p:spPr>
           <a:xfrm>
-            <a:off x="1467853" y="1019441"/>
+            <a:off x="1467853" y="1116731"/>
             <a:ext cx="12488779" cy="1323439"/>
           </a:xfrm>
           <a:prstGeom prst="rect">

--- a/Final Presentation.pptx
+++ b/Final Presentation.pptx
@@ -5,7 +5,7 @@
     <p:sldMasterId id="2147483650" r:id="rId1"/>
   </p:sldMasterIdLst>
   <p:notesMasterIdLst>
-    <p:notesMasterId r:id="rId17"/>
+    <p:notesMasterId r:id="rId31"/>
   </p:notesMasterIdLst>
   <p:sldIdLst>
     <p:sldId id="300" r:id="rId2"/>
@@ -23,16 +23,30 @@
     <p:sldId id="319" r:id="rId14"/>
     <p:sldId id="316" r:id="rId15"/>
     <p:sldId id="320" r:id="rId16"/>
+    <p:sldId id="322" r:id="rId17"/>
+    <p:sldId id="323" r:id="rId18"/>
+    <p:sldId id="324" r:id="rId19"/>
+    <p:sldId id="325" r:id="rId20"/>
+    <p:sldId id="326" r:id="rId21"/>
+    <p:sldId id="328" r:id="rId22"/>
+    <p:sldId id="329" r:id="rId23"/>
+    <p:sldId id="330" r:id="rId24"/>
+    <p:sldId id="331" r:id="rId25"/>
+    <p:sldId id="332" r:id="rId26"/>
+    <p:sldId id="333" r:id="rId27"/>
+    <p:sldId id="334" r:id="rId28"/>
+    <p:sldId id="335" r:id="rId29"/>
+    <p:sldId id="336" r:id="rId30"/>
   </p:sldIdLst>
   <p:sldSz cx="24377650" cy="13716000"/>
   <p:notesSz cx="6858000" cy="9144000"/>
   <p:embeddedFontLst>
     <p:embeddedFont>
-      <p:font typeface="Nunito" panose="020B0604020202020204" charset="0"/>
-      <p:regular r:id="rId18"/>
-      <p:bold r:id="rId19"/>
-      <p:italic r:id="rId20"/>
-      <p:boldItalic r:id="rId21"/>
+      <p:font typeface="Nunito" pitchFamily="2" charset="77"/>
+      <p:regular r:id="rId32"/>
+      <p:bold r:id="rId33"/>
+      <p:italic r:id="rId34"/>
+      <p:boldItalic r:id="rId35"/>
     </p:embeddedFont>
   </p:embeddedFontLst>
   <p:defaultTextStyle>
@@ -2330,6 +2344,671 @@
 </p:notes>
 </file>
 
+<file path=ppt/notesSlides/notesSlide15.xml><?xml version="1.0" encoding="utf-8"?>
+<p:notes xmlns:a="http://schemas.openxmlformats.org/drawingml/2006/main" xmlns:r="http://schemas.openxmlformats.org/officeDocument/2006/relationships" xmlns:p="http://schemas.openxmlformats.org/presentationml/2006/main" showMasterSp="0" showMasterPhAnim="0">
+  <p:cSld>
+    <p:spTree>
+      <p:nvGrpSpPr>
+        <p:cNvPr id="1" name="Shape 174"/>
+        <p:cNvGrpSpPr/>
+        <p:nvPr/>
+      </p:nvGrpSpPr>
+      <p:grpSpPr>
+        <a:xfrm>
+          <a:off x="0" y="0"/>
+          <a:ext cx="0" cy="0"/>
+          <a:chOff x="0" y="0"/>
+          <a:chExt cx="0" cy="0"/>
+        </a:xfrm>
+      </p:grpSpPr>
+      <p:sp>
+        <p:nvSpPr>
+          <p:cNvPr id="175" name="Google Shape;175;p16:notes"/>
+          <p:cNvSpPr>
+            <a:spLocks noGrp="1" noRot="1" noChangeAspect="1"/>
+          </p:cNvSpPr>
+          <p:nvPr>
+            <p:ph type="sldImg" idx="2"/>
+          </p:nvPr>
+        </p:nvSpPr>
+        <p:spPr>
+          <a:xfrm>
+            <a:off x="-16989425" y="-11796713"/>
+            <a:ext cx="22153563" cy="12465051"/>
+          </a:xfrm>
+          <a:custGeom>
+            <a:avLst/>
+            <a:gdLst/>
+            <a:ahLst/>
+            <a:cxnLst/>
+            <a:rect l="l" t="t" r="r" b="b"/>
+            <a:pathLst>
+              <a:path w="120000" h="120000" extrusionOk="0">
+                <a:moveTo>
+                  <a:pt x="0" y="0"/>
+                </a:moveTo>
+                <a:lnTo>
+                  <a:pt x="120000" y="0"/>
+                </a:lnTo>
+                <a:lnTo>
+                  <a:pt x="120000" y="120000"/>
+                </a:lnTo>
+                <a:lnTo>
+                  <a:pt x="0" y="120000"/>
+                </a:lnTo>
+                <a:close/>
+              </a:path>
+            </a:pathLst>
+          </a:custGeom>
+          <a:solidFill>
+            <a:srgbClr val="FFFFFF"/>
+          </a:solidFill>
+          <a:ln w="9525" cap="flat" cmpd="sng">
+            <a:solidFill>
+              <a:srgbClr val="000000"/>
+            </a:solidFill>
+            <a:prstDash val="solid"/>
+            <a:miter lim="8000"/>
+            <a:headEnd type="none" w="sm" len="sm"/>
+            <a:tailEnd type="none" w="sm" len="sm"/>
+          </a:ln>
+        </p:spPr>
+      </p:sp>
+      <p:sp>
+        <p:nvSpPr>
+          <p:cNvPr id="176" name="Google Shape;176;p16:notes"/>
+          <p:cNvSpPr txBox="1">
+            <a:spLocks noGrp="1"/>
+          </p:cNvSpPr>
+          <p:nvPr>
+            <p:ph type="body" idx="1"/>
+          </p:nvPr>
+        </p:nvSpPr>
+        <p:spPr>
+          <a:xfrm>
+            <a:off x="685800" y="4343400"/>
+            <a:ext cx="5457825" cy="4086225"/>
+          </a:xfrm>
+          <a:prstGeom prst="rect">
+            <a:avLst/>
+          </a:prstGeom>
+          <a:noFill/>
+          <a:ln>
+            <a:noFill/>
+          </a:ln>
+        </p:spPr>
+        <p:txBody>
+          <a:bodyPr spcFirstLastPara="1" wrap="square" lIns="91425" tIns="45700" rIns="91425" bIns="45700" anchor="ctr" anchorCtr="0">
+            <a:noAutofit/>
+          </a:bodyPr>
+          <a:lstStyle/>
+          <a:p>
+            <a:pPr marL="0" marR="0" lvl="0" indent="0" algn="l" rtl="0">
+              <a:spcBef>
+                <a:spcPts val="0"/>
+              </a:spcBef>
+              <a:spcAft>
+                <a:spcPts val="0"/>
+              </a:spcAft>
+              <a:buNone/>
+            </a:pPr>
+            <a:endParaRPr lang="en-US" sz="2400" b="0" i="0" u="none" strike="noStrike" cap="none" dirty="0">
+              <a:solidFill>
+                <a:schemeClr val="dk1"/>
+              </a:solidFill>
+              <a:latin typeface="Nunito"/>
+              <a:ea typeface="Nunito"/>
+              <a:cs typeface="Nunito"/>
+              <a:sym typeface="Nunito"/>
+            </a:endParaRPr>
+          </a:p>
+        </p:txBody>
+      </p:sp>
+    </p:spTree>
+    <p:extLst>
+      <p:ext uri="{BB962C8B-B14F-4D97-AF65-F5344CB8AC3E}">
+        <p14:creationId xmlns:p14="http://schemas.microsoft.com/office/powerpoint/2010/main" val="612916043"/>
+      </p:ext>
+    </p:extLst>
+  </p:cSld>
+  <p:clrMapOvr>
+    <a:masterClrMapping/>
+  </p:clrMapOvr>
+</p:notes>
+</file>
+
+<file path=ppt/notesSlides/notesSlide16.xml><?xml version="1.0" encoding="utf-8"?>
+<p:notes xmlns:a="http://schemas.openxmlformats.org/drawingml/2006/main" xmlns:r="http://schemas.openxmlformats.org/officeDocument/2006/relationships" xmlns:p="http://schemas.openxmlformats.org/presentationml/2006/main" showMasterSp="0" showMasterPhAnim="0">
+  <p:cSld>
+    <p:spTree>
+      <p:nvGrpSpPr>
+        <p:cNvPr id="1" name="Shape 174"/>
+        <p:cNvGrpSpPr/>
+        <p:nvPr/>
+      </p:nvGrpSpPr>
+      <p:grpSpPr>
+        <a:xfrm>
+          <a:off x="0" y="0"/>
+          <a:ext cx="0" cy="0"/>
+          <a:chOff x="0" y="0"/>
+          <a:chExt cx="0" cy="0"/>
+        </a:xfrm>
+      </p:grpSpPr>
+      <p:sp>
+        <p:nvSpPr>
+          <p:cNvPr id="175" name="Google Shape;175;p16:notes"/>
+          <p:cNvSpPr>
+            <a:spLocks noGrp="1" noRot="1" noChangeAspect="1"/>
+          </p:cNvSpPr>
+          <p:nvPr>
+            <p:ph type="sldImg" idx="2"/>
+          </p:nvPr>
+        </p:nvSpPr>
+        <p:spPr>
+          <a:xfrm>
+            <a:off x="-16989425" y="-11796713"/>
+            <a:ext cx="22153563" cy="12465051"/>
+          </a:xfrm>
+          <a:custGeom>
+            <a:avLst/>
+            <a:gdLst/>
+            <a:ahLst/>
+            <a:cxnLst/>
+            <a:rect l="l" t="t" r="r" b="b"/>
+            <a:pathLst>
+              <a:path w="120000" h="120000" extrusionOk="0">
+                <a:moveTo>
+                  <a:pt x="0" y="0"/>
+                </a:moveTo>
+                <a:lnTo>
+                  <a:pt x="120000" y="0"/>
+                </a:lnTo>
+                <a:lnTo>
+                  <a:pt x="120000" y="120000"/>
+                </a:lnTo>
+                <a:lnTo>
+                  <a:pt x="0" y="120000"/>
+                </a:lnTo>
+                <a:close/>
+              </a:path>
+            </a:pathLst>
+          </a:custGeom>
+          <a:solidFill>
+            <a:srgbClr val="FFFFFF"/>
+          </a:solidFill>
+          <a:ln w="9525" cap="flat" cmpd="sng">
+            <a:solidFill>
+              <a:srgbClr val="000000"/>
+            </a:solidFill>
+            <a:prstDash val="solid"/>
+            <a:miter lim="8000"/>
+            <a:headEnd type="none" w="sm" len="sm"/>
+            <a:tailEnd type="none" w="sm" len="sm"/>
+          </a:ln>
+        </p:spPr>
+      </p:sp>
+      <p:sp>
+        <p:nvSpPr>
+          <p:cNvPr id="176" name="Google Shape;176;p16:notes"/>
+          <p:cNvSpPr txBox="1">
+            <a:spLocks noGrp="1"/>
+          </p:cNvSpPr>
+          <p:nvPr>
+            <p:ph type="body" idx="1"/>
+          </p:nvPr>
+        </p:nvSpPr>
+        <p:spPr>
+          <a:xfrm>
+            <a:off x="685800" y="4343400"/>
+            <a:ext cx="5457825" cy="4086225"/>
+          </a:xfrm>
+          <a:prstGeom prst="rect">
+            <a:avLst/>
+          </a:prstGeom>
+          <a:noFill/>
+          <a:ln>
+            <a:noFill/>
+          </a:ln>
+        </p:spPr>
+        <p:txBody>
+          <a:bodyPr spcFirstLastPara="1" wrap="square" lIns="91425" tIns="45700" rIns="91425" bIns="45700" anchor="ctr" anchorCtr="0">
+            <a:noAutofit/>
+          </a:bodyPr>
+          <a:lstStyle/>
+          <a:p>
+            <a:pPr marL="0" marR="0" lvl="0" indent="0" algn="l" rtl="0">
+              <a:spcBef>
+                <a:spcPts val="0"/>
+              </a:spcBef>
+              <a:spcAft>
+                <a:spcPts val="0"/>
+              </a:spcAft>
+              <a:buNone/>
+            </a:pPr>
+            <a:endParaRPr lang="en-US" sz="2400" b="0" i="0" u="none" strike="noStrike" cap="none" dirty="0">
+              <a:solidFill>
+                <a:schemeClr val="dk1"/>
+              </a:solidFill>
+              <a:latin typeface="Nunito"/>
+              <a:ea typeface="Nunito"/>
+              <a:cs typeface="Nunito"/>
+              <a:sym typeface="Nunito"/>
+            </a:endParaRPr>
+          </a:p>
+        </p:txBody>
+      </p:sp>
+    </p:spTree>
+    <p:extLst>
+      <p:ext uri="{BB962C8B-B14F-4D97-AF65-F5344CB8AC3E}">
+        <p14:creationId xmlns:p14="http://schemas.microsoft.com/office/powerpoint/2010/main" val="1539044100"/>
+      </p:ext>
+    </p:extLst>
+  </p:cSld>
+  <p:clrMapOvr>
+    <a:masterClrMapping/>
+  </p:clrMapOvr>
+</p:notes>
+</file>
+
+<file path=ppt/notesSlides/notesSlide17.xml><?xml version="1.0" encoding="utf-8"?>
+<p:notes xmlns:a="http://schemas.openxmlformats.org/drawingml/2006/main" xmlns:r="http://schemas.openxmlformats.org/officeDocument/2006/relationships" xmlns:p="http://schemas.openxmlformats.org/presentationml/2006/main" showMasterSp="0" showMasterPhAnim="0">
+  <p:cSld>
+    <p:spTree>
+      <p:nvGrpSpPr>
+        <p:cNvPr id="1" name="Shape 174"/>
+        <p:cNvGrpSpPr/>
+        <p:nvPr/>
+      </p:nvGrpSpPr>
+      <p:grpSpPr>
+        <a:xfrm>
+          <a:off x="0" y="0"/>
+          <a:ext cx="0" cy="0"/>
+          <a:chOff x="0" y="0"/>
+          <a:chExt cx="0" cy="0"/>
+        </a:xfrm>
+      </p:grpSpPr>
+      <p:sp>
+        <p:nvSpPr>
+          <p:cNvPr id="175" name="Google Shape;175;p16:notes"/>
+          <p:cNvSpPr>
+            <a:spLocks noGrp="1" noRot="1" noChangeAspect="1"/>
+          </p:cNvSpPr>
+          <p:nvPr>
+            <p:ph type="sldImg" idx="2"/>
+          </p:nvPr>
+        </p:nvSpPr>
+        <p:spPr>
+          <a:xfrm>
+            <a:off x="-16989425" y="-11796713"/>
+            <a:ext cx="22153563" cy="12465051"/>
+          </a:xfrm>
+          <a:custGeom>
+            <a:avLst/>
+            <a:gdLst/>
+            <a:ahLst/>
+            <a:cxnLst/>
+            <a:rect l="l" t="t" r="r" b="b"/>
+            <a:pathLst>
+              <a:path w="120000" h="120000" extrusionOk="0">
+                <a:moveTo>
+                  <a:pt x="0" y="0"/>
+                </a:moveTo>
+                <a:lnTo>
+                  <a:pt x="120000" y="0"/>
+                </a:lnTo>
+                <a:lnTo>
+                  <a:pt x="120000" y="120000"/>
+                </a:lnTo>
+                <a:lnTo>
+                  <a:pt x="0" y="120000"/>
+                </a:lnTo>
+                <a:close/>
+              </a:path>
+            </a:pathLst>
+          </a:custGeom>
+          <a:solidFill>
+            <a:srgbClr val="FFFFFF"/>
+          </a:solidFill>
+          <a:ln w="9525" cap="flat" cmpd="sng">
+            <a:solidFill>
+              <a:srgbClr val="000000"/>
+            </a:solidFill>
+            <a:prstDash val="solid"/>
+            <a:miter lim="8000"/>
+            <a:headEnd type="none" w="sm" len="sm"/>
+            <a:tailEnd type="none" w="sm" len="sm"/>
+          </a:ln>
+        </p:spPr>
+      </p:sp>
+      <p:sp>
+        <p:nvSpPr>
+          <p:cNvPr id="176" name="Google Shape;176;p16:notes"/>
+          <p:cNvSpPr txBox="1">
+            <a:spLocks noGrp="1"/>
+          </p:cNvSpPr>
+          <p:nvPr>
+            <p:ph type="body" idx="1"/>
+          </p:nvPr>
+        </p:nvSpPr>
+        <p:spPr>
+          <a:xfrm>
+            <a:off x="685800" y="4343400"/>
+            <a:ext cx="5457825" cy="4086225"/>
+          </a:xfrm>
+          <a:prstGeom prst="rect">
+            <a:avLst/>
+          </a:prstGeom>
+          <a:noFill/>
+          <a:ln>
+            <a:noFill/>
+          </a:ln>
+        </p:spPr>
+        <p:txBody>
+          <a:bodyPr spcFirstLastPara="1" wrap="square" lIns="91425" tIns="45700" rIns="91425" bIns="45700" anchor="ctr" anchorCtr="0">
+            <a:noAutofit/>
+          </a:bodyPr>
+          <a:lstStyle/>
+          <a:p>
+            <a:pPr marL="0" marR="0" lvl="0" indent="0" algn="l" rtl="0">
+              <a:spcBef>
+                <a:spcPts val="0"/>
+              </a:spcBef>
+              <a:spcAft>
+                <a:spcPts val="0"/>
+              </a:spcAft>
+              <a:buNone/>
+            </a:pPr>
+            <a:endParaRPr lang="en-US" sz="2400" b="0" i="0" u="none" strike="noStrike" cap="none" dirty="0">
+              <a:solidFill>
+                <a:schemeClr val="dk1"/>
+              </a:solidFill>
+              <a:latin typeface="Nunito"/>
+              <a:ea typeface="Nunito"/>
+              <a:cs typeface="Nunito"/>
+              <a:sym typeface="Nunito"/>
+            </a:endParaRPr>
+          </a:p>
+        </p:txBody>
+      </p:sp>
+    </p:spTree>
+    <p:extLst>
+      <p:ext uri="{BB962C8B-B14F-4D97-AF65-F5344CB8AC3E}">
+        <p14:creationId xmlns:p14="http://schemas.microsoft.com/office/powerpoint/2010/main" val="3801999966"/>
+      </p:ext>
+    </p:extLst>
+  </p:cSld>
+  <p:clrMapOvr>
+    <a:masterClrMapping/>
+  </p:clrMapOvr>
+</p:notes>
+</file>
+
+<file path=ppt/notesSlides/notesSlide18.xml><?xml version="1.0" encoding="utf-8"?>
+<p:notes xmlns:a="http://schemas.openxmlformats.org/drawingml/2006/main" xmlns:r="http://schemas.openxmlformats.org/officeDocument/2006/relationships" xmlns:p="http://schemas.openxmlformats.org/presentationml/2006/main" showMasterSp="0" showMasterPhAnim="0">
+  <p:cSld>
+    <p:spTree>
+      <p:nvGrpSpPr>
+        <p:cNvPr id="1" name="Shape 174"/>
+        <p:cNvGrpSpPr/>
+        <p:nvPr/>
+      </p:nvGrpSpPr>
+      <p:grpSpPr>
+        <a:xfrm>
+          <a:off x="0" y="0"/>
+          <a:ext cx="0" cy="0"/>
+          <a:chOff x="0" y="0"/>
+          <a:chExt cx="0" cy="0"/>
+        </a:xfrm>
+      </p:grpSpPr>
+      <p:sp>
+        <p:nvSpPr>
+          <p:cNvPr id="175" name="Google Shape;175;p16:notes"/>
+          <p:cNvSpPr>
+            <a:spLocks noGrp="1" noRot="1" noChangeAspect="1"/>
+          </p:cNvSpPr>
+          <p:nvPr>
+            <p:ph type="sldImg" idx="2"/>
+          </p:nvPr>
+        </p:nvSpPr>
+        <p:spPr>
+          <a:xfrm>
+            <a:off x="-16989425" y="-11796713"/>
+            <a:ext cx="22153563" cy="12465051"/>
+          </a:xfrm>
+          <a:custGeom>
+            <a:avLst/>
+            <a:gdLst/>
+            <a:ahLst/>
+            <a:cxnLst/>
+            <a:rect l="l" t="t" r="r" b="b"/>
+            <a:pathLst>
+              <a:path w="120000" h="120000" extrusionOk="0">
+                <a:moveTo>
+                  <a:pt x="0" y="0"/>
+                </a:moveTo>
+                <a:lnTo>
+                  <a:pt x="120000" y="0"/>
+                </a:lnTo>
+                <a:lnTo>
+                  <a:pt x="120000" y="120000"/>
+                </a:lnTo>
+                <a:lnTo>
+                  <a:pt x="0" y="120000"/>
+                </a:lnTo>
+                <a:close/>
+              </a:path>
+            </a:pathLst>
+          </a:custGeom>
+          <a:solidFill>
+            <a:srgbClr val="FFFFFF"/>
+          </a:solidFill>
+          <a:ln w="9525" cap="flat" cmpd="sng">
+            <a:solidFill>
+              <a:srgbClr val="000000"/>
+            </a:solidFill>
+            <a:prstDash val="solid"/>
+            <a:miter lim="8000"/>
+            <a:headEnd type="none" w="sm" len="sm"/>
+            <a:tailEnd type="none" w="sm" len="sm"/>
+          </a:ln>
+        </p:spPr>
+      </p:sp>
+      <p:sp>
+        <p:nvSpPr>
+          <p:cNvPr id="176" name="Google Shape;176;p16:notes"/>
+          <p:cNvSpPr txBox="1">
+            <a:spLocks noGrp="1"/>
+          </p:cNvSpPr>
+          <p:nvPr>
+            <p:ph type="body" idx="1"/>
+          </p:nvPr>
+        </p:nvSpPr>
+        <p:spPr>
+          <a:xfrm>
+            <a:off x="685800" y="4343400"/>
+            <a:ext cx="5457825" cy="4086225"/>
+          </a:xfrm>
+          <a:prstGeom prst="rect">
+            <a:avLst/>
+          </a:prstGeom>
+          <a:noFill/>
+          <a:ln>
+            <a:noFill/>
+          </a:ln>
+        </p:spPr>
+        <p:txBody>
+          <a:bodyPr spcFirstLastPara="1" wrap="square" lIns="91425" tIns="45700" rIns="91425" bIns="45700" anchor="ctr" anchorCtr="0">
+            <a:noAutofit/>
+          </a:bodyPr>
+          <a:lstStyle/>
+          <a:p>
+            <a:pPr marL="0" marR="0" lvl="0" indent="0" algn="l" rtl="0">
+              <a:spcBef>
+                <a:spcPts val="0"/>
+              </a:spcBef>
+              <a:spcAft>
+                <a:spcPts val="0"/>
+              </a:spcAft>
+              <a:buNone/>
+            </a:pPr>
+            <a:endParaRPr lang="en-US" sz="2400" b="0" i="0" u="none" strike="noStrike" cap="none" dirty="0">
+              <a:solidFill>
+                <a:schemeClr val="dk1"/>
+              </a:solidFill>
+              <a:latin typeface="Nunito"/>
+              <a:ea typeface="Nunito"/>
+              <a:cs typeface="Nunito"/>
+              <a:sym typeface="Nunito"/>
+            </a:endParaRPr>
+          </a:p>
+        </p:txBody>
+      </p:sp>
+    </p:spTree>
+    <p:extLst>
+      <p:ext uri="{BB962C8B-B14F-4D97-AF65-F5344CB8AC3E}">
+        <p14:creationId xmlns:p14="http://schemas.microsoft.com/office/powerpoint/2010/main" val="125186525"/>
+      </p:ext>
+    </p:extLst>
+  </p:cSld>
+  <p:clrMapOvr>
+    <a:masterClrMapping/>
+  </p:clrMapOvr>
+</p:notes>
+</file>
+
+<file path=ppt/notesSlides/notesSlide19.xml><?xml version="1.0" encoding="utf-8"?>
+<p:notes xmlns:a="http://schemas.openxmlformats.org/drawingml/2006/main" xmlns:r="http://schemas.openxmlformats.org/officeDocument/2006/relationships" xmlns:p="http://schemas.openxmlformats.org/presentationml/2006/main" showMasterSp="0" showMasterPhAnim="0">
+  <p:cSld>
+    <p:spTree>
+      <p:nvGrpSpPr>
+        <p:cNvPr id="1" name="Shape 174"/>
+        <p:cNvGrpSpPr/>
+        <p:nvPr/>
+      </p:nvGrpSpPr>
+      <p:grpSpPr>
+        <a:xfrm>
+          <a:off x="0" y="0"/>
+          <a:ext cx="0" cy="0"/>
+          <a:chOff x="0" y="0"/>
+          <a:chExt cx="0" cy="0"/>
+        </a:xfrm>
+      </p:grpSpPr>
+      <p:sp>
+        <p:nvSpPr>
+          <p:cNvPr id="175" name="Google Shape;175;p16:notes"/>
+          <p:cNvSpPr>
+            <a:spLocks noGrp="1" noRot="1" noChangeAspect="1"/>
+          </p:cNvSpPr>
+          <p:nvPr>
+            <p:ph type="sldImg" idx="2"/>
+          </p:nvPr>
+        </p:nvSpPr>
+        <p:spPr>
+          <a:xfrm>
+            <a:off x="-16989425" y="-11796713"/>
+            <a:ext cx="22153563" cy="12465051"/>
+          </a:xfrm>
+          <a:custGeom>
+            <a:avLst/>
+            <a:gdLst/>
+            <a:ahLst/>
+            <a:cxnLst/>
+            <a:rect l="l" t="t" r="r" b="b"/>
+            <a:pathLst>
+              <a:path w="120000" h="120000" extrusionOk="0">
+                <a:moveTo>
+                  <a:pt x="0" y="0"/>
+                </a:moveTo>
+                <a:lnTo>
+                  <a:pt x="120000" y="0"/>
+                </a:lnTo>
+                <a:lnTo>
+                  <a:pt x="120000" y="120000"/>
+                </a:lnTo>
+                <a:lnTo>
+                  <a:pt x="0" y="120000"/>
+                </a:lnTo>
+                <a:close/>
+              </a:path>
+            </a:pathLst>
+          </a:custGeom>
+          <a:solidFill>
+            <a:srgbClr val="FFFFFF"/>
+          </a:solidFill>
+          <a:ln w="9525" cap="flat" cmpd="sng">
+            <a:solidFill>
+              <a:srgbClr val="000000"/>
+            </a:solidFill>
+            <a:prstDash val="solid"/>
+            <a:miter lim="8000"/>
+            <a:headEnd type="none" w="sm" len="sm"/>
+            <a:tailEnd type="none" w="sm" len="sm"/>
+          </a:ln>
+        </p:spPr>
+      </p:sp>
+      <p:sp>
+        <p:nvSpPr>
+          <p:cNvPr id="176" name="Google Shape;176;p16:notes"/>
+          <p:cNvSpPr txBox="1">
+            <a:spLocks noGrp="1"/>
+          </p:cNvSpPr>
+          <p:nvPr>
+            <p:ph type="body" idx="1"/>
+          </p:nvPr>
+        </p:nvSpPr>
+        <p:spPr>
+          <a:xfrm>
+            <a:off x="685800" y="4343400"/>
+            <a:ext cx="5457825" cy="4086225"/>
+          </a:xfrm>
+          <a:prstGeom prst="rect">
+            <a:avLst/>
+          </a:prstGeom>
+          <a:noFill/>
+          <a:ln>
+            <a:noFill/>
+          </a:ln>
+        </p:spPr>
+        <p:txBody>
+          <a:bodyPr spcFirstLastPara="1" wrap="square" lIns="91425" tIns="45700" rIns="91425" bIns="45700" anchor="ctr" anchorCtr="0">
+            <a:noAutofit/>
+          </a:bodyPr>
+          <a:lstStyle/>
+          <a:p>
+            <a:pPr marL="0" marR="0" lvl="0" indent="0" algn="l" rtl="0">
+              <a:spcBef>
+                <a:spcPts val="0"/>
+              </a:spcBef>
+              <a:spcAft>
+                <a:spcPts val="0"/>
+              </a:spcAft>
+              <a:buNone/>
+            </a:pPr>
+            <a:endParaRPr lang="en-US" sz="2400" b="0" i="0" u="none" strike="noStrike" cap="none" dirty="0">
+              <a:solidFill>
+                <a:schemeClr val="dk1"/>
+              </a:solidFill>
+              <a:latin typeface="Nunito"/>
+              <a:ea typeface="Nunito"/>
+              <a:cs typeface="Nunito"/>
+              <a:sym typeface="Nunito"/>
+            </a:endParaRPr>
+          </a:p>
+        </p:txBody>
+      </p:sp>
+    </p:spTree>
+    <p:extLst>
+      <p:ext uri="{BB962C8B-B14F-4D97-AF65-F5344CB8AC3E}">
+        <p14:creationId xmlns:p14="http://schemas.microsoft.com/office/powerpoint/2010/main" val="261011397"/>
+      </p:ext>
+    </p:extLst>
+  </p:cSld>
+  <p:clrMapOvr>
+    <a:masterClrMapping/>
+  </p:clrMapOvr>
+</p:notes>
+</file>
+
 <file path=ppt/notesSlides/notesSlide2.xml><?xml version="1.0" encoding="utf-8"?>
 <p:notes xmlns:a="http://schemas.openxmlformats.org/drawingml/2006/main" xmlns:r="http://schemas.openxmlformats.org/officeDocument/2006/relationships" xmlns:p="http://schemas.openxmlformats.org/presentationml/2006/main" showMasterSp="0" showMasterPhAnim="0">
   <p:cSld>
@@ -2454,6 +3133,1203 @@
     <p:extLst>
       <p:ext uri="{BB962C8B-B14F-4D97-AF65-F5344CB8AC3E}">
         <p14:creationId xmlns:p14="http://schemas.microsoft.com/office/powerpoint/2010/main" val="3520842411"/>
+      </p:ext>
+    </p:extLst>
+  </p:cSld>
+  <p:clrMapOvr>
+    <a:masterClrMapping/>
+  </p:clrMapOvr>
+</p:notes>
+</file>
+
+<file path=ppt/notesSlides/notesSlide20.xml><?xml version="1.0" encoding="utf-8"?>
+<p:notes xmlns:a="http://schemas.openxmlformats.org/drawingml/2006/main" xmlns:r="http://schemas.openxmlformats.org/officeDocument/2006/relationships" xmlns:p="http://schemas.openxmlformats.org/presentationml/2006/main" showMasterSp="0" showMasterPhAnim="0">
+  <p:cSld>
+    <p:spTree>
+      <p:nvGrpSpPr>
+        <p:cNvPr id="1" name="Shape 174"/>
+        <p:cNvGrpSpPr/>
+        <p:nvPr/>
+      </p:nvGrpSpPr>
+      <p:grpSpPr>
+        <a:xfrm>
+          <a:off x="0" y="0"/>
+          <a:ext cx="0" cy="0"/>
+          <a:chOff x="0" y="0"/>
+          <a:chExt cx="0" cy="0"/>
+        </a:xfrm>
+      </p:grpSpPr>
+      <p:sp>
+        <p:nvSpPr>
+          <p:cNvPr id="175" name="Google Shape;175;p16:notes"/>
+          <p:cNvSpPr>
+            <a:spLocks noGrp="1" noRot="1" noChangeAspect="1"/>
+          </p:cNvSpPr>
+          <p:nvPr>
+            <p:ph type="sldImg" idx="2"/>
+          </p:nvPr>
+        </p:nvSpPr>
+        <p:spPr>
+          <a:xfrm>
+            <a:off x="-16989425" y="-11796713"/>
+            <a:ext cx="22153563" cy="12465051"/>
+          </a:xfrm>
+          <a:custGeom>
+            <a:avLst/>
+            <a:gdLst/>
+            <a:ahLst/>
+            <a:cxnLst/>
+            <a:rect l="l" t="t" r="r" b="b"/>
+            <a:pathLst>
+              <a:path w="120000" h="120000" extrusionOk="0">
+                <a:moveTo>
+                  <a:pt x="0" y="0"/>
+                </a:moveTo>
+                <a:lnTo>
+                  <a:pt x="120000" y="0"/>
+                </a:lnTo>
+                <a:lnTo>
+                  <a:pt x="120000" y="120000"/>
+                </a:lnTo>
+                <a:lnTo>
+                  <a:pt x="0" y="120000"/>
+                </a:lnTo>
+                <a:close/>
+              </a:path>
+            </a:pathLst>
+          </a:custGeom>
+          <a:solidFill>
+            <a:srgbClr val="FFFFFF"/>
+          </a:solidFill>
+          <a:ln w="9525" cap="flat" cmpd="sng">
+            <a:solidFill>
+              <a:srgbClr val="000000"/>
+            </a:solidFill>
+            <a:prstDash val="solid"/>
+            <a:miter lim="8000"/>
+            <a:headEnd type="none" w="sm" len="sm"/>
+            <a:tailEnd type="none" w="sm" len="sm"/>
+          </a:ln>
+        </p:spPr>
+      </p:sp>
+      <p:sp>
+        <p:nvSpPr>
+          <p:cNvPr id="176" name="Google Shape;176;p16:notes"/>
+          <p:cNvSpPr txBox="1">
+            <a:spLocks noGrp="1"/>
+          </p:cNvSpPr>
+          <p:nvPr>
+            <p:ph type="body" idx="1"/>
+          </p:nvPr>
+        </p:nvSpPr>
+        <p:spPr>
+          <a:xfrm>
+            <a:off x="685800" y="4343400"/>
+            <a:ext cx="5457825" cy="4086225"/>
+          </a:xfrm>
+          <a:prstGeom prst="rect">
+            <a:avLst/>
+          </a:prstGeom>
+          <a:noFill/>
+          <a:ln>
+            <a:noFill/>
+          </a:ln>
+        </p:spPr>
+        <p:txBody>
+          <a:bodyPr spcFirstLastPara="1" wrap="square" lIns="91425" tIns="45700" rIns="91425" bIns="45700" anchor="ctr" anchorCtr="0">
+            <a:noAutofit/>
+          </a:bodyPr>
+          <a:lstStyle/>
+          <a:p>
+            <a:pPr marL="0" marR="0" lvl="0" indent="0" algn="l" rtl="0">
+              <a:spcBef>
+                <a:spcPts val="0"/>
+              </a:spcBef>
+              <a:spcAft>
+                <a:spcPts val="0"/>
+              </a:spcAft>
+              <a:buNone/>
+            </a:pPr>
+            <a:endParaRPr lang="en-US" sz="2400" b="0" i="0" u="none" strike="noStrike" cap="none" dirty="0">
+              <a:solidFill>
+                <a:schemeClr val="dk1"/>
+              </a:solidFill>
+              <a:latin typeface="Nunito"/>
+              <a:ea typeface="Nunito"/>
+              <a:cs typeface="Nunito"/>
+              <a:sym typeface="Nunito"/>
+            </a:endParaRPr>
+          </a:p>
+        </p:txBody>
+      </p:sp>
+    </p:spTree>
+    <p:extLst>
+      <p:ext uri="{BB962C8B-B14F-4D97-AF65-F5344CB8AC3E}">
+        <p14:creationId xmlns:p14="http://schemas.microsoft.com/office/powerpoint/2010/main" val="4024004584"/>
+      </p:ext>
+    </p:extLst>
+  </p:cSld>
+  <p:clrMapOvr>
+    <a:masterClrMapping/>
+  </p:clrMapOvr>
+</p:notes>
+</file>
+
+<file path=ppt/notesSlides/notesSlide21.xml><?xml version="1.0" encoding="utf-8"?>
+<p:notes xmlns:a="http://schemas.openxmlformats.org/drawingml/2006/main" xmlns:r="http://schemas.openxmlformats.org/officeDocument/2006/relationships" xmlns:p="http://schemas.openxmlformats.org/presentationml/2006/main" showMasterSp="0" showMasterPhAnim="0">
+  <p:cSld>
+    <p:spTree>
+      <p:nvGrpSpPr>
+        <p:cNvPr id="1" name="Shape 174"/>
+        <p:cNvGrpSpPr/>
+        <p:nvPr/>
+      </p:nvGrpSpPr>
+      <p:grpSpPr>
+        <a:xfrm>
+          <a:off x="0" y="0"/>
+          <a:ext cx="0" cy="0"/>
+          <a:chOff x="0" y="0"/>
+          <a:chExt cx="0" cy="0"/>
+        </a:xfrm>
+      </p:grpSpPr>
+      <p:sp>
+        <p:nvSpPr>
+          <p:cNvPr id="175" name="Google Shape;175;p16:notes"/>
+          <p:cNvSpPr>
+            <a:spLocks noGrp="1" noRot="1" noChangeAspect="1"/>
+          </p:cNvSpPr>
+          <p:nvPr>
+            <p:ph type="sldImg" idx="2"/>
+          </p:nvPr>
+        </p:nvSpPr>
+        <p:spPr>
+          <a:xfrm>
+            <a:off x="-16989425" y="-11796713"/>
+            <a:ext cx="22153563" cy="12465051"/>
+          </a:xfrm>
+          <a:custGeom>
+            <a:avLst/>
+            <a:gdLst/>
+            <a:ahLst/>
+            <a:cxnLst/>
+            <a:rect l="l" t="t" r="r" b="b"/>
+            <a:pathLst>
+              <a:path w="120000" h="120000" extrusionOk="0">
+                <a:moveTo>
+                  <a:pt x="0" y="0"/>
+                </a:moveTo>
+                <a:lnTo>
+                  <a:pt x="120000" y="0"/>
+                </a:lnTo>
+                <a:lnTo>
+                  <a:pt x="120000" y="120000"/>
+                </a:lnTo>
+                <a:lnTo>
+                  <a:pt x="0" y="120000"/>
+                </a:lnTo>
+                <a:close/>
+              </a:path>
+            </a:pathLst>
+          </a:custGeom>
+          <a:solidFill>
+            <a:srgbClr val="FFFFFF"/>
+          </a:solidFill>
+          <a:ln w="9525" cap="flat" cmpd="sng">
+            <a:solidFill>
+              <a:srgbClr val="000000"/>
+            </a:solidFill>
+            <a:prstDash val="solid"/>
+            <a:miter lim="8000"/>
+            <a:headEnd type="none" w="sm" len="sm"/>
+            <a:tailEnd type="none" w="sm" len="sm"/>
+          </a:ln>
+        </p:spPr>
+      </p:sp>
+      <p:sp>
+        <p:nvSpPr>
+          <p:cNvPr id="176" name="Google Shape;176;p16:notes"/>
+          <p:cNvSpPr txBox="1">
+            <a:spLocks noGrp="1"/>
+          </p:cNvSpPr>
+          <p:nvPr>
+            <p:ph type="body" idx="1"/>
+          </p:nvPr>
+        </p:nvSpPr>
+        <p:spPr>
+          <a:xfrm>
+            <a:off x="685800" y="4343400"/>
+            <a:ext cx="5457825" cy="4086225"/>
+          </a:xfrm>
+          <a:prstGeom prst="rect">
+            <a:avLst/>
+          </a:prstGeom>
+          <a:noFill/>
+          <a:ln>
+            <a:noFill/>
+          </a:ln>
+        </p:spPr>
+        <p:txBody>
+          <a:bodyPr spcFirstLastPara="1" wrap="square" lIns="91425" tIns="45700" rIns="91425" bIns="45700" anchor="ctr" anchorCtr="0">
+            <a:noAutofit/>
+          </a:bodyPr>
+          <a:lstStyle/>
+          <a:p>
+            <a:pPr marL="0" marR="0" lvl="0" indent="0" algn="l" rtl="0">
+              <a:spcBef>
+                <a:spcPts val="0"/>
+              </a:spcBef>
+              <a:spcAft>
+                <a:spcPts val="0"/>
+              </a:spcAft>
+              <a:buNone/>
+            </a:pPr>
+            <a:endParaRPr lang="en-US" sz="2400" b="0" i="0" u="none" strike="noStrike" cap="none" dirty="0">
+              <a:solidFill>
+                <a:schemeClr val="dk1"/>
+              </a:solidFill>
+              <a:latin typeface="Nunito"/>
+              <a:ea typeface="Nunito"/>
+              <a:cs typeface="Nunito"/>
+              <a:sym typeface="Nunito"/>
+            </a:endParaRPr>
+          </a:p>
+        </p:txBody>
+      </p:sp>
+    </p:spTree>
+    <p:extLst>
+      <p:ext uri="{BB962C8B-B14F-4D97-AF65-F5344CB8AC3E}">
+        <p14:creationId xmlns:p14="http://schemas.microsoft.com/office/powerpoint/2010/main" val="403726876"/>
+      </p:ext>
+    </p:extLst>
+  </p:cSld>
+  <p:clrMapOvr>
+    <a:masterClrMapping/>
+  </p:clrMapOvr>
+</p:notes>
+</file>
+
+<file path=ppt/notesSlides/notesSlide22.xml><?xml version="1.0" encoding="utf-8"?>
+<p:notes xmlns:a="http://schemas.openxmlformats.org/drawingml/2006/main" xmlns:r="http://schemas.openxmlformats.org/officeDocument/2006/relationships" xmlns:p="http://schemas.openxmlformats.org/presentationml/2006/main" showMasterSp="0" showMasterPhAnim="0">
+  <p:cSld>
+    <p:spTree>
+      <p:nvGrpSpPr>
+        <p:cNvPr id="1" name="Shape 174"/>
+        <p:cNvGrpSpPr/>
+        <p:nvPr/>
+      </p:nvGrpSpPr>
+      <p:grpSpPr>
+        <a:xfrm>
+          <a:off x="0" y="0"/>
+          <a:ext cx="0" cy="0"/>
+          <a:chOff x="0" y="0"/>
+          <a:chExt cx="0" cy="0"/>
+        </a:xfrm>
+      </p:grpSpPr>
+      <p:sp>
+        <p:nvSpPr>
+          <p:cNvPr id="175" name="Google Shape;175;p16:notes"/>
+          <p:cNvSpPr>
+            <a:spLocks noGrp="1" noRot="1" noChangeAspect="1"/>
+          </p:cNvSpPr>
+          <p:nvPr>
+            <p:ph type="sldImg" idx="2"/>
+          </p:nvPr>
+        </p:nvSpPr>
+        <p:spPr>
+          <a:xfrm>
+            <a:off x="-16989425" y="-11796713"/>
+            <a:ext cx="22153563" cy="12465051"/>
+          </a:xfrm>
+          <a:custGeom>
+            <a:avLst/>
+            <a:gdLst/>
+            <a:ahLst/>
+            <a:cxnLst/>
+            <a:rect l="l" t="t" r="r" b="b"/>
+            <a:pathLst>
+              <a:path w="120000" h="120000" extrusionOk="0">
+                <a:moveTo>
+                  <a:pt x="0" y="0"/>
+                </a:moveTo>
+                <a:lnTo>
+                  <a:pt x="120000" y="0"/>
+                </a:lnTo>
+                <a:lnTo>
+                  <a:pt x="120000" y="120000"/>
+                </a:lnTo>
+                <a:lnTo>
+                  <a:pt x="0" y="120000"/>
+                </a:lnTo>
+                <a:close/>
+              </a:path>
+            </a:pathLst>
+          </a:custGeom>
+          <a:solidFill>
+            <a:srgbClr val="FFFFFF"/>
+          </a:solidFill>
+          <a:ln w="9525" cap="flat" cmpd="sng">
+            <a:solidFill>
+              <a:srgbClr val="000000"/>
+            </a:solidFill>
+            <a:prstDash val="solid"/>
+            <a:miter lim="8000"/>
+            <a:headEnd type="none" w="sm" len="sm"/>
+            <a:tailEnd type="none" w="sm" len="sm"/>
+          </a:ln>
+        </p:spPr>
+      </p:sp>
+      <p:sp>
+        <p:nvSpPr>
+          <p:cNvPr id="176" name="Google Shape;176;p16:notes"/>
+          <p:cNvSpPr txBox="1">
+            <a:spLocks noGrp="1"/>
+          </p:cNvSpPr>
+          <p:nvPr>
+            <p:ph type="body" idx="1"/>
+          </p:nvPr>
+        </p:nvSpPr>
+        <p:spPr>
+          <a:xfrm>
+            <a:off x="685800" y="4343400"/>
+            <a:ext cx="5457825" cy="4086225"/>
+          </a:xfrm>
+          <a:prstGeom prst="rect">
+            <a:avLst/>
+          </a:prstGeom>
+          <a:noFill/>
+          <a:ln>
+            <a:noFill/>
+          </a:ln>
+        </p:spPr>
+        <p:txBody>
+          <a:bodyPr spcFirstLastPara="1" wrap="square" lIns="91425" tIns="45700" rIns="91425" bIns="45700" anchor="ctr" anchorCtr="0">
+            <a:noAutofit/>
+          </a:bodyPr>
+          <a:lstStyle/>
+          <a:p>
+            <a:pPr marL="0" marR="0" lvl="0" indent="0" algn="l" rtl="0">
+              <a:spcBef>
+                <a:spcPts val="0"/>
+              </a:spcBef>
+              <a:spcAft>
+                <a:spcPts val="0"/>
+              </a:spcAft>
+              <a:buNone/>
+            </a:pPr>
+            <a:endParaRPr lang="en-US" sz="2400" b="0" i="0" u="none" strike="noStrike" cap="none" dirty="0">
+              <a:solidFill>
+                <a:schemeClr val="dk1"/>
+              </a:solidFill>
+              <a:latin typeface="Nunito"/>
+              <a:ea typeface="Nunito"/>
+              <a:cs typeface="Nunito"/>
+              <a:sym typeface="Nunito"/>
+            </a:endParaRPr>
+          </a:p>
+        </p:txBody>
+      </p:sp>
+    </p:spTree>
+    <p:extLst>
+      <p:ext uri="{BB962C8B-B14F-4D97-AF65-F5344CB8AC3E}">
+        <p14:creationId xmlns:p14="http://schemas.microsoft.com/office/powerpoint/2010/main" val="1733202131"/>
+      </p:ext>
+    </p:extLst>
+  </p:cSld>
+  <p:clrMapOvr>
+    <a:masterClrMapping/>
+  </p:clrMapOvr>
+</p:notes>
+</file>
+
+<file path=ppt/notesSlides/notesSlide23.xml><?xml version="1.0" encoding="utf-8"?>
+<p:notes xmlns:a="http://schemas.openxmlformats.org/drawingml/2006/main" xmlns:r="http://schemas.openxmlformats.org/officeDocument/2006/relationships" xmlns:p="http://schemas.openxmlformats.org/presentationml/2006/main" showMasterSp="0" showMasterPhAnim="0">
+  <p:cSld>
+    <p:spTree>
+      <p:nvGrpSpPr>
+        <p:cNvPr id="1" name="Shape 174"/>
+        <p:cNvGrpSpPr/>
+        <p:nvPr/>
+      </p:nvGrpSpPr>
+      <p:grpSpPr>
+        <a:xfrm>
+          <a:off x="0" y="0"/>
+          <a:ext cx="0" cy="0"/>
+          <a:chOff x="0" y="0"/>
+          <a:chExt cx="0" cy="0"/>
+        </a:xfrm>
+      </p:grpSpPr>
+      <p:sp>
+        <p:nvSpPr>
+          <p:cNvPr id="175" name="Google Shape;175;p16:notes"/>
+          <p:cNvSpPr>
+            <a:spLocks noGrp="1" noRot="1" noChangeAspect="1"/>
+          </p:cNvSpPr>
+          <p:nvPr>
+            <p:ph type="sldImg" idx="2"/>
+          </p:nvPr>
+        </p:nvSpPr>
+        <p:spPr>
+          <a:xfrm>
+            <a:off x="-16989425" y="-11796713"/>
+            <a:ext cx="22153563" cy="12465051"/>
+          </a:xfrm>
+          <a:custGeom>
+            <a:avLst/>
+            <a:gdLst/>
+            <a:ahLst/>
+            <a:cxnLst/>
+            <a:rect l="l" t="t" r="r" b="b"/>
+            <a:pathLst>
+              <a:path w="120000" h="120000" extrusionOk="0">
+                <a:moveTo>
+                  <a:pt x="0" y="0"/>
+                </a:moveTo>
+                <a:lnTo>
+                  <a:pt x="120000" y="0"/>
+                </a:lnTo>
+                <a:lnTo>
+                  <a:pt x="120000" y="120000"/>
+                </a:lnTo>
+                <a:lnTo>
+                  <a:pt x="0" y="120000"/>
+                </a:lnTo>
+                <a:close/>
+              </a:path>
+            </a:pathLst>
+          </a:custGeom>
+          <a:solidFill>
+            <a:srgbClr val="FFFFFF"/>
+          </a:solidFill>
+          <a:ln w="9525" cap="flat" cmpd="sng">
+            <a:solidFill>
+              <a:srgbClr val="000000"/>
+            </a:solidFill>
+            <a:prstDash val="solid"/>
+            <a:miter lim="8000"/>
+            <a:headEnd type="none" w="sm" len="sm"/>
+            <a:tailEnd type="none" w="sm" len="sm"/>
+          </a:ln>
+        </p:spPr>
+      </p:sp>
+      <p:sp>
+        <p:nvSpPr>
+          <p:cNvPr id="176" name="Google Shape;176;p16:notes"/>
+          <p:cNvSpPr txBox="1">
+            <a:spLocks noGrp="1"/>
+          </p:cNvSpPr>
+          <p:nvPr>
+            <p:ph type="body" idx="1"/>
+          </p:nvPr>
+        </p:nvSpPr>
+        <p:spPr>
+          <a:xfrm>
+            <a:off x="685800" y="4343400"/>
+            <a:ext cx="5457825" cy="4086225"/>
+          </a:xfrm>
+          <a:prstGeom prst="rect">
+            <a:avLst/>
+          </a:prstGeom>
+          <a:noFill/>
+          <a:ln>
+            <a:noFill/>
+          </a:ln>
+        </p:spPr>
+        <p:txBody>
+          <a:bodyPr spcFirstLastPara="1" wrap="square" lIns="91425" tIns="45700" rIns="91425" bIns="45700" anchor="ctr" anchorCtr="0">
+            <a:noAutofit/>
+          </a:bodyPr>
+          <a:lstStyle/>
+          <a:p>
+            <a:pPr marL="0" marR="0" lvl="0" indent="0" algn="l" rtl="0">
+              <a:spcBef>
+                <a:spcPts val="0"/>
+              </a:spcBef>
+              <a:spcAft>
+                <a:spcPts val="0"/>
+              </a:spcAft>
+              <a:buNone/>
+            </a:pPr>
+            <a:endParaRPr lang="en-US" sz="2400" b="0" i="0" u="none" strike="noStrike" cap="none" dirty="0">
+              <a:solidFill>
+                <a:schemeClr val="dk1"/>
+              </a:solidFill>
+              <a:latin typeface="Nunito"/>
+              <a:ea typeface="Nunito"/>
+              <a:cs typeface="Nunito"/>
+              <a:sym typeface="Nunito"/>
+            </a:endParaRPr>
+          </a:p>
+        </p:txBody>
+      </p:sp>
+    </p:spTree>
+    <p:extLst>
+      <p:ext uri="{BB962C8B-B14F-4D97-AF65-F5344CB8AC3E}">
+        <p14:creationId xmlns:p14="http://schemas.microsoft.com/office/powerpoint/2010/main" val="2884358181"/>
+      </p:ext>
+    </p:extLst>
+  </p:cSld>
+  <p:clrMapOvr>
+    <a:masterClrMapping/>
+  </p:clrMapOvr>
+</p:notes>
+</file>
+
+<file path=ppt/notesSlides/notesSlide24.xml><?xml version="1.0" encoding="utf-8"?>
+<p:notes xmlns:a="http://schemas.openxmlformats.org/drawingml/2006/main" xmlns:r="http://schemas.openxmlformats.org/officeDocument/2006/relationships" xmlns:p="http://schemas.openxmlformats.org/presentationml/2006/main" showMasterSp="0" showMasterPhAnim="0">
+  <p:cSld>
+    <p:spTree>
+      <p:nvGrpSpPr>
+        <p:cNvPr id="1" name="Shape 174"/>
+        <p:cNvGrpSpPr/>
+        <p:nvPr/>
+      </p:nvGrpSpPr>
+      <p:grpSpPr>
+        <a:xfrm>
+          <a:off x="0" y="0"/>
+          <a:ext cx="0" cy="0"/>
+          <a:chOff x="0" y="0"/>
+          <a:chExt cx="0" cy="0"/>
+        </a:xfrm>
+      </p:grpSpPr>
+      <p:sp>
+        <p:nvSpPr>
+          <p:cNvPr id="175" name="Google Shape;175;p16:notes"/>
+          <p:cNvSpPr>
+            <a:spLocks noGrp="1" noRot="1" noChangeAspect="1"/>
+          </p:cNvSpPr>
+          <p:nvPr>
+            <p:ph type="sldImg" idx="2"/>
+          </p:nvPr>
+        </p:nvSpPr>
+        <p:spPr>
+          <a:xfrm>
+            <a:off x="-16989425" y="-11796713"/>
+            <a:ext cx="22153563" cy="12465051"/>
+          </a:xfrm>
+          <a:custGeom>
+            <a:avLst/>
+            <a:gdLst/>
+            <a:ahLst/>
+            <a:cxnLst/>
+            <a:rect l="l" t="t" r="r" b="b"/>
+            <a:pathLst>
+              <a:path w="120000" h="120000" extrusionOk="0">
+                <a:moveTo>
+                  <a:pt x="0" y="0"/>
+                </a:moveTo>
+                <a:lnTo>
+                  <a:pt x="120000" y="0"/>
+                </a:lnTo>
+                <a:lnTo>
+                  <a:pt x="120000" y="120000"/>
+                </a:lnTo>
+                <a:lnTo>
+                  <a:pt x="0" y="120000"/>
+                </a:lnTo>
+                <a:close/>
+              </a:path>
+            </a:pathLst>
+          </a:custGeom>
+          <a:solidFill>
+            <a:srgbClr val="FFFFFF"/>
+          </a:solidFill>
+          <a:ln w="9525" cap="flat" cmpd="sng">
+            <a:solidFill>
+              <a:srgbClr val="000000"/>
+            </a:solidFill>
+            <a:prstDash val="solid"/>
+            <a:miter lim="8000"/>
+            <a:headEnd type="none" w="sm" len="sm"/>
+            <a:tailEnd type="none" w="sm" len="sm"/>
+          </a:ln>
+        </p:spPr>
+      </p:sp>
+      <p:sp>
+        <p:nvSpPr>
+          <p:cNvPr id="176" name="Google Shape;176;p16:notes"/>
+          <p:cNvSpPr txBox="1">
+            <a:spLocks noGrp="1"/>
+          </p:cNvSpPr>
+          <p:nvPr>
+            <p:ph type="body" idx="1"/>
+          </p:nvPr>
+        </p:nvSpPr>
+        <p:spPr>
+          <a:xfrm>
+            <a:off x="685800" y="4343400"/>
+            <a:ext cx="5457825" cy="4086225"/>
+          </a:xfrm>
+          <a:prstGeom prst="rect">
+            <a:avLst/>
+          </a:prstGeom>
+          <a:noFill/>
+          <a:ln>
+            <a:noFill/>
+          </a:ln>
+        </p:spPr>
+        <p:txBody>
+          <a:bodyPr spcFirstLastPara="1" wrap="square" lIns="91425" tIns="45700" rIns="91425" bIns="45700" anchor="ctr" anchorCtr="0">
+            <a:noAutofit/>
+          </a:bodyPr>
+          <a:lstStyle/>
+          <a:p>
+            <a:pPr marL="0" marR="0" lvl="0" indent="0" algn="l" rtl="0">
+              <a:spcBef>
+                <a:spcPts val="0"/>
+              </a:spcBef>
+              <a:spcAft>
+                <a:spcPts val="0"/>
+              </a:spcAft>
+              <a:buNone/>
+            </a:pPr>
+            <a:endParaRPr lang="en-US" sz="2400" b="0" i="0" u="none" strike="noStrike" cap="none" dirty="0">
+              <a:solidFill>
+                <a:schemeClr val="dk1"/>
+              </a:solidFill>
+              <a:latin typeface="Nunito"/>
+              <a:ea typeface="Nunito"/>
+              <a:cs typeface="Nunito"/>
+              <a:sym typeface="Nunito"/>
+            </a:endParaRPr>
+          </a:p>
+        </p:txBody>
+      </p:sp>
+    </p:spTree>
+    <p:extLst>
+      <p:ext uri="{BB962C8B-B14F-4D97-AF65-F5344CB8AC3E}">
+        <p14:creationId xmlns:p14="http://schemas.microsoft.com/office/powerpoint/2010/main" val="3430642712"/>
+      </p:ext>
+    </p:extLst>
+  </p:cSld>
+  <p:clrMapOvr>
+    <a:masterClrMapping/>
+  </p:clrMapOvr>
+</p:notes>
+</file>
+
+<file path=ppt/notesSlides/notesSlide25.xml><?xml version="1.0" encoding="utf-8"?>
+<p:notes xmlns:a="http://schemas.openxmlformats.org/drawingml/2006/main" xmlns:r="http://schemas.openxmlformats.org/officeDocument/2006/relationships" xmlns:p="http://schemas.openxmlformats.org/presentationml/2006/main" showMasterSp="0" showMasterPhAnim="0">
+  <p:cSld>
+    <p:spTree>
+      <p:nvGrpSpPr>
+        <p:cNvPr id="1" name="Shape 174"/>
+        <p:cNvGrpSpPr/>
+        <p:nvPr/>
+      </p:nvGrpSpPr>
+      <p:grpSpPr>
+        <a:xfrm>
+          <a:off x="0" y="0"/>
+          <a:ext cx="0" cy="0"/>
+          <a:chOff x="0" y="0"/>
+          <a:chExt cx="0" cy="0"/>
+        </a:xfrm>
+      </p:grpSpPr>
+      <p:sp>
+        <p:nvSpPr>
+          <p:cNvPr id="175" name="Google Shape;175;p16:notes"/>
+          <p:cNvSpPr>
+            <a:spLocks noGrp="1" noRot="1" noChangeAspect="1"/>
+          </p:cNvSpPr>
+          <p:nvPr>
+            <p:ph type="sldImg" idx="2"/>
+          </p:nvPr>
+        </p:nvSpPr>
+        <p:spPr>
+          <a:xfrm>
+            <a:off x="-16989425" y="-11796713"/>
+            <a:ext cx="22153563" cy="12465051"/>
+          </a:xfrm>
+          <a:custGeom>
+            <a:avLst/>
+            <a:gdLst/>
+            <a:ahLst/>
+            <a:cxnLst/>
+            <a:rect l="l" t="t" r="r" b="b"/>
+            <a:pathLst>
+              <a:path w="120000" h="120000" extrusionOk="0">
+                <a:moveTo>
+                  <a:pt x="0" y="0"/>
+                </a:moveTo>
+                <a:lnTo>
+                  <a:pt x="120000" y="0"/>
+                </a:lnTo>
+                <a:lnTo>
+                  <a:pt x="120000" y="120000"/>
+                </a:lnTo>
+                <a:lnTo>
+                  <a:pt x="0" y="120000"/>
+                </a:lnTo>
+                <a:close/>
+              </a:path>
+            </a:pathLst>
+          </a:custGeom>
+          <a:solidFill>
+            <a:srgbClr val="FFFFFF"/>
+          </a:solidFill>
+          <a:ln w="9525" cap="flat" cmpd="sng">
+            <a:solidFill>
+              <a:srgbClr val="000000"/>
+            </a:solidFill>
+            <a:prstDash val="solid"/>
+            <a:miter lim="8000"/>
+            <a:headEnd type="none" w="sm" len="sm"/>
+            <a:tailEnd type="none" w="sm" len="sm"/>
+          </a:ln>
+        </p:spPr>
+      </p:sp>
+      <p:sp>
+        <p:nvSpPr>
+          <p:cNvPr id="176" name="Google Shape;176;p16:notes"/>
+          <p:cNvSpPr txBox="1">
+            <a:spLocks noGrp="1"/>
+          </p:cNvSpPr>
+          <p:nvPr>
+            <p:ph type="body" idx="1"/>
+          </p:nvPr>
+        </p:nvSpPr>
+        <p:spPr>
+          <a:xfrm>
+            <a:off x="685800" y="4343400"/>
+            <a:ext cx="5457825" cy="4086225"/>
+          </a:xfrm>
+          <a:prstGeom prst="rect">
+            <a:avLst/>
+          </a:prstGeom>
+          <a:noFill/>
+          <a:ln>
+            <a:noFill/>
+          </a:ln>
+        </p:spPr>
+        <p:txBody>
+          <a:bodyPr spcFirstLastPara="1" wrap="square" lIns="91425" tIns="45700" rIns="91425" bIns="45700" anchor="ctr" anchorCtr="0">
+            <a:noAutofit/>
+          </a:bodyPr>
+          <a:lstStyle/>
+          <a:p>
+            <a:pPr marL="0" marR="0" lvl="0" indent="0" algn="l" rtl="0">
+              <a:spcBef>
+                <a:spcPts val="0"/>
+              </a:spcBef>
+              <a:spcAft>
+                <a:spcPts val="0"/>
+              </a:spcAft>
+              <a:buNone/>
+            </a:pPr>
+            <a:endParaRPr lang="en-US" sz="2400" b="0" i="0" u="none" strike="noStrike" cap="none" dirty="0">
+              <a:solidFill>
+                <a:schemeClr val="dk1"/>
+              </a:solidFill>
+              <a:latin typeface="Nunito"/>
+              <a:ea typeface="Nunito"/>
+              <a:cs typeface="Nunito"/>
+              <a:sym typeface="Nunito"/>
+            </a:endParaRPr>
+          </a:p>
+        </p:txBody>
+      </p:sp>
+    </p:spTree>
+    <p:extLst>
+      <p:ext uri="{BB962C8B-B14F-4D97-AF65-F5344CB8AC3E}">
+        <p14:creationId xmlns:p14="http://schemas.microsoft.com/office/powerpoint/2010/main" val="949145003"/>
+      </p:ext>
+    </p:extLst>
+  </p:cSld>
+  <p:clrMapOvr>
+    <a:masterClrMapping/>
+  </p:clrMapOvr>
+</p:notes>
+</file>
+
+<file path=ppt/notesSlides/notesSlide26.xml><?xml version="1.0" encoding="utf-8"?>
+<p:notes xmlns:a="http://schemas.openxmlformats.org/drawingml/2006/main" xmlns:r="http://schemas.openxmlformats.org/officeDocument/2006/relationships" xmlns:p="http://schemas.openxmlformats.org/presentationml/2006/main" showMasterSp="0" showMasterPhAnim="0">
+  <p:cSld>
+    <p:spTree>
+      <p:nvGrpSpPr>
+        <p:cNvPr id="1" name="Shape 174"/>
+        <p:cNvGrpSpPr/>
+        <p:nvPr/>
+      </p:nvGrpSpPr>
+      <p:grpSpPr>
+        <a:xfrm>
+          <a:off x="0" y="0"/>
+          <a:ext cx="0" cy="0"/>
+          <a:chOff x="0" y="0"/>
+          <a:chExt cx="0" cy="0"/>
+        </a:xfrm>
+      </p:grpSpPr>
+      <p:sp>
+        <p:nvSpPr>
+          <p:cNvPr id="175" name="Google Shape;175;p16:notes"/>
+          <p:cNvSpPr>
+            <a:spLocks noGrp="1" noRot="1" noChangeAspect="1"/>
+          </p:cNvSpPr>
+          <p:nvPr>
+            <p:ph type="sldImg" idx="2"/>
+          </p:nvPr>
+        </p:nvSpPr>
+        <p:spPr>
+          <a:xfrm>
+            <a:off x="-16989425" y="-11796713"/>
+            <a:ext cx="22153563" cy="12465051"/>
+          </a:xfrm>
+          <a:custGeom>
+            <a:avLst/>
+            <a:gdLst/>
+            <a:ahLst/>
+            <a:cxnLst/>
+            <a:rect l="l" t="t" r="r" b="b"/>
+            <a:pathLst>
+              <a:path w="120000" h="120000" extrusionOk="0">
+                <a:moveTo>
+                  <a:pt x="0" y="0"/>
+                </a:moveTo>
+                <a:lnTo>
+                  <a:pt x="120000" y="0"/>
+                </a:lnTo>
+                <a:lnTo>
+                  <a:pt x="120000" y="120000"/>
+                </a:lnTo>
+                <a:lnTo>
+                  <a:pt x="0" y="120000"/>
+                </a:lnTo>
+                <a:close/>
+              </a:path>
+            </a:pathLst>
+          </a:custGeom>
+          <a:solidFill>
+            <a:srgbClr val="FFFFFF"/>
+          </a:solidFill>
+          <a:ln w="9525" cap="flat" cmpd="sng">
+            <a:solidFill>
+              <a:srgbClr val="000000"/>
+            </a:solidFill>
+            <a:prstDash val="solid"/>
+            <a:miter lim="8000"/>
+            <a:headEnd type="none" w="sm" len="sm"/>
+            <a:tailEnd type="none" w="sm" len="sm"/>
+          </a:ln>
+        </p:spPr>
+      </p:sp>
+      <p:sp>
+        <p:nvSpPr>
+          <p:cNvPr id="176" name="Google Shape;176;p16:notes"/>
+          <p:cNvSpPr txBox="1">
+            <a:spLocks noGrp="1"/>
+          </p:cNvSpPr>
+          <p:nvPr>
+            <p:ph type="body" idx="1"/>
+          </p:nvPr>
+        </p:nvSpPr>
+        <p:spPr>
+          <a:xfrm>
+            <a:off x="685800" y="4343400"/>
+            <a:ext cx="5457825" cy="4086225"/>
+          </a:xfrm>
+          <a:prstGeom prst="rect">
+            <a:avLst/>
+          </a:prstGeom>
+          <a:noFill/>
+          <a:ln>
+            <a:noFill/>
+          </a:ln>
+        </p:spPr>
+        <p:txBody>
+          <a:bodyPr spcFirstLastPara="1" wrap="square" lIns="91425" tIns="45700" rIns="91425" bIns="45700" anchor="ctr" anchorCtr="0">
+            <a:noAutofit/>
+          </a:bodyPr>
+          <a:lstStyle/>
+          <a:p>
+            <a:pPr marL="0" marR="0" lvl="0" indent="0" algn="l" rtl="0">
+              <a:spcBef>
+                <a:spcPts val="0"/>
+              </a:spcBef>
+              <a:spcAft>
+                <a:spcPts val="0"/>
+              </a:spcAft>
+              <a:buNone/>
+            </a:pPr>
+            <a:endParaRPr lang="en-US" sz="2400" b="0" i="0" u="none" strike="noStrike" cap="none" dirty="0">
+              <a:solidFill>
+                <a:schemeClr val="dk1"/>
+              </a:solidFill>
+              <a:latin typeface="Nunito"/>
+              <a:ea typeface="Nunito"/>
+              <a:cs typeface="Nunito"/>
+              <a:sym typeface="Nunito"/>
+            </a:endParaRPr>
+          </a:p>
+        </p:txBody>
+      </p:sp>
+    </p:spTree>
+    <p:extLst>
+      <p:ext uri="{BB962C8B-B14F-4D97-AF65-F5344CB8AC3E}">
+        <p14:creationId xmlns:p14="http://schemas.microsoft.com/office/powerpoint/2010/main" val="3962771209"/>
+      </p:ext>
+    </p:extLst>
+  </p:cSld>
+  <p:clrMapOvr>
+    <a:masterClrMapping/>
+  </p:clrMapOvr>
+</p:notes>
+</file>
+
+<file path=ppt/notesSlides/notesSlide27.xml><?xml version="1.0" encoding="utf-8"?>
+<p:notes xmlns:a="http://schemas.openxmlformats.org/drawingml/2006/main" xmlns:r="http://schemas.openxmlformats.org/officeDocument/2006/relationships" xmlns:p="http://schemas.openxmlformats.org/presentationml/2006/main" showMasterSp="0" showMasterPhAnim="0">
+  <p:cSld>
+    <p:spTree>
+      <p:nvGrpSpPr>
+        <p:cNvPr id="1" name="Shape 174"/>
+        <p:cNvGrpSpPr/>
+        <p:nvPr/>
+      </p:nvGrpSpPr>
+      <p:grpSpPr>
+        <a:xfrm>
+          <a:off x="0" y="0"/>
+          <a:ext cx="0" cy="0"/>
+          <a:chOff x="0" y="0"/>
+          <a:chExt cx="0" cy="0"/>
+        </a:xfrm>
+      </p:grpSpPr>
+      <p:sp>
+        <p:nvSpPr>
+          <p:cNvPr id="175" name="Google Shape;175;p16:notes"/>
+          <p:cNvSpPr>
+            <a:spLocks noGrp="1" noRot="1" noChangeAspect="1"/>
+          </p:cNvSpPr>
+          <p:nvPr>
+            <p:ph type="sldImg" idx="2"/>
+          </p:nvPr>
+        </p:nvSpPr>
+        <p:spPr>
+          <a:xfrm>
+            <a:off x="-16989425" y="-11796713"/>
+            <a:ext cx="22153563" cy="12465051"/>
+          </a:xfrm>
+          <a:custGeom>
+            <a:avLst/>
+            <a:gdLst/>
+            <a:ahLst/>
+            <a:cxnLst/>
+            <a:rect l="l" t="t" r="r" b="b"/>
+            <a:pathLst>
+              <a:path w="120000" h="120000" extrusionOk="0">
+                <a:moveTo>
+                  <a:pt x="0" y="0"/>
+                </a:moveTo>
+                <a:lnTo>
+                  <a:pt x="120000" y="0"/>
+                </a:lnTo>
+                <a:lnTo>
+                  <a:pt x="120000" y="120000"/>
+                </a:lnTo>
+                <a:lnTo>
+                  <a:pt x="0" y="120000"/>
+                </a:lnTo>
+                <a:close/>
+              </a:path>
+            </a:pathLst>
+          </a:custGeom>
+          <a:solidFill>
+            <a:srgbClr val="FFFFFF"/>
+          </a:solidFill>
+          <a:ln w="9525" cap="flat" cmpd="sng">
+            <a:solidFill>
+              <a:srgbClr val="000000"/>
+            </a:solidFill>
+            <a:prstDash val="solid"/>
+            <a:miter lim="8000"/>
+            <a:headEnd type="none" w="sm" len="sm"/>
+            <a:tailEnd type="none" w="sm" len="sm"/>
+          </a:ln>
+        </p:spPr>
+      </p:sp>
+      <p:sp>
+        <p:nvSpPr>
+          <p:cNvPr id="176" name="Google Shape;176;p16:notes"/>
+          <p:cNvSpPr txBox="1">
+            <a:spLocks noGrp="1"/>
+          </p:cNvSpPr>
+          <p:nvPr>
+            <p:ph type="body" idx="1"/>
+          </p:nvPr>
+        </p:nvSpPr>
+        <p:spPr>
+          <a:xfrm>
+            <a:off x="685800" y="4343400"/>
+            <a:ext cx="5457825" cy="4086225"/>
+          </a:xfrm>
+          <a:prstGeom prst="rect">
+            <a:avLst/>
+          </a:prstGeom>
+          <a:noFill/>
+          <a:ln>
+            <a:noFill/>
+          </a:ln>
+        </p:spPr>
+        <p:txBody>
+          <a:bodyPr spcFirstLastPara="1" wrap="square" lIns="91425" tIns="45700" rIns="91425" bIns="45700" anchor="ctr" anchorCtr="0">
+            <a:noAutofit/>
+          </a:bodyPr>
+          <a:lstStyle/>
+          <a:p>
+            <a:pPr marL="0" marR="0" lvl="0" indent="0" algn="l" rtl="0">
+              <a:spcBef>
+                <a:spcPts val="0"/>
+              </a:spcBef>
+              <a:spcAft>
+                <a:spcPts val="0"/>
+              </a:spcAft>
+              <a:buNone/>
+            </a:pPr>
+            <a:endParaRPr lang="en-US" sz="2400" b="0" i="0" u="none" strike="noStrike" cap="none" dirty="0">
+              <a:solidFill>
+                <a:schemeClr val="dk1"/>
+              </a:solidFill>
+              <a:latin typeface="Nunito"/>
+              <a:ea typeface="Nunito"/>
+              <a:cs typeface="Nunito"/>
+              <a:sym typeface="Nunito"/>
+            </a:endParaRPr>
+          </a:p>
+        </p:txBody>
+      </p:sp>
+    </p:spTree>
+    <p:extLst>
+      <p:ext uri="{BB962C8B-B14F-4D97-AF65-F5344CB8AC3E}">
+        <p14:creationId xmlns:p14="http://schemas.microsoft.com/office/powerpoint/2010/main" val="2853139541"/>
+      </p:ext>
+    </p:extLst>
+  </p:cSld>
+  <p:clrMapOvr>
+    <a:masterClrMapping/>
+  </p:clrMapOvr>
+</p:notes>
+</file>
+
+<file path=ppt/notesSlides/notesSlide28.xml><?xml version="1.0" encoding="utf-8"?>
+<p:notes xmlns:a="http://schemas.openxmlformats.org/drawingml/2006/main" xmlns:r="http://schemas.openxmlformats.org/officeDocument/2006/relationships" xmlns:p="http://schemas.openxmlformats.org/presentationml/2006/main" showMasterSp="0" showMasterPhAnim="0">
+  <p:cSld>
+    <p:spTree>
+      <p:nvGrpSpPr>
+        <p:cNvPr id="1" name="Shape 174"/>
+        <p:cNvGrpSpPr/>
+        <p:nvPr/>
+      </p:nvGrpSpPr>
+      <p:grpSpPr>
+        <a:xfrm>
+          <a:off x="0" y="0"/>
+          <a:ext cx="0" cy="0"/>
+          <a:chOff x="0" y="0"/>
+          <a:chExt cx="0" cy="0"/>
+        </a:xfrm>
+      </p:grpSpPr>
+      <p:sp>
+        <p:nvSpPr>
+          <p:cNvPr id="175" name="Google Shape;175;p16:notes"/>
+          <p:cNvSpPr>
+            <a:spLocks noGrp="1" noRot="1" noChangeAspect="1"/>
+          </p:cNvSpPr>
+          <p:nvPr>
+            <p:ph type="sldImg" idx="2"/>
+          </p:nvPr>
+        </p:nvSpPr>
+        <p:spPr>
+          <a:xfrm>
+            <a:off x="-16989425" y="-11796713"/>
+            <a:ext cx="22153563" cy="12465051"/>
+          </a:xfrm>
+          <a:custGeom>
+            <a:avLst/>
+            <a:gdLst/>
+            <a:ahLst/>
+            <a:cxnLst/>
+            <a:rect l="l" t="t" r="r" b="b"/>
+            <a:pathLst>
+              <a:path w="120000" h="120000" extrusionOk="0">
+                <a:moveTo>
+                  <a:pt x="0" y="0"/>
+                </a:moveTo>
+                <a:lnTo>
+                  <a:pt x="120000" y="0"/>
+                </a:lnTo>
+                <a:lnTo>
+                  <a:pt x="120000" y="120000"/>
+                </a:lnTo>
+                <a:lnTo>
+                  <a:pt x="0" y="120000"/>
+                </a:lnTo>
+                <a:close/>
+              </a:path>
+            </a:pathLst>
+          </a:custGeom>
+          <a:solidFill>
+            <a:srgbClr val="FFFFFF"/>
+          </a:solidFill>
+          <a:ln w="9525" cap="flat" cmpd="sng">
+            <a:solidFill>
+              <a:srgbClr val="000000"/>
+            </a:solidFill>
+            <a:prstDash val="solid"/>
+            <a:miter lim="8000"/>
+            <a:headEnd type="none" w="sm" len="sm"/>
+            <a:tailEnd type="none" w="sm" len="sm"/>
+          </a:ln>
+        </p:spPr>
+      </p:sp>
+      <p:sp>
+        <p:nvSpPr>
+          <p:cNvPr id="176" name="Google Shape;176;p16:notes"/>
+          <p:cNvSpPr txBox="1">
+            <a:spLocks noGrp="1"/>
+          </p:cNvSpPr>
+          <p:nvPr>
+            <p:ph type="body" idx="1"/>
+          </p:nvPr>
+        </p:nvSpPr>
+        <p:spPr>
+          <a:xfrm>
+            <a:off x="685800" y="4343400"/>
+            <a:ext cx="5457825" cy="4086225"/>
+          </a:xfrm>
+          <a:prstGeom prst="rect">
+            <a:avLst/>
+          </a:prstGeom>
+          <a:noFill/>
+          <a:ln>
+            <a:noFill/>
+          </a:ln>
+        </p:spPr>
+        <p:txBody>
+          <a:bodyPr spcFirstLastPara="1" wrap="square" lIns="91425" tIns="45700" rIns="91425" bIns="45700" anchor="ctr" anchorCtr="0">
+            <a:noAutofit/>
+          </a:bodyPr>
+          <a:lstStyle/>
+          <a:p>
+            <a:pPr marL="0" marR="0" lvl="0" indent="0" algn="l" rtl="0">
+              <a:spcBef>
+                <a:spcPts val="0"/>
+              </a:spcBef>
+              <a:spcAft>
+                <a:spcPts val="0"/>
+              </a:spcAft>
+              <a:buNone/>
+            </a:pPr>
+            <a:endParaRPr lang="en-US" sz="2400" b="0" i="0" u="none" strike="noStrike" cap="none" dirty="0">
+              <a:solidFill>
+                <a:schemeClr val="dk1"/>
+              </a:solidFill>
+              <a:latin typeface="Nunito"/>
+              <a:ea typeface="Nunito"/>
+              <a:cs typeface="Nunito"/>
+              <a:sym typeface="Nunito"/>
+            </a:endParaRPr>
+          </a:p>
+        </p:txBody>
+      </p:sp>
+    </p:spTree>
+    <p:extLst>
+      <p:ext uri="{BB962C8B-B14F-4D97-AF65-F5344CB8AC3E}">
+        <p14:creationId xmlns:p14="http://schemas.microsoft.com/office/powerpoint/2010/main" val="3937962295"/>
       </p:ext>
     </p:extLst>
   </p:cSld>
@@ -10745,6 +12621,701 @@
 </p:sld>
 </file>
 
+<file path=ppt/slides/slide16.xml><?xml version="1.0" encoding="utf-8"?>
+<p:sld xmlns:a="http://schemas.openxmlformats.org/drawingml/2006/main" xmlns:r="http://schemas.openxmlformats.org/officeDocument/2006/relationships" xmlns:p="http://schemas.openxmlformats.org/presentationml/2006/main">
+  <p:cSld>
+    <p:spTree>
+      <p:nvGrpSpPr>
+        <p:cNvPr id="1" name="Shape 177"/>
+        <p:cNvGrpSpPr/>
+        <p:nvPr/>
+      </p:nvGrpSpPr>
+      <p:grpSpPr>
+        <a:xfrm>
+          <a:off x="0" y="0"/>
+          <a:ext cx="0" cy="0"/>
+          <a:chOff x="0" y="0"/>
+          <a:chExt cx="0" cy="0"/>
+        </a:xfrm>
+      </p:grpSpPr>
+      <p:sp>
+        <p:nvSpPr>
+          <p:cNvPr id="11" name="Google Shape;182;p10">
+            <a:extLst>
+              <a:ext uri="{FF2B5EF4-FFF2-40B4-BE49-F238E27FC236}">
+                <a16:creationId xmlns:a16="http://schemas.microsoft.com/office/drawing/2014/main" id="{88392DE9-3CFC-A244-9978-E474088DE60F}"/>
+              </a:ext>
+            </a:extLst>
+          </p:cNvPr>
+          <p:cNvSpPr txBox="1"/>
+          <p:nvPr/>
+        </p:nvSpPr>
+        <p:spPr>
+          <a:xfrm>
+            <a:off x="1467853" y="1116731"/>
+            <a:ext cx="12488779" cy="1323439"/>
+          </a:xfrm>
+          <a:prstGeom prst="rect">
+            <a:avLst/>
+          </a:prstGeom>
+          <a:noFill/>
+          <a:ln>
+            <a:noFill/>
+          </a:ln>
+        </p:spPr>
+        <p:txBody>
+          <a:bodyPr spcFirstLastPara="1" wrap="square" lIns="91426" tIns="45700" rIns="91426" bIns="45700" anchor="t" anchorCtr="0">
+            <a:noAutofit/>
+          </a:bodyPr>
+          <a:lstStyle/>
+          <a:p>
+            <a:r>
+              <a:rPr lang="en-US" sz="8001" b="1" dirty="0">
+                <a:solidFill>
+                  <a:schemeClr val="dk1"/>
+                </a:solidFill>
+                <a:latin typeface="Nunito"/>
+                <a:ea typeface="Nunito"/>
+                <a:cs typeface="Nunito"/>
+                <a:sym typeface="Nunito"/>
+              </a:rPr>
+              <a:t>Network 3 Description</a:t>
+            </a:r>
+            <a:endParaRPr sz="8001" b="1" dirty="0">
+              <a:solidFill>
+                <a:schemeClr val="dk1"/>
+              </a:solidFill>
+              <a:latin typeface="Nunito"/>
+              <a:ea typeface="Nunito"/>
+              <a:cs typeface="Nunito"/>
+              <a:sym typeface="Nunito"/>
+            </a:endParaRPr>
+          </a:p>
+        </p:txBody>
+      </p:sp>
+      <p:sp>
+        <p:nvSpPr>
+          <p:cNvPr id="6" name="TextBox 5">
+            <a:extLst>
+              <a:ext uri="{FF2B5EF4-FFF2-40B4-BE49-F238E27FC236}">
+                <a16:creationId xmlns:a16="http://schemas.microsoft.com/office/drawing/2014/main" id="{A51771E4-89B0-4F19-9518-20DE24667770}"/>
+              </a:ext>
+            </a:extLst>
+          </p:cNvPr>
+          <p:cNvSpPr txBox="1"/>
+          <p:nvPr/>
+        </p:nvSpPr>
+        <p:spPr>
+          <a:xfrm>
+            <a:off x="11480007" y="8343531"/>
+            <a:ext cx="12553406" cy="707886"/>
+          </a:xfrm>
+          <a:prstGeom prst="rect">
+            <a:avLst/>
+          </a:prstGeom>
+          <a:noFill/>
+        </p:spPr>
+        <p:txBody>
+          <a:bodyPr wrap="square" rtlCol="0">
+            <a:spAutoFit/>
+          </a:bodyPr>
+          <a:lstStyle/>
+          <a:p>
+            <a:pPr algn="ctr"/>
+            <a:r>
+              <a:rPr lang="en-US" sz="4000" dirty="0"/>
+              <a:t>New 26 column input vector</a:t>
+            </a:r>
+          </a:p>
+        </p:txBody>
+      </p:sp>
+      <p:sp>
+        <p:nvSpPr>
+          <p:cNvPr id="7" name="Google Shape;181;p10">
+            <a:extLst>
+              <a:ext uri="{FF2B5EF4-FFF2-40B4-BE49-F238E27FC236}">
+                <a16:creationId xmlns:a16="http://schemas.microsoft.com/office/drawing/2014/main" id="{5284F886-3E9D-B943-B34B-B1EA85F61A21}"/>
+              </a:ext>
+            </a:extLst>
+          </p:cNvPr>
+          <p:cNvSpPr txBox="1"/>
+          <p:nvPr/>
+        </p:nvSpPr>
+        <p:spPr>
+          <a:xfrm>
+            <a:off x="1467853" y="3125123"/>
+            <a:ext cx="10432515" cy="6237870"/>
+          </a:xfrm>
+          <a:prstGeom prst="rect">
+            <a:avLst/>
+          </a:prstGeom>
+          <a:noFill/>
+          <a:ln>
+            <a:noFill/>
+          </a:ln>
+        </p:spPr>
+        <p:txBody>
+          <a:bodyPr spcFirstLastPara="1" wrap="square" lIns="91426" tIns="45700" rIns="91426" bIns="45700" anchor="t" anchorCtr="0">
+            <a:noAutofit/>
+          </a:bodyPr>
+          <a:lstStyle/>
+          <a:p>
+            <a:r>
+              <a:rPr lang="en-GB" sz="4800" b="1" dirty="0">
+                <a:solidFill>
+                  <a:srgbClr val="1B243B"/>
+                </a:solidFill>
+                <a:latin typeface="Nunito"/>
+                <a:sym typeface="Nunito"/>
+              </a:rPr>
+              <a:t>Input</a:t>
+            </a:r>
+          </a:p>
+          <a:p>
+            <a:pPr marL="685800" lvl="0" indent="-685800">
+              <a:buFont typeface="Arial" panose="020B0604020202020204" pitchFamily="34" charset="0"/>
+              <a:buChar char="•"/>
+            </a:pPr>
+            <a:r>
+              <a:rPr lang="en-US" sz="4000" dirty="0"/>
+              <a:t>Year</a:t>
+            </a:r>
+          </a:p>
+          <a:p>
+            <a:pPr marL="685800" lvl="0" indent="-685800">
+              <a:buFont typeface="Arial" panose="020B0604020202020204" pitchFamily="34" charset="0"/>
+              <a:buChar char="•"/>
+            </a:pPr>
+            <a:r>
+              <a:rPr lang="en-US" sz="4000" dirty="0">
+                <a:sym typeface="Nunito"/>
+              </a:rPr>
+              <a:t>Month</a:t>
+            </a:r>
+          </a:p>
+          <a:p>
+            <a:pPr marL="685800" lvl="0" indent="-685800">
+              <a:buFont typeface="Arial" panose="020B0604020202020204" pitchFamily="34" charset="0"/>
+              <a:buChar char="•"/>
+            </a:pPr>
+            <a:r>
+              <a:rPr lang="en-US" sz="4000" dirty="0">
+                <a:sym typeface="Nunito"/>
+              </a:rPr>
+              <a:t>Day</a:t>
+            </a:r>
+          </a:p>
+          <a:p>
+            <a:pPr marL="685800" lvl="0" indent="-685800">
+              <a:buFont typeface="Arial" panose="020B0604020202020204" pitchFamily="34" charset="0"/>
+              <a:buChar char="•"/>
+            </a:pPr>
+            <a:r>
+              <a:rPr lang="en-US" sz="4000" dirty="0">
+                <a:sym typeface="Nunito"/>
+              </a:rPr>
+              <a:t>Hour</a:t>
+            </a:r>
+          </a:p>
+          <a:p>
+            <a:pPr marL="685800" lvl="0" indent="-685800">
+              <a:buFont typeface="Arial" panose="020B0604020202020204" pitchFamily="34" charset="0"/>
+              <a:buChar char="•"/>
+            </a:pPr>
+            <a:r>
+              <a:rPr lang="en-US" sz="4000" dirty="0">
+                <a:sym typeface="Nunito"/>
+              </a:rPr>
+              <a:t>One hot encoded Neighborhood</a:t>
+            </a:r>
+          </a:p>
+          <a:p>
+            <a:pPr lvl="0"/>
+            <a:endParaRPr lang="en-GB" sz="4800" dirty="0">
+              <a:sym typeface="Nunito"/>
+            </a:endParaRPr>
+          </a:p>
+          <a:p>
+            <a:pPr lvl="0"/>
+            <a:r>
+              <a:rPr lang="en-GB" sz="4800" b="1" dirty="0">
+                <a:solidFill>
+                  <a:srgbClr val="1B243B"/>
+                </a:solidFill>
+                <a:latin typeface="Nunito"/>
+                <a:sym typeface="Nunito"/>
+              </a:rPr>
+              <a:t>Output</a:t>
+            </a:r>
+          </a:p>
+          <a:p>
+            <a:pPr marL="685800" lvl="0" indent="-685800">
+              <a:buFont typeface="Arial" panose="020B0604020202020204" pitchFamily="34" charset="0"/>
+              <a:buChar char="•"/>
+            </a:pPr>
+            <a:r>
+              <a:rPr lang="en-US" sz="4000" dirty="0"/>
+              <a:t>Probability of crime occurring</a:t>
+            </a:r>
+            <a:endParaRPr lang="en-GB" sz="4000" dirty="0">
+              <a:sym typeface="Nunito"/>
+            </a:endParaRPr>
+          </a:p>
+        </p:txBody>
+      </p:sp>
+      <p:pic>
+        <p:nvPicPr>
+          <p:cNvPr id="2" name="Picture 1">
+            <a:extLst>
+              <a:ext uri="{FF2B5EF4-FFF2-40B4-BE49-F238E27FC236}">
+                <a16:creationId xmlns:a16="http://schemas.microsoft.com/office/drawing/2014/main" id="{6E3F47D3-97B5-8640-AABA-87CEEADBC9A2}"/>
+              </a:ext>
+            </a:extLst>
+          </p:cNvPr>
+          <p:cNvPicPr>
+            <a:picLocks noChangeAspect="1"/>
+          </p:cNvPicPr>
+          <p:nvPr/>
+        </p:nvPicPr>
+        <p:blipFill>
+          <a:blip r:embed="rId3"/>
+          <a:stretch>
+            <a:fillRect/>
+          </a:stretch>
+        </p:blipFill>
+        <p:spPr>
+          <a:xfrm>
+            <a:off x="11116691" y="5806363"/>
+            <a:ext cx="12569512" cy="2267228"/>
+          </a:xfrm>
+          <a:prstGeom prst="rect">
+            <a:avLst/>
+          </a:prstGeom>
+        </p:spPr>
+      </p:pic>
+    </p:spTree>
+    <p:extLst>
+      <p:ext uri="{BB962C8B-B14F-4D97-AF65-F5344CB8AC3E}">
+        <p14:creationId xmlns:p14="http://schemas.microsoft.com/office/powerpoint/2010/main" val="4244971881"/>
+      </p:ext>
+    </p:extLst>
+  </p:cSld>
+  <p:clrMapOvr>
+    <a:masterClrMapping/>
+  </p:clrMapOvr>
+</p:sld>
+</file>
+
+<file path=ppt/slides/slide17.xml><?xml version="1.0" encoding="utf-8"?>
+<p:sld xmlns:a="http://schemas.openxmlformats.org/drawingml/2006/main" xmlns:r="http://schemas.openxmlformats.org/officeDocument/2006/relationships" xmlns:p="http://schemas.openxmlformats.org/presentationml/2006/main">
+  <p:cSld>
+    <p:spTree>
+      <p:nvGrpSpPr>
+        <p:cNvPr id="1" name="Shape 177"/>
+        <p:cNvGrpSpPr/>
+        <p:nvPr/>
+      </p:nvGrpSpPr>
+      <p:grpSpPr>
+        <a:xfrm>
+          <a:off x="0" y="0"/>
+          <a:ext cx="0" cy="0"/>
+          <a:chOff x="0" y="0"/>
+          <a:chExt cx="0" cy="0"/>
+        </a:xfrm>
+      </p:grpSpPr>
+      <p:sp>
+        <p:nvSpPr>
+          <p:cNvPr id="7" name="Google Shape;182;p10">
+            <a:extLst>
+              <a:ext uri="{FF2B5EF4-FFF2-40B4-BE49-F238E27FC236}">
+                <a16:creationId xmlns:a16="http://schemas.microsoft.com/office/drawing/2014/main" id="{5AF6879A-FC91-4CE4-A8CB-03329928EED2}"/>
+              </a:ext>
+            </a:extLst>
+          </p:cNvPr>
+          <p:cNvSpPr txBox="1"/>
+          <p:nvPr/>
+        </p:nvSpPr>
+        <p:spPr>
+          <a:xfrm>
+            <a:off x="1467853" y="1116731"/>
+            <a:ext cx="12488779" cy="1323439"/>
+          </a:xfrm>
+          <a:prstGeom prst="rect">
+            <a:avLst/>
+          </a:prstGeom>
+          <a:noFill/>
+          <a:ln>
+            <a:noFill/>
+          </a:ln>
+        </p:spPr>
+        <p:txBody>
+          <a:bodyPr spcFirstLastPara="1" wrap="square" lIns="91426" tIns="45700" rIns="91426" bIns="45700" anchor="t" anchorCtr="0">
+            <a:noAutofit/>
+          </a:bodyPr>
+          <a:lstStyle/>
+          <a:p>
+            <a:r>
+              <a:rPr lang="en-US" sz="8001" b="1" dirty="0">
+                <a:solidFill>
+                  <a:schemeClr val="dk1"/>
+                </a:solidFill>
+                <a:latin typeface="Nunito"/>
+                <a:ea typeface="Nunito"/>
+                <a:cs typeface="Nunito"/>
+                <a:sym typeface="Nunito"/>
+              </a:rPr>
+              <a:t>Network 3 Architecture</a:t>
+            </a:r>
+            <a:endParaRPr sz="8001" b="1" dirty="0">
+              <a:solidFill>
+                <a:schemeClr val="dk1"/>
+              </a:solidFill>
+              <a:latin typeface="Nunito"/>
+              <a:ea typeface="Nunito"/>
+              <a:cs typeface="Nunito"/>
+              <a:sym typeface="Nunito"/>
+            </a:endParaRPr>
+          </a:p>
+        </p:txBody>
+      </p:sp>
+      <p:pic>
+        <p:nvPicPr>
+          <p:cNvPr id="4" name="Picture 3">
+            <a:extLst>
+              <a:ext uri="{FF2B5EF4-FFF2-40B4-BE49-F238E27FC236}">
+                <a16:creationId xmlns:a16="http://schemas.microsoft.com/office/drawing/2014/main" id="{3ABEBA0E-F2BF-1B43-8387-0A473C17219C}"/>
+              </a:ext>
+            </a:extLst>
+          </p:cNvPr>
+          <p:cNvPicPr>
+            <a:picLocks noChangeAspect="1"/>
+          </p:cNvPicPr>
+          <p:nvPr/>
+        </p:nvPicPr>
+        <p:blipFill>
+          <a:blip r:embed="rId3"/>
+          <a:stretch>
+            <a:fillRect/>
+          </a:stretch>
+        </p:blipFill>
+        <p:spPr>
+          <a:xfrm>
+            <a:off x="4637150" y="2842506"/>
+            <a:ext cx="14709809" cy="8386326"/>
+          </a:xfrm>
+          <a:prstGeom prst="rect">
+            <a:avLst/>
+          </a:prstGeom>
+        </p:spPr>
+      </p:pic>
+    </p:spTree>
+    <p:extLst>
+      <p:ext uri="{BB962C8B-B14F-4D97-AF65-F5344CB8AC3E}">
+        <p14:creationId xmlns:p14="http://schemas.microsoft.com/office/powerpoint/2010/main" val="4116612615"/>
+      </p:ext>
+    </p:extLst>
+  </p:cSld>
+  <p:clrMapOvr>
+    <a:masterClrMapping/>
+  </p:clrMapOvr>
+</p:sld>
+</file>
+
+<file path=ppt/slides/slide18.xml><?xml version="1.0" encoding="utf-8"?>
+<p:sld xmlns:a="http://schemas.openxmlformats.org/drawingml/2006/main" xmlns:r="http://schemas.openxmlformats.org/officeDocument/2006/relationships" xmlns:p="http://schemas.openxmlformats.org/presentationml/2006/main">
+  <p:cSld>
+    <p:spTree>
+      <p:nvGrpSpPr>
+        <p:cNvPr id="1" name="Shape 177"/>
+        <p:cNvGrpSpPr/>
+        <p:nvPr/>
+      </p:nvGrpSpPr>
+      <p:grpSpPr>
+        <a:xfrm>
+          <a:off x="0" y="0"/>
+          <a:ext cx="0" cy="0"/>
+          <a:chOff x="0" y="0"/>
+          <a:chExt cx="0" cy="0"/>
+        </a:xfrm>
+      </p:grpSpPr>
+      <p:sp>
+        <p:nvSpPr>
+          <p:cNvPr id="11" name="Google Shape;182;p10">
+            <a:extLst>
+              <a:ext uri="{FF2B5EF4-FFF2-40B4-BE49-F238E27FC236}">
+                <a16:creationId xmlns:a16="http://schemas.microsoft.com/office/drawing/2014/main" id="{88392DE9-3CFC-A244-9978-E474088DE60F}"/>
+              </a:ext>
+            </a:extLst>
+          </p:cNvPr>
+          <p:cNvSpPr txBox="1"/>
+          <p:nvPr/>
+        </p:nvSpPr>
+        <p:spPr>
+          <a:xfrm>
+            <a:off x="1467853" y="1116731"/>
+            <a:ext cx="12488779" cy="1323439"/>
+          </a:xfrm>
+          <a:prstGeom prst="rect">
+            <a:avLst/>
+          </a:prstGeom>
+          <a:noFill/>
+          <a:ln>
+            <a:noFill/>
+          </a:ln>
+        </p:spPr>
+        <p:txBody>
+          <a:bodyPr spcFirstLastPara="1" wrap="square" lIns="91426" tIns="45700" rIns="91426" bIns="45700" anchor="t" anchorCtr="0">
+            <a:noAutofit/>
+          </a:bodyPr>
+          <a:lstStyle/>
+          <a:p>
+            <a:r>
+              <a:rPr lang="en-US" sz="8001" b="1" dirty="0">
+                <a:solidFill>
+                  <a:schemeClr val="dk1"/>
+                </a:solidFill>
+                <a:latin typeface="Nunito"/>
+                <a:ea typeface="Nunito"/>
+                <a:cs typeface="Nunito"/>
+                <a:sym typeface="Nunito"/>
+              </a:rPr>
+              <a:t>Network 3 Performance</a:t>
+            </a:r>
+            <a:endParaRPr sz="8001" b="1" dirty="0">
+              <a:solidFill>
+                <a:schemeClr val="dk1"/>
+              </a:solidFill>
+              <a:latin typeface="Nunito"/>
+              <a:ea typeface="Nunito"/>
+              <a:cs typeface="Nunito"/>
+              <a:sym typeface="Nunito"/>
+            </a:endParaRPr>
+          </a:p>
+        </p:txBody>
+      </p:sp>
+      <p:sp>
+        <p:nvSpPr>
+          <p:cNvPr id="12" name="TextBox 11">
+            <a:extLst>
+              <a:ext uri="{FF2B5EF4-FFF2-40B4-BE49-F238E27FC236}">
+                <a16:creationId xmlns:a16="http://schemas.microsoft.com/office/drawing/2014/main" id="{D8A2D8AA-337B-4F8F-AF35-F9D9F9849511}"/>
+              </a:ext>
+            </a:extLst>
+          </p:cNvPr>
+          <p:cNvSpPr txBox="1"/>
+          <p:nvPr/>
+        </p:nvSpPr>
+        <p:spPr>
+          <a:xfrm>
+            <a:off x="9790399" y="10921887"/>
+            <a:ext cx="4796852" cy="707886"/>
+          </a:xfrm>
+          <a:prstGeom prst="rect">
+            <a:avLst/>
+          </a:prstGeom>
+          <a:noFill/>
+        </p:spPr>
+        <p:txBody>
+          <a:bodyPr wrap="square" rtlCol="0">
+            <a:spAutoFit/>
+          </a:bodyPr>
+          <a:lstStyle/>
+          <a:p>
+            <a:r>
+              <a:rPr lang="en-US" sz="4000" dirty="0"/>
+              <a:t>Test Accuracy: 86%</a:t>
+            </a:r>
+          </a:p>
+        </p:txBody>
+      </p:sp>
+      <p:pic>
+        <p:nvPicPr>
+          <p:cNvPr id="4" name="Picture 3">
+            <a:extLst>
+              <a:ext uri="{FF2B5EF4-FFF2-40B4-BE49-F238E27FC236}">
+                <a16:creationId xmlns:a16="http://schemas.microsoft.com/office/drawing/2014/main" id="{466DC368-958A-1C4D-9569-0B480E723671}"/>
+              </a:ext>
+            </a:extLst>
+          </p:cNvPr>
+          <p:cNvPicPr>
+            <a:picLocks noChangeAspect="1"/>
+          </p:cNvPicPr>
+          <p:nvPr/>
+        </p:nvPicPr>
+        <p:blipFill>
+          <a:blip r:embed="rId3"/>
+          <a:stretch>
+            <a:fillRect/>
+          </a:stretch>
+        </p:blipFill>
+        <p:spPr>
+          <a:xfrm>
+            <a:off x="1211821" y="3268384"/>
+            <a:ext cx="10477463" cy="7117842"/>
+          </a:xfrm>
+          <a:prstGeom prst="rect">
+            <a:avLst/>
+          </a:prstGeom>
+        </p:spPr>
+      </p:pic>
+      <p:pic>
+        <p:nvPicPr>
+          <p:cNvPr id="5" name="Picture 4">
+            <a:extLst>
+              <a:ext uri="{FF2B5EF4-FFF2-40B4-BE49-F238E27FC236}">
+                <a16:creationId xmlns:a16="http://schemas.microsoft.com/office/drawing/2014/main" id="{04D8D627-8B5A-2741-9001-182A74A030B1}"/>
+              </a:ext>
+            </a:extLst>
+          </p:cNvPr>
+          <p:cNvPicPr>
+            <a:picLocks noChangeAspect="1"/>
+          </p:cNvPicPr>
+          <p:nvPr/>
+        </p:nvPicPr>
+        <p:blipFill>
+          <a:blip r:embed="rId4"/>
+          <a:stretch>
+            <a:fillRect/>
+          </a:stretch>
+        </p:blipFill>
+        <p:spPr>
+          <a:xfrm>
+            <a:off x="12188825" y="3268384"/>
+            <a:ext cx="10613059" cy="7188278"/>
+          </a:xfrm>
+          <a:prstGeom prst="rect">
+            <a:avLst/>
+          </a:prstGeom>
+        </p:spPr>
+      </p:pic>
+    </p:spTree>
+    <p:extLst>
+      <p:ext uri="{BB962C8B-B14F-4D97-AF65-F5344CB8AC3E}">
+        <p14:creationId xmlns:p14="http://schemas.microsoft.com/office/powerpoint/2010/main" val="2979773575"/>
+      </p:ext>
+    </p:extLst>
+  </p:cSld>
+  <p:clrMapOvr>
+    <a:masterClrMapping/>
+  </p:clrMapOvr>
+</p:sld>
+</file>
+
+<file path=ppt/slides/slide19.xml><?xml version="1.0" encoding="utf-8"?>
+<p:sld xmlns:a="http://schemas.openxmlformats.org/drawingml/2006/main" xmlns:r="http://schemas.openxmlformats.org/officeDocument/2006/relationships" xmlns:p="http://schemas.openxmlformats.org/presentationml/2006/main">
+  <p:cSld>
+    <p:spTree>
+      <p:nvGrpSpPr>
+        <p:cNvPr id="1" name="Shape 177"/>
+        <p:cNvGrpSpPr/>
+        <p:nvPr/>
+      </p:nvGrpSpPr>
+      <p:grpSpPr>
+        <a:xfrm>
+          <a:off x="0" y="0"/>
+          <a:ext cx="0" cy="0"/>
+          <a:chOff x="0" y="0"/>
+          <a:chExt cx="0" cy="0"/>
+        </a:xfrm>
+      </p:grpSpPr>
+      <p:sp>
+        <p:nvSpPr>
+          <p:cNvPr id="7" name="Google Shape;182;p10">
+            <a:extLst>
+              <a:ext uri="{FF2B5EF4-FFF2-40B4-BE49-F238E27FC236}">
+                <a16:creationId xmlns:a16="http://schemas.microsoft.com/office/drawing/2014/main" id="{5AF6879A-FC91-4CE4-A8CB-03329928EED2}"/>
+              </a:ext>
+            </a:extLst>
+          </p:cNvPr>
+          <p:cNvSpPr txBox="1"/>
+          <p:nvPr/>
+        </p:nvSpPr>
+        <p:spPr>
+          <a:xfrm>
+            <a:off x="1467853" y="1116731"/>
+            <a:ext cx="14616593" cy="1323439"/>
+          </a:xfrm>
+          <a:prstGeom prst="rect">
+            <a:avLst/>
+          </a:prstGeom>
+          <a:noFill/>
+          <a:ln>
+            <a:noFill/>
+          </a:ln>
+        </p:spPr>
+        <p:txBody>
+          <a:bodyPr spcFirstLastPara="1" wrap="square" lIns="91426" tIns="45700" rIns="91426" bIns="45700" anchor="t" anchorCtr="0">
+            <a:noAutofit/>
+          </a:bodyPr>
+          <a:lstStyle/>
+          <a:p>
+            <a:r>
+              <a:rPr lang="en-US" sz="8001" b="1" dirty="0">
+                <a:solidFill>
+                  <a:schemeClr val="dk1"/>
+                </a:solidFill>
+                <a:latin typeface="Nunito"/>
+                <a:ea typeface="Nunito"/>
+                <a:cs typeface="Nunito"/>
+                <a:sym typeface="Nunito"/>
+              </a:rPr>
+              <a:t>Network 3 Sample Output</a:t>
+            </a:r>
+            <a:endParaRPr sz="8001" b="1" dirty="0">
+              <a:solidFill>
+                <a:schemeClr val="dk1"/>
+              </a:solidFill>
+              <a:latin typeface="Nunito"/>
+              <a:ea typeface="Nunito"/>
+              <a:cs typeface="Nunito"/>
+              <a:sym typeface="Nunito"/>
+            </a:endParaRPr>
+          </a:p>
+        </p:txBody>
+      </p:sp>
+      <p:pic>
+        <p:nvPicPr>
+          <p:cNvPr id="2" name="Picture 1">
+            <a:extLst>
+              <a:ext uri="{FF2B5EF4-FFF2-40B4-BE49-F238E27FC236}">
+                <a16:creationId xmlns:a16="http://schemas.microsoft.com/office/drawing/2014/main" id="{10EAAF0C-793C-B045-85CF-6A1C0DCDFEB4}"/>
+              </a:ext>
+            </a:extLst>
+          </p:cNvPr>
+          <p:cNvPicPr>
+            <a:picLocks noChangeAspect="1"/>
+          </p:cNvPicPr>
+          <p:nvPr/>
+        </p:nvPicPr>
+        <p:blipFill>
+          <a:blip r:embed="rId3"/>
+          <a:stretch>
+            <a:fillRect/>
+          </a:stretch>
+        </p:blipFill>
+        <p:spPr>
+          <a:xfrm>
+            <a:off x="7075296" y="2549898"/>
+            <a:ext cx="9969119" cy="9024839"/>
+          </a:xfrm>
+          <a:prstGeom prst="rect">
+            <a:avLst/>
+          </a:prstGeom>
+        </p:spPr>
+      </p:pic>
+    </p:spTree>
+    <p:extLst>
+      <p:ext uri="{BB962C8B-B14F-4D97-AF65-F5344CB8AC3E}">
+        <p14:creationId xmlns:p14="http://schemas.microsoft.com/office/powerpoint/2010/main" val="3517888331"/>
+      </p:ext>
+    </p:extLst>
+  </p:cSld>
+  <p:clrMapOvr>
+    <a:masterClrMapping/>
+  </p:clrMapOvr>
+</p:sld>
+</file>
+
 <file path=ppt/slides/slide2.xml><?xml version="1.0" encoding="utf-8"?>
 <p:sld xmlns:a="http://schemas.openxmlformats.org/drawingml/2006/main" xmlns:r="http://schemas.openxmlformats.org/officeDocument/2006/relationships" xmlns:p="http://schemas.openxmlformats.org/presentationml/2006/main">
   <p:cSld>
@@ -10961,6 +13532,2260 @@
 </p:sld>
 </file>
 
+<file path=ppt/slides/slide20.xml><?xml version="1.0" encoding="utf-8"?>
+<p:sld xmlns:a="http://schemas.openxmlformats.org/drawingml/2006/main" xmlns:r="http://schemas.openxmlformats.org/officeDocument/2006/relationships" xmlns:p="http://schemas.openxmlformats.org/presentationml/2006/main">
+  <p:cSld>
+    <p:spTree>
+      <p:nvGrpSpPr>
+        <p:cNvPr id="1" name="Shape 177"/>
+        <p:cNvGrpSpPr/>
+        <p:nvPr/>
+      </p:nvGrpSpPr>
+      <p:grpSpPr>
+        <a:xfrm>
+          <a:off x="0" y="0"/>
+          <a:ext cx="0" cy="0"/>
+          <a:chOff x="0" y="0"/>
+          <a:chExt cx="0" cy="0"/>
+        </a:xfrm>
+      </p:grpSpPr>
+      <p:sp>
+        <p:nvSpPr>
+          <p:cNvPr id="11" name="Google Shape;182;p10">
+            <a:extLst>
+              <a:ext uri="{FF2B5EF4-FFF2-40B4-BE49-F238E27FC236}">
+                <a16:creationId xmlns:a16="http://schemas.microsoft.com/office/drawing/2014/main" id="{88392DE9-3CFC-A244-9978-E474088DE60F}"/>
+              </a:ext>
+            </a:extLst>
+          </p:cNvPr>
+          <p:cNvSpPr txBox="1"/>
+          <p:nvPr/>
+        </p:nvSpPr>
+        <p:spPr>
+          <a:xfrm>
+            <a:off x="1467853" y="1116731"/>
+            <a:ext cx="12488779" cy="1323439"/>
+          </a:xfrm>
+          <a:prstGeom prst="rect">
+            <a:avLst/>
+          </a:prstGeom>
+          <a:noFill/>
+          <a:ln>
+            <a:noFill/>
+          </a:ln>
+        </p:spPr>
+        <p:txBody>
+          <a:bodyPr spcFirstLastPara="1" wrap="square" lIns="91426" tIns="45700" rIns="91426" bIns="45700" anchor="t" anchorCtr="0">
+            <a:noAutofit/>
+          </a:bodyPr>
+          <a:lstStyle/>
+          <a:p>
+            <a:r>
+              <a:rPr lang="en-US" sz="8001" b="1" dirty="0">
+                <a:solidFill>
+                  <a:schemeClr val="dk1"/>
+                </a:solidFill>
+                <a:latin typeface="Nunito"/>
+                <a:ea typeface="Nunito"/>
+                <a:cs typeface="Nunito"/>
+                <a:sym typeface="Nunito"/>
+              </a:rPr>
+              <a:t>Network 3.1 and 3.2</a:t>
+            </a:r>
+            <a:endParaRPr sz="8001" b="1" dirty="0">
+              <a:solidFill>
+                <a:schemeClr val="dk1"/>
+              </a:solidFill>
+              <a:latin typeface="Nunito"/>
+              <a:ea typeface="Nunito"/>
+              <a:cs typeface="Nunito"/>
+              <a:sym typeface="Nunito"/>
+            </a:endParaRPr>
+          </a:p>
+        </p:txBody>
+      </p:sp>
+      <p:sp>
+        <p:nvSpPr>
+          <p:cNvPr id="7" name="Google Shape;181;p10">
+            <a:extLst>
+              <a:ext uri="{FF2B5EF4-FFF2-40B4-BE49-F238E27FC236}">
+                <a16:creationId xmlns:a16="http://schemas.microsoft.com/office/drawing/2014/main" id="{5284F886-3E9D-B943-B34B-B1EA85F61A21}"/>
+              </a:ext>
+            </a:extLst>
+          </p:cNvPr>
+          <p:cNvSpPr txBox="1"/>
+          <p:nvPr/>
+        </p:nvSpPr>
+        <p:spPr>
+          <a:xfrm>
+            <a:off x="1467853" y="2724004"/>
+            <a:ext cx="10432515" cy="6237870"/>
+          </a:xfrm>
+          <a:prstGeom prst="rect">
+            <a:avLst/>
+          </a:prstGeom>
+          <a:noFill/>
+          <a:ln>
+            <a:noFill/>
+          </a:ln>
+        </p:spPr>
+        <p:txBody>
+          <a:bodyPr spcFirstLastPara="1" wrap="square" lIns="91426" tIns="45700" rIns="91426" bIns="45700" anchor="t" anchorCtr="0">
+            <a:noAutofit/>
+          </a:bodyPr>
+          <a:lstStyle/>
+          <a:p>
+            <a:r>
+              <a:rPr lang="en-GB" sz="4800" b="1" dirty="0">
+                <a:solidFill>
+                  <a:srgbClr val="1B243B"/>
+                </a:solidFill>
+                <a:latin typeface="Nunito"/>
+                <a:sym typeface="Nunito"/>
+              </a:rPr>
+              <a:t>Input</a:t>
+            </a:r>
+          </a:p>
+          <a:p>
+            <a:pPr marL="685800" lvl="0" indent="-685800">
+              <a:buFont typeface="Arial" panose="020B0604020202020204" pitchFamily="34" charset="0"/>
+              <a:buChar char="•"/>
+            </a:pPr>
+            <a:r>
+              <a:rPr lang="en-US" sz="4000" dirty="0"/>
+              <a:t>Year</a:t>
+            </a:r>
+          </a:p>
+          <a:p>
+            <a:pPr marL="685800" lvl="0" indent="-685800">
+              <a:buFont typeface="Arial" panose="020B0604020202020204" pitchFamily="34" charset="0"/>
+              <a:buChar char="•"/>
+            </a:pPr>
+            <a:r>
+              <a:rPr lang="en-US" sz="4000" dirty="0">
+                <a:sym typeface="Nunito"/>
+              </a:rPr>
+              <a:t>Month</a:t>
+            </a:r>
+          </a:p>
+          <a:p>
+            <a:pPr marL="685800" lvl="0" indent="-685800">
+              <a:buFont typeface="Arial" panose="020B0604020202020204" pitchFamily="34" charset="0"/>
+              <a:buChar char="•"/>
+            </a:pPr>
+            <a:r>
+              <a:rPr lang="en-US" sz="4000" dirty="0">
+                <a:sym typeface="Nunito"/>
+              </a:rPr>
+              <a:t>Day</a:t>
+            </a:r>
+          </a:p>
+          <a:p>
+            <a:pPr marL="685800" lvl="0" indent="-685800">
+              <a:buFont typeface="Arial" panose="020B0604020202020204" pitchFamily="34" charset="0"/>
+              <a:buChar char="•"/>
+            </a:pPr>
+            <a:r>
+              <a:rPr lang="en-US" sz="4000" dirty="0">
+                <a:sym typeface="Nunito"/>
+              </a:rPr>
+              <a:t>Hour</a:t>
+            </a:r>
+          </a:p>
+          <a:p>
+            <a:pPr marL="685800" lvl="0" indent="-685800">
+              <a:buFont typeface="Arial" panose="020B0604020202020204" pitchFamily="34" charset="0"/>
+              <a:buChar char="•"/>
+            </a:pPr>
+            <a:r>
+              <a:rPr lang="en-US" sz="4000" dirty="0">
+                <a:sym typeface="Nunito"/>
+              </a:rPr>
+              <a:t>Minute</a:t>
+            </a:r>
+          </a:p>
+          <a:p>
+            <a:pPr marL="685800" lvl="0" indent="-685800">
+              <a:buFont typeface="Arial" panose="020B0604020202020204" pitchFamily="34" charset="0"/>
+              <a:buChar char="•"/>
+            </a:pPr>
+            <a:r>
+              <a:rPr lang="en-US" sz="4000" dirty="0">
+                <a:sym typeface="Nunito"/>
+              </a:rPr>
+              <a:t>Latitude</a:t>
+            </a:r>
+          </a:p>
+          <a:p>
+            <a:pPr marL="685800" lvl="0" indent="-685800">
+              <a:buFont typeface="Arial" panose="020B0604020202020204" pitchFamily="34" charset="0"/>
+              <a:buChar char="•"/>
+            </a:pPr>
+            <a:r>
+              <a:rPr lang="en-US" sz="4000" dirty="0">
+                <a:sym typeface="Nunito"/>
+              </a:rPr>
+              <a:t>Longitude</a:t>
+            </a:r>
+          </a:p>
+          <a:p>
+            <a:pPr marL="685800" lvl="0" indent="-685800">
+              <a:buFont typeface="Arial" panose="020B0604020202020204" pitchFamily="34" charset="0"/>
+              <a:buChar char="•"/>
+            </a:pPr>
+            <a:r>
+              <a:rPr lang="en-US" sz="4000" dirty="0">
+                <a:sym typeface="Nunito"/>
+              </a:rPr>
+              <a:t>Distance from Graffiti</a:t>
+            </a:r>
+          </a:p>
+          <a:p>
+            <a:pPr marL="685800" lvl="0" indent="-685800">
+              <a:buFont typeface="Arial" panose="020B0604020202020204" pitchFamily="34" charset="0"/>
+              <a:buChar char="•"/>
+            </a:pPr>
+            <a:r>
+              <a:rPr lang="en-US" sz="4000" dirty="0">
+                <a:sym typeface="Nunito"/>
+              </a:rPr>
+              <a:t>Distance from Drinking Fountain</a:t>
+            </a:r>
+          </a:p>
+          <a:p>
+            <a:pPr marL="685800" lvl="0" indent="-685800">
+              <a:buFont typeface="Arial" panose="020B0604020202020204" pitchFamily="34" charset="0"/>
+              <a:buChar char="•"/>
+            </a:pPr>
+            <a:endParaRPr lang="en-GB" sz="4800" dirty="0">
+              <a:sym typeface="Nunito"/>
+            </a:endParaRPr>
+          </a:p>
+          <a:p>
+            <a:pPr lvl="0"/>
+            <a:r>
+              <a:rPr lang="en-GB" sz="4800" b="1" dirty="0">
+                <a:solidFill>
+                  <a:srgbClr val="1B243B"/>
+                </a:solidFill>
+                <a:latin typeface="Nunito"/>
+                <a:sym typeface="Nunito"/>
+              </a:rPr>
+              <a:t>Output</a:t>
+            </a:r>
+          </a:p>
+          <a:p>
+            <a:pPr marL="685800" lvl="0" indent="-685800">
+              <a:buFont typeface="Arial" panose="020B0604020202020204" pitchFamily="34" charset="0"/>
+              <a:buChar char="•"/>
+            </a:pPr>
+            <a:r>
+              <a:rPr lang="en-US" sz="4000" dirty="0"/>
+              <a:t>Probability of crime occurring</a:t>
+            </a:r>
+            <a:endParaRPr lang="en-GB" sz="4000" dirty="0">
+              <a:sym typeface="Nunito"/>
+            </a:endParaRPr>
+          </a:p>
+        </p:txBody>
+      </p:sp>
+      <p:sp>
+        <p:nvSpPr>
+          <p:cNvPr id="8" name="Google Shape;181;p10">
+            <a:extLst>
+              <a:ext uri="{FF2B5EF4-FFF2-40B4-BE49-F238E27FC236}">
+                <a16:creationId xmlns:a16="http://schemas.microsoft.com/office/drawing/2014/main" id="{6A66CDCF-C489-F244-A89B-3A5B6D0DCCC6}"/>
+              </a:ext>
+            </a:extLst>
+          </p:cNvPr>
+          <p:cNvSpPr txBox="1"/>
+          <p:nvPr/>
+        </p:nvSpPr>
+        <p:spPr>
+          <a:xfrm>
+            <a:off x="12702781" y="2724004"/>
+            <a:ext cx="10432515" cy="6237870"/>
+          </a:xfrm>
+          <a:prstGeom prst="rect">
+            <a:avLst/>
+          </a:prstGeom>
+          <a:noFill/>
+          <a:ln>
+            <a:noFill/>
+          </a:ln>
+        </p:spPr>
+        <p:txBody>
+          <a:bodyPr spcFirstLastPara="1" wrap="square" lIns="91426" tIns="45700" rIns="91426" bIns="45700" anchor="t" anchorCtr="0">
+            <a:noAutofit/>
+          </a:bodyPr>
+          <a:lstStyle/>
+          <a:p>
+            <a:r>
+              <a:rPr lang="en-GB" sz="4800" b="1" dirty="0">
+                <a:solidFill>
+                  <a:srgbClr val="1B243B"/>
+                </a:solidFill>
+                <a:latin typeface="Nunito"/>
+                <a:sym typeface="Nunito"/>
+              </a:rPr>
+              <a:t>Input</a:t>
+            </a:r>
+          </a:p>
+          <a:p>
+            <a:pPr marL="685800" lvl="0" indent="-685800">
+              <a:buFont typeface="Arial" panose="020B0604020202020204" pitchFamily="34" charset="0"/>
+              <a:buChar char="•"/>
+            </a:pPr>
+            <a:r>
+              <a:rPr lang="en-US" sz="4000" dirty="0"/>
+              <a:t>Year</a:t>
+            </a:r>
+          </a:p>
+          <a:p>
+            <a:pPr marL="685800" lvl="0" indent="-685800">
+              <a:buFont typeface="Arial" panose="020B0604020202020204" pitchFamily="34" charset="0"/>
+              <a:buChar char="•"/>
+            </a:pPr>
+            <a:r>
+              <a:rPr lang="en-US" sz="4000" dirty="0">
+                <a:sym typeface="Nunito"/>
+              </a:rPr>
+              <a:t>Month</a:t>
+            </a:r>
+          </a:p>
+          <a:p>
+            <a:pPr marL="685800" lvl="0" indent="-685800">
+              <a:buFont typeface="Arial" panose="020B0604020202020204" pitchFamily="34" charset="0"/>
+              <a:buChar char="•"/>
+            </a:pPr>
+            <a:r>
+              <a:rPr lang="en-US" sz="4000" dirty="0">
+                <a:sym typeface="Nunito"/>
+              </a:rPr>
+              <a:t>Day</a:t>
+            </a:r>
+          </a:p>
+          <a:p>
+            <a:pPr marL="685800" lvl="0" indent="-685800">
+              <a:buFont typeface="Arial" panose="020B0604020202020204" pitchFamily="34" charset="0"/>
+              <a:buChar char="•"/>
+            </a:pPr>
+            <a:r>
+              <a:rPr lang="en-US" sz="4000" dirty="0">
+                <a:sym typeface="Nunito"/>
+              </a:rPr>
+              <a:t>Hour</a:t>
+            </a:r>
+          </a:p>
+          <a:p>
+            <a:pPr marL="685800" lvl="0" indent="-685800">
+              <a:buFont typeface="Arial" panose="020B0604020202020204" pitchFamily="34" charset="0"/>
+              <a:buChar char="•"/>
+            </a:pPr>
+            <a:r>
+              <a:rPr lang="en-US" sz="4000" dirty="0">
+                <a:sym typeface="Nunito"/>
+              </a:rPr>
+              <a:t>Minute</a:t>
+            </a:r>
+          </a:p>
+          <a:p>
+            <a:pPr marL="685800" lvl="0" indent="-685800">
+              <a:buFont typeface="Arial" panose="020B0604020202020204" pitchFamily="34" charset="0"/>
+              <a:buChar char="•"/>
+            </a:pPr>
+            <a:r>
+              <a:rPr lang="en-US" sz="4000" dirty="0">
+                <a:sym typeface="Nunito"/>
+              </a:rPr>
+              <a:t>Latitude</a:t>
+            </a:r>
+          </a:p>
+          <a:p>
+            <a:pPr marL="685800" lvl="0" indent="-685800">
+              <a:buFont typeface="Arial" panose="020B0604020202020204" pitchFamily="34" charset="0"/>
+              <a:buChar char="•"/>
+            </a:pPr>
+            <a:r>
+              <a:rPr lang="en-US" sz="4000" dirty="0">
+                <a:sym typeface="Nunito"/>
+              </a:rPr>
+              <a:t>Longitude</a:t>
+            </a:r>
+          </a:p>
+          <a:p>
+            <a:pPr marL="685800" lvl="0" indent="-685800">
+              <a:buFont typeface="Arial" panose="020B0604020202020204" pitchFamily="34" charset="0"/>
+              <a:buChar char="•"/>
+            </a:pPr>
+            <a:r>
+              <a:rPr lang="en-US" sz="4000" dirty="0">
+                <a:sym typeface="Nunito"/>
+              </a:rPr>
+              <a:t>Distance from Graffiti</a:t>
+            </a:r>
+          </a:p>
+          <a:p>
+            <a:pPr marL="685800" lvl="0" indent="-685800">
+              <a:buFont typeface="Arial" panose="020B0604020202020204" pitchFamily="34" charset="0"/>
+              <a:buChar char="•"/>
+            </a:pPr>
+            <a:r>
+              <a:rPr lang="en-US" sz="4000" dirty="0">
+                <a:sym typeface="Nunito"/>
+              </a:rPr>
+              <a:t>Distance from Drinking Fountain</a:t>
+            </a:r>
+          </a:p>
+          <a:p>
+            <a:pPr marL="685800" lvl="0" indent="-685800">
+              <a:buFont typeface="Arial" panose="020B0604020202020204" pitchFamily="34" charset="0"/>
+              <a:buChar char="•"/>
+            </a:pPr>
+            <a:r>
+              <a:rPr lang="en-US" sz="4000" dirty="0">
+                <a:sym typeface="Nunito"/>
+              </a:rPr>
+              <a:t>Google Trend Data</a:t>
+            </a:r>
+          </a:p>
+          <a:p>
+            <a:pPr marL="685800" lvl="0" indent="-685800">
+              <a:buFont typeface="Arial" panose="020B0604020202020204" pitchFamily="34" charset="0"/>
+              <a:buChar char="•"/>
+            </a:pPr>
+            <a:endParaRPr lang="en-GB" sz="4800" dirty="0">
+              <a:sym typeface="Nunito"/>
+            </a:endParaRPr>
+          </a:p>
+          <a:p>
+            <a:pPr lvl="0"/>
+            <a:r>
+              <a:rPr lang="en-GB" sz="4800" b="1" dirty="0">
+                <a:solidFill>
+                  <a:srgbClr val="1B243B"/>
+                </a:solidFill>
+                <a:latin typeface="Nunito"/>
+                <a:sym typeface="Nunito"/>
+              </a:rPr>
+              <a:t>Output</a:t>
+            </a:r>
+          </a:p>
+          <a:p>
+            <a:pPr marL="685800" lvl="0" indent="-685800">
+              <a:buFont typeface="Arial" panose="020B0604020202020204" pitchFamily="34" charset="0"/>
+              <a:buChar char="•"/>
+            </a:pPr>
+            <a:r>
+              <a:rPr lang="en-US" sz="4000" dirty="0"/>
+              <a:t>Probability of crime occurring</a:t>
+            </a:r>
+            <a:endParaRPr lang="en-GB" sz="4000" dirty="0">
+              <a:sym typeface="Nunito"/>
+            </a:endParaRPr>
+          </a:p>
+        </p:txBody>
+      </p:sp>
+      <p:cxnSp>
+        <p:nvCxnSpPr>
+          <p:cNvPr id="4" name="Straight Connector 3">
+            <a:extLst>
+              <a:ext uri="{FF2B5EF4-FFF2-40B4-BE49-F238E27FC236}">
+                <a16:creationId xmlns:a16="http://schemas.microsoft.com/office/drawing/2014/main" id="{E7BCC888-8A66-4F4F-9125-1D9A869A3152}"/>
+              </a:ext>
+            </a:extLst>
+          </p:cNvPr>
+          <p:cNvCxnSpPr/>
+          <p:nvPr/>
+        </p:nvCxnSpPr>
+        <p:spPr>
+          <a:xfrm>
+            <a:off x="11900368" y="2724004"/>
+            <a:ext cx="0" cy="8651132"/>
+          </a:xfrm>
+          <a:prstGeom prst="line">
+            <a:avLst/>
+          </a:prstGeom>
+        </p:spPr>
+        <p:style>
+          <a:lnRef idx="1">
+            <a:schemeClr val="dk1"/>
+          </a:lnRef>
+          <a:fillRef idx="0">
+            <a:schemeClr val="dk1"/>
+          </a:fillRef>
+          <a:effectRef idx="0">
+            <a:schemeClr val="dk1"/>
+          </a:effectRef>
+          <a:fontRef idx="minor">
+            <a:schemeClr val="tx1"/>
+          </a:fontRef>
+        </p:style>
+      </p:cxnSp>
+      <p:sp>
+        <p:nvSpPr>
+          <p:cNvPr id="5" name="TextBox 4">
+            <a:extLst>
+              <a:ext uri="{FF2B5EF4-FFF2-40B4-BE49-F238E27FC236}">
+                <a16:creationId xmlns:a16="http://schemas.microsoft.com/office/drawing/2014/main" id="{9FD1A630-82CC-C344-8F58-049E8482FEB7}"/>
+              </a:ext>
+            </a:extLst>
+          </p:cNvPr>
+          <p:cNvSpPr txBox="1"/>
+          <p:nvPr/>
+        </p:nvSpPr>
+        <p:spPr>
+          <a:xfrm>
+            <a:off x="6684110" y="4645151"/>
+            <a:ext cx="3877056" cy="830997"/>
+          </a:xfrm>
+          <a:prstGeom prst="rect">
+            <a:avLst/>
+          </a:prstGeom>
+          <a:noFill/>
+        </p:spPr>
+        <p:txBody>
+          <a:bodyPr wrap="square" rtlCol="0">
+            <a:spAutoFit/>
+          </a:bodyPr>
+          <a:lstStyle/>
+          <a:p>
+            <a:r>
+              <a:rPr lang="en-US" sz="4800" b="1" dirty="0">
+                <a:solidFill>
+                  <a:schemeClr val="accent5"/>
+                </a:solidFill>
+                <a:latin typeface="Nunito"/>
+              </a:rPr>
+              <a:t>Network 3.1</a:t>
+            </a:r>
+          </a:p>
+        </p:txBody>
+      </p:sp>
+      <p:sp>
+        <p:nvSpPr>
+          <p:cNvPr id="10" name="TextBox 9">
+            <a:extLst>
+              <a:ext uri="{FF2B5EF4-FFF2-40B4-BE49-F238E27FC236}">
+                <a16:creationId xmlns:a16="http://schemas.microsoft.com/office/drawing/2014/main" id="{2C2195BF-6041-3547-979D-8F8EEC3217DB}"/>
+              </a:ext>
+            </a:extLst>
+          </p:cNvPr>
+          <p:cNvSpPr txBox="1"/>
+          <p:nvPr/>
+        </p:nvSpPr>
+        <p:spPr>
+          <a:xfrm>
+            <a:off x="19258240" y="4645152"/>
+            <a:ext cx="3877056" cy="830997"/>
+          </a:xfrm>
+          <a:prstGeom prst="rect">
+            <a:avLst/>
+          </a:prstGeom>
+          <a:noFill/>
+        </p:spPr>
+        <p:txBody>
+          <a:bodyPr wrap="square" rtlCol="0">
+            <a:spAutoFit/>
+          </a:bodyPr>
+          <a:lstStyle/>
+          <a:p>
+            <a:r>
+              <a:rPr lang="en-US" sz="4800" b="1" dirty="0">
+                <a:solidFill>
+                  <a:schemeClr val="accent5"/>
+                </a:solidFill>
+                <a:latin typeface="Nunito"/>
+              </a:rPr>
+              <a:t>Network 3.2</a:t>
+            </a:r>
+          </a:p>
+        </p:txBody>
+      </p:sp>
+    </p:spTree>
+    <p:extLst>
+      <p:ext uri="{BB962C8B-B14F-4D97-AF65-F5344CB8AC3E}">
+        <p14:creationId xmlns:p14="http://schemas.microsoft.com/office/powerpoint/2010/main" val="4261855535"/>
+      </p:ext>
+    </p:extLst>
+  </p:cSld>
+  <p:clrMapOvr>
+    <a:masterClrMapping/>
+  </p:clrMapOvr>
+</p:sld>
+</file>
+
+<file path=ppt/slides/slide21.xml><?xml version="1.0" encoding="utf-8"?>
+<p:sld xmlns:a="http://schemas.openxmlformats.org/drawingml/2006/main" xmlns:r="http://schemas.openxmlformats.org/officeDocument/2006/relationships" xmlns:p="http://schemas.openxmlformats.org/presentationml/2006/main">
+  <p:cSld>
+    <p:spTree>
+      <p:nvGrpSpPr>
+        <p:cNvPr id="1" name="Shape 177"/>
+        <p:cNvGrpSpPr/>
+        <p:nvPr/>
+      </p:nvGrpSpPr>
+      <p:grpSpPr>
+        <a:xfrm>
+          <a:off x="0" y="0"/>
+          <a:ext cx="0" cy="0"/>
+          <a:chOff x="0" y="0"/>
+          <a:chExt cx="0" cy="0"/>
+        </a:xfrm>
+      </p:grpSpPr>
+      <p:sp>
+        <p:nvSpPr>
+          <p:cNvPr id="7" name="Google Shape;182;p10">
+            <a:extLst>
+              <a:ext uri="{FF2B5EF4-FFF2-40B4-BE49-F238E27FC236}">
+                <a16:creationId xmlns:a16="http://schemas.microsoft.com/office/drawing/2014/main" id="{5AF6879A-FC91-4CE4-A8CB-03329928EED2}"/>
+              </a:ext>
+            </a:extLst>
+          </p:cNvPr>
+          <p:cNvSpPr txBox="1"/>
+          <p:nvPr/>
+        </p:nvSpPr>
+        <p:spPr>
+          <a:xfrm>
+            <a:off x="1467853" y="1116731"/>
+            <a:ext cx="20624051" cy="1323439"/>
+          </a:xfrm>
+          <a:prstGeom prst="rect">
+            <a:avLst/>
+          </a:prstGeom>
+          <a:noFill/>
+          <a:ln>
+            <a:noFill/>
+          </a:ln>
+        </p:spPr>
+        <p:txBody>
+          <a:bodyPr spcFirstLastPara="1" wrap="square" lIns="91426" tIns="45700" rIns="91426" bIns="45700" anchor="t" anchorCtr="0">
+            <a:noAutofit/>
+          </a:bodyPr>
+          <a:lstStyle/>
+          <a:p>
+            <a:r>
+              <a:rPr lang="en-US" sz="8001" b="1" dirty="0">
+                <a:solidFill>
+                  <a:schemeClr val="dk1"/>
+                </a:solidFill>
+                <a:latin typeface="Nunito"/>
+                <a:ea typeface="Nunito"/>
+                <a:cs typeface="Nunito"/>
+                <a:sym typeface="Nunito"/>
+              </a:rPr>
+              <a:t>Network 3.1 and 3.2 Architecture</a:t>
+            </a:r>
+            <a:endParaRPr sz="8001" b="1" dirty="0">
+              <a:solidFill>
+                <a:schemeClr val="dk1"/>
+              </a:solidFill>
+              <a:latin typeface="Nunito"/>
+              <a:ea typeface="Nunito"/>
+              <a:cs typeface="Nunito"/>
+              <a:sym typeface="Nunito"/>
+            </a:endParaRPr>
+          </a:p>
+        </p:txBody>
+      </p:sp>
+      <p:pic>
+        <p:nvPicPr>
+          <p:cNvPr id="4" name="Picture 3">
+            <a:extLst>
+              <a:ext uri="{FF2B5EF4-FFF2-40B4-BE49-F238E27FC236}">
+                <a16:creationId xmlns:a16="http://schemas.microsoft.com/office/drawing/2014/main" id="{3ABEBA0E-F2BF-1B43-8387-0A473C17219C}"/>
+              </a:ext>
+            </a:extLst>
+          </p:cNvPr>
+          <p:cNvPicPr>
+            <a:picLocks noChangeAspect="1"/>
+          </p:cNvPicPr>
+          <p:nvPr/>
+        </p:nvPicPr>
+        <p:blipFill>
+          <a:blip r:embed="rId3"/>
+          <a:stretch>
+            <a:fillRect/>
+          </a:stretch>
+        </p:blipFill>
+        <p:spPr>
+          <a:xfrm>
+            <a:off x="4637150" y="2842506"/>
+            <a:ext cx="14709809" cy="8386326"/>
+          </a:xfrm>
+          <a:prstGeom prst="rect">
+            <a:avLst/>
+          </a:prstGeom>
+        </p:spPr>
+      </p:pic>
+    </p:spTree>
+    <p:extLst>
+      <p:ext uri="{BB962C8B-B14F-4D97-AF65-F5344CB8AC3E}">
+        <p14:creationId xmlns:p14="http://schemas.microsoft.com/office/powerpoint/2010/main" val="4094344448"/>
+      </p:ext>
+    </p:extLst>
+  </p:cSld>
+  <p:clrMapOvr>
+    <a:masterClrMapping/>
+  </p:clrMapOvr>
+</p:sld>
+</file>
+
+<file path=ppt/slides/slide22.xml><?xml version="1.0" encoding="utf-8"?>
+<p:sld xmlns:a="http://schemas.openxmlformats.org/drawingml/2006/main" xmlns:r="http://schemas.openxmlformats.org/officeDocument/2006/relationships" xmlns:p="http://schemas.openxmlformats.org/presentationml/2006/main">
+  <p:cSld>
+    <p:spTree>
+      <p:nvGrpSpPr>
+        <p:cNvPr id="1" name="Shape 177"/>
+        <p:cNvGrpSpPr/>
+        <p:nvPr/>
+      </p:nvGrpSpPr>
+      <p:grpSpPr>
+        <a:xfrm>
+          <a:off x="0" y="0"/>
+          <a:ext cx="0" cy="0"/>
+          <a:chOff x="0" y="0"/>
+          <a:chExt cx="0" cy="0"/>
+        </a:xfrm>
+      </p:grpSpPr>
+      <p:sp>
+        <p:nvSpPr>
+          <p:cNvPr id="11" name="Google Shape;182;p10">
+            <a:extLst>
+              <a:ext uri="{FF2B5EF4-FFF2-40B4-BE49-F238E27FC236}">
+                <a16:creationId xmlns:a16="http://schemas.microsoft.com/office/drawing/2014/main" id="{88392DE9-3CFC-A244-9978-E474088DE60F}"/>
+              </a:ext>
+            </a:extLst>
+          </p:cNvPr>
+          <p:cNvSpPr txBox="1"/>
+          <p:nvPr/>
+        </p:nvSpPr>
+        <p:spPr>
+          <a:xfrm>
+            <a:off x="1467853" y="1116731"/>
+            <a:ext cx="17697971" cy="1323439"/>
+          </a:xfrm>
+          <a:prstGeom prst="rect">
+            <a:avLst/>
+          </a:prstGeom>
+          <a:noFill/>
+          <a:ln>
+            <a:noFill/>
+          </a:ln>
+        </p:spPr>
+        <p:txBody>
+          <a:bodyPr spcFirstLastPara="1" wrap="square" lIns="91426" tIns="45700" rIns="91426" bIns="45700" anchor="t" anchorCtr="0">
+            <a:noAutofit/>
+          </a:bodyPr>
+          <a:lstStyle/>
+          <a:p>
+            <a:r>
+              <a:rPr lang="en-US" sz="8001" b="1" dirty="0">
+                <a:solidFill>
+                  <a:schemeClr val="dk1"/>
+                </a:solidFill>
+                <a:latin typeface="Nunito"/>
+                <a:ea typeface="Nunito"/>
+                <a:cs typeface="Nunito"/>
+                <a:sym typeface="Nunito"/>
+              </a:rPr>
+              <a:t>Network 3.1 Performance</a:t>
+            </a:r>
+            <a:endParaRPr sz="8001" b="1" dirty="0">
+              <a:solidFill>
+                <a:schemeClr val="dk1"/>
+              </a:solidFill>
+              <a:latin typeface="Nunito"/>
+              <a:ea typeface="Nunito"/>
+              <a:cs typeface="Nunito"/>
+              <a:sym typeface="Nunito"/>
+            </a:endParaRPr>
+          </a:p>
+        </p:txBody>
+      </p:sp>
+      <p:sp>
+        <p:nvSpPr>
+          <p:cNvPr id="12" name="TextBox 11">
+            <a:extLst>
+              <a:ext uri="{FF2B5EF4-FFF2-40B4-BE49-F238E27FC236}">
+                <a16:creationId xmlns:a16="http://schemas.microsoft.com/office/drawing/2014/main" id="{D8A2D8AA-337B-4F8F-AF35-F9D9F9849511}"/>
+              </a:ext>
+            </a:extLst>
+          </p:cNvPr>
+          <p:cNvSpPr txBox="1"/>
+          <p:nvPr/>
+        </p:nvSpPr>
+        <p:spPr>
+          <a:xfrm>
+            <a:off x="9424638" y="10932541"/>
+            <a:ext cx="6303041" cy="707886"/>
+          </a:xfrm>
+          <a:prstGeom prst="rect">
+            <a:avLst/>
+          </a:prstGeom>
+          <a:noFill/>
+        </p:spPr>
+        <p:txBody>
+          <a:bodyPr wrap="square" rtlCol="0">
+            <a:spAutoFit/>
+          </a:bodyPr>
+          <a:lstStyle/>
+          <a:p>
+            <a:r>
+              <a:rPr lang="en-US" sz="4000" dirty="0"/>
+              <a:t>Test Accuracy: 87.23 %</a:t>
+            </a:r>
+          </a:p>
+        </p:txBody>
+      </p:sp>
+      <p:pic>
+        <p:nvPicPr>
+          <p:cNvPr id="6" name="Picture 5">
+            <a:extLst>
+              <a:ext uri="{FF2B5EF4-FFF2-40B4-BE49-F238E27FC236}">
+                <a16:creationId xmlns:a16="http://schemas.microsoft.com/office/drawing/2014/main" id="{73811E60-F38F-5847-8D4C-5046875AF0D2}"/>
+              </a:ext>
+            </a:extLst>
+          </p:cNvPr>
+          <p:cNvPicPr>
+            <a:picLocks noChangeAspect="1"/>
+          </p:cNvPicPr>
+          <p:nvPr/>
+        </p:nvPicPr>
+        <p:blipFill>
+          <a:blip r:embed="rId3"/>
+          <a:stretch>
+            <a:fillRect/>
+          </a:stretch>
+        </p:blipFill>
+        <p:spPr>
+          <a:xfrm>
+            <a:off x="1120127" y="2831309"/>
+            <a:ext cx="11004563" cy="7329608"/>
+          </a:xfrm>
+          <a:prstGeom prst="rect">
+            <a:avLst/>
+          </a:prstGeom>
+        </p:spPr>
+      </p:pic>
+      <p:pic>
+        <p:nvPicPr>
+          <p:cNvPr id="7" name="Picture 6">
+            <a:extLst>
+              <a:ext uri="{FF2B5EF4-FFF2-40B4-BE49-F238E27FC236}">
+                <a16:creationId xmlns:a16="http://schemas.microsoft.com/office/drawing/2014/main" id="{7B88A12B-295D-1344-BBD5-E9C012FD8F74}"/>
+              </a:ext>
+            </a:extLst>
+          </p:cNvPr>
+          <p:cNvPicPr>
+            <a:picLocks noChangeAspect="1"/>
+          </p:cNvPicPr>
+          <p:nvPr/>
+        </p:nvPicPr>
+        <p:blipFill>
+          <a:blip r:embed="rId4"/>
+          <a:stretch>
+            <a:fillRect/>
+          </a:stretch>
+        </p:blipFill>
+        <p:spPr>
+          <a:xfrm>
+            <a:off x="12124690" y="2707687"/>
+            <a:ext cx="11045952" cy="7833715"/>
+          </a:xfrm>
+          <a:prstGeom prst="rect">
+            <a:avLst/>
+          </a:prstGeom>
+        </p:spPr>
+      </p:pic>
+    </p:spTree>
+    <p:extLst>
+      <p:ext uri="{BB962C8B-B14F-4D97-AF65-F5344CB8AC3E}">
+        <p14:creationId xmlns:p14="http://schemas.microsoft.com/office/powerpoint/2010/main" val="2445646829"/>
+      </p:ext>
+    </p:extLst>
+  </p:cSld>
+  <p:clrMapOvr>
+    <a:masterClrMapping/>
+  </p:clrMapOvr>
+</p:sld>
+</file>
+
+<file path=ppt/slides/slide23.xml><?xml version="1.0" encoding="utf-8"?>
+<p:sld xmlns:a="http://schemas.openxmlformats.org/drawingml/2006/main" xmlns:r="http://schemas.openxmlformats.org/officeDocument/2006/relationships" xmlns:p="http://schemas.openxmlformats.org/presentationml/2006/main">
+  <p:cSld>
+    <p:spTree>
+      <p:nvGrpSpPr>
+        <p:cNvPr id="1" name="Shape 177"/>
+        <p:cNvGrpSpPr/>
+        <p:nvPr/>
+      </p:nvGrpSpPr>
+      <p:grpSpPr>
+        <a:xfrm>
+          <a:off x="0" y="0"/>
+          <a:ext cx="0" cy="0"/>
+          <a:chOff x="0" y="0"/>
+          <a:chExt cx="0" cy="0"/>
+        </a:xfrm>
+      </p:grpSpPr>
+      <p:sp>
+        <p:nvSpPr>
+          <p:cNvPr id="11" name="Google Shape;182;p10">
+            <a:extLst>
+              <a:ext uri="{FF2B5EF4-FFF2-40B4-BE49-F238E27FC236}">
+                <a16:creationId xmlns:a16="http://schemas.microsoft.com/office/drawing/2014/main" id="{88392DE9-3CFC-A244-9978-E474088DE60F}"/>
+              </a:ext>
+            </a:extLst>
+          </p:cNvPr>
+          <p:cNvSpPr txBox="1"/>
+          <p:nvPr/>
+        </p:nvSpPr>
+        <p:spPr>
+          <a:xfrm>
+            <a:off x="1467853" y="1116731"/>
+            <a:ext cx="17697971" cy="1323439"/>
+          </a:xfrm>
+          <a:prstGeom prst="rect">
+            <a:avLst/>
+          </a:prstGeom>
+          <a:noFill/>
+          <a:ln>
+            <a:noFill/>
+          </a:ln>
+        </p:spPr>
+        <p:txBody>
+          <a:bodyPr spcFirstLastPara="1" wrap="square" lIns="91426" tIns="45700" rIns="91426" bIns="45700" anchor="t" anchorCtr="0">
+            <a:noAutofit/>
+          </a:bodyPr>
+          <a:lstStyle/>
+          <a:p>
+            <a:r>
+              <a:rPr lang="en-US" sz="8001" b="1" dirty="0">
+                <a:solidFill>
+                  <a:schemeClr val="dk1"/>
+                </a:solidFill>
+                <a:latin typeface="Nunito"/>
+                <a:ea typeface="Nunito"/>
+                <a:cs typeface="Nunito"/>
+                <a:sym typeface="Nunito"/>
+              </a:rPr>
+              <a:t>Network 3.2 Performance</a:t>
+            </a:r>
+            <a:endParaRPr sz="8001" b="1" dirty="0">
+              <a:solidFill>
+                <a:schemeClr val="dk1"/>
+              </a:solidFill>
+              <a:latin typeface="Nunito"/>
+              <a:ea typeface="Nunito"/>
+              <a:cs typeface="Nunito"/>
+              <a:sym typeface="Nunito"/>
+            </a:endParaRPr>
+          </a:p>
+        </p:txBody>
+      </p:sp>
+      <p:sp>
+        <p:nvSpPr>
+          <p:cNvPr id="12" name="TextBox 11">
+            <a:extLst>
+              <a:ext uri="{FF2B5EF4-FFF2-40B4-BE49-F238E27FC236}">
+                <a16:creationId xmlns:a16="http://schemas.microsoft.com/office/drawing/2014/main" id="{D8A2D8AA-337B-4F8F-AF35-F9D9F9849511}"/>
+              </a:ext>
+            </a:extLst>
+          </p:cNvPr>
+          <p:cNvSpPr txBox="1"/>
+          <p:nvPr/>
+        </p:nvSpPr>
+        <p:spPr>
+          <a:xfrm>
+            <a:off x="9424638" y="10932541"/>
+            <a:ext cx="6303041" cy="707886"/>
+          </a:xfrm>
+          <a:prstGeom prst="rect">
+            <a:avLst/>
+          </a:prstGeom>
+          <a:noFill/>
+        </p:spPr>
+        <p:txBody>
+          <a:bodyPr wrap="square" rtlCol="0">
+            <a:spAutoFit/>
+          </a:bodyPr>
+          <a:lstStyle/>
+          <a:p>
+            <a:r>
+              <a:rPr lang="en-US" sz="4000" dirty="0"/>
+              <a:t>Test Accuracy: 84.69 %</a:t>
+            </a:r>
+          </a:p>
+        </p:txBody>
+      </p:sp>
+      <p:pic>
+        <p:nvPicPr>
+          <p:cNvPr id="2" name="Picture 1">
+            <a:extLst>
+              <a:ext uri="{FF2B5EF4-FFF2-40B4-BE49-F238E27FC236}">
+                <a16:creationId xmlns:a16="http://schemas.microsoft.com/office/drawing/2014/main" id="{CB8400E2-3A37-3C4D-8CC8-570B44A12D4C}"/>
+              </a:ext>
+            </a:extLst>
+          </p:cNvPr>
+          <p:cNvPicPr>
+            <a:picLocks noChangeAspect="1"/>
+          </p:cNvPicPr>
+          <p:nvPr/>
+        </p:nvPicPr>
+        <p:blipFill>
+          <a:blip r:embed="rId3"/>
+          <a:stretch>
+            <a:fillRect/>
+          </a:stretch>
+        </p:blipFill>
+        <p:spPr>
+          <a:xfrm>
+            <a:off x="1028940" y="2950106"/>
+            <a:ext cx="10663403" cy="7348876"/>
+          </a:xfrm>
+          <a:prstGeom prst="rect">
+            <a:avLst/>
+          </a:prstGeom>
+        </p:spPr>
+      </p:pic>
+      <p:pic>
+        <p:nvPicPr>
+          <p:cNvPr id="3" name="Picture 2">
+            <a:extLst>
+              <a:ext uri="{FF2B5EF4-FFF2-40B4-BE49-F238E27FC236}">
+                <a16:creationId xmlns:a16="http://schemas.microsoft.com/office/drawing/2014/main" id="{B7937AFE-1977-B040-AA0E-2810C05EE2DC}"/>
+              </a:ext>
+            </a:extLst>
+          </p:cNvPr>
+          <p:cNvPicPr>
+            <a:picLocks noChangeAspect="1"/>
+          </p:cNvPicPr>
+          <p:nvPr/>
+        </p:nvPicPr>
+        <p:blipFill>
+          <a:blip r:embed="rId4"/>
+          <a:stretch>
+            <a:fillRect/>
+          </a:stretch>
+        </p:blipFill>
+        <p:spPr>
+          <a:xfrm>
+            <a:off x="12141834" y="2767226"/>
+            <a:ext cx="10718165" cy="7658221"/>
+          </a:xfrm>
+          <a:prstGeom prst="rect">
+            <a:avLst/>
+          </a:prstGeom>
+        </p:spPr>
+      </p:pic>
+    </p:spTree>
+    <p:extLst>
+      <p:ext uri="{BB962C8B-B14F-4D97-AF65-F5344CB8AC3E}">
+        <p14:creationId xmlns:p14="http://schemas.microsoft.com/office/powerpoint/2010/main" val="1016814466"/>
+      </p:ext>
+    </p:extLst>
+  </p:cSld>
+  <p:clrMapOvr>
+    <a:masterClrMapping/>
+  </p:clrMapOvr>
+</p:sld>
+</file>
+
+<file path=ppt/slides/slide24.xml><?xml version="1.0" encoding="utf-8"?>
+<p:sld xmlns:a="http://schemas.openxmlformats.org/drawingml/2006/main" xmlns:r="http://schemas.openxmlformats.org/officeDocument/2006/relationships" xmlns:p="http://schemas.openxmlformats.org/presentationml/2006/main">
+  <p:cSld>
+    <p:spTree>
+      <p:nvGrpSpPr>
+        <p:cNvPr id="1" name="Shape 177"/>
+        <p:cNvGrpSpPr/>
+        <p:nvPr/>
+      </p:nvGrpSpPr>
+      <p:grpSpPr>
+        <a:xfrm>
+          <a:off x="0" y="0"/>
+          <a:ext cx="0" cy="0"/>
+          <a:chOff x="0" y="0"/>
+          <a:chExt cx="0" cy="0"/>
+        </a:xfrm>
+      </p:grpSpPr>
+      <p:sp>
+        <p:nvSpPr>
+          <p:cNvPr id="11" name="Google Shape;182;p10">
+            <a:extLst>
+              <a:ext uri="{FF2B5EF4-FFF2-40B4-BE49-F238E27FC236}">
+                <a16:creationId xmlns:a16="http://schemas.microsoft.com/office/drawing/2014/main" id="{88392DE9-3CFC-A244-9978-E474088DE60F}"/>
+              </a:ext>
+            </a:extLst>
+          </p:cNvPr>
+          <p:cNvSpPr txBox="1"/>
+          <p:nvPr/>
+        </p:nvSpPr>
+        <p:spPr>
+          <a:xfrm>
+            <a:off x="1467853" y="1116731"/>
+            <a:ext cx="12488779" cy="1323439"/>
+          </a:xfrm>
+          <a:prstGeom prst="rect">
+            <a:avLst/>
+          </a:prstGeom>
+          <a:noFill/>
+          <a:ln>
+            <a:noFill/>
+          </a:ln>
+        </p:spPr>
+        <p:txBody>
+          <a:bodyPr spcFirstLastPara="1" wrap="square" lIns="91426" tIns="45700" rIns="91426" bIns="45700" anchor="t" anchorCtr="0">
+            <a:noAutofit/>
+          </a:bodyPr>
+          <a:lstStyle/>
+          <a:p>
+            <a:r>
+              <a:rPr lang="en-US" sz="8001" b="1" dirty="0">
+                <a:solidFill>
+                  <a:schemeClr val="dk1"/>
+                </a:solidFill>
+                <a:latin typeface="Nunito"/>
+                <a:ea typeface="Nunito"/>
+                <a:cs typeface="Nunito"/>
+                <a:sym typeface="Nunito"/>
+              </a:rPr>
+              <a:t>Network 4 Description</a:t>
+            </a:r>
+            <a:endParaRPr sz="8001" b="1" dirty="0">
+              <a:solidFill>
+                <a:schemeClr val="dk1"/>
+              </a:solidFill>
+              <a:latin typeface="Nunito"/>
+              <a:ea typeface="Nunito"/>
+              <a:cs typeface="Nunito"/>
+              <a:sym typeface="Nunito"/>
+            </a:endParaRPr>
+          </a:p>
+        </p:txBody>
+      </p:sp>
+      <p:sp>
+        <p:nvSpPr>
+          <p:cNvPr id="6" name="TextBox 5">
+            <a:extLst>
+              <a:ext uri="{FF2B5EF4-FFF2-40B4-BE49-F238E27FC236}">
+                <a16:creationId xmlns:a16="http://schemas.microsoft.com/office/drawing/2014/main" id="{A51771E4-89B0-4F19-9518-20DE24667770}"/>
+              </a:ext>
+            </a:extLst>
+          </p:cNvPr>
+          <p:cNvSpPr txBox="1"/>
+          <p:nvPr/>
+        </p:nvSpPr>
+        <p:spPr>
+          <a:xfrm>
+            <a:off x="11178110" y="7154446"/>
+            <a:ext cx="12553406" cy="707886"/>
+          </a:xfrm>
+          <a:prstGeom prst="rect">
+            <a:avLst/>
+          </a:prstGeom>
+          <a:noFill/>
+        </p:spPr>
+        <p:txBody>
+          <a:bodyPr wrap="square" rtlCol="0">
+            <a:spAutoFit/>
+          </a:bodyPr>
+          <a:lstStyle/>
+          <a:p>
+            <a:pPr algn="ctr"/>
+            <a:r>
+              <a:rPr lang="en-US" sz="4000" dirty="0"/>
+              <a:t>Sample labels vector</a:t>
+            </a:r>
+          </a:p>
+        </p:txBody>
+      </p:sp>
+      <p:sp>
+        <p:nvSpPr>
+          <p:cNvPr id="7" name="Google Shape;181;p10">
+            <a:extLst>
+              <a:ext uri="{FF2B5EF4-FFF2-40B4-BE49-F238E27FC236}">
+                <a16:creationId xmlns:a16="http://schemas.microsoft.com/office/drawing/2014/main" id="{5284F886-3E9D-B943-B34B-B1EA85F61A21}"/>
+              </a:ext>
+            </a:extLst>
+          </p:cNvPr>
+          <p:cNvSpPr txBox="1"/>
+          <p:nvPr/>
+        </p:nvSpPr>
+        <p:spPr>
+          <a:xfrm>
+            <a:off x="1467853" y="3125123"/>
+            <a:ext cx="10432515" cy="6237870"/>
+          </a:xfrm>
+          <a:prstGeom prst="rect">
+            <a:avLst/>
+          </a:prstGeom>
+          <a:noFill/>
+          <a:ln>
+            <a:noFill/>
+          </a:ln>
+        </p:spPr>
+        <p:txBody>
+          <a:bodyPr spcFirstLastPara="1" wrap="square" lIns="91426" tIns="45700" rIns="91426" bIns="45700" anchor="t" anchorCtr="0">
+            <a:noAutofit/>
+          </a:bodyPr>
+          <a:lstStyle/>
+          <a:p>
+            <a:r>
+              <a:rPr lang="en-GB" sz="4800" b="1" dirty="0">
+                <a:solidFill>
+                  <a:srgbClr val="1B243B"/>
+                </a:solidFill>
+                <a:latin typeface="Nunito"/>
+                <a:sym typeface="Nunito"/>
+              </a:rPr>
+              <a:t>Input</a:t>
+            </a:r>
+          </a:p>
+          <a:p>
+            <a:pPr marL="685800" lvl="0" indent="-685800">
+              <a:buFont typeface="Arial" panose="020B0604020202020204" pitchFamily="34" charset="0"/>
+              <a:buChar char="•"/>
+            </a:pPr>
+            <a:r>
+              <a:rPr lang="en-US" sz="4000" dirty="0"/>
+              <a:t>Year</a:t>
+            </a:r>
+          </a:p>
+          <a:p>
+            <a:pPr marL="685800" lvl="0" indent="-685800">
+              <a:buFont typeface="Arial" panose="020B0604020202020204" pitchFamily="34" charset="0"/>
+              <a:buChar char="•"/>
+            </a:pPr>
+            <a:r>
+              <a:rPr lang="en-US" sz="4000" dirty="0">
+                <a:sym typeface="Nunito"/>
+              </a:rPr>
+              <a:t>Month</a:t>
+            </a:r>
+          </a:p>
+          <a:p>
+            <a:pPr marL="685800" lvl="0" indent="-685800">
+              <a:buFont typeface="Arial" panose="020B0604020202020204" pitchFamily="34" charset="0"/>
+              <a:buChar char="•"/>
+            </a:pPr>
+            <a:r>
+              <a:rPr lang="en-US" sz="4000" dirty="0">
+                <a:sym typeface="Nunito"/>
+              </a:rPr>
+              <a:t>Day</a:t>
+            </a:r>
+          </a:p>
+          <a:p>
+            <a:pPr marL="685800" lvl="0" indent="-685800">
+              <a:buFont typeface="Arial" panose="020B0604020202020204" pitchFamily="34" charset="0"/>
+              <a:buChar char="•"/>
+            </a:pPr>
+            <a:r>
+              <a:rPr lang="en-US" sz="4000" dirty="0">
+                <a:sym typeface="Nunito"/>
+              </a:rPr>
+              <a:t>Hour</a:t>
+            </a:r>
+          </a:p>
+          <a:p>
+            <a:pPr lvl="0"/>
+            <a:endParaRPr lang="en-GB" sz="4800" dirty="0">
+              <a:sym typeface="Nunito"/>
+            </a:endParaRPr>
+          </a:p>
+          <a:p>
+            <a:pPr lvl="0"/>
+            <a:r>
+              <a:rPr lang="en-GB" sz="4800" b="1" dirty="0">
+                <a:solidFill>
+                  <a:srgbClr val="1B243B"/>
+                </a:solidFill>
+                <a:latin typeface="Nunito"/>
+                <a:sym typeface="Nunito"/>
+              </a:rPr>
+              <a:t>Output</a:t>
+            </a:r>
+          </a:p>
+          <a:p>
+            <a:pPr marL="685800" lvl="0" indent="-685800">
+              <a:buFont typeface="Arial" panose="020B0604020202020204" pitchFamily="34" charset="0"/>
+              <a:buChar char="•"/>
+            </a:pPr>
+            <a:r>
+              <a:rPr lang="en-US" sz="4000" dirty="0"/>
+              <a:t>Neighborhoods that will have crime</a:t>
+            </a:r>
+            <a:endParaRPr lang="en-GB" sz="4000" dirty="0">
+              <a:sym typeface="Nunito"/>
+            </a:endParaRPr>
+          </a:p>
+        </p:txBody>
+      </p:sp>
+      <p:pic>
+        <p:nvPicPr>
+          <p:cNvPr id="3" name="Picture 2">
+            <a:extLst>
+              <a:ext uri="{FF2B5EF4-FFF2-40B4-BE49-F238E27FC236}">
+                <a16:creationId xmlns:a16="http://schemas.microsoft.com/office/drawing/2014/main" id="{45677691-04CE-EC43-9405-21863616D24B}"/>
+              </a:ext>
+            </a:extLst>
+          </p:cNvPr>
+          <p:cNvPicPr>
+            <a:picLocks noChangeAspect="1"/>
+          </p:cNvPicPr>
+          <p:nvPr/>
+        </p:nvPicPr>
+        <p:blipFill>
+          <a:blip r:embed="rId3"/>
+          <a:stretch>
+            <a:fillRect/>
+          </a:stretch>
+        </p:blipFill>
+        <p:spPr>
+          <a:xfrm>
+            <a:off x="10876213" y="6244058"/>
+            <a:ext cx="13157200" cy="825500"/>
+          </a:xfrm>
+          <a:prstGeom prst="rect">
+            <a:avLst/>
+          </a:prstGeom>
+        </p:spPr>
+      </p:pic>
+    </p:spTree>
+    <p:extLst>
+      <p:ext uri="{BB962C8B-B14F-4D97-AF65-F5344CB8AC3E}">
+        <p14:creationId xmlns:p14="http://schemas.microsoft.com/office/powerpoint/2010/main" val="2995720459"/>
+      </p:ext>
+    </p:extLst>
+  </p:cSld>
+  <p:clrMapOvr>
+    <a:masterClrMapping/>
+  </p:clrMapOvr>
+</p:sld>
+</file>
+
+<file path=ppt/slides/slide25.xml><?xml version="1.0" encoding="utf-8"?>
+<p:sld xmlns:a="http://schemas.openxmlformats.org/drawingml/2006/main" xmlns:r="http://schemas.openxmlformats.org/officeDocument/2006/relationships" xmlns:p="http://schemas.openxmlformats.org/presentationml/2006/main">
+  <p:cSld>
+    <p:spTree>
+      <p:nvGrpSpPr>
+        <p:cNvPr id="1" name="Shape 177"/>
+        <p:cNvGrpSpPr/>
+        <p:nvPr/>
+      </p:nvGrpSpPr>
+      <p:grpSpPr>
+        <a:xfrm>
+          <a:off x="0" y="0"/>
+          <a:ext cx="0" cy="0"/>
+          <a:chOff x="0" y="0"/>
+          <a:chExt cx="0" cy="0"/>
+        </a:xfrm>
+      </p:grpSpPr>
+      <p:sp>
+        <p:nvSpPr>
+          <p:cNvPr id="7" name="Google Shape;182;p10">
+            <a:extLst>
+              <a:ext uri="{FF2B5EF4-FFF2-40B4-BE49-F238E27FC236}">
+                <a16:creationId xmlns:a16="http://schemas.microsoft.com/office/drawing/2014/main" id="{5AF6879A-FC91-4CE4-A8CB-03329928EED2}"/>
+              </a:ext>
+            </a:extLst>
+          </p:cNvPr>
+          <p:cNvSpPr txBox="1"/>
+          <p:nvPr/>
+        </p:nvSpPr>
+        <p:spPr>
+          <a:xfrm>
+            <a:off x="1467853" y="1116731"/>
+            <a:ext cx="20624051" cy="1323439"/>
+          </a:xfrm>
+          <a:prstGeom prst="rect">
+            <a:avLst/>
+          </a:prstGeom>
+          <a:noFill/>
+          <a:ln>
+            <a:noFill/>
+          </a:ln>
+        </p:spPr>
+        <p:txBody>
+          <a:bodyPr spcFirstLastPara="1" wrap="square" lIns="91426" tIns="45700" rIns="91426" bIns="45700" anchor="t" anchorCtr="0">
+            <a:noAutofit/>
+          </a:bodyPr>
+          <a:lstStyle/>
+          <a:p>
+            <a:r>
+              <a:rPr lang="en-US" sz="8001" b="1" dirty="0">
+                <a:solidFill>
+                  <a:schemeClr val="dk1"/>
+                </a:solidFill>
+                <a:latin typeface="Nunito"/>
+                <a:ea typeface="Nunito"/>
+                <a:cs typeface="Nunito"/>
+                <a:sym typeface="Nunito"/>
+              </a:rPr>
+              <a:t>Network 4 Architecture</a:t>
+            </a:r>
+            <a:endParaRPr sz="8001" b="1" dirty="0">
+              <a:solidFill>
+                <a:schemeClr val="dk1"/>
+              </a:solidFill>
+              <a:latin typeface="Nunito"/>
+              <a:ea typeface="Nunito"/>
+              <a:cs typeface="Nunito"/>
+              <a:sym typeface="Nunito"/>
+            </a:endParaRPr>
+          </a:p>
+        </p:txBody>
+      </p:sp>
+      <p:pic>
+        <p:nvPicPr>
+          <p:cNvPr id="2" name="Picture 1">
+            <a:extLst>
+              <a:ext uri="{FF2B5EF4-FFF2-40B4-BE49-F238E27FC236}">
+                <a16:creationId xmlns:a16="http://schemas.microsoft.com/office/drawing/2014/main" id="{14EF7062-D282-6C4D-8635-05B541863771}"/>
+              </a:ext>
+            </a:extLst>
+          </p:cNvPr>
+          <p:cNvPicPr>
+            <a:picLocks noChangeAspect="1"/>
+          </p:cNvPicPr>
+          <p:nvPr/>
+        </p:nvPicPr>
+        <p:blipFill>
+          <a:blip r:embed="rId3"/>
+          <a:stretch>
+            <a:fillRect/>
+          </a:stretch>
+        </p:blipFill>
+        <p:spPr>
+          <a:xfrm>
+            <a:off x="3576867" y="3117088"/>
+            <a:ext cx="16406022" cy="7343648"/>
+          </a:xfrm>
+          <a:prstGeom prst="rect">
+            <a:avLst/>
+          </a:prstGeom>
+        </p:spPr>
+      </p:pic>
+    </p:spTree>
+    <p:extLst>
+      <p:ext uri="{BB962C8B-B14F-4D97-AF65-F5344CB8AC3E}">
+        <p14:creationId xmlns:p14="http://schemas.microsoft.com/office/powerpoint/2010/main" val="1429812924"/>
+      </p:ext>
+    </p:extLst>
+  </p:cSld>
+  <p:clrMapOvr>
+    <a:masterClrMapping/>
+  </p:clrMapOvr>
+</p:sld>
+</file>
+
+<file path=ppt/slides/slide26.xml><?xml version="1.0" encoding="utf-8"?>
+<p:sld xmlns:a="http://schemas.openxmlformats.org/drawingml/2006/main" xmlns:r="http://schemas.openxmlformats.org/officeDocument/2006/relationships" xmlns:p="http://schemas.openxmlformats.org/presentationml/2006/main">
+  <p:cSld>
+    <p:spTree>
+      <p:nvGrpSpPr>
+        <p:cNvPr id="1" name="Shape 177"/>
+        <p:cNvGrpSpPr/>
+        <p:nvPr/>
+      </p:nvGrpSpPr>
+      <p:grpSpPr>
+        <a:xfrm>
+          <a:off x="0" y="0"/>
+          <a:ext cx="0" cy="0"/>
+          <a:chOff x="0" y="0"/>
+          <a:chExt cx="0" cy="0"/>
+        </a:xfrm>
+      </p:grpSpPr>
+      <p:sp>
+        <p:nvSpPr>
+          <p:cNvPr id="11" name="Google Shape;182;p10">
+            <a:extLst>
+              <a:ext uri="{FF2B5EF4-FFF2-40B4-BE49-F238E27FC236}">
+                <a16:creationId xmlns:a16="http://schemas.microsoft.com/office/drawing/2014/main" id="{88392DE9-3CFC-A244-9978-E474088DE60F}"/>
+              </a:ext>
+            </a:extLst>
+          </p:cNvPr>
+          <p:cNvSpPr txBox="1"/>
+          <p:nvPr/>
+        </p:nvSpPr>
+        <p:spPr>
+          <a:xfrm>
+            <a:off x="1467853" y="1116731"/>
+            <a:ext cx="17697971" cy="1323439"/>
+          </a:xfrm>
+          <a:prstGeom prst="rect">
+            <a:avLst/>
+          </a:prstGeom>
+          <a:noFill/>
+          <a:ln>
+            <a:noFill/>
+          </a:ln>
+        </p:spPr>
+        <p:txBody>
+          <a:bodyPr spcFirstLastPara="1" wrap="square" lIns="91426" tIns="45700" rIns="91426" bIns="45700" anchor="t" anchorCtr="0">
+            <a:noAutofit/>
+          </a:bodyPr>
+          <a:lstStyle/>
+          <a:p>
+            <a:r>
+              <a:rPr lang="en-US" sz="8001" b="1" dirty="0">
+                <a:solidFill>
+                  <a:schemeClr val="dk1"/>
+                </a:solidFill>
+                <a:latin typeface="Nunito"/>
+                <a:ea typeface="Nunito"/>
+                <a:cs typeface="Nunito"/>
+                <a:sym typeface="Nunito"/>
+              </a:rPr>
+              <a:t>Network 4 Performance</a:t>
+            </a:r>
+            <a:endParaRPr sz="8001" b="1" dirty="0">
+              <a:solidFill>
+                <a:schemeClr val="dk1"/>
+              </a:solidFill>
+              <a:latin typeface="Nunito"/>
+              <a:ea typeface="Nunito"/>
+              <a:cs typeface="Nunito"/>
+              <a:sym typeface="Nunito"/>
+            </a:endParaRPr>
+          </a:p>
+        </p:txBody>
+      </p:sp>
+      <p:sp>
+        <p:nvSpPr>
+          <p:cNvPr id="12" name="TextBox 11">
+            <a:extLst>
+              <a:ext uri="{FF2B5EF4-FFF2-40B4-BE49-F238E27FC236}">
+                <a16:creationId xmlns:a16="http://schemas.microsoft.com/office/drawing/2014/main" id="{D8A2D8AA-337B-4F8F-AF35-F9D9F9849511}"/>
+              </a:ext>
+            </a:extLst>
+          </p:cNvPr>
+          <p:cNvSpPr txBox="1"/>
+          <p:nvPr/>
+        </p:nvSpPr>
+        <p:spPr>
+          <a:xfrm>
+            <a:off x="9314910" y="10752500"/>
+            <a:ext cx="6303041" cy="707886"/>
+          </a:xfrm>
+          <a:prstGeom prst="rect">
+            <a:avLst/>
+          </a:prstGeom>
+          <a:noFill/>
+        </p:spPr>
+        <p:txBody>
+          <a:bodyPr wrap="square" rtlCol="0">
+            <a:spAutoFit/>
+          </a:bodyPr>
+          <a:lstStyle/>
+          <a:p>
+            <a:r>
+              <a:rPr lang="en-US" sz="4000" dirty="0"/>
+              <a:t>Test Accuracy: 86.15 %</a:t>
+            </a:r>
+          </a:p>
+        </p:txBody>
+      </p:sp>
+      <p:pic>
+        <p:nvPicPr>
+          <p:cNvPr id="6" name="Picture 5">
+            <a:extLst>
+              <a:ext uri="{FF2B5EF4-FFF2-40B4-BE49-F238E27FC236}">
+                <a16:creationId xmlns:a16="http://schemas.microsoft.com/office/drawing/2014/main" id="{14DCAE2E-558A-E343-8BB3-E303ACE59E28}"/>
+              </a:ext>
+            </a:extLst>
+          </p:cNvPr>
+          <p:cNvPicPr>
+            <a:picLocks noChangeAspect="1"/>
+          </p:cNvPicPr>
+          <p:nvPr/>
+        </p:nvPicPr>
+        <p:blipFill>
+          <a:blip r:embed="rId3"/>
+          <a:stretch>
+            <a:fillRect/>
+          </a:stretch>
+        </p:blipFill>
+        <p:spPr>
+          <a:xfrm>
+            <a:off x="954373" y="3069141"/>
+            <a:ext cx="10992611" cy="7054389"/>
+          </a:xfrm>
+          <a:prstGeom prst="rect">
+            <a:avLst/>
+          </a:prstGeom>
+        </p:spPr>
+      </p:pic>
+      <p:pic>
+        <p:nvPicPr>
+          <p:cNvPr id="4" name="Picture 3">
+            <a:extLst>
+              <a:ext uri="{FF2B5EF4-FFF2-40B4-BE49-F238E27FC236}">
+                <a16:creationId xmlns:a16="http://schemas.microsoft.com/office/drawing/2014/main" id="{395D802A-FF35-044C-86C4-BC23E04FA887}"/>
+              </a:ext>
+            </a:extLst>
+          </p:cNvPr>
+          <p:cNvPicPr>
+            <a:picLocks noChangeAspect="1"/>
+          </p:cNvPicPr>
+          <p:nvPr/>
+        </p:nvPicPr>
+        <p:blipFill>
+          <a:blip r:embed="rId4"/>
+          <a:stretch>
+            <a:fillRect/>
+          </a:stretch>
+        </p:blipFill>
+        <p:spPr>
+          <a:xfrm>
+            <a:off x="11946984" y="2930715"/>
+            <a:ext cx="10613026" cy="7331240"/>
+          </a:xfrm>
+          <a:prstGeom prst="rect">
+            <a:avLst/>
+          </a:prstGeom>
+        </p:spPr>
+      </p:pic>
+    </p:spTree>
+    <p:extLst>
+      <p:ext uri="{BB962C8B-B14F-4D97-AF65-F5344CB8AC3E}">
+        <p14:creationId xmlns:p14="http://schemas.microsoft.com/office/powerpoint/2010/main" val="2676203033"/>
+      </p:ext>
+    </p:extLst>
+  </p:cSld>
+  <p:clrMapOvr>
+    <a:masterClrMapping/>
+  </p:clrMapOvr>
+</p:sld>
+</file>
+
+<file path=ppt/slides/slide27.xml><?xml version="1.0" encoding="utf-8"?>
+<p:sld xmlns:a="http://schemas.openxmlformats.org/drawingml/2006/main" xmlns:r="http://schemas.openxmlformats.org/officeDocument/2006/relationships" xmlns:p="http://schemas.openxmlformats.org/presentationml/2006/main">
+  <p:cSld>
+    <p:spTree>
+      <p:nvGrpSpPr>
+        <p:cNvPr id="1" name="Shape 177"/>
+        <p:cNvGrpSpPr/>
+        <p:nvPr/>
+      </p:nvGrpSpPr>
+      <p:grpSpPr>
+        <a:xfrm>
+          <a:off x="0" y="0"/>
+          <a:ext cx="0" cy="0"/>
+          <a:chOff x="0" y="0"/>
+          <a:chExt cx="0" cy="0"/>
+        </a:xfrm>
+      </p:grpSpPr>
+      <p:sp>
+        <p:nvSpPr>
+          <p:cNvPr id="11" name="Google Shape;182;p10">
+            <a:extLst>
+              <a:ext uri="{FF2B5EF4-FFF2-40B4-BE49-F238E27FC236}">
+                <a16:creationId xmlns:a16="http://schemas.microsoft.com/office/drawing/2014/main" id="{88392DE9-3CFC-A244-9978-E474088DE60F}"/>
+              </a:ext>
+            </a:extLst>
+          </p:cNvPr>
+          <p:cNvSpPr txBox="1"/>
+          <p:nvPr/>
+        </p:nvSpPr>
+        <p:spPr>
+          <a:xfrm>
+            <a:off x="1467853" y="1116731"/>
+            <a:ext cx="17697971" cy="1323439"/>
+          </a:xfrm>
+          <a:prstGeom prst="rect">
+            <a:avLst/>
+          </a:prstGeom>
+          <a:noFill/>
+          <a:ln>
+            <a:noFill/>
+          </a:ln>
+        </p:spPr>
+        <p:txBody>
+          <a:bodyPr spcFirstLastPara="1" wrap="square" lIns="91426" tIns="45700" rIns="91426" bIns="45700" anchor="t" anchorCtr="0">
+            <a:noAutofit/>
+          </a:bodyPr>
+          <a:lstStyle/>
+          <a:p>
+            <a:r>
+              <a:rPr lang="en-US" sz="8001" b="1" dirty="0">
+                <a:solidFill>
+                  <a:schemeClr val="dk1"/>
+                </a:solidFill>
+                <a:latin typeface="Nunito"/>
+                <a:ea typeface="Nunito"/>
+                <a:cs typeface="Nunito"/>
+                <a:sym typeface="Nunito"/>
+              </a:rPr>
+              <a:t>Network 4 Sample Output</a:t>
+            </a:r>
+            <a:endParaRPr sz="8001" b="1" dirty="0">
+              <a:solidFill>
+                <a:schemeClr val="dk1"/>
+              </a:solidFill>
+              <a:latin typeface="Nunito"/>
+              <a:ea typeface="Nunito"/>
+              <a:cs typeface="Nunito"/>
+              <a:sym typeface="Nunito"/>
+            </a:endParaRPr>
+          </a:p>
+        </p:txBody>
+      </p:sp>
+      <p:pic>
+        <p:nvPicPr>
+          <p:cNvPr id="7" name="Picture 6">
+            <a:extLst>
+              <a:ext uri="{FF2B5EF4-FFF2-40B4-BE49-F238E27FC236}">
+                <a16:creationId xmlns:a16="http://schemas.microsoft.com/office/drawing/2014/main" id="{F3CD512E-62EE-F54B-8E69-63209C529E61}"/>
+              </a:ext>
+            </a:extLst>
+          </p:cNvPr>
+          <p:cNvPicPr>
+            <a:picLocks noChangeAspect="1"/>
+          </p:cNvPicPr>
+          <p:nvPr/>
+        </p:nvPicPr>
+        <p:blipFill>
+          <a:blip r:embed="rId3"/>
+          <a:stretch>
+            <a:fillRect/>
+          </a:stretch>
+        </p:blipFill>
+        <p:spPr>
+          <a:xfrm>
+            <a:off x="1467853" y="5156200"/>
+            <a:ext cx="21031937" cy="3219704"/>
+          </a:xfrm>
+          <a:prstGeom prst="rect">
+            <a:avLst/>
+          </a:prstGeom>
+        </p:spPr>
+      </p:pic>
+    </p:spTree>
+    <p:extLst>
+      <p:ext uri="{BB962C8B-B14F-4D97-AF65-F5344CB8AC3E}">
+        <p14:creationId xmlns:p14="http://schemas.microsoft.com/office/powerpoint/2010/main" val="3176748105"/>
+      </p:ext>
+    </p:extLst>
+  </p:cSld>
+  <p:clrMapOvr>
+    <a:masterClrMapping/>
+  </p:clrMapOvr>
+</p:sld>
+</file>
+
+<file path=ppt/slides/slide28.xml><?xml version="1.0" encoding="utf-8"?>
+<p:sld xmlns:a="http://schemas.openxmlformats.org/drawingml/2006/main" xmlns:r="http://schemas.openxmlformats.org/officeDocument/2006/relationships" xmlns:p="http://schemas.openxmlformats.org/presentationml/2006/main">
+  <p:cSld>
+    <p:spTree>
+      <p:nvGrpSpPr>
+        <p:cNvPr id="1" name="Shape 177"/>
+        <p:cNvGrpSpPr/>
+        <p:nvPr/>
+      </p:nvGrpSpPr>
+      <p:grpSpPr>
+        <a:xfrm>
+          <a:off x="0" y="0"/>
+          <a:ext cx="0" cy="0"/>
+          <a:chOff x="0" y="0"/>
+          <a:chExt cx="0" cy="0"/>
+        </a:xfrm>
+      </p:grpSpPr>
+      <p:sp>
+        <p:nvSpPr>
+          <p:cNvPr id="11" name="Google Shape;182;p10">
+            <a:extLst>
+              <a:ext uri="{FF2B5EF4-FFF2-40B4-BE49-F238E27FC236}">
+                <a16:creationId xmlns:a16="http://schemas.microsoft.com/office/drawing/2014/main" id="{88392DE9-3CFC-A244-9978-E474088DE60F}"/>
+              </a:ext>
+            </a:extLst>
+          </p:cNvPr>
+          <p:cNvSpPr txBox="1"/>
+          <p:nvPr/>
+        </p:nvSpPr>
+        <p:spPr>
+          <a:xfrm>
+            <a:off x="1467853" y="1116731"/>
+            <a:ext cx="17697971" cy="1323439"/>
+          </a:xfrm>
+          <a:prstGeom prst="rect">
+            <a:avLst/>
+          </a:prstGeom>
+          <a:noFill/>
+          <a:ln>
+            <a:noFill/>
+          </a:ln>
+        </p:spPr>
+        <p:txBody>
+          <a:bodyPr spcFirstLastPara="1" wrap="square" lIns="91426" tIns="45700" rIns="91426" bIns="45700" anchor="t" anchorCtr="0">
+            <a:noAutofit/>
+          </a:bodyPr>
+          <a:lstStyle/>
+          <a:p>
+            <a:r>
+              <a:rPr lang="en-US" sz="8001" b="1" dirty="0">
+                <a:solidFill>
+                  <a:schemeClr val="dk1"/>
+                </a:solidFill>
+                <a:latin typeface="Nunito"/>
+                <a:ea typeface="Nunito"/>
+                <a:cs typeface="Nunito"/>
+                <a:sym typeface="Nunito"/>
+              </a:rPr>
+              <a:t>Conclusion</a:t>
+            </a:r>
+            <a:endParaRPr sz="8001" b="1" dirty="0">
+              <a:solidFill>
+                <a:schemeClr val="dk1"/>
+              </a:solidFill>
+              <a:latin typeface="Nunito"/>
+              <a:ea typeface="Nunito"/>
+              <a:cs typeface="Nunito"/>
+              <a:sym typeface="Nunito"/>
+            </a:endParaRPr>
+          </a:p>
+        </p:txBody>
+      </p:sp>
+      <p:sp>
+        <p:nvSpPr>
+          <p:cNvPr id="4" name="Google Shape;181;p10">
+            <a:extLst>
+              <a:ext uri="{FF2B5EF4-FFF2-40B4-BE49-F238E27FC236}">
+                <a16:creationId xmlns:a16="http://schemas.microsoft.com/office/drawing/2014/main" id="{B4FACFD8-6D21-D740-BC8F-C80ED49A948B}"/>
+              </a:ext>
+            </a:extLst>
+          </p:cNvPr>
+          <p:cNvSpPr txBox="1"/>
+          <p:nvPr/>
+        </p:nvSpPr>
+        <p:spPr>
+          <a:xfrm>
+            <a:off x="1467853" y="3417300"/>
+            <a:ext cx="21380424" cy="1909092"/>
+          </a:xfrm>
+          <a:prstGeom prst="rect">
+            <a:avLst/>
+          </a:prstGeom>
+          <a:noFill/>
+          <a:ln>
+            <a:noFill/>
+          </a:ln>
+        </p:spPr>
+        <p:txBody>
+          <a:bodyPr spcFirstLastPara="1" wrap="square" lIns="91426" tIns="45700" rIns="91426" bIns="45700" anchor="t" anchorCtr="0">
+            <a:noAutofit/>
+          </a:bodyPr>
+          <a:lstStyle/>
+          <a:p>
+            <a:pPr marL="685800" indent="-685800">
+              <a:buFontTx/>
+              <a:buChar char="-"/>
+            </a:pPr>
+            <a:r>
+              <a:rPr lang="en-GB" sz="5400" b="1" dirty="0">
+                <a:solidFill>
+                  <a:schemeClr val="dk2"/>
+                </a:solidFill>
+                <a:latin typeface="Nunito"/>
+                <a:ea typeface="Nunito"/>
+                <a:cs typeface="Nunito"/>
+                <a:sym typeface="Nunito"/>
+              </a:rPr>
+              <a:t>Using one network alone is not enough</a:t>
+            </a:r>
+          </a:p>
+          <a:p>
+            <a:pPr marL="685800" indent="-685800">
+              <a:buFontTx/>
+              <a:buChar char="-"/>
+            </a:pPr>
+            <a:endParaRPr lang="en-GB" sz="5400" b="1" dirty="0">
+              <a:solidFill>
+                <a:schemeClr val="dk2"/>
+              </a:solidFill>
+              <a:latin typeface="Nunito"/>
+              <a:ea typeface="Nunito"/>
+              <a:cs typeface="Nunito"/>
+              <a:sym typeface="Nunito"/>
+            </a:endParaRPr>
+          </a:p>
+          <a:p>
+            <a:pPr marL="685800" indent="-685800">
+              <a:buFontTx/>
+              <a:buChar char="-"/>
+            </a:pPr>
+            <a:r>
+              <a:rPr lang="en-GB" sz="5400" b="1" dirty="0">
+                <a:solidFill>
+                  <a:schemeClr val="dk2"/>
+                </a:solidFill>
+                <a:latin typeface="Nunito"/>
+                <a:ea typeface="Nunito"/>
+                <a:cs typeface="Nunito"/>
+                <a:sym typeface="Nunito"/>
+              </a:rPr>
+              <a:t>Using multiple different networks in conjunction to predict different attributes is key.</a:t>
+            </a:r>
+          </a:p>
+          <a:p>
+            <a:pPr marL="685800" indent="-685800">
+              <a:buFontTx/>
+              <a:buChar char="-"/>
+            </a:pPr>
+            <a:endParaRPr lang="en-GB" sz="5400" b="1" dirty="0">
+              <a:solidFill>
+                <a:schemeClr val="dk2"/>
+              </a:solidFill>
+              <a:latin typeface="Nunito"/>
+              <a:ea typeface="Nunito"/>
+              <a:cs typeface="Nunito"/>
+              <a:sym typeface="Nunito"/>
+            </a:endParaRPr>
+          </a:p>
+          <a:p>
+            <a:pPr marL="685800" indent="-685800">
+              <a:buFontTx/>
+              <a:buChar char="-"/>
+            </a:pPr>
+            <a:r>
+              <a:rPr lang="en-GB" sz="5400" b="1" dirty="0">
+                <a:solidFill>
+                  <a:schemeClr val="dk2"/>
+                </a:solidFill>
+                <a:latin typeface="Nunito"/>
+                <a:ea typeface="Nunito"/>
+                <a:cs typeface="Nunito"/>
+                <a:sym typeface="Nunito"/>
+              </a:rPr>
+              <a:t>Network 2 and 4 together can be used to predict where crime will happen and what type of crime it will be </a:t>
+            </a:r>
+          </a:p>
+        </p:txBody>
+      </p:sp>
+    </p:spTree>
+    <p:extLst>
+      <p:ext uri="{BB962C8B-B14F-4D97-AF65-F5344CB8AC3E}">
+        <p14:creationId xmlns:p14="http://schemas.microsoft.com/office/powerpoint/2010/main" val="1339986867"/>
+      </p:ext>
+    </p:extLst>
+  </p:cSld>
+  <p:clrMapOvr>
+    <a:masterClrMapping/>
+  </p:clrMapOvr>
+</p:sld>
+</file>
+
+<file path=ppt/slides/slide29.xml><?xml version="1.0" encoding="utf-8"?>
+<p:sld xmlns:a="http://schemas.openxmlformats.org/drawingml/2006/main" xmlns:r="http://schemas.openxmlformats.org/officeDocument/2006/relationships" xmlns:p="http://schemas.openxmlformats.org/presentationml/2006/main">
+  <p:cSld>
+    <p:spTree>
+      <p:nvGrpSpPr>
+        <p:cNvPr id="1" name="Shape 177"/>
+        <p:cNvGrpSpPr/>
+        <p:nvPr/>
+      </p:nvGrpSpPr>
+      <p:grpSpPr>
+        <a:xfrm>
+          <a:off x="0" y="0"/>
+          <a:ext cx="0" cy="0"/>
+          <a:chOff x="0" y="0"/>
+          <a:chExt cx="0" cy="0"/>
+        </a:xfrm>
+      </p:grpSpPr>
+      <p:sp>
+        <p:nvSpPr>
+          <p:cNvPr id="11" name="Google Shape;182;p10">
+            <a:extLst>
+              <a:ext uri="{FF2B5EF4-FFF2-40B4-BE49-F238E27FC236}">
+                <a16:creationId xmlns:a16="http://schemas.microsoft.com/office/drawing/2014/main" id="{88392DE9-3CFC-A244-9978-E474088DE60F}"/>
+              </a:ext>
+            </a:extLst>
+          </p:cNvPr>
+          <p:cNvSpPr txBox="1"/>
+          <p:nvPr/>
+        </p:nvSpPr>
+        <p:spPr>
+          <a:xfrm>
+            <a:off x="1467853" y="1116731"/>
+            <a:ext cx="17697971" cy="1323439"/>
+          </a:xfrm>
+          <a:prstGeom prst="rect">
+            <a:avLst/>
+          </a:prstGeom>
+          <a:noFill/>
+          <a:ln>
+            <a:noFill/>
+          </a:ln>
+        </p:spPr>
+        <p:txBody>
+          <a:bodyPr spcFirstLastPara="1" wrap="square" lIns="91426" tIns="45700" rIns="91426" bIns="45700" anchor="t" anchorCtr="0">
+            <a:noAutofit/>
+          </a:bodyPr>
+          <a:lstStyle/>
+          <a:p>
+            <a:r>
+              <a:rPr lang="en-US" sz="8001" b="1" dirty="0">
+                <a:solidFill>
+                  <a:schemeClr val="dk1"/>
+                </a:solidFill>
+                <a:latin typeface="Nunito"/>
+                <a:ea typeface="Nunito"/>
+                <a:cs typeface="Nunito"/>
+                <a:sym typeface="Nunito"/>
+              </a:rPr>
+              <a:t>References</a:t>
+            </a:r>
+            <a:endParaRPr sz="8001" b="1" dirty="0">
+              <a:solidFill>
+                <a:schemeClr val="dk1"/>
+              </a:solidFill>
+              <a:latin typeface="Nunito"/>
+              <a:ea typeface="Nunito"/>
+              <a:cs typeface="Nunito"/>
+              <a:sym typeface="Nunito"/>
+            </a:endParaRPr>
+          </a:p>
+        </p:txBody>
+      </p:sp>
+      <p:sp>
+        <p:nvSpPr>
+          <p:cNvPr id="5" name="Google Shape;181;p10">
+            <a:extLst>
+              <a:ext uri="{FF2B5EF4-FFF2-40B4-BE49-F238E27FC236}">
+                <a16:creationId xmlns:a16="http://schemas.microsoft.com/office/drawing/2014/main" id="{DD1EC4B0-E464-CD44-8D9C-C0A7F8A01745}"/>
+              </a:ext>
+            </a:extLst>
+          </p:cNvPr>
+          <p:cNvSpPr txBox="1"/>
+          <p:nvPr/>
+        </p:nvSpPr>
+        <p:spPr>
+          <a:xfrm>
+            <a:off x="1467853" y="3124692"/>
+            <a:ext cx="22635731" cy="1909092"/>
+          </a:xfrm>
+          <a:prstGeom prst="rect">
+            <a:avLst/>
+          </a:prstGeom>
+          <a:noFill/>
+          <a:ln>
+            <a:noFill/>
+          </a:ln>
+        </p:spPr>
+        <p:txBody>
+          <a:bodyPr spcFirstLastPara="1" wrap="square" lIns="91426" tIns="45700" rIns="91426" bIns="45700" anchor="t" anchorCtr="0">
+            <a:noAutofit/>
+          </a:bodyPr>
+          <a:lstStyle/>
+          <a:p>
+            <a:r>
+              <a:rPr lang="en-US" sz="4400" dirty="0">
+                <a:solidFill>
+                  <a:schemeClr val="dk1"/>
+                </a:solidFill>
+                <a:latin typeface="Nunito"/>
+              </a:rPr>
+              <a:t>[1] P. Carlen, Women, Crime and Poverty. Open University Press, </a:t>
+            </a:r>
+            <a:r>
+              <a:rPr lang="en-US" sz="4400" dirty="0" err="1">
+                <a:solidFill>
+                  <a:schemeClr val="dk1"/>
+                </a:solidFill>
+                <a:latin typeface="Nunito"/>
+              </a:rPr>
+              <a:t>dec</a:t>
+            </a:r>
+            <a:r>
+              <a:rPr lang="en-US" sz="4400" dirty="0">
+                <a:solidFill>
+                  <a:schemeClr val="dk1"/>
+                </a:solidFill>
+                <a:latin typeface="Nunito"/>
+              </a:rPr>
+              <a:t> 1988.</a:t>
+            </a:r>
+          </a:p>
+          <a:p>
+            <a:endParaRPr lang="en-US" sz="4400" dirty="0">
+              <a:solidFill>
+                <a:schemeClr val="dk1"/>
+              </a:solidFill>
+              <a:latin typeface="Nunito"/>
+            </a:endParaRPr>
+          </a:p>
+          <a:p>
+            <a:r>
+              <a:rPr lang="en-US" sz="4400" dirty="0">
+                <a:solidFill>
+                  <a:schemeClr val="dk1"/>
+                </a:solidFill>
+                <a:latin typeface="Nunito"/>
+              </a:rPr>
+              <a:t>[2] "Google Trends vs Crimes in Vancouver | Kaggle", </a:t>
+            </a:r>
+            <a:r>
+              <a:rPr lang="en-US" sz="4400" dirty="0" err="1">
+                <a:solidFill>
+                  <a:schemeClr val="dk1"/>
+                </a:solidFill>
+                <a:latin typeface="Nunito"/>
+              </a:rPr>
+              <a:t>Kaggle.com</a:t>
+            </a:r>
+            <a:r>
+              <a:rPr lang="en-US" sz="4400" dirty="0">
+                <a:solidFill>
+                  <a:schemeClr val="dk1"/>
+                </a:solidFill>
+                <a:latin typeface="Nunito"/>
+              </a:rPr>
+              <a:t>, 2019. [Online]. Available: https://</a:t>
+            </a:r>
+            <a:r>
+              <a:rPr lang="en-US" sz="4400" dirty="0" err="1">
+                <a:solidFill>
+                  <a:schemeClr val="dk1"/>
+                </a:solidFill>
+                <a:latin typeface="Nunito"/>
+              </a:rPr>
+              <a:t>www.kaggle.com</a:t>
+            </a:r>
+            <a:r>
+              <a:rPr lang="en-US" sz="4400" dirty="0">
+                <a:solidFill>
+                  <a:schemeClr val="dk1"/>
+                </a:solidFill>
+                <a:latin typeface="Nunito"/>
+              </a:rPr>
+              <a:t>/</a:t>
+            </a:r>
+            <a:r>
+              <a:rPr lang="en-US" sz="4400" dirty="0" err="1">
+                <a:solidFill>
+                  <a:schemeClr val="dk1"/>
+                </a:solidFill>
+                <a:latin typeface="Nunito"/>
+              </a:rPr>
+              <a:t>wosaku</a:t>
+            </a:r>
+            <a:r>
+              <a:rPr lang="en-US" sz="4400" dirty="0">
+                <a:solidFill>
+                  <a:schemeClr val="dk1"/>
+                </a:solidFill>
+                <a:latin typeface="Nunito"/>
+              </a:rPr>
+              <a:t>/google-trends-vs-crimes-in-</a:t>
+            </a:r>
+            <a:r>
+              <a:rPr lang="en-US" sz="4400" dirty="0" err="1">
+                <a:solidFill>
+                  <a:schemeClr val="dk1"/>
+                </a:solidFill>
+                <a:latin typeface="Nunito"/>
+              </a:rPr>
+              <a:t>vancouver</a:t>
+            </a:r>
+            <a:r>
+              <a:rPr lang="en-US" sz="4400" dirty="0">
+                <a:solidFill>
+                  <a:schemeClr val="dk1"/>
+                </a:solidFill>
+                <a:latin typeface="Nunito"/>
+              </a:rPr>
+              <a:t>. </a:t>
+            </a:r>
+          </a:p>
+          <a:p>
+            <a:endParaRPr lang="en-US" sz="4400" dirty="0">
+              <a:solidFill>
+                <a:schemeClr val="dk1"/>
+              </a:solidFill>
+              <a:latin typeface="Nunito"/>
+            </a:endParaRPr>
+          </a:p>
+          <a:p>
+            <a:r>
+              <a:rPr lang="en-US" sz="4400" dirty="0">
+                <a:solidFill>
+                  <a:schemeClr val="dk1"/>
+                </a:solidFill>
+                <a:latin typeface="Nunito"/>
+              </a:rPr>
+              <a:t>[3] N. Khalid and Y. </a:t>
+            </a:r>
+            <a:r>
+              <a:rPr lang="en-US" sz="4400" dirty="0" err="1">
+                <a:solidFill>
+                  <a:schemeClr val="dk1"/>
+                </a:solidFill>
+                <a:latin typeface="Nunito"/>
+              </a:rPr>
+              <a:t>Khaireddin</a:t>
+            </a:r>
+            <a:r>
+              <a:rPr lang="en-US" sz="4400" dirty="0">
+                <a:solidFill>
+                  <a:schemeClr val="dk1"/>
+                </a:solidFill>
+                <a:latin typeface="Nunito"/>
+              </a:rPr>
+              <a:t>, "ELE494-Project", GitHub, 2019. [Online]. Available: https://</a:t>
+            </a:r>
+            <a:r>
+              <a:rPr lang="en-US" sz="4400" dirty="0" err="1">
+                <a:solidFill>
+                  <a:schemeClr val="dk1"/>
+                </a:solidFill>
+                <a:latin typeface="Nunito"/>
+              </a:rPr>
+              <a:t>github.com</a:t>
+            </a:r>
+            <a:r>
+              <a:rPr lang="en-US" sz="4400" dirty="0">
+                <a:solidFill>
+                  <a:schemeClr val="dk1"/>
+                </a:solidFill>
+                <a:latin typeface="Nunito"/>
+              </a:rPr>
+              <a:t>/NasirKhalid24/ELE494-Project.</a:t>
+            </a:r>
+            <a:endParaRPr lang="en-GB" sz="5400" b="1" dirty="0">
+              <a:solidFill>
+                <a:schemeClr val="dk2"/>
+              </a:solidFill>
+              <a:latin typeface="Nunito"/>
+              <a:ea typeface="Nunito"/>
+              <a:cs typeface="Nunito"/>
+              <a:sym typeface="Nunito"/>
+            </a:endParaRPr>
+          </a:p>
+          <a:p>
+            <a:endParaRPr lang="en-GB" sz="5400" b="1" dirty="0">
+              <a:solidFill>
+                <a:schemeClr val="dk2"/>
+              </a:solidFill>
+              <a:latin typeface="Nunito"/>
+              <a:ea typeface="Nunito"/>
+              <a:cs typeface="Nunito"/>
+              <a:sym typeface="Nunito"/>
+            </a:endParaRPr>
+          </a:p>
+        </p:txBody>
+      </p:sp>
+    </p:spTree>
+    <p:extLst>
+      <p:ext uri="{BB962C8B-B14F-4D97-AF65-F5344CB8AC3E}">
+        <p14:creationId xmlns:p14="http://schemas.microsoft.com/office/powerpoint/2010/main" val="2308148973"/>
+      </p:ext>
+    </p:extLst>
+  </p:cSld>
+  <p:clrMapOvr>
+    <a:masterClrMapping/>
+  </p:clrMapOvr>
+</p:sld>
+</file>
+
 <file path=ppt/slides/slide3.xml><?xml version="1.0" encoding="utf-8"?>
 <p:sld xmlns:a="http://schemas.openxmlformats.org/drawingml/2006/main" xmlns:r="http://schemas.openxmlformats.org/officeDocument/2006/relationships" xmlns:p="http://schemas.openxmlformats.org/presentationml/2006/main">
   <p:cSld>
@@ -10986,7 +15811,7 @@
         </p:nvSpPr>
         <p:spPr>
           <a:xfrm>
-            <a:off x="1467853" y="2512280"/>
+            <a:off x="1467853" y="2342880"/>
             <a:ext cx="21380424" cy="1909092"/>
           </a:xfrm>
           <a:prstGeom prst="rect">
@@ -11116,7 +15941,7 @@
           </a:p>
           <a:p>
             <a:r>
-              <a:rPr lang="en-GB" sz="6600" b="1" dirty="0">
+              <a:rPr lang="en-GB" sz="6000" b="1" i="1" dirty="0">
                 <a:solidFill>
                   <a:schemeClr val="dk2"/>
                 </a:solidFill>
@@ -11169,7 +15994,7 @@
         </p:nvSpPr>
         <p:spPr>
           <a:xfrm>
-            <a:off x="1467853" y="1116731"/>
+            <a:off x="1467853" y="1019441"/>
             <a:ext cx="12488779" cy="1323439"/>
           </a:xfrm>
           <a:prstGeom prst="rect">

--- a/Final Presentation.pptx
+++ b/Final Presentation.pptx
@@ -15833,7 +15833,7 @@
               <a:buChar char="-"/>
             </a:pPr>
             <a:r>
-              <a:rPr lang="en-GB" sz="5400" b="1" dirty="0">
+              <a:rPr lang="en-GB" sz="5400" dirty="0">
                 <a:solidFill>
                   <a:schemeClr val="dk2"/>
                 </a:solidFill>
@@ -15843,6 +15843,85 @@
                 <a:sym typeface="Nunito"/>
               </a:rPr>
               <a:t>Predicting crime is extremely costly and time consuming</a:t>
+            </a:r>
+          </a:p>
+          <a:p>
+            <a:pPr marL="685800" indent="-685800">
+              <a:buFontTx/>
+              <a:buChar char="-"/>
+            </a:pPr>
+            <a:endParaRPr lang="en-GB" sz="5400" dirty="0">
+              <a:solidFill>
+                <a:schemeClr val="dk2"/>
+              </a:solidFill>
+              <a:latin typeface="Nunito"/>
+              <a:ea typeface="Nunito"/>
+              <a:cs typeface="Nunito"/>
+              <a:sym typeface="Nunito"/>
+            </a:endParaRPr>
+          </a:p>
+          <a:p>
+            <a:pPr marL="685800" indent="-685800">
+              <a:buFontTx/>
+              <a:buChar char="-"/>
+            </a:pPr>
+            <a:r>
+              <a:rPr lang="en-GB" sz="5400" dirty="0">
+                <a:solidFill>
+                  <a:schemeClr val="dk2"/>
+                </a:solidFill>
+                <a:latin typeface="Nunito"/>
+                <a:ea typeface="Nunito"/>
+                <a:cs typeface="Nunito"/>
+                <a:sym typeface="Nunito"/>
+              </a:rPr>
+              <a:t>Crime is dependent on various </a:t>
+            </a:r>
+            <a:br>
+              <a:rPr lang="en-GB" sz="5400" dirty="0">
+                <a:solidFill>
+                  <a:schemeClr val="dk2"/>
+                </a:solidFill>
+                <a:latin typeface="Nunito"/>
+                <a:ea typeface="Nunito"/>
+                <a:cs typeface="Nunito"/>
+                <a:sym typeface="Nunito"/>
+              </a:rPr>
+            </a:br>
+            <a:r>
+              <a:rPr lang="en-GB" sz="5400" dirty="0">
+                <a:solidFill>
+                  <a:schemeClr val="dk2"/>
+                </a:solidFill>
+                <a:latin typeface="Nunito"/>
+                <a:ea typeface="Nunito"/>
+                <a:cs typeface="Nunito"/>
+                <a:sym typeface="Nunito"/>
+              </a:rPr>
+              <a:t>different factors such as weather, </a:t>
+            </a:r>
+            <a:br>
+              <a:rPr lang="en-GB" sz="5400" dirty="0">
+                <a:solidFill>
+                  <a:schemeClr val="dk2"/>
+                </a:solidFill>
+                <a:latin typeface="Nunito"/>
+                <a:ea typeface="Nunito"/>
+                <a:cs typeface="Nunito"/>
+                <a:sym typeface="Nunito"/>
+              </a:rPr>
+            </a:br>
+            <a:r>
+              <a:rPr lang="en-GB" sz="5400" dirty="0">
+                <a:solidFill>
+                  <a:schemeClr val="dk2"/>
+                </a:solidFill>
+                <a:latin typeface="Nunito"/>
+                <a:ea typeface="Nunito"/>
+                <a:cs typeface="Nunito"/>
+                <a:sym typeface="Nunito"/>
+              </a:rPr>
+              <a:t>location, social and economic factors [1]</a:t>
             </a:r>
           </a:p>
           <a:p>
@@ -15861,12 +15940,8 @@
             </a:endParaRPr>
           </a:p>
           <a:p>
-            <a:pPr marL="685800" indent="-685800">
-              <a:buFontTx/>
-              <a:buChar char="-"/>
-            </a:pPr>
-            <a:r>
-              <a:rPr lang="en-GB" sz="5400" b="1" dirty="0">
+            <a:r>
+              <a:rPr lang="en-GB" sz="6000" b="1" i="1" dirty="0">
                 <a:solidFill>
                   <a:schemeClr val="dk2"/>
                 </a:solidFill>
@@ -15875,60 +15950,10 @@
                 <a:cs typeface="Nunito"/>
                 <a:sym typeface="Nunito"/>
               </a:rPr>
-              <a:t>Crime is dependent on various </a:t>
-            </a:r>
-            <a:br>
-              <a:rPr lang="en-GB" sz="5400" b="1" dirty="0">
-                <a:solidFill>
-                  <a:schemeClr val="dk2"/>
-                </a:solidFill>
-                <a:latin typeface="Nunito"/>
-                <a:ea typeface="Nunito"/>
-                <a:cs typeface="Nunito"/>
-                <a:sym typeface="Nunito"/>
-              </a:rPr>
-            </a:br>
-            <a:r>
-              <a:rPr lang="en-GB" sz="5400" b="1" dirty="0">
-                <a:solidFill>
-                  <a:schemeClr val="dk2"/>
-                </a:solidFill>
-                <a:latin typeface="Nunito"/>
-                <a:ea typeface="Nunito"/>
-                <a:cs typeface="Nunito"/>
-                <a:sym typeface="Nunito"/>
-              </a:rPr>
-              <a:t>different factors such as weather, </a:t>
-            </a:r>
-            <a:br>
-              <a:rPr lang="en-GB" sz="5400" b="1" dirty="0">
-                <a:solidFill>
-                  <a:schemeClr val="dk2"/>
-                </a:solidFill>
-                <a:latin typeface="Nunito"/>
-                <a:ea typeface="Nunito"/>
-                <a:cs typeface="Nunito"/>
-                <a:sym typeface="Nunito"/>
-              </a:rPr>
-            </a:br>
-            <a:r>
-              <a:rPr lang="en-GB" sz="5400" b="1" dirty="0">
-                <a:solidFill>
-                  <a:schemeClr val="dk2"/>
-                </a:solidFill>
-                <a:latin typeface="Nunito"/>
-                <a:ea typeface="Nunito"/>
-                <a:cs typeface="Nunito"/>
-                <a:sym typeface="Nunito"/>
-              </a:rPr>
-              <a:t>location, social and economic factors [1]</a:t>
-            </a:r>
-          </a:p>
-          <a:p>
-            <a:pPr marL="685800" indent="-685800">
-              <a:buFontTx/>
-              <a:buChar char="-"/>
-            </a:pPr>
+              <a:t>Objective</a:t>
+            </a:r>
+          </a:p>
+          <a:p>
             <a:endParaRPr lang="en-GB" sz="5400" b="1" dirty="0">
               <a:solidFill>
                 <a:schemeClr val="dk2"/>
@@ -15941,32 +15966,7 @@
           </a:p>
           <a:p>
             <a:r>
-              <a:rPr lang="en-GB" sz="6000" b="1" i="1" dirty="0">
-                <a:solidFill>
-                  <a:schemeClr val="dk2"/>
-                </a:solidFill>
-                <a:latin typeface="Nunito"/>
-                <a:ea typeface="Nunito"/>
-                <a:cs typeface="Nunito"/>
-                <a:sym typeface="Nunito"/>
-              </a:rPr>
-              <a:t>Objective</a:t>
-            </a:r>
-          </a:p>
-          <a:p>
-            <a:endParaRPr lang="en-GB" sz="5400" b="1" dirty="0">
-              <a:solidFill>
-                <a:schemeClr val="dk2"/>
-              </a:solidFill>
-              <a:latin typeface="Nunito"/>
-              <a:ea typeface="Nunito"/>
-              <a:cs typeface="Nunito"/>
-              <a:sym typeface="Nunito"/>
-            </a:endParaRPr>
-          </a:p>
-          <a:p>
-            <a:r>
-              <a:rPr lang="en-GB" sz="5400" b="1" dirty="0">
+              <a:rPr lang="en-GB" sz="5400" i="1" dirty="0">
                 <a:solidFill>
                   <a:schemeClr val="dk2"/>
                 </a:solidFill>

--- a/Final Presentation.pptx
+++ b/Final Presentation.pptx
@@ -17142,7 +17142,7 @@
               <a:buAutoNum type="arabicPeriod"/>
             </a:pPr>
             <a:r>
-              <a:rPr lang="en-GB" sz="4000" dirty="0">
+              <a:rPr lang="en-GB" sz="4000">
                 <a:sym typeface="Nunito"/>
               </a:rPr>
               <a:t>Neighbourhood</a:t>
@@ -17154,22 +17154,16 @@
               <a:buAutoNum type="arabicPeriod"/>
             </a:pPr>
             <a:r>
+              <a:rPr lang="en-GB" sz="4000">
+                <a:sym typeface="Nunito"/>
+              </a:rPr>
+              <a:t>Distance </a:t>
+            </a:r>
+            <a:r>
               <a:rPr lang="en-GB" sz="4000" dirty="0">
                 <a:sym typeface="Nunito"/>
               </a:rPr>
-              <a:t>Block of Crime</a:t>
-            </a:r>
-          </a:p>
-          <a:p>
-            <a:pPr marL="742950" indent="-742950">
-              <a:buFont typeface="+mj-lt"/>
-              <a:buAutoNum type="arabicPeriod"/>
-            </a:pPr>
-            <a:r>
-              <a:rPr lang="en-GB" sz="4000" dirty="0">
-                <a:sym typeface="Nunito"/>
-              </a:rPr>
-              <a:t>Distance from nearest Graffiti</a:t>
+              <a:t>from nearest Graffiti</a:t>
             </a:r>
           </a:p>
           <a:p>

--- a/Final Presentation.pptx
+++ b/Final Presentation.pptx
@@ -15381,7 +15381,7 @@
               <a:buChar char="-"/>
             </a:pPr>
             <a:r>
-              <a:rPr lang="en-GB" sz="5400" b="1" dirty="0">
+              <a:rPr lang="en-GB" sz="5400" dirty="0">
                 <a:solidFill>
                   <a:schemeClr val="dk2"/>
                 </a:solidFill>
@@ -15398,7 +15398,7 @@
               <a:buFontTx/>
               <a:buChar char="-"/>
             </a:pPr>
-            <a:endParaRPr lang="en-GB" sz="5400" b="1" dirty="0">
+            <a:endParaRPr lang="en-GB" sz="5400" dirty="0">
               <a:solidFill>
                 <a:schemeClr val="dk2"/>
               </a:solidFill>
@@ -15414,7 +15414,7 @@
               <a:buChar char="-"/>
             </a:pPr>
             <a:r>
-              <a:rPr lang="en-GB" sz="5400" b="1" dirty="0">
+              <a:rPr lang="en-GB" sz="5400" dirty="0">
                 <a:solidFill>
                   <a:schemeClr val="dk2"/>
                 </a:solidFill>
@@ -15431,7 +15431,7 @@
               <a:buFontTx/>
               <a:buChar char="-"/>
             </a:pPr>
-            <a:endParaRPr lang="en-GB" sz="5400" b="1" dirty="0">
+            <a:endParaRPr lang="en-GB" sz="5400" dirty="0">
               <a:solidFill>
                 <a:schemeClr val="dk2"/>
               </a:solidFill>
@@ -15447,7 +15447,7 @@
               <a:buChar char="-"/>
             </a:pPr>
             <a:r>
-              <a:rPr lang="en-GB" sz="5400" b="1" dirty="0">
+              <a:rPr lang="en-GB" sz="5400" dirty="0">
                 <a:solidFill>
                   <a:schemeClr val="dk2"/>
                 </a:solidFill>
@@ -17142,7 +17142,7 @@
               <a:buAutoNum type="arabicPeriod"/>
             </a:pPr>
             <a:r>
-              <a:rPr lang="en-GB" sz="4000">
+              <a:rPr lang="en-GB" sz="4000" dirty="0">
                 <a:sym typeface="Nunito"/>
               </a:rPr>
               <a:t>Neighbourhood</a:t>
@@ -17154,16 +17154,10 @@
               <a:buAutoNum type="arabicPeriod"/>
             </a:pPr>
             <a:r>
-              <a:rPr lang="en-GB" sz="4000">
+              <a:rPr lang="en-GB" sz="4000" dirty="0">
                 <a:sym typeface="Nunito"/>
               </a:rPr>
-              <a:t>Distance </a:t>
-            </a:r>
-            <a:r>
-              <a:rPr lang="en-GB" sz="4000" dirty="0">
-                <a:sym typeface="Nunito"/>
-              </a:rPr>
-              <a:t>from nearest Graffiti</a:t>
+              <a:t>Distance from nearest Graffiti</a:t>
             </a:r>
           </a:p>
           <a:p>
@@ -17609,7 +17603,7 @@
             </a:r>
           </a:p>
           <a:p>
-            <a:pPr marL="685800" lvl="0" indent="-685800">
+            <a:pPr marL="685800" indent="-685800">
               <a:buFont typeface="Arial" panose="020B0604020202020204" pitchFamily="34" charset="0"/>
               <a:buChar char="•"/>
             </a:pPr>
@@ -17617,7 +17611,7 @@
               <a:rPr lang="en-US" sz="4000" dirty="0">
                 <a:sym typeface="Nunito"/>
               </a:rPr>
-              <a:t>Neighborhood</a:t>
+              <a:t>One hot encoded Neighborhood</a:t>
             </a:r>
           </a:p>
           <a:p>
